--- a/1 etim ds 2022/LPL/Padre José de Anchieta - Poema/Ao Santíssimo Sacramento.pptx
+++ b/1 etim ds 2022/LPL/Padre José de Anchieta - Poema/Ao Santíssimo Sacramento.pptx
@@ -2,7 +2,7 @@
 <file path=ppt/presentation.xml><?xml version="1.0" encoding="utf-8"?>
 <p:presentation xmlns:a="http://schemas.openxmlformats.org/drawingml/2006/main" xmlns:r="http://schemas.openxmlformats.org/officeDocument/2006/relationships" xmlns:p="http://schemas.openxmlformats.org/presentationml/2006/main" saveSubsetFonts="1">
   <p:sldMasterIdLst>
-    <p:sldMasterId id="2147483672" r:id="rId1"/>
+    <p:sldMasterId id="2147483708" r:id="rId1"/>
   </p:sldMasterIdLst>
   <p:sldIdLst>
     <p:sldId id="256" r:id="rId2"/>
@@ -27,7 +27,7 @@
     <a:defPPr>
       <a:defRPr lang="en-US"/>
     </a:defPPr>
-    <a:lvl1pPr marL="0" algn="l" defTabSz="914400" rtl="0" eaLnBrk="1" latinLnBrk="0" hangingPunct="1">
+    <a:lvl1pPr marL="0" algn="l" defTabSz="457200" rtl="0" eaLnBrk="1" latinLnBrk="0" hangingPunct="1">
       <a:defRPr sz="1800" kern="1200">
         <a:solidFill>
           <a:schemeClr val="tx1"/>
@@ -37,7 +37,7 @@
         <a:cs typeface="+mn-cs"/>
       </a:defRPr>
     </a:lvl1pPr>
-    <a:lvl2pPr marL="457200" algn="l" defTabSz="914400" rtl="0" eaLnBrk="1" latinLnBrk="0" hangingPunct="1">
+    <a:lvl2pPr marL="457200" algn="l" defTabSz="457200" rtl="0" eaLnBrk="1" latinLnBrk="0" hangingPunct="1">
       <a:defRPr sz="1800" kern="1200">
         <a:solidFill>
           <a:schemeClr val="tx1"/>
@@ -47,7 +47,7 @@
         <a:cs typeface="+mn-cs"/>
       </a:defRPr>
     </a:lvl2pPr>
-    <a:lvl3pPr marL="914400" algn="l" defTabSz="914400" rtl="0" eaLnBrk="1" latinLnBrk="0" hangingPunct="1">
+    <a:lvl3pPr marL="914400" algn="l" defTabSz="457200" rtl="0" eaLnBrk="1" latinLnBrk="0" hangingPunct="1">
       <a:defRPr sz="1800" kern="1200">
         <a:solidFill>
           <a:schemeClr val="tx1"/>
@@ -57,7 +57,7 @@
         <a:cs typeface="+mn-cs"/>
       </a:defRPr>
     </a:lvl3pPr>
-    <a:lvl4pPr marL="1371600" algn="l" defTabSz="914400" rtl="0" eaLnBrk="1" latinLnBrk="0" hangingPunct="1">
+    <a:lvl4pPr marL="1371600" algn="l" defTabSz="457200" rtl="0" eaLnBrk="1" latinLnBrk="0" hangingPunct="1">
       <a:defRPr sz="1800" kern="1200">
         <a:solidFill>
           <a:schemeClr val="tx1"/>
@@ -67,7 +67,7 @@
         <a:cs typeface="+mn-cs"/>
       </a:defRPr>
     </a:lvl4pPr>
-    <a:lvl5pPr marL="1828800" algn="l" defTabSz="914400" rtl="0" eaLnBrk="1" latinLnBrk="0" hangingPunct="1">
+    <a:lvl5pPr marL="1828800" algn="l" defTabSz="457200" rtl="0" eaLnBrk="1" latinLnBrk="0" hangingPunct="1">
       <a:defRPr sz="1800" kern="1200">
         <a:solidFill>
           <a:schemeClr val="tx1"/>
@@ -77,7 +77,7 @@
         <a:cs typeface="+mn-cs"/>
       </a:defRPr>
     </a:lvl5pPr>
-    <a:lvl6pPr marL="2286000" algn="l" defTabSz="914400" rtl="0" eaLnBrk="1" latinLnBrk="0" hangingPunct="1">
+    <a:lvl6pPr marL="2286000" algn="l" defTabSz="457200" rtl="0" eaLnBrk="1" latinLnBrk="0" hangingPunct="1">
       <a:defRPr sz="1800" kern="1200">
         <a:solidFill>
           <a:schemeClr val="tx1"/>
@@ -87,7 +87,7 @@
         <a:cs typeface="+mn-cs"/>
       </a:defRPr>
     </a:lvl6pPr>
-    <a:lvl7pPr marL="2743200" algn="l" defTabSz="914400" rtl="0" eaLnBrk="1" latinLnBrk="0" hangingPunct="1">
+    <a:lvl7pPr marL="2743200" algn="l" defTabSz="457200" rtl="0" eaLnBrk="1" latinLnBrk="0" hangingPunct="1">
       <a:defRPr sz="1800" kern="1200">
         <a:solidFill>
           <a:schemeClr val="tx1"/>
@@ -97,7 +97,7 @@
         <a:cs typeface="+mn-cs"/>
       </a:defRPr>
     </a:lvl7pPr>
-    <a:lvl8pPr marL="3200400" algn="l" defTabSz="914400" rtl="0" eaLnBrk="1" latinLnBrk="0" hangingPunct="1">
+    <a:lvl8pPr marL="3200400" algn="l" defTabSz="457200" rtl="0" eaLnBrk="1" latinLnBrk="0" hangingPunct="1">
       <a:defRPr sz="1800" kern="1200">
         <a:solidFill>
           <a:schemeClr val="tx1"/>
@@ -107,7 +107,7 @@
         <a:cs typeface="+mn-cs"/>
       </a:defRPr>
     </a:lvl8pPr>
-    <a:lvl9pPr marL="3657600" algn="l" defTabSz="914400" rtl="0" eaLnBrk="1" latinLnBrk="0" hangingPunct="1">
+    <a:lvl9pPr marL="3657600" algn="l" defTabSz="457200" rtl="0" eaLnBrk="1" latinLnBrk="0" hangingPunct="1">
       <a:defRPr sz="1800" kern="1200">
         <a:solidFill>
           <a:schemeClr val="tx1"/>
@@ -136,7 +136,7 @@
 
 <file path=ppt/slideLayouts/slideLayout1.xml><?xml version="1.0" encoding="utf-8"?>
 <p:sldLayout xmlns:a="http://schemas.openxmlformats.org/drawingml/2006/main" xmlns:r="http://schemas.openxmlformats.org/officeDocument/2006/relationships" xmlns:p="http://schemas.openxmlformats.org/presentationml/2006/main" type="title" preserve="1">
-  <p:cSld name="Title Slide">
+  <p:cSld name="Slide de Título">
     <p:spTree>
       <p:nvGrpSpPr>
         <p:cNvPr id="1" name=""/>
@@ -176,9 +176,10 @@
           </a:lstStyle>
           <a:p>
             <a:r>
-              <a:rPr lang="en-US" dirty="0"/>
-              <a:t>Click to edit Master title style</a:t>
-            </a:r>
+              <a:rPr lang="pt-BR"/>
+              <a:t>Clique para editar o título Mestre</a:t>
+            </a:r>
+            <a:endParaRPr lang="en-US" dirty="0"/>
           </a:p>
         </p:txBody>
       </p:sp>
@@ -240,9 +241,10 @@
           </a:lstStyle>
           <a:p>
             <a:r>
-              <a:rPr lang="en-US" dirty="0"/>
-              <a:t>Click to edit Master subtitle style</a:t>
-            </a:r>
+              <a:rPr lang="pt-BR"/>
+              <a:t>Clique para editar o estilo do subtítulo Mestre</a:t>
+            </a:r>
+            <a:endParaRPr lang="en-US" dirty="0"/>
           </a:p>
         </p:txBody>
       </p:sp>
@@ -262,8 +264,8 @@
           <a:lstStyle/>
           <a:p>
             <a:fld id="{C764DE79-268F-4C1A-8933-263129D2AF90}" type="datetimeFigureOut">
-              <a:rPr lang="en-US" dirty="0"/>
-              <a:t>8/23/2022</a:t>
+              <a:rPr lang="en-US" smtClean="0"/>
+              <a:t>8/24/2022</a:t>
             </a:fld>
             <a:endParaRPr lang="en-US" dirty="0"/>
           </a:p>
@@ -304,8 +306,8 @@
           <a:lstStyle/>
           <a:p>
             <a:fld id="{48F63A3B-78C7-47BE-AE5E-E10140E04643}" type="slidenum">
-              <a:rPr lang="en-US" dirty="0"/>
-              <a:t>‹#›</a:t>
+              <a:rPr lang="en-US" smtClean="0"/>
+              <a:t>‹nº›</a:t>
             </a:fld>
             <a:endParaRPr lang="en-US" dirty="0"/>
           </a:p>
@@ -314,7 +316,7 @@
     </p:spTree>
     <p:extLst>
       <p:ext uri="{BB962C8B-B14F-4D97-AF65-F5344CB8AC3E}">
-        <p14:creationId xmlns:p14="http://schemas.microsoft.com/office/powerpoint/2010/main" val="3231357932"/>
+        <p14:creationId xmlns:p14="http://schemas.microsoft.com/office/powerpoint/2010/main" val="208969481"/>
       </p:ext>
     </p:extLst>
   </p:cSld>
@@ -326,7 +328,7 @@
 
 <file path=ppt/slideLayouts/slideLayout10.xml><?xml version="1.0" encoding="utf-8"?>
 <p:sldLayout xmlns:a="http://schemas.openxmlformats.org/drawingml/2006/main" xmlns:r="http://schemas.openxmlformats.org/officeDocument/2006/relationships" xmlns:p="http://schemas.openxmlformats.org/presentationml/2006/main" type="vertTx" preserve="1">
-  <p:cSld name="Title and Vertical Text">
+  <p:cSld name="Título e Texto Vertical">
     <p:spTree>
       <p:nvGrpSpPr>
         <p:cNvPr id="1" name=""/>
@@ -357,9 +359,10 @@
           <a:lstStyle/>
           <a:p>
             <a:r>
-              <a:rPr lang="en-US" dirty="0"/>
-              <a:t>Click to edit Master title style</a:t>
-            </a:r>
+              <a:rPr lang="pt-BR"/>
+              <a:t>Clique para editar o título Mestre</a:t>
+            </a:r>
+            <a:endParaRPr lang="en-US" dirty="0"/>
           </a:p>
         </p:txBody>
       </p:sp>
@@ -380,37 +383,38 @@
           <a:p>
             <a:pPr lvl="0"/>
             <a:r>
-              <a:rPr lang="en-US" dirty="0"/>
-              <a:t>Click to edit Master text styles</a:t>
+              <a:rPr lang="pt-BR"/>
+              <a:t>Editar estilos de texto Mestre</a:t>
             </a:r>
           </a:p>
           <a:p>
             <a:pPr lvl="1"/>
             <a:r>
-              <a:rPr lang="en-US" dirty="0"/>
-              <a:t>Second level</a:t>
+              <a:rPr lang="pt-BR"/>
+              <a:t>Segundo nível</a:t>
             </a:r>
           </a:p>
           <a:p>
             <a:pPr lvl="2"/>
             <a:r>
-              <a:rPr lang="en-US" dirty="0"/>
-              <a:t>Third level</a:t>
+              <a:rPr lang="pt-BR"/>
+              <a:t>Terceiro nível</a:t>
             </a:r>
           </a:p>
           <a:p>
             <a:pPr lvl="3"/>
             <a:r>
-              <a:rPr lang="en-US" dirty="0"/>
-              <a:t>Fourth level</a:t>
+              <a:rPr lang="pt-BR"/>
+              <a:t>Quarto nível</a:t>
             </a:r>
           </a:p>
           <a:p>
             <a:pPr lvl="4"/>
             <a:r>
-              <a:rPr lang="en-US" dirty="0"/>
-              <a:t>Fifth level</a:t>
-            </a:r>
+              <a:rPr lang="pt-BR"/>
+              <a:t>Quinto nível</a:t>
+            </a:r>
+            <a:endParaRPr lang="en-US" dirty="0"/>
           </a:p>
         </p:txBody>
       </p:sp>
@@ -430,8 +434,8 @@
           <a:lstStyle/>
           <a:p>
             <a:fld id="{C764DE79-268F-4C1A-8933-263129D2AF90}" type="datetimeFigureOut">
-              <a:rPr lang="en-US" dirty="0"/>
-              <a:t>8/23/2022</a:t>
+              <a:rPr lang="en-US" smtClean="0"/>
+              <a:t>8/24/2022</a:t>
             </a:fld>
             <a:endParaRPr lang="en-US" dirty="0"/>
           </a:p>
@@ -472,8 +476,8 @@
           <a:lstStyle/>
           <a:p>
             <a:fld id="{48F63A3B-78C7-47BE-AE5E-E10140E04643}" type="slidenum">
-              <a:rPr lang="en-US" dirty="0"/>
-              <a:t>‹#›</a:t>
+              <a:rPr lang="en-US" smtClean="0"/>
+              <a:t>‹nº›</a:t>
             </a:fld>
             <a:endParaRPr lang="en-US" dirty="0"/>
           </a:p>
@@ -482,7 +486,7 @@
     </p:spTree>
     <p:extLst>
       <p:ext uri="{BB962C8B-B14F-4D97-AF65-F5344CB8AC3E}">
-        <p14:creationId xmlns:p14="http://schemas.microsoft.com/office/powerpoint/2010/main" val="1700251788"/>
+        <p14:creationId xmlns:p14="http://schemas.microsoft.com/office/powerpoint/2010/main" val="2361748329"/>
       </p:ext>
     </p:extLst>
   </p:cSld>
@@ -494,7 +498,7 @@
 
 <file path=ppt/slideLayouts/slideLayout11.xml><?xml version="1.0" encoding="utf-8"?>
 <p:sldLayout xmlns:a="http://schemas.openxmlformats.org/drawingml/2006/main" xmlns:r="http://schemas.openxmlformats.org/officeDocument/2006/relationships" xmlns:p="http://schemas.openxmlformats.org/presentationml/2006/main" type="vertTitleAndTx" preserve="1">
-  <p:cSld name="Vertical Title and Text">
+  <p:cSld name="Texto e Título Vertical">
     <p:spTree>
       <p:nvGrpSpPr>
         <p:cNvPr id="1" name=""/>
@@ -530,9 +534,10 @@
           <a:lstStyle/>
           <a:p>
             <a:r>
-              <a:rPr lang="en-US" dirty="0"/>
-              <a:t>Click to edit Master title style</a:t>
-            </a:r>
+              <a:rPr lang="pt-BR"/>
+              <a:t>Clique para editar o título Mestre</a:t>
+            </a:r>
+            <a:endParaRPr lang="en-US" dirty="0"/>
           </a:p>
         </p:txBody>
       </p:sp>
@@ -558,37 +563,38 @@
           <a:p>
             <a:pPr lvl="0"/>
             <a:r>
-              <a:rPr lang="en-US" dirty="0"/>
-              <a:t>Click to edit Master text styles</a:t>
+              <a:rPr lang="pt-BR"/>
+              <a:t>Editar estilos de texto Mestre</a:t>
             </a:r>
           </a:p>
           <a:p>
             <a:pPr lvl="1"/>
             <a:r>
-              <a:rPr lang="en-US" dirty="0"/>
-              <a:t>Second level</a:t>
+              <a:rPr lang="pt-BR"/>
+              <a:t>Segundo nível</a:t>
             </a:r>
           </a:p>
           <a:p>
             <a:pPr lvl="2"/>
             <a:r>
-              <a:rPr lang="en-US" dirty="0"/>
-              <a:t>Third level</a:t>
+              <a:rPr lang="pt-BR"/>
+              <a:t>Terceiro nível</a:t>
             </a:r>
           </a:p>
           <a:p>
             <a:pPr lvl="3"/>
             <a:r>
-              <a:rPr lang="en-US" dirty="0"/>
-              <a:t>Fourth level</a:t>
+              <a:rPr lang="pt-BR"/>
+              <a:t>Quarto nível</a:t>
             </a:r>
           </a:p>
           <a:p>
             <a:pPr lvl="4"/>
             <a:r>
-              <a:rPr lang="en-US" dirty="0"/>
-              <a:t>Fifth level</a:t>
-            </a:r>
+              <a:rPr lang="pt-BR"/>
+              <a:t>Quinto nível</a:t>
+            </a:r>
+            <a:endParaRPr lang="en-US" dirty="0"/>
           </a:p>
         </p:txBody>
       </p:sp>
@@ -608,8 +614,8 @@
           <a:lstStyle/>
           <a:p>
             <a:fld id="{C764DE79-268F-4C1A-8933-263129D2AF90}" type="datetimeFigureOut">
-              <a:rPr lang="en-US" dirty="0"/>
-              <a:t>8/23/2022</a:t>
+              <a:rPr lang="en-US" smtClean="0"/>
+              <a:t>8/24/2022</a:t>
             </a:fld>
             <a:endParaRPr lang="en-US" dirty="0"/>
           </a:p>
@@ -650,8 +656,8 @@
           <a:lstStyle/>
           <a:p>
             <a:fld id="{48F63A3B-78C7-47BE-AE5E-E10140E04643}" type="slidenum">
-              <a:rPr lang="en-US" dirty="0"/>
-              <a:t>‹#›</a:t>
+              <a:rPr lang="en-US" smtClean="0"/>
+              <a:t>‹nº›</a:t>
             </a:fld>
             <a:endParaRPr lang="en-US" dirty="0"/>
           </a:p>
@@ -660,7 +666,7 @@
     </p:spTree>
     <p:extLst>
       <p:ext uri="{BB962C8B-B14F-4D97-AF65-F5344CB8AC3E}">
-        <p14:creationId xmlns:p14="http://schemas.microsoft.com/office/powerpoint/2010/main" val="2616000746"/>
+        <p14:creationId xmlns:p14="http://schemas.microsoft.com/office/powerpoint/2010/main" val="107060536"/>
       </p:ext>
     </p:extLst>
   </p:cSld>
@@ -672,7 +678,7 @@
 
 <file path=ppt/slideLayouts/slideLayout2.xml><?xml version="1.0" encoding="utf-8"?>
 <p:sldLayout xmlns:a="http://schemas.openxmlformats.org/drawingml/2006/main" xmlns:r="http://schemas.openxmlformats.org/officeDocument/2006/relationships" xmlns:p="http://schemas.openxmlformats.org/presentationml/2006/main" type="obj" preserve="1">
-  <p:cSld name="Title and Content">
+  <p:cSld name="Título e Conteúdo">
     <p:spTree>
       <p:nvGrpSpPr>
         <p:cNvPr id="1" name=""/>
@@ -703,9 +709,10 @@
           <a:lstStyle/>
           <a:p>
             <a:r>
-              <a:rPr lang="en-US" dirty="0"/>
-              <a:t>Click to edit Master title style</a:t>
-            </a:r>
+              <a:rPr lang="pt-BR"/>
+              <a:t>Clique para editar o título Mestre</a:t>
+            </a:r>
+            <a:endParaRPr lang="en-US" dirty="0"/>
           </a:p>
         </p:txBody>
       </p:sp>
@@ -726,37 +733,38 @@
           <a:p>
             <a:pPr lvl="0"/>
             <a:r>
-              <a:rPr lang="en-US" dirty="0"/>
-              <a:t>Click to edit Master text styles</a:t>
+              <a:rPr lang="pt-BR"/>
+              <a:t>Editar estilos de texto Mestre</a:t>
             </a:r>
           </a:p>
           <a:p>
             <a:pPr lvl="1"/>
             <a:r>
-              <a:rPr lang="en-US" dirty="0"/>
-              <a:t>Second level</a:t>
+              <a:rPr lang="pt-BR"/>
+              <a:t>Segundo nível</a:t>
             </a:r>
           </a:p>
           <a:p>
             <a:pPr lvl="2"/>
             <a:r>
-              <a:rPr lang="en-US" dirty="0"/>
-              <a:t>Third level</a:t>
+              <a:rPr lang="pt-BR"/>
+              <a:t>Terceiro nível</a:t>
             </a:r>
           </a:p>
           <a:p>
             <a:pPr lvl="3"/>
             <a:r>
-              <a:rPr lang="en-US" dirty="0"/>
-              <a:t>Fourth level</a:t>
+              <a:rPr lang="pt-BR"/>
+              <a:t>Quarto nível</a:t>
             </a:r>
           </a:p>
           <a:p>
             <a:pPr lvl="4"/>
             <a:r>
-              <a:rPr lang="en-US" dirty="0"/>
-              <a:t>Fifth level</a:t>
-            </a:r>
+              <a:rPr lang="pt-BR"/>
+              <a:t>Quinto nível</a:t>
+            </a:r>
+            <a:endParaRPr lang="en-US" dirty="0"/>
           </a:p>
         </p:txBody>
       </p:sp>
@@ -776,8 +784,8 @@
           <a:lstStyle/>
           <a:p>
             <a:fld id="{C764DE79-268F-4C1A-8933-263129D2AF90}" type="datetimeFigureOut">
-              <a:rPr lang="en-US" dirty="0"/>
-              <a:t>8/23/2022</a:t>
+              <a:rPr lang="en-US" smtClean="0"/>
+              <a:t>8/24/2022</a:t>
             </a:fld>
             <a:endParaRPr lang="en-US" dirty="0"/>
           </a:p>
@@ -818,8 +826,8 @@
           <a:lstStyle/>
           <a:p>
             <a:fld id="{48F63A3B-78C7-47BE-AE5E-E10140E04643}" type="slidenum">
-              <a:rPr lang="en-US" dirty="0"/>
-              <a:t>‹#›</a:t>
+              <a:rPr lang="en-US" smtClean="0"/>
+              <a:t>‹nº›</a:t>
             </a:fld>
             <a:endParaRPr lang="en-US" dirty="0"/>
           </a:p>
@@ -828,7 +836,7 @@
     </p:spTree>
     <p:extLst>
       <p:ext uri="{BB962C8B-B14F-4D97-AF65-F5344CB8AC3E}">
-        <p14:creationId xmlns:p14="http://schemas.microsoft.com/office/powerpoint/2010/main" val="1681721381"/>
+        <p14:creationId xmlns:p14="http://schemas.microsoft.com/office/powerpoint/2010/main" val="2121034947"/>
       </p:ext>
     </p:extLst>
   </p:cSld>
@@ -840,7 +848,7 @@
 
 <file path=ppt/slideLayouts/slideLayout3.xml><?xml version="1.0" encoding="utf-8"?>
 <p:sldLayout xmlns:a="http://schemas.openxmlformats.org/drawingml/2006/main" xmlns:r="http://schemas.openxmlformats.org/officeDocument/2006/relationships" xmlns:p="http://schemas.openxmlformats.org/presentationml/2006/main" type="secHead" preserve="1">
-  <p:cSld name="Section Header">
+  <p:cSld name="Cabeçalho da Seção">
     <p:spTree>
       <p:nvGrpSpPr>
         <p:cNvPr id="1" name=""/>
@@ -880,9 +888,10 @@
           </a:lstStyle>
           <a:p>
             <a:r>
-              <a:rPr lang="en-US" dirty="0"/>
-              <a:t>Click to edit Master title style</a:t>
-            </a:r>
+              <a:rPr lang="pt-BR"/>
+              <a:t>Clique para editar o título Mestre</a:t>
+            </a:r>
+            <a:endParaRPr lang="en-US" dirty="0"/>
           </a:p>
         </p:txBody>
       </p:sp>
@@ -999,8 +1008,8 @@
           <a:p>
             <a:pPr lvl="0"/>
             <a:r>
-              <a:rPr lang="en-US" dirty="0"/>
-              <a:t>Click to edit Master text styles</a:t>
+              <a:rPr lang="pt-BR"/>
+              <a:t>Editar estilos de texto Mestre</a:t>
             </a:r>
           </a:p>
         </p:txBody>
@@ -1021,8 +1030,8 @@
           <a:lstStyle/>
           <a:p>
             <a:fld id="{C764DE79-268F-4C1A-8933-263129D2AF90}" type="datetimeFigureOut">
-              <a:rPr lang="en-US" dirty="0"/>
-              <a:t>8/23/2022</a:t>
+              <a:rPr lang="en-US" smtClean="0"/>
+              <a:t>8/24/2022</a:t>
             </a:fld>
             <a:endParaRPr lang="en-US" dirty="0"/>
           </a:p>
@@ -1063,8 +1072,8 @@
           <a:lstStyle/>
           <a:p>
             <a:fld id="{48F63A3B-78C7-47BE-AE5E-E10140E04643}" type="slidenum">
-              <a:rPr lang="en-US" dirty="0"/>
-              <a:t>‹#›</a:t>
+              <a:rPr lang="en-US" smtClean="0"/>
+              <a:t>‹nº›</a:t>
             </a:fld>
             <a:endParaRPr lang="en-US" dirty="0"/>
           </a:p>
@@ -1073,7 +1082,7 @@
     </p:spTree>
     <p:extLst>
       <p:ext uri="{BB962C8B-B14F-4D97-AF65-F5344CB8AC3E}">
-        <p14:creationId xmlns:p14="http://schemas.microsoft.com/office/powerpoint/2010/main" val="1141635150"/>
+        <p14:creationId xmlns:p14="http://schemas.microsoft.com/office/powerpoint/2010/main" val="1327420330"/>
       </p:ext>
     </p:extLst>
   </p:cSld>
@@ -1085,7 +1094,7 @@
 
 <file path=ppt/slideLayouts/slideLayout4.xml><?xml version="1.0" encoding="utf-8"?>
 <p:sldLayout xmlns:a="http://schemas.openxmlformats.org/drawingml/2006/main" xmlns:r="http://schemas.openxmlformats.org/officeDocument/2006/relationships" xmlns:p="http://schemas.openxmlformats.org/presentationml/2006/main" type="twoObj" preserve="1">
-  <p:cSld name="Two Content">
+  <p:cSld name="Duas Partes de Conteúdo">
     <p:spTree>
       <p:nvGrpSpPr>
         <p:cNvPr id="1" name=""/>
@@ -1116,9 +1125,10 @@
           <a:lstStyle/>
           <a:p>
             <a:r>
-              <a:rPr lang="en-US" dirty="0"/>
-              <a:t>Click to edit Master title style</a:t>
-            </a:r>
+              <a:rPr lang="pt-BR"/>
+              <a:t>Clique para editar o título Mestre</a:t>
+            </a:r>
+            <a:endParaRPr lang="en-US" dirty="0"/>
           </a:p>
         </p:txBody>
       </p:sp>
@@ -1144,37 +1154,38 @@
           <a:p>
             <a:pPr lvl="0"/>
             <a:r>
-              <a:rPr lang="en-US" dirty="0"/>
-              <a:t>Click to edit Master text styles</a:t>
+              <a:rPr lang="pt-BR"/>
+              <a:t>Editar estilos de texto Mestre</a:t>
             </a:r>
           </a:p>
           <a:p>
             <a:pPr lvl="1"/>
             <a:r>
-              <a:rPr lang="en-US" dirty="0"/>
-              <a:t>Second level</a:t>
+              <a:rPr lang="pt-BR"/>
+              <a:t>Segundo nível</a:t>
             </a:r>
           </a:p>
           <a:p>
             <a:pPr lvl="2"/>
             <a:r>
-              <a:rPr lang="en-US" dirty="0"/>
-              <a:t>Third level</a:t>
+              <a:rPr lang="pt-BR"/>
+              <a:t>Terceiro nível</a:t>
             </a:r>
           </a:p>
           <a:p>
             <a:pPr lvl="3"/>
             <a:r>
-              <a:rPr lang="en-US" dirty="0"/>
-              <a:t>Fourth level</a:t>
+              <a:rPr lang="pt-BR"/>
+              <a:t>Quarto nível</a:t>
             </a:r>
           </a:p>
           <a:p>
             <a:pPr lvl="4"/>
             <a:r>
-              <a:rPr lang="en-US" dirty="0"/>
-              <a:t>Fifth level</a:t>
-            </a:r>
+              <a:rPr lang="pt-BR"/>
+              <a:t>Quinto nível</a:t>
+            </a:r>
+            <a:endParaRPr lang="en-US" dirty="0"/>
           </a:p>
         </p:txBody>
       </p:sp>
@@ -1200,37 +1211,38 @@
           <a:p>
             <a:pPr lvl="0"/>
             <a:r>
-              <a:rPr lang="en-US" dirty="0"/>
-              <a:t>Click to edit Master text styles</a:t>
+              <a:rPr lang="pt-BR"/>
+              <a:t>Editar estilos de texto Mestre</a:t>
             </a:r>
           </a:p>
           <a:p>
             <a:pPr lvl="1"/>
             <a:r>
-              <a:rPr lang="en-US" dirty="0"/>
-              <a:t>Second level</a:t>
+              <a:rPr lang="pt-BR"/>
+              <a:t>Segundo nível</a:t>
             </a:r>
           </a:p>
           <a:p>
             <a:pPr lvl="2"/>
             <a:r>
-              <a:rPr lang="en-US" dirty="0"/>
-              <a:t>Third level</a:t>
+              <a:rPr lang="pt-BR"/>
+              <a:t>Terceiro nível</a:t>
             </a:r>
           </a:p>
           <a:p>
             <a:pPr lvl="3"/>
             <a:r>
-              <a:rPr lang="en-US" dirty="0"/>
-              <a:t>Fourth level</a:t>
+              <a:rPr lang="pt-BR"/>
+              <a:t>Quarto nível</a:t>
             </a:r>
           </a:p>
           <a:p>
             <a:pPr lvl="4"/>
             <a:r>
-              <a:rPr lang="en-US" dirty="0"/>
-              <a:t>Fifth level</a:t>
-            </a:r>
+              <a:rPr lang="pt-BR"/>
+              <a:t>Quinto nível</a:t>
+            </a:r>
+            <a:endParaRPr lang="en-US" dirty="0"/>
           </a:p>
         </p:txBody>
       </p:sp>
@@ -1250,8 +1262,8 @@
           <a:lstStyle/>
           <a:p>
             <a:fld id="{C764DE79-268F-4C1A-8933-263129D2AF90}" type="datetimeFigureOut">
-              <a:rPr lang="en-US" dirty="0"/>
-              <a:t>8/23/2022</a:t>
+              <a:rPr lang="en-US" smtClean="0"/>
+              <a:t>8/24/2022</a:t>
             </a:fld>
             <a:endParaRPr lang="en-US" dirty="0"/>
           </a:p>
@@ -1292,8 +1304,8 @@
           <a:lstStyle/>
           <a:p>
             <a:fld id="{48F63A3B-78C7-47BE-AE5E-E10140E04643}" type="slidenum">
-              <a:rPr lang="en-US" dirty="0"/>
-              <a:t>‹#›</a:t>
+              <a:rPr lang="en-US" smtClean="0"/>
+              <a:t>‹nº›</a:t>
             </a:fld>
             <a:endParaRPr lang="en-US" dirty="0"/>
           </a:p>
@@ -1302,7 +1314,7 @@
     </p:spTree>
     <p:extLst>
       <p:ext uri="{BB962C8B-B14F-4D97-AF65-F5344CB8AC3E}">
-        <p14:creationId xmlns:p14="http://schemas.microsoft.com/office/powerpoint/2010/main" val="2615855283"/>
+        <p14:creationId xmlns:p14="http://schemas.microsoft.com/office/powerpoint/2010/main" val="2492472057"/>
       </p:ext>
     </p:extLst>
   </p:cSld>
@@ -1314,7 +1326,7 @@
 
 <file path=ppt/slideLayouts/slideLayout5.xml><?xml version="1.0" encoding="utf-8"?>
 <p:sldLayout xmlns:a="http://schemas.openxmlformats.org/drawingml/2006/main" xmlns:r="http://schemas.openxmlformats.org/officeDocument/2006/relationships" xmlns:p="http://schemas.openxmlformats.org/presentationml/2006/main" type="twoTxTwoObj" preserve="1">
-  <p:cSld name="Comparison">
+  <p:cSld name="Comparação">
     <p:spTree>
       <p:nvGrpSpPr>
         <p:cNvPr id="1" name=""/>
@@ -1350,9 +1362,10 @@
           <a:lstStyle/>
           <a:p>
             <a:r>
-              <a:rPr lang="en-US" dirty="0"/>
-              <a:t>Click to edit Master title style</a:t>
-            </a:r>
+              <a:rPr lang="pt-BR"/>
+              <a:t>Clique para editar o título Mestre</a:t>
+            </a:r>
+            <a:endParaRPr lang="en-US" dirty="0"/>
           </a:p>
         </p:txBody>
       </p:sp>
@@ -1415,8 +1428,8 @@
           <a:p>
             <a:pPr lvl="0"/>
             <a:r>
-              <a:rPr lang="en-US" dirty="0"/>
-              <a:t>Click to edit Master text styles</a:t>
+              <a:rPr lang="pt-BR"/>
+              <a:t>Editar estilos de texto Mestre</a:t>
             </a:r>
           </a:p>
         </p:txBody>
@@ -1443,37 +1456,38 @@
           <a:p>
             <a:pPr lvl="0"/>
             <a:r>
-              <a:rPr lang="en-US" dirty="0"/>
-              <a:t>Click to edit Master text styles</a:t>
+              <a:rPr lang="pt-BR"/>
+              <a:t>Editar estilos de texto Mestre</a:t>
             </a:r>
           </a:p>
           <a:p>
             <a:pPr lvl="1"/>
             <a:r>
-              <a:rPr lang="en-US" dirty="0"/>
-              <a:t>Second level</a:t>
+              <a:rPr lang="pt-BR"/>
+              <a:t>Segundo nível</a:t>
             </a:r>
           </a:p>
           <a:p>
             <a:pPr lvl="2"/>
             <a:r>
-              <a:rPr lang="en-US" dirty="0"/>
-              <a:t>Third level</a:t>
+              <a:rPr lang="pt-BR"/>
+              <a:t>Terceiro nível</a:t>
             </a:r>
           </a:p>
           <a:p>
             <a:pPr lvl="3"/>
             <a:r>
-              <a:rPr lang="en-US" dirty="0"/>
-              <a:t>Fourth level</a:t>
+              <a:rPr lang="pt-BR"/>
+              <a:t>Quarto nível</a:t>
             </a:r>
           </a:p>
           <a:p>
             <a:pPr lvl="4"/>
             <a:r>
-              <a:rPr lang="en-US" dirty="0"/>
-              <a:t>Fifth level</a:t>
-            </a:r>
+              <a:rPr lang="pt-BR"/>
+              <a:t>Quinto nível</a:t>
+            </a:r>
+            <a:endParaRPr lang="en-US" dirty="0"/>
           </a:p>
         </p:txBody>
       </p:sp>
@@ -1536,8 +1550,8 @@
           <a:p>
             <a:pPr lvl="0"/>
             <a:r>
-              <a:rPr lang="en-US" dirty="0"/>
-              <a:t>Click to edit Master text styles</a:t>
+              <a:rPr lang="pt-BR"/>
+              <a:t>Editar estilos de texto Mestre</a:t>
             </a:r>
           </a:p>
         </p:txBody>
@@ -1564,37 +1578,38 @@
           <a:p>
             <a:pPr lvl="0"/>
             <a:r>
-              <a:rPr lang="en-US" dirty="0"/>
-              <a:t>Click to edit Master text styles</a:t>
+              <a:rPr lang="pt-BR"/>
+              <a:t>Editar estilos de texto Mestre</a:t>
             </a:r>
           </a:p>
           <a:p>
             <a:pPr lvl="1"/>
             <a:r>
-              <a:rPr lang="en-US" dirty="0"/>
-              <a:t>Second level</a:t>
+              <a:rPr lang="pt-BR"/>
+              <a:t>Segundo nível</a:t>
             </a:r>
           </a:p>
           <a:p>
             <a:pPr lvl="2"/>
             <a:r>
-              <a:rPr lang="en-US" dirty="0"/>
-              <a:t>Third level</a:t>
+              <a:rPr lang="pt-BR"/>
+              <a:t>Terceiro nível</a:t>
             </a:r>
           </a:p>
           <a:p>
             <a:pPr lvl="3"/>
             <a:r>
-              <a:rPr lang="en-US" dirty="0"/>
-              <a:t>Fourth level</a:t>
+              <a:rPr lang="pt-BR"/>
+              <a:t>Quarto nível</a:t>
             </a:r>
           </a:p>
           <a:p>
             <a:pPr lvl="4"/>
             <a:r>
-              <a:rPr lang="en-US" dirty="0"/>
-              <a:t>Fifth level</a:t>
-            </a:r>
+              <a:rPr lang="pt-BR"/>
+              <a:t>Quinto nível</a:t>
+            </a:r>
+            <a:endParaRPr lang="en-US" dirty="0"/>
           </a:p>
         </p:txBody>
       </p:sp>
@@ -1614,8 +1629,8 @@
           <a:lstStyle/>
           <a:p>
             <a:fld id="{C764DE79-268F-4C1A-8933-263129D2AF90}" type="datetimeFigureOut">
-              <a:rPr lang="en-US" dirty="0"/>
-              <a:t>8/23/2022</a:t>
+              <a:rPr lang="en-US" smtClean="0"/>
+              <a:t>8/24/2022</a:t>
             </a:fld>
             <a:endParaRPr lang="en-US" dirty="0"/>
           </a:p>
@@ -1656,8 +1671,8 @@
           <a:lstStyle/>
           <a:p>
             <a:fld id="{48F63A3B-78C7-47BE-AE5E-E10140E04643}" type="slidenum">
-              <a:rPr lang="en-US" dirty="0"/>
-              <a:t>‹#›</a:t>
+              <a:rPr lang="en-US" smtClean="0"/>
+              <a:t>‹nº›</a:t>
             </a:fld>
             <a:endParaRPr lang="en-US" dirty="0"/>
           </a:p>
@@ -1666,7 +1681,7 @@
     </p:spTree>
     <p:extLst>
       <p:ext uri="{BB962C8B-B14F-4D97-AF65-F5344CB8AC3E}">
-        <p14:creationId xmlns:p14="http://schemas.microsoft.com/office/powerpoint/2010/main" val="3743942475"/>
+        <p14:creationId xmlns:p14="http://schemas.microsoft.com/office/powerpoint/2010/main" val="4167829419"/>
       </p:ext>
     </p:extLst>
   </p:cSld>
@@ -1678,7 +1693,7 @@
 
 <file path=ppt/slideLayouts/slideLayout6.xml><?xml version="1.0" encoding="utf-8"?>
 <p:sldLayout xmlns:a="http://schemas.openxmlformats.org/drawingml/2006/main" xmlns:r="http://schemas.openxmlformats.org/officeDocument/2006/relationships" xmlns:p="http://schemas.openxmlformats.org/presentationml/2006/main" type="titleOnly" preserve="1">
-  <p:cSld name="Title Only">
+  <p:cSld name="Somente Título">
     <p:spTree>
       <p:nvGrpSpPr>
         <p:cNvPr id="1" name=""/>
@@ -1709,9 +1724,10 @@
           <a:lstStyle/>
           <a:p>
             <a:r>
-              <a:rPr lang="en-US" dirty="0"/>
-              <a:t>Click to edit Master title style</a:t>
-            </a:r>
+              <a:rPr lang="pt-BR"/>
+              <a:t>Clique para editar o título Mestre</a:t>
+            </a:r>
+            <a:endParaRPr lang="en-US" dirty="0"/>
           </a:p>
         </p:txBody>
       </p:sp>
@@ -1731,8 +1747,8 @@
           <a:lstStyle/>
           <a:p>
             <a:fld id="{C764DE79-268F-4C1A-8933-263129D2AF90}" type="datetimeFigureOut">
-              <a:rPr lang="en-US" dirty="0"/>
-              <a:t>8/23/2022</a:t>
+              <a:rPr lang="en-US" smtClean="0"/>
+              <a:t>8/24/2022</a:t>
             </a:fld>
             <a:endParaRPr lang="en-US" dirty="0"/>
           </a:p>
@@ -1773,8 +1789,8 @@
           <a:lstStyle/>
           <a:p>
             <a:fld id="{48F63A3B-78C7-47BE-AE5E-E10140E04643}" type="slidenum">
-              <a:rPr lang="en-US" dirty="0"/>
-              <a:t>‹#›</a:t>
+              <a:rPr lang="en-US" smtClean="0"/>
+              <a:t>‹nº›</a:t>
             </a:fld>
             <a:endParaRPr lang="en-US" dirty="0"/>
           </a:p>
@@ -1783,7 +1799,7 @@
     </p:spTree>
     <p:extLst>
       <p:ext uri="{BB962C8B-B14F-4D97-AF65-F5344CB8AC3E}">
-        <p14:creationId xmlns:p14="http://schemas.microsoft.com/office/powerpoint/2010/main" val="1357254684"/>
+        <p14:creationId xmlns:p14="http://schemas.microsoft.com/office/powerpoint/2010/main" val="4031318458"/>
       </p:ext>
     </p:extLst>
   </p:cSld>
@@ -1795,7 +1811,7 @@
 
 <file path=ppt/slideLayouts/slideLayout7.xml><?xml version="1.0" encoding="utf-8"?>
 <p:sldLayout xmlns:a="http://schemas.openxmlformats.org/drawingml/2006/main" xmlns:r="http://schemas.openxmlformats.org/officeDocument/2006/relationships" xmlns:p="http://schemas.openxmlformats.org/presentationml/2006/main" type="blank" preserve="1">
-  <p:cSld name="Blank">
+  <p:cSld name="Em Branco">
     <p:spTree>
       <p:nvGrpSpPr>
         <p:cNvPr id="1" name=""/>
@@ -1826,8 +1842,8 @@
           <a:lstStyle/>
           <a:p>
             <a:fld id="{C764DE79-268F-4C1A-8933-263129D2AF90}" type="datetimeFigureOut">
-              <a:rPr lang="en-US" dirty="0"/>
-              <a:t>8/23/2022</a:t>
+              <a:rPr lang="en-US" smtClean="0"/>
+              <a:t>8/24/2022</a:t>
             </a:fld>
             <a:endParaRPr lang="en-US" dirty="0"/>
           </a:p>
@@ -1868,8 +1884,8 @@
           <a:lstStyle/>
           <a:p>
             <a:fld id="{48F63A3B-78C7-47BE-AE5E-E10140E04643}" type="slidenum">
-              <a:rPr lang="en-US" dirty="0"/>
-              <a:t>‹#›</a:t>
+              <a:rPr lang="en-US" smtClean="0"/>
+              <a:t>‹nº›</a:t>
             </a:fld>
             <a:endParaRPr lang="en-US" dirty="0"/>
           </a:p>
@@ -1878,7 +1894,7 @@
     </p:spTree>
     <p:extLst>
       <p:ext uri="{BB962C8B-B14F-4D97-AF65-F5344CB8AC3E}">
-        <p14:creationId xmlns:p14="http://schemas.microsoft.com/office/powerpoint/2010/main" val="3502931775"/>
+        <p14:creationId xmlns:p14="http://schemas.microsoft.com/office/powerpoint/2010/main" val="647110125"/>
       </p:ext>
     </p:extLst>
   </p:cSld>
@@ -1890,7 +1906,7 @@
 
 <file path=ppt/slideLayouts/slideLayout8.xml><?xml version="1.0" encoding="utf-8"?>
 <p:sldLayout xmlns:a="http://schemas.openxmlformats.org/drawingml/2006/main" xmlns:r="http://schemas.openxmlformats.org/officeDocument/2006/relationships" xmlns:p="http://schemas.openxmlformats.org/presentationml/2006/main" type="objTx" preserve="1">
-  <p:cSld name="Content with Caption">
+  <p:cSld name="Conteúdo com Legenda">
     <p:spTree>
       <p:nvGrpSpPr>
         <p:cNvPr id="1" name=""/>
@@ -1930,9 +1946,10 @@
           </a:lstStyle>
           <a:p>
             <a:r>
-              <a:rPr lang="en-US" dirty="0"/>
-              <a:t>Click to edit Master title style</a:t>
-            </a:r>
+              <a:rPr lang="pt-BR"/>
+              <a:t>Clique para editar o título Mestre</a:t>
+            </a:r>
+            <a:endParaRPr lang="en-US" dirty="0"/>
           </a:p>
         </p:txBody>
       </p:sp>
@@ -1986,37 +2003,38 @@
           <a:p>
             <a:pPr lvl="0"/>
             <a:r>
-              <a:rPr lang="en-US" dirty="0"/>
-              <a:t>Click to edit Master text styles</a:t>
+              <a:rPr lang="pt-BR"/>
+              <a:t>Editar estilos de texto Mestre</a:t>
             </a:r>
           </a:p>
           <a:p>
             <a:pPr lvl="1"/>
             <a:r>
-              <a:rPr lang="en-US" dirty="0"/>
-              <a:t>Second level</a:t>
+              <a:rPr lang="pt-BR"/>
+              <a:t>Segundo nível</a:t>
             </a:r>
           </a:p>
           <a:p>
             <a:pPr lvl="2"/>
             <a:r>
-              <a:rPr lang="en-US" dirty="0"/>
-              <a:t>Third level</a:t>
+              <a:rPr lang="pt-BR"/>
+              <a:t>Terceiro nível</a:t>
             </a:r>
           </a:p>
           <a:p>
             <a:pPr lvl="3"/>
             <a:r>
-              <a:rPr lang="en-US" dirty="0"/>
-              <a:t>Fourth level</a:t>
+              <a:rPr lang="pt-BR"/>
+              <a:t>Quarto nível</a:t>
             </a:r>
           </a:p>
           <a:p>
             <a:pPr lvl="4"/>
             <a:r>
-              <a:rPr lang="en-US" dirty="0"/>
-              <a:t>Fifth level</a:t>
-            </a:r>
+              <a:rPr lang="pt-BR"/>
+              <a:t>Quinto nível</a:t>
+            </a:r>
+            <a:endParaRPr lang="en-US" dirty="0"/>
           </a:p>
         </p:txBody>
       </p:sp>
@@ -2079,8 +2097,8 @@
           <a:p>
             <a:pPr lvl="0"/>
             <a:r>
-              <a:rPr lang="en-US" dirty="0"/>
-              <a:t>Click to edit Master text styles</a:t>
+              <a:rPr lang="pt-BR"/>
+              <a:t>Editar estilos de texto Mestre</a:t>
             </a:r>
           </a:p>
         </p:txBody>
@@ -2101,8 +2119,8 @@
           <a:lstStyle/>
           <a:p>
             <a:fld id="{C764DE79-268F-4C1A-8933-263129D2AF90}" type="datetimeFigureOut">
-              <a:rPr lang="en-US" dirty="0"/>
-              <a:t>8/23/2022</a:t>
+              <a:rPr lang="en-US" smtClean="0"/>
+              <a:t>8/24/2022</a:t>
             </a:fld>
             <a:endParaRPr lang="en-US" dirty="0"/>
           </a:p>
@@ -2143,8 +2161,8 @@
           <a:lstStyle/>
           <a:p>
             <a:fld id="{48F63A3B-78C7-47BE-AE5E-E10140E04643}" type="slidenum">
-              <a:rPr lang="en-US" dirty="0"/>
-              <a:t>‹#›</a:t>
+              <a:rPr lang="en-US" smtClean="0"/>
+              <a:t>‹nº›</a:t>
             </a:fld>
             <a:endParaRPr lang="en-US" dirty="0"/>
           </a:p>
@@ -2153,7 +2171,7 @@
     </p:spTree>
     <p:extLst>
       <p:ext uri="{BB962C8B-B14F-4D97-AF65-F5344CB8AC3E}">
-        <p14:creationId xmlns:p14="http://schemas.microsoft.com/office/powerpoint/2010/main" val="3403641107"/>
+        <p14:creationId xmlns:p14="http://schemas.microsoft.com/office/powerpoint/2010/main" val="540141161"/>
       </p:ext>
     </p:extLst>
   </p:cSld>
@@ -2165,7 +2183,7 @@
 
 <file path=ppt/slideLayouts/slideLayout9.xml><?xml version="1.0" encoding="utf-8"?>
 <p:sldLayout xmlns:a="http://schemas.openxmlformats.org/drawingml/2006/main" xmlns:r="http://schemas.openxmlformats.org/officeDocument/2006/relationships" xmlns:p="http://schemas.openxmlformats.org/presentationml/2006/main" type="picTx" preserve="1">
-  <p:cSld name="Picture with Caption">
+  <p:cSld name="Imagem com Legenda">
     <p:spTree>
       <p:nvGrpSpPr>
         <p:cNvPr id="1" name=""/>
@@ -2205,9 +2223,10 @@
           </a:lstStyle>
           <a:p>
             <a:r>
-              <a:rPr lang="en-US" dirty="0"/>
-              <a:t>Click to edit Master title style</a:t>
-            </a:r>
+              <a:rPr lang="pt-BR"/>
+              <a:t>Clique para editar o título Mestre</a:t>
+            </a:r>
+            <a:endParaRPr lang="en-US" dirty="0"/>
           </a:p>
         </p:txBody>
       </p:sp>
@@ -2268,6 +2287,10 @@
             </a:lvl9pPr>
           </a:lstStyle>
           <a:p>
+            <a:r>
+              <a:rPr lang="pt-BR"/>
+              <a:t>Clique no ícone para adicionar uma imagem</a:t>
+            </a:r>
             <a:endParaRPr lang="en-US" dirty="0"/>
           </a:p>
         </p:txBody>
@@ -2331,8 +2354,8 @@
           <a:p>
             <a:pPr lvl="0"/>
             <a:r>
-              <a:rPr lang="en-US" dirty="0"/>
-              <a:t>Click to edit Master text styles</a:t>
+              <a:rPr lang="pt-BR"/>
+              <a:t>Editar estilos de texto Mestre</a:t>
             </a:r>
           </a:p>
         </p:txBody>
@@ -2353,8 +2376,8 @@
           <a:lstStyle/>
           <a:p>
             <a:fld id="{C764DE79-268F-4C1A-8933-263129D2AF90}" type="datetimeFigureOut">
-              <a:rPr lang="en-US" dirty="0"/>
-              <a:t>8/23/2022</a:t>
+              <a:rPr lang="en-US" smtClean="0"/>
+              <a:t>8/24/2022</a:t>
             </a:fld>
             <a:endParaRPr lang="en-US" dirty="0"/>
           </a:p>
@@ -2395,8 +2418,8 @@
           <a:lstStyle/>
           <a:p>
             <a:fld id="{48F63A3B-78C7-47BE-AE5E-E10140E04643}" type="slidenum">
-              <a:rPr lang="en-US" dirty="0"/>
-              <a:t>‹#›</a:t>
+              <a:rPr lang="en-US" smtClean="0"/>
+              <a:t>‹nº›</a:t>
             </a:fld>
             <a:endParaRPr lang="en-US" dirty="0"/>
           </a:p>
@@ -2405,7 +2428,7 @@
     </p:spTree>
     <p:extLst>
       <p:ext uri="{BB962C8B-B14F-4D97-AF65-F5344CB8AC3E}">
-        <p14:creationId xmlns:p14="http://schemas.microsoft.com/office/powerpoint/2010/main" val="3333723969"/>
+        <p14:creationId xmlns:p14="http://schemas.microsoft.com/office/powerpoint/2010/main" val="644679765"/>
       </p:ext>
     </p:extLst>
   </p:cSld>
@@ -2419,9 +2442,39 @@
 <p:sldMaster xmlns:a="http://schemas.openxmlformats.org/drawingml/2006/main" xmlns:r="http://schemas.openxmlformats.org/officeDocument/2006/relationships" xmlns:p="http://schemas.openxmlformats.org/presentationml/2006/main">
   <p:cSld>
     <p:bg>
-      <p:bgRef idx="1001">
-        <a:schemeClr val="bg1"/>
-      </p:bgRef>
+      <p:bgPr>
+        <a:gradFill flip="none" rotWithShape="1">
+          <a:gsLst>
+            <a:gs pos="0">
+              <a:schemeClr val="accent1">
+                <a:lumMod val="5000"/>
+                <a:lumOff val="95000"/>
+              </a:schemeClr>
+            </a:gs>
+            <a:gs pos="25000">
+              <a:schemeClr val="accent1">
+                <a:lumMod val="45000"/>
+                <a:lumOff val="55000"/>
+              </a:schemeClr>
+            </a:gs>
+            <a:gs pos="50000">
+              <a:schemeClr val="accent1">
+                <a:lumMod val="45000"/>
+                <a:lumOff val="55000"/>
+              </a:schemeClr>
+            </a:gs>
+            <a:gs pos="100000">
+              <a:schemeClr val="accent1">
+                <a:lumMod val="30000"/>
+                <a:lumOff val="70000"/>
+              </a:schemeClr>
+            </a:gs>
+          </a:gsLst>
+          <a:lin ang="2700000" scaled="1"/>
+          <a:tileRect/>
+        </a:gradFill>
+        <a:effectLst/>
+      </p:bgPr>
     </p:bg>
     <p:spTree>
       <p:nvGrpSpPr>
@@ -2463,9 +2516,10 @@
           <a:lstStyle/>
           <a:p>
             <a:r>
-              <a:rPr lang="en-US" dirty="0"/>
-              <a:t>Click to edit Master title style</a:t>
-            </a:r>
+              <a:rPr lang="pt-BR"/>
+              <a:t>Clique para editar o título Mestre</a:t>
+            </a:r>
+            <a:endParaRPr lang="en-US" dirty="0"/>
           </a:p>
         </p:txBody>
       </p:sp>
@@ -2496,37 +2550,38 @@
           <a:p>
             <a:pPr lvl="0"/>
             <a:r>
-              <a:rPr lang="en-US" dirty="0"/>
-              <a:t>Click to edit Master text styles</a:t>
+              <a:rPr lang="pt-BR"/>
+              <a:t>Editar estilos de texto Mestre</a:t>
             </a:r>
           </a:p>
           <a:p>
             <a:pPr lvl="1"/>
             <a:r>
-              <a:rPr lang="en-US" dirty="0"/>
-              <a:t>Second level</a:t>
+              <a:rPr lang="pt-BR"/>
+              <a:t>Segundo nível</a:t>
             </a:r>
           </a:p>
           <a:p>
             <a:pPr lvl="2"/>
             <a:r>
-              <a:rPr lang="en-US" dirty="0"/>
-              <a:t>Third level</a:t>
+              <a:rPr lang="pt-BR"/>
+              <a:t>Terceiro nível</a:t>
             </a:r>
           </a:p>
           <a:p>
             <a:pPr lvl="3"/>
             <a:r>
-              <a:rPr lang="en-US" dirty="0"/>
-              <a:t>Fourth level</a:t>
+              <a:rPr lang="pt-BR"/>
+              <a:t>Quarto nível</a:t>
             </a:r>
           </a:p>
           <a:p>
             <a:pPr lvl="4"/>
             <a:r>
-              <a:rPr lang="en-US" dirty="0"/>
-              <a:t>Fifth level</a:t>
-            </a:r>
+              <a:rPr lang="pt-BR"/>
+              <a:t>Quinto nível</a:t>
+            </a:r>
+            <a:endParaRPr lang="en-US" dirty="0"/>
           </a:p>
         </p:txBody>
       </p:sp>
@@ -2564,8 +2619,8 @@
           </a:lstStyle>
           <a:p>
             <a:fld id="{C764DE79-268F-4C1A-8933-263129D2AF90}" type="datetimeFigureOut">
-              <a:rPr lang="en-US" dirty="0"/>
-              <a:t>8/23/2022</a:t>
+              <a:rPr lang="en-US" smtClean="0"/>
+              <a:t>8/24/2022</a:t>
             </a:fld>
             <a:endParaRPr lang="en-US" dirty="0"/>
           </a:p>
@@ -2642,8 +2697,8 @@
           </a:lstStyle>
           <a:p>
             <a:fld id="{48F63A3B-78C7-47BE-AE5E-E10140E04643}" type="slidenum">
-              <a:rPr lang="en-US" dirty="0"/>
-              <a:t>‹#›</a:t>
+              <a:rPr lang="en-US" smtClean="0"/>
+              <a:t>‹nº›</a:t>
             </a:fld>
             <a:endParaRPr lang="en-US" dirty="0"/>
           </a:p>
@@ -2652,23 +2707,23 @@
     </p:spTree>
     <p:extLst>
       <p:ext uri="{BB962C8B-B14F-4D97-AF65-F5344CB8AC3E}">
-        <p14:creationId xmlns:p14="http://schemas.microsoft.com/office/powerpoint/2010/main" val="842872557"/>
+        <p14:creationId xmlns:p14="http://schemas.microsoft.com/office/powerpoint/2010/main" val="2811332612"/>
       </p:ext>
     </p:extLst>
   </p:cSld>
   <p:clrMap bg1="lt1" tx1="dk1" bg2="lt2" tx2="dk2" accent1="accent1" accent2="accent2" accent3="accent3" accent4="accent4" accent5="accent5" accent6="accent6" hlink="hlink" folHlink="folHlink"/>
   <p:sldLayoutIdLst>
-    <p:sldLayoutId id="2147483673" r:id="rId1"/>
-    <p:sldLayoutId id="2147483674" r:id="rId2"/>
-    <p:sldLayoutId id="2147483675" r:id="rId3"/>
-    <p:sldLayoutId id="2147483676" r:id="rId4"/>
-    <p:sldLayoutId id="2147483677" r:id="rId5"/>
-    <p:sldLayoutId id="2147483678" r:id="rId6"/>
-    <p:sldLayoutId id="2147483679" r:id="rId7"/>
-    <p:sldLayoutId id="2147483680" r:id="rId8"/>
-    <p:sldLayoutId id="2147483681" r:id="rId9"/>
-    <p:sldLayoutId id="2147483682" r:id="rId10"/>
-    <p:sldLayoutId id="2147483683" r:id="rId11"/>
+    <p:sldLayoutId id="2147483709" r:id="rId1"/>
+    <p:sldLayoutId id="2147483710" r:id="rId2"/>
+    <p:sldLayoutId id="2147483711" r:id="rId3"/>
+    <p:sldLayoutId id="2147483712" r:id="rId4"/>
+    <p:sldLayoutId id="2147483713" r:id="rId5"/>
+    <p:sldLayoutId id="2147483714" r:id="rId6"/>
+    <p:sldLayoutId id="2147483715" r:id="rId7"/>
+    <p:sldLayoutId id="2147483716" r:id="rId8"/>
+    <p:sldLayoutId id="2147483717" r:id="rId9"/>
+    <p:sldLayoutId id="2147483718" r:id="rId10"/>
+    <p:sldLayoutId id="2147483719" r:id="rId11"/>
   </p:sldLayoutIdLst>
   <p:txStyles>
     <p:titleStyle>
@@ -2956,14 +3011,6 @@
 <file path=ppt/slides/slide1.xml><?xml version="1.0" encoding="utf-8"?>
 <p:sld xmlns:a="http://schemas.openxmlformats.org/drawingml/2006/main" xmlns:r="http://schemas.openxmlformats.org/officeDocument/2006/relationships" xmlns:p="http://schemas.openxmlformats.org/presentationml/2006/main">
   <p:cSld>
-    <p:bg>
-      <p:bgPr>
-        <a:solidFill>
-          <a:schemeClr val="bg1"/>
-        </a:solidFill>
-        <a:effectLst/>
-      </p:bgPr>
-    </p:bg>
     <p:spTree>
       <p:nvGrpSpPr>
         <p:cNvPr id="1" name=""/>
@@ -5069,17 +5116,6 @@
 <file path=ppt/slides/slide2.xml><?xml version="1.0" encoding="utf-8"?>
 <p:sld xmlns:a="http://schemas.openxmlformats.org/drawingml/2006/main" xmlns:r="http://schemas.openxmlformats.org/officeDocument/2006/relationships" xmlns:p="http://schemas.openxmlformats.org/presentationml/2006/main">
   <p:cSld>
-    <p:bg>
-      <p:bgPr>
-        <a:solidFill>
-          <a:schemeClr val="bg1">
-            <a:tint val="95000"/>
-            <a:satMod val="170000"/>
-          </a:schemeClr>
-        </a:solidFill>
-        <a:effectLst/>
-      </p:bgPr>
-    </p:bg>
     <p:spTree>
       <p:nvGrpSpPr>
         <p:cNvPr id="1" name=""/>
@@ -5096,71 +5132,6 @@
       </p:grpSpPr>
       <p:sp>
         <p:nvSpPr>
-          <p:cNvPr id="9" name="Rectangle 8">
-            <a:extLst>
-              <a:ext uri="{FF2B5EF4-FFF2-40B4-BE49-F238E27FC236}">
-                <a16:creationId xmlns:a16="http://schemas.microsoft.com/office/drawing/2014/main" id="{D8515DC8-3701-44EB-999C-D5402B90C956}"/>
-              </a:ext>
-              <a:ext uri="{C183D7F6-B498-43B3-948B-1728B52AA6E4}">
-                <adec:decorative xmlns:adec="http://schemas.microsoft.com/office/drawing/2017/decorative" val="1"/>
-              </a:ext>
-            </a:extLst>
-          </p:cNvPr>
-          <p:cNvSpPr>
-            <a:spLocks noGrp="1" noRot="1" noChangeAspect="1" noMove="1" noResize="1" noEditPoints="1" noAdjustHandles="1" noChangeArrowheads="1" noChangeShapeType="1" noTextEdit="1"/>
-          </p:cNvSpPr>
-          <p:nvPr>
-            <p:extLst>
-              <p:ext uri="{386F3935-93C4-4BCD-93E2-E3B085C9AB24}">
-                <p16:designElem xmlns:p16="http://schemas.microsoft.com/office/powerpoint/2015/main" val="1"/>
-              </p:ext>
-            </p:extLst>
-          </p:nvPr>
-        </p:nvSpPr>
-        <p:spPr>
-          <a:xfrm>
-            <a:off x="1608152" y="0"/>
-            <a:ext cx="8981524" cy="6858000"/>
-          </a:xfrm>
-          <a:prstGeom prst="rect">
-            <a:avLst/>
-          </a:prstGeom>
-          <a:solidFill>
-            <a:schemeClr val="tx2">
-              <a:alpha val="15000"/>
-            </a:schemeClr>
-          </a:solidFill>
-          <a:ln>
-            <a:noFill/>
-          </a:ln>
-        </p:spPr>
-        <p:style>
-          <a:lnRef idx="2">
-            <a:schemeClr val="accent1">
-              <a:shade val="50000"/>
-            </a:schemeClr>
-          </a:lnRef>
-          <a:fillRef idx="1">
-            <a:schemeClr val="accent1"/>
-          </a:fillRef>
-          <a:effectRef idx="0">
-            <a:schemeClr val="accent1"/>
-          </a:effectRef>
-          <a:fontRef idx="minor">
-            <a:schemeClr val="lt1"/>
-          </a:fontRef>
-        </p:style>
-        <p:txBody>
-          <a:bodyPr rtlCol="0" anchor="ctr"/>
-          <a:lstStyle/>
-          <a:p>
-            <a:pPr algn="ctr"/>
-            <a:endParaRPr lang="en-US"/>
-          </a:p>
-        </p:txBody>
-      </p:sp>
-      <p:sp>
-        <p:nvSpPr>
           <p:cNvPr id="3" name="Content Placeholder 2">
             <a:extLst>
               <a:ext uri="{FF2B5EF4-FFF2-40B4-BE49-F238E27FC236}">
@@ -5192,13 +5163,19 @@
             </a:pPr>
             <a:r>
               <a:rPr lang="pt-BR" sz="2000" dirty="0">
+                <a:solidFill>
+                  <a:schemeClr val="bg1"/>
+                </a:solidFill>
                 <a:latin typeface="Arial Nova"/>
                 <a:ea typeface="+mn-lt"/>
                 <a:cs typeface="+mn-lt"/>
               </a:rPr>
               <a:t>Oh que pão, oh que comida,</a:t>
             </a:r>
-            <a:endParaRPr lang="en-US" sz="2000">
+            <a:endParaRPr lang="en-US" sz="2000" dirty="0">
+              <a:solidFill>
+                <a:schemeClr val="bg1"/>
+              </a:solidFill>
               <a:latin typeface="Arial Nova"/>
               <a:ea typeface="+mn-lt"/>
               <a:cs typeface="+mn-lt"/>
@@ -5210,13 +5187,19 @@
             </a:pPr>
             <a:r>
               <a:rPr lang="pt-BR" sz="2000" dirty="0">
+                <a:solidFill>
+                  <a:schemeClr val="bg1"/>
+                </a:solidFill>
                 <a:latin typeface="Arial Nova"/>
                 <a:ea typeface="+mn-lt"/>
                 <a:cs typeface="+mn-lt"/>
               </a:rPr>
               <a:t>Oh que divino manjar</a:t>
             </a:r>
-            <a:endParaRPr lang="en-US" sz="2000">
+            <a:endParaRPr lang="en-US" sz="2000" dirty="0">
+              <a:solidFill>
+                <a:schemeClr val="bg1"/>
+              </a:solidFill>
               <a:latin typeface="Arial Nova"/>
               <a:ea typeface="+mn-lt"/>
               <a:cs typeface="+mn-lt"/>
@@ -5228,13 +5211,19 @@
             </a:pPr>
             <a:r>
               <a:rPr lang="pt-BR" sz="2000" dirty="0">
+                <a:solidFill>
+                  <a:schemeClr val="bg1"/>
+                </a:solidFill>
                 <a:latin typeface="Arial Nova"/>
                 <a:ea typeface="+mn-lt"/>
                 <a:cs typeface="+mn-lt"/>
               </a:rPr>
               <a:t>Se nos dá no santo altar</a:t>
             </a:r>
-            <a:endParaRPr lang="en-US" sz="2000">
+            <a:endParaRPr lang="en-US" sz="2000" dirty="0">
+              <a:solidFill>
+                <a:schemeClr val="bg1"/>
+              </a:solidFill>
               <a:latin typeface="Arial Nova"/>
               <a:ea typeface="+mn-lt"/>
               <a:cs typeface="+mn-lt"/>
@@ -5246,13 +5235,19 @@
             </a:pPr>
             <a:r>
               <a:rPr lang="pt-BR" sz="2000" dirty="0">
+                <a:solidFill>
+                  <a:schemeClr val="bg1"/>
+                </a:solidFill>
                 <a:latin typeface="Arial Nova"/>
                 <a:ea typeface="+mn-lt"/>
                 <a:cs typeface="+mn-lt"/>
               </a:rPr>
               <a:t>Cada dia.</a:t>
             </a:r>
-            <a:endParaRPr lang="en-US" sz="2000">
+            <a:endParaRPr lang="en-US" sz="2000" dirty="0">
+              <a:solidFill>
+                <a:schemeClr val="bg1"/>
+              </a:solidFill>
               <a:latin typeface="Arial Nova"/>
               <a:ea typeface="+mn-lt"/>
               <a:cs typeface="+mn-lt"/>
@@ -5300,9 +5295,8 @@
             <a:r>
               <a:rPr lang="pt-BR" sz="2000" b="1" dirty="0">
                 <a:solidFill>
-                  <a:schemeClr val="accent1">
-                    <a:lumMod val="60000"/>
-                    <a:lumOff val="40000"/>
+                  <a:schemeClr val="accent2">
+                    <a:lumMod val="50000"/>
                   </a:schemeClr>
                 </a:solidFill>
                 <a:latin typeface="Arial Nova"/>
@@ -5311,11 +5305,10 @@
               </a:rPr>
               <a:t>Aqui, José de Anchieta já faz referência ao pão, tratando-o como uma comida sagrada. Ainda diz que o pão deve ser comido em um lugar santificado, no caso, o altar.</a:t>
             </a:r>
-            <a:endParaRPr lang="en-US" sz="2000">
+            <a:endParaRPr lang="en-US" sz="2000" dirty="0">
               <a:solidFill>
-                <a:schemeClr val="accent1">
-                  <a:lumMod val="60000"/>
-                  <a:lumOff val="40000"/>
+                <a:schemeClr val="accent2">
+                  <a:lumMod val="50000"/>
                 </a:schemeClr>
               </a:solidFill>
               <a:latin typeface="Arial Nova"/>
@@ -5358,6 +5351,9 @@
           <a:p>
             <a:r>
               <a:rPr lang="pt-BR" sz="2000" dirty="0">
+                <a:solidFill>
+                  <a:schemeClr val="bg1"/>
+                </a:solidFill>
                 <a:latin typeface="Arial Nova"/>
                 <a:ea typeface="+mn-lt"/>
                 <a:cs typeface="+mn-lt"/>
@@ -5365,6 +5361,9 @@
               <a:t>Filho da Virgem Maria</a:t>
             </a:r>
             <a:endParaRPr lang="en-US" sz="2000" dirty="0">
+              <a:solidFill>
+                <a:schemeClr val="bg1"/>
+              </a:solidFill>
               <a:latin typeface="Arial Nova"/>
               <a:ea typeface="+mn-lt"/>
               <a:cs typeface="+mn-lt"/>
@@ -5373,6 +5372,9 @@
           <a:p>
             <a:r>
               <a:rPr lang="pt-BR" sz="2000" dirty="0">
+                <a:solidFill>
+                  <a:schemeClr val="bg1"/>
+                </a:solidFill>
                 <a:latin typeface="Arial Nova"/>
                 <a:ea typeface="+mn-lt"/>
                 <a:cs typeface="+mn-lt"/>
@@ -5380,6 +5382,9 @@
               <a:t>Que Deus Padre cá mandou</a:t>
             </a:r>
             <a:endParaRPr lang="en-US" sz="2000" dirty="0">
+              <a:solidFill>
+                <a:schemeClr val="bg1"/>
+              </a:solidFill>
               <a:latin typeface="Arial Nova"/>
               <a:ea typeface="+mn-lt"/>
               <a:cs typeface="+mn-lt"/>
@@ -5388,6 +5393,9 @@
           <a:p>
             <a:r>
               <a:rPr lang="pt-BR" sz="2000" dirty="0">
+                <a:solidFill>
+                  <a:schemeClr val="bg1"/>
+                </a:solidFill>
                 <a:latin typeface="Arial Nova"/>
                 <a:ea typeface="+mn-lt"/>
                 <a:cs typeface="+mn-lt"/>
@@ -5395,6 +5403,9 @@
               <a:t>E por nós na cruz passou</a:t>
             </a:r>
             <a:endParaRPr lang="en-US" sz="2000" dirty="0">
+              <a:solidFill>
+                <a:schemeClr val="bg1"/>
+              </a:solidFill>
               <a:latin typeface="Arial Nova"/>
               <a:ea typeface="+mn-lt"/>
               <a:cs typeface="+mn-lt"/>
@@ -5403,6 +5414,9 @@
           <a:p>
             <a:r>
               <a:rPr lang="pt-BR" sz="2000" dirty="0">
+                <a:solidFill>
+                  <a:schemeClr val="bg1"/>
+                </a:solidFill>
                 <a:latin typeface="Arial Nova"/>
                 <a:ea typeface="+mn-lt"/>
                 <a:cs typeface="+mn-lt"/>
@@ -5410,6 +5424,9 @@
               <a:t>Crua morte.</a:t>
             </a:r>
             <a:endParaRPr lang="en-US" sz="2000" dirty="0">
+              <a:solidFill>
+                <a:schemeClr val="bg1"/>
+              </a:solidFill>
               <a:latin typeface="Arial Nova"/>
               <a:ea typeface="+mn-lt"/>
               <a:cs typeface="+mn-lt"/>
@@ -5417,6 +5434,9 @@
           </a:p>
           <a:p>
             <a:endParaRPr lang="en-US" sz="2000" dirty="0">
+              <a:solidFill>
+                <a:schemeClr val="bg1"/>
+              </a:solidFill>
               <a:latin typeface="Arial Nova"/>
               <a:ea typeface="+mn-lt"/>
               <a:cs typeface="+mn-lt"/>
@@ -5425,6 +5445,9 @@
           <a:p>
             <a:r>
               <a:rPr lang="pt-BR" sz="2000" dirty="0">
+                <a:solidFill>
+                  <a:schemeClr val="bg1"/>
+                </a:solidFill>
                 <a:latin typeface="Arial Nova"/>
                 <a:ea typeface="+mn-lt"/>
                 <a:cs typeface="+mn-lt"/>
@@ -5432,6 +5455,9 @@
               <a:t>E para que nos conforte</a:t>
             </a:r>
             <a:endParaRPr lang="en-US" sz="2000" dirty="0">
+              <a:solidFill>
+                <a:schemeClr val="bg1"/>
+              </a:solidFill>
               <a:latin typeface="Arial Nova"/>
               <a:ea typeface="+mn-lt"/>
               <a:cs typeface="+mn-lt"/>
@@ -5440,6 +5466,9 @@
           <a:p>
             <a:r>
               <a:rPr lang="pt-BR" sz="2000" dirty="0">
+                <a:solidFill>
+                  <a:schemeClr val="bg1"/>
+                </a:solidFill>
                 <a:latin typeface="Arial Nova"/>
                 <a:ea typeface="+mn-lt"/>
                 <a:cs typeface="+mn-lt"/>
@@ -5447,6 +5476,9 @@
               <a:t>Se deixou no Sacramento</a:t>
             </a:r>
             <a:endParaRPr lang="en-US" sz="2000" dirty="0">
+              <a:solidFill>
+                <a:schemeClr val="bg1"/>
+              </a:solidFill>
               <a:latin typeface="Arial Nova"/>
               <a:ea typeface="+mn-lt"/>
               <a:cs typeface="+mn-lt"/>
@@ -5455,6 +5487,9 @@
           <a:p>
             <a:r>
               <a:rPr lang="pt-BR" sz="2000" dirty="0">
+                <a:solidFill>
+                  <a:schemeClr val="bg1"/>
+                </a:solidFill>
                 <a:latin typeface="Arial Nova"/>
                 <a:ea typeface="+mn-lt"/>
                 <a:cs typeface="+mn-lt"/>
@@ -5462,6 +5497,9 @@
               <a:t>Para dar-nos com aumento</a:t>
             </a:r>
             <a:endParaRPr lang="en-US" sz="2000" dirty="0">
+              <a:solidFill>
+                <a:schemeClr val="bg1"/>
+              </a:solidFill>
               <a:latin typeface="Arial Nova"/>
               <a:ea typeface="+mn-lt"/>
               <a:cs typeface="+mn-lt"/>
@@ -5470,6 +5508,9 @@
           <a:p>
             <a:r>
               <a:rPr lang="pt-BR" sz="2000" dirty="0">
+                <a:solidFill>
+                  <a:schemeClr val="bg1"/>
+                </a:solidFill>
                 <a:latin typeface="Arial Nova"/>
                 <a:ea typeface="+mn-lt"/>
                 <a:cs typeface="+mn-lt"/>
@@ -5477,6 +5518,9 @@
               <a:t>Sua graça.</a:t>
             </a:r>
             <a:endParaRPr lang="en-US" sz="2000" dirty="0">
+              <a:solidFill>
+                <a:schemeClr val="bg1"/>
+              </a:solidFill>
               <a:latin typeface="Arial Nova"/>
               <a:ea typeface="+mn-lt"/>
               <a:cs typeface="+mn-lt"/>
@@ -5529,9 +5573,8 @@
             <a:r>
               <a:rPr lang="pt-BR" sz="2000" b="1" dirty="0">
                 <a:solidFill>
-                  <a:schemeClr val="accent1">
-                    <a:lumMod val="60000"/>
-                    <a:lumOff val="40000"/>
+                  <a:schemeClr val="accent2">
+                    <a:lumMod val="50000"/>
                   </a:schemeClr>
                 </a:solidFill>
                 <a:latin typeface="Arial Nova"/>
@@ -5540,11 +5583,10 @@
               </a:rPr>
               <a:t>Filho da Virgem Maria – Jesus. </a:t>
             </a:r>
-            <a:endParaRPr lang="en-US" sz="2000">
+            <a:endParaRPr lang="en-US" sz="2000" dirty="0">
               <a:solidFill>
-                <a:schemeClr val="accent1">
-                  <a:lumMod val="60000"/>
-                  <a:lumOff val="40000"/>
+                <a:schemeClr val="accent2">
+                  <a:lumMod val="50000"/>
                 </a:schemeClr>
               </a:solidFill>
               <a:latin typeface="Arial Nova"/>
@@ -5560,9 +5602,8 @@
             <a:r>
               <a:rPr lang="pt-BR" sz="2000" b="1" dirty="0">
                 <a:solidFill>
-                  <a:schemeClr val="accent1">
-                    <a:lumMod val="60000"/>
-                    <a:lumOff val="40000"/>
+                  <a:schemeClr val="accent2">
+                    <a:lumMod val="50000"/>
                   </a:schemeClr>
                 </a:solidFill>
                 <a:latin typeface="Arial Nova"/>
@@ -5571,11 +5612,10 @@
               </a:rPr>
               <a:t>Ele faz uma referência ao ato sagrado de Jesus (seu sacrifício em prol da humanidade).</a:t>
             </a:r>
-            <a:endParaRPr lang="pt-BR" sz="2000">
+            <a:endParaRPr lang="pt-BR" sz="2000" dirty="0">
               <a:solidFill>
-                <a:schemeClr val="accent1">
-                  <a:lumMod val="60000"/>
-                  <a:lumOff val="40000"/>
+                <a:schemeClr val="accent2">
+                  <a:lumMod val="50000"/>
                 </a:schemeClr>
               </a:solidFill>
               <a:latin typeface="Arial Nova"/>
@@ -5591,9 +5631,8 @@
             <a:r>
               <a:rPr lang="pt-BR" sz="2000" b="1" dirty="0">
                 <a:solidFill>
-                  <a:schemeClr val="accent1">
-                    <a:lumMod val="60000"/>
-                    <a:lumOff val="40000"/>
+                  <a:schemeClr val="accent2">
+                    <a:lumMod val="50000"/>
                   </a:schemeClr>
                 </a:solidFill>
                 <a:latin typeface="Arial Nova"/>
@@ -5602,11 +5641,10 @@
               </a:rPr>
               <a:t>Jesus aqui então deixou algo para dar-nos sua graça.</a:t>
             </a:r>
-            <a:endParaRPr lang="en-US" sz="2000">
+            <a:endParaRPr lang="en-US" sz="2000" dirty="0">
               <a:solidFill>
-                <a:schemeClr val="accent1">
-                  <a:lumMod val="60000"/>
-                  <a:lumOff val="40000"/>
+                <a:schemeClr val="accent2">
+                  <a:lumMod val="50000"/>
                 </a:schemeClr>
               </a:solidFill>
               <a:latin typeface="Arial Nova"/>
@@ -5684,17 +5722,6 @@
 <file path=ppt/slides/slide3.xml><?xml version="1.0" encoding="utf-8"?>
 <p:sld xmlns:a="http://schemas.openxmlformats.org/drawingml/2006/main" xmlns:r="http://schemas.openxmlformats.org/officeDocument/2006/relationships" xmlns:p="http://schemas.openxmlformats.org/presentationml/2006/main">
   <p:cSld>
-    <p:bg>
-      <p:bgPr>
-        <a:solidFill>
-          <a:schemeClr val="bg1">
-            <a:tint val="95000"/>
-            <a:satMod val="170000"/>
-          </a:schemeClr>
-        </a:solidFill>
-        <a:effectLst/>
-      </p:bgPr>
-    </p:bg>
     <p:spTree>
       <p:nvGrpSpPr>
         <p:cNvPr id="1" name=""/>
@@ -5711,71 +5738,6 @@
       </p:grpSpPr>
       <p:sp>
         <p:nvSpPr>
-          <p:cNvPr id="9" name="Rectangle 8">
-            <a:extLst>
-              <a:ext uri="{FF2B5EF4-FFF2-40B4-BE49-F238E27FC236}">
-                <a16:creationId xmlns:a16="http://schemas.microsoft.com/office/drawing/2014/main" id="{D8515DC8-3701-44EB-999C-D5402B90C956}"/>
-              </a:ext>
-              <a:ext uri="{C183D7F6-B498-43B3-948B-1728B52AA6E4}">
-                <adec:decorative xmlns:adec="http://schemas.microsoft.com/office/drawing/2017/decorative" val="1"/>
-              </a:ext>
-            </a:extLst>
-          </p:cNvPr>
-          <p:cNvSpPr>
-            <a:spLocks noGrp="1" noRot="1" noChangeAspect="1" noMove="1" noResize="1" noEditPoints="1" noAdjustHandles="1" noChangeArrowheads="1" noChangeShapeType="1" noTextEdit="1"/>
-          </p:cNvSpPr>
-          <p:nvPr>
-            <p:extLst>
-              <p:ext uri="{386F3935-93C4-4BCD-93E2-E3B085C9AB24}">
-                <p16:designElem xmlns:p16="http://schemas.microsoft.com/office/powerpoint/2015/main" val="1"/>
-              </p:ext>
-            </p:extLst>
-          </p:nvPr>
-        </p:nvSpPr>
-        <p:spPr>
-          <a:xfrm>
-            <a:off x="1608152" y="0"/>
-            <a:ext cx="8981524" cy="6858000"/>
-          </a:xfrm>
-          <a:prstGeom prst="rect">
-            <a:avLst/>
-          </a:prstGeom>
-          <a:solidFill>
-            <a:schemeClr val="tx2">
-              <a:alpha val="15000"/>
-            </a:schemeClr>
-          </a:solidFill>
-          <a:ln>
-            <a:noFill/>
-          </a:ln>
-        </p:spPr>
-        <p:style>
-          <a:lnRef idx="2">
-            <a:schemeClr val="accent1">
-              <a:shade val="50000"/>
-            </a:schemeClr>
-          </a:lnRef>
-          <a:fillRef idx="1">
-            <a:schemeClr val="accent1"/>
-          </a:fillRef>
-          <a:effectRef idx="0">
-            <a:schemeClr val="accent1"/>
-          </a:effectRef>
-          <a:fontRef idx="minor">
-            <a:schemeClr val="lt1"/>
-          </a:fontRef>
-        </p:style>
-        <p:txBody>
-          <a:bodyPr rtlCol="0" anchor="ctr"/>
-          <a:lstStyle/>
-          <a:p>
-            <a:pPr algn="ctr"/>
-            <a:endParaRPr lang="en-US"/>
-          </a:p>
-        </p:txBody>
-      </p:sp>
-      <p:sp>
-        <p:nvSpPr>
           <p:cNvPr id="3" name="Content Placeholder 2">
             <a:extLst>
               <a:ext uri="{FF2B5EF4-FFF2-40B4-BE49-F238E27FC236}">
@@ -5807,6 +5769,9 @@
             </a:pPr>
             <a:r>
               <a:rPr lang="pt-BR" sz="1700" dirty="0">
+                <a:solidFill>
+                  <a:schemeClr val="bg1"/>
+                </a:solidFill>
                 <a:latin typeface="Arial Nova"/>
                 <a:ea typeface="+mn-lt"/>
                 <a:cs typeface="+mn-lt"/>
@@ -5814,6 +5779,9 @@
               <a:t>Esta divina fogaça</a:t>
             </a:r>
             <a:endParaRPr lang="en-US" sz="1700" dirty="0">
+              <a:solidFill>
+                <a:schemeClr val="bg1"/>
+              </a:solidFill>
               <a:latin typeface="Arial Nova"/>
               <a:ea typeface="+mn-lt"/>
               <a:cs typeface="+mn-lt"/>
@@ -5825,6 +5793,9 @@
             </a:pPr>
             <a:r>
               <a:rPr lang="pt-BR" sz="1700" dirty="0">
+                <a:solidFill>
+                  <a:schemeClr val="bg1"/>
+                </a:solidFill>
                 <a:latin typeface="Arial Nova"/>
                 <a:ea typeface="+mn-lt"/>
                 <a:cs typeface="+mn-lt"/>
@@ -5832,6 +5803,9 @@
               <a:t>É manjar de lutadores,</a:t>
             </a:r>
             <a:endParaRPr lang="en-US" sz="1700" dirty="0">
+              <a:solidFill>
+                <a:schemeClr val="bg1"/>
+              </a:solidFill>
               <a:latin typeface="Arial Nova"/>
               <a:ea typeface="+mn-lt"/>
               <a:cs typeface="+mn-lt"/>
@@ -5843,6 +5817,9 @@
             </a:pPr>
             <a:r>
               <a:rPr lang="pt-BR" sz="1700" dirty="0">
+                <a:solidFill>
+                  <a:schemeClr val="bg1"/>
+                </a:solidFill>
                 <a:latin typeface="Arial Nova"/>
                 <a:ea typeface="+mn-lt"/>
                 <a:cs typeface="+mn-lt"/>
@@ -5850,6 +5827,9 @@
               <a:t>Galardão de vencedores</a:t>
             </a:r>
             <a:endParaRPr lang="en-US" sz="1700" dirty="0">
+              <a:solidFill>
+                <a:schemeClr val="bg1"/>
+              </a:solidFill>
               <a:latin typeface="Arial Nova"/>
               <a:ea typeface="+mn-lt"/>
               <a:cs typeface="+mn-lt"/>
@@ -5861,6 +5841,9 @@
             </a:pPr>
             <a:r>
               <a:rPr lang="pt-BR" sz="1700" dirty="0">
+                <a:solidFill>
+                  <a:schemeClr val="bg1"/>
+                </a:solidFill>
                 <a:latin typeface="Arial Nova"/>
                 <a:ea typeface="+mn-lt"/>
                 <a:cs typeface="+mn-lt"/>
@@ -5868,6 +5851,9 @@
               <a:t>Esforçados.</a:t>
             </a:r>
             <a:endParaRPr lang="en-US" sz="1700" dirty="0">
+              <a:solidFill>
+                <a:schemeClr val="bg1"/>
+              </a:solidFill>
               <a:latin typeface="Arial Nova"/>
               <a:ea typeface="+mn-lt"/>
               <a:cs typeface="+mn-lt"/>
@@ -5878,6 +5864,9 @@
               <a:buNone/>
             </a:pPr>
             <a:endParaRPr lang="en-US" sz="1700" dirty="0">
+              <a:solidFill>
+                <a:schemeClr val="bg1"/>
+              </a:solidFill>
               <a:latin typeface="Arial Nova"/>
               <a:ea typeface="+mn-lt"/>
               <a:cs typeface="+mn-lt"/>
@@ -5889,6 +5878,9 @@
             </a:pPr>
             <a:r>
               <a:rPr lang="pt-BR" sz="1700" dirty="0">
+                <a:solidFill>
+                  <a:schemeClr val="bg1"/>
+                </a:solidFill>
                 <a:latin typeface="Arial Nova"/>
                 <a:ea typeface="+mn-lt"/>
                 <a:cs typeface="+mn-lt"/>
@@ -5896,6 +5888,9 @@
               <a:t>Deleite de enamorados</a:t>
             </a:r>
             <a:endParaRPr lang="en-US" sz="1700" dirty="0">
+              <a:solidFill>
+                <a:schemeClr val="bg1"/>
+              </a:solidFill>
               <a:latin typeface="Arial Nova"/>
               <a:ea typeface="+mn-lt"/>
               <a:cs typeface="+mn-lt"/>
@@ -5907,6 +5902,9 @@
             </a:pPr>
             <a:r>
               <a:rPr lang="pt-BR" sz="1700" dirty="0">
+                <a:solidFill>
+                  <a:schemeClr val="bg1"/>
+                </a:solidFill>
                 <a:latin typeface="Arial Nova"/>
                 <a:ea typeface="+mn-lt"/>
                 <a:cs typeface="+mn-lt"/>
@@ -5914,6 +5912,9 @@
               <a:t>Que com o gosto deste pão</a:t>
             </a:r>
             <a:endParaRPr lang="en-US" sz="1700" dirty="0">
+              <a:solidFill>
+                <a:schemeClr val="bg1"/>
+              </a:solidFill>
               <a:latin typeface="Arial Nova"/>
               <a:ea typeface="+mn-lt"/>
               <a:cs typeface="+mn-lt"/>
@@ -5925,6 +5926,9 @@
             </a:pPr>
             <a:r>
               <a:rPr lang="pt-BR" sz="1700" dirty="0">
+                <a:solidFill>
+                  <a:schemeClr val="bg1"/>
+                </a:solidFill>
                 <a:latin typeface="Arial Nova"/>
                 <a:ea typeface="+mn-lt"/>
                 <a:cs typeface="+mn-lt"/>
@@ -5932,6 +5936,9 @@
               <a:t>Deixem a deleitarão</a:t>
             </a:r>
             <a:endParaRPr lang="en-US" sz="1700" dirty="0">
+              <a:solidFill>
+                <a:schemeClr val="bg1"/>
+              </a:solidFill>
               <a:latin typeface="Arial Nova"/>
               <a:ea typeface="+mn-lt"/>
               <a:cs typeface="+mn-lt"/>
@@ -5943,6 +5950,9 @@
             </a:pPr>
             <a:r>
               <a:rPr lang="pt-BR" sz="1700" dirty="0">
+                <a:solidFill>
+                  <a:schemeClr val="bg1"/>
+                </a:solidFill>
                 <a:latin typeface="Arial Nova"/>
                 <a:ea typeface="+mn-lt"/>
                 <a:cs typeface="+mn-lt"/>
@@ -5950,6 +5960,9 @@
               <a:t>Transitória.</a:t>
             </a:r>
             <a:endParaRPr lang="en-US" sz="1700" dirty="0">
+              <a:solidFill>
+                <a:schemeClr val="bg1"/>
+              </a:solidFill>
               <a:latin typeface="Arial Nova"/>
               <a:ea typeface="+mn-lt"/>
               <a:cs typeface="+mn-lt"/>
@@ -5960,6 +5973,9 @@
               <a:buNone/>
             </a:pPr>
             <a:endParaRPr lang="en-US" sz="1700" dirty="0">
+              <a:solidFill>
+                <a:schemeClr val="bg1"/>
+              </a:solidFill>
               <a:latin typeface="Arial Nova"/>
               <a:ea typeface="+mn-lt"/>
               <a:cs typeface="+mn-lt"/>
@@ -5971,6 +5987,9 @@
             </a:pPr>
             <a:r>
               <a:rPr lang="pt-BR" sz="1700" dirty="0">
+                <a:solidFill>
+                  <a:schemeClr val="bg1"/>
+                </a:solidFill>
                 <a:latin typeface="Arial Nova"/>
                 <a:ea typeface="+mn-lt"/>
                 <a:cs typeface="+mn-lt"/>
@@ -5978,6 +5997,9 @@
               <a:t>Quem quiser haver vitória</a:t>
             </a:r>
             <a:endParaRPr lang="en-US" sz="1700" dirty="0">
+              <a:solidFill>
+                <a:schemeClr val="bg1"/>
+              </a:solidFill>
               <a:latin typeface="Arial Nova"/>
               <a:ea typeface="+mn-lt"/>
               <a:cs typeface="+mn-lt"/>
@@ -5989,6 +6011,9 @@
             </a:pPr>
             <a:r>
               <a:rPr lang="pt-BR" sz="1700" dirty="0">
+                <a:solidFill>
+                  <a:schemeClr val="bg1"/>
+                </a:solidFill>
                 <a:latin typeface="Arial Nova"/>
                 <a:ea typeface="+mn-lt"/>
                 <a:cs typeface="+mn-lt"/>
@@ -5996,6 +6021,9 @@
               <a:t>Do falso contentamento,</a:t>
             </a:r>
             <a:endParaRPr lang="en-US" sz="1700" dirty="0">
+              <a:solidFill>
+                <a:schemeClr val="bg1"/>
+              </a:solidFill>
               <a:latin typeface="Arial Nova"/>
               <a:ea typeface="+mn-lt"/>
               <a:cs typeface="+mn-lt"/>
@@ -6007,6 +6035,9 @@
             </a:pPr>
             <a:r>
               <a:rPr lang="pt-BR" sz="1700" dirty="0">
+                <a:solidFill>
+                  <a:schemeClr val="bg1"/>
+                </a:solidFill>
                 <a:latin typeface="Arial Nova"/>
                 <a:ea typeface="+mn-lt"/>
                 <a:cs typeface="+mn-lt"/>
@@ -6014,6 +6045,9 @@
               <a:t>Goste deste sacramento</a:t>
             </a:r>
             <a:endParaRPr lang="en-US" sz="1700" dirty="0">
+              <a:solidFill>
+                <a:schemeClr val="bg1"/>
+              </a:solidFill>
               <a:latin typeface="Arial Nova"/>
               <a:ea typeface="+mn-lt"/>
               <a:cs typeface="+mn-lt"/>
@@ -6025,6 +6059,9 @@
             </a:pPr>
             <a:r>
               <a:rPr lang="pt-BR" sz="1700" dirty="0">
+                <a:solidFill>
+                  <a:schemeClr val="bg1"/>
+                </a:solidFill>
                 <a:latin typeface="Arial Nova"/>
                 <a:ea typeface="+mn-lt"/>
                 <a:cs typeface="+mn-lt"/>
@@ -6037,6 +6074,9 @@
               <a:buNone/>
             </a:pPr>
             <a:endParaRPr lang="pt-BR" sz="1700" dirty="0">
+              <a:solidFill>
+                <a:schemeClr val="bg1"/>
+              </a:solidFill>
               <a:latin typeface="Arial Nova"/>
               <a:ea typeface="+mn-lt"/>
               <a:cs typeface="+mn-lt"/>
@@ -6048,6 +6088,9 @@
             </a:pPr>
             <a:r>
               <a:rPr lang="pt-BR" sz="1700" dirty="0">
+                <a:solidFill>
+                  <a:schemeClr val="bg1"/>
+                </a:solidFill>
                 <a:latin typeface="Arial Nova"/>
                 <a:ea typeface="+mn-lt"/>
                 <a:cs typeface="+mn-lt"/>
@@ -6055,6 +6098,9 @@
               <a:t>Ele dá vida imortal,</a:t>
             </a:r>
             <a:endParaRPr lang="en-US" sz="1700" dirty="0">
+              <a:solidFill>
+                <a:schemeClr val="bg1"/>
+              </a:solidFill>
               <a:latin typeface="Arial Nova"/>
               <a:ea typeface="+mn-lt"/>
               <a:cs typeface="+mn-lt"/>
@@ -6066,6 +6112,9 @@
             </a:pPr>
             <a:r>
               <a:rPr lang="pt-BR" sz="1700" dirty="0">
+                <a:solidFill>
+                  <a:schemeClr val="bg1"/>
+                </a:solidFill>
                 <a:latin typeface="Arial Nova"/>
                 <a:ea typeface="+mn-lt"/>
                 <a:cs typeface="+mn-lt"/>
@@ -6073,6 +6122,9 @@
               <a:t>Este mata toda fome,</a:t>
             </a:r>
             <a:endParaRPr lang="en-US" sz="1700" dirty="0">
+              <a:solidFill>
+                <a:schemeClr val="bg1"/>
+              </a:solidFill>
               <a:latin typeface="Arial Nova"/>
               <a:ea typeface="+mn-lt"/>
               <a:cs typeface="+mn-lt"/>
@@ -6084,6 +6136,9 @@
             </a:pPr>
             <a:r>
               <a:rPr lang="pt-BR" sz="1700" dirty="0">
+                <a:solidFill>
+                  <a:schemeClr val="bg1"/>
+                </a:solidFill>
                 <a:latin typeface="Arial Nova"/>
                 <a:ea typeface="+mn-lt"/>
                 <a:cs typeface="+mn-lt"/>
@@ -6091,6 +6146,9 @@
               <a:t>Porque nele Deus é homem</a:t>
             </a:r>
             <a:endParaRPr lang="en-US" sz="1700" dirty="0">
+              <a:solidFill>
+                <a:schemeClr val="bg1"/>
+              </a:solidFill>
               <a:latin typeface="Arial Nova"/>
               <a:ea typeface="+mn-lt"/>
               <a:cs typeface="+mn-lt"/>
@@ -6102,6 +6160,9 @@
             </a:pPr>
             <a:r>
               <a:rPr lang="pt-BR" sz="1700" dirty="0">
+                <a:solidFill>
+                  <a:schemeClr val="bg1"/>
+                </a:solidFill>
                 <a:latin typeface="Arial Nova"/>
                 <a:ea typeface="+mn-lt"/>
                 <a:cs typeface="+mn-lt"/>
@@ -6151,9 +6212,8 @@
             <a:r>
               <a:rPr lang="pt-BR" sz="2000" b="1" dirty="0">
                 <a:solidFill>
-                  <a:schemeClr val="accent1">
-                    <a:lumMod val="60000"/>
-                    <a:lumOff val="40000"/>
+                  <a:schemeClr val="accent2">
+                    <a:lumMod val="50000"/>
                   </a:schemeClr>
                 </a:solidFill>
                 <a:latin typeface="Arial Nova"/>
@@ -6164,9 +6224,8 @@
             </a:r>
             <a:endParaRPr lang="en-US" sz="2000" dirty="0">
               <a:solidFill>
-                <a:schemeClr val="accent1">
-                  <a:lumMod val="60000"/>
-                  <a:lumOff val="40000"/>
+                <a:schemeClr val="accent2">
+                  <a:lumMod val="50000"/>
                 </a:schemeClr>
               </a:solidFill>
               <a:latin typeface="Arial Nova"/>
@@ -6178,9 +6237,8 @@
             <a:r>
               <a:rPr lang="pt-BR" sz="2000" b="1" dirty="0">
                 <a:solidFill>
-                  <a:schemeClr val="accent1">
-                    <a:lumMod val="60000"/>
-                    <a:lumOff val="40000"/>
+                  <a:schemeClr val="accent2">
+                    <a:lumMod val="50000"/>
                   </a:schemeClr>
                 </a:solidFill>
                 <a:latin typeface="Arial Nova"/>
@@ -6189,11 +6247,10 @@
               </a:rPr>
               <a:t>Depois de comer este pão eles vão poder alcançar o céu, uma boa vida.</a:t>
             </a:r>
-            <a:endParaRPr lang="en-US" sz="2000">
+            <a:endParaRPr lang="en-US" sz="2000" dirty="0">
               <a:solidFill>
-                <a:schemeClr val="accent1">
-                  <a:lumMod val="60000"/>
-                  <a:lumOff val="40000"/>
+                <a:schemeClr val="accent2">
+                  <a:lumMod val="50000"/>
                 </a:schemeClr>
               </a:solidFill>
               <a:latin typeface="Arial Nova"/>
@@ -6205,9 +6262,8 @@
             <a:r>
               <a:rPr lang="pt-BR" sz="2000" b="1" dirty="0">
                 <a:solidFill>
-                  <a:schemeClr val="accent1">
-                    <a:lumMod val="60000"/>
-                    <a:lumOff val="40000"/>
+                  <a:schemeClr val="accent2">
+                    <a:lumMod val="50000"/>
                   </a:schemeClr>
                 </a:solidFill>
                 <a:latin typeface="Arial Nova"/>
@@ -6218,9 +6274,8 @@
             </a:r>
             <a:endParaRPr lang="en-US" sz="2000" dirty="0">
               <a:solidFill>
-                <a:schemeClr val="accent1">
-                  <a:lumMod val="60000"/>
-                  <a:lumOff val="40000"/>
+                <a:schemeClr val="accent2">
+                  <a:lumMod val="50000"/>
                 </a:schemeClr>
               </a:solidFill>
               <a:latin typeface="Arial Nova"/>
@@ -6232,9 +6287,8 @@
             <a:r>
               <a:rPr lang="pt-BR" sz="2000" b="1" dirty="0">
                 <a:solidFill>
-                  <a:schemeClr val="accent1">
-                    <a:lumMod val="60000"/>
-                    <a:lumOff val="40000"/>
+                  <a:schemeClr val="accent2">
+                    <a:lumMod val="50000"/>
                   </a:schemeClr>
                 </a:solidFill>
                 <a:latin typeface="Arial Nova"/>
@@ -6243,11 +6297,10 @@
               </a:rPr>
               <a:t>Este pão mata toda fome, dá vida imortal.</a:t>
             </a:r>
-            <a:endParaRPr lang="en-US" sz="2000">
+            <a:endParaRPr lang="en-US" sz="2000" dirty="0">
               <a:solidFill>
-                <a:schemeClr val="accent1">
-                  <a:lumMod val="60000"/>
-                  <a:lumOff val="40000"/>
+                <a:schemeClr val="accent2">
+                  <a:lumMod val="50000"/>
                 </a:schemeClr>
               </a:solidFill>
               <a:latin typeface="Arial Nova"/>
@@ -6327,6 +6380,9 @@
           </a:bodyPr>
           <a:lstStyle/>
           <a:p>
+            <a:pPr marL="0" indent="0">
+              <a:buNone/>
+            </a:pPr>
             <a:r>
               <a:rPr lang="pt-BR" dirty="0">
                 <a:ea typeface="+mn-lt"/>
@@ -6340,6 +6396,9 @@
             </a:endParaRPr>
           </a:p>
           <a:p>
+            <a:pPr marL="0" indent="0">
+              <a:buNone/>
+            </a:pPr>
             <a:r>
               <a:rPr lang="pt-BR" dirty="0">
                 <a:ea typeface="+mn-lt"/>
@@ -6353,6 +6412,9 @@
             </a:endParaRPr>
           </a:p>
           <a:p>
+            <a:pPr marL="0" indent="0">
+              <a:buNone/>
+            </a:pPr>
             <a:r>
               <a:rPr lang="pt-BR" dirty="0">
                 <a:ea typeface="+mn-lt"/>
@@ -6366,6 +6428,9 @@
             </a:endParaRPr>
           </a:p>
           <a:p>
+            <a:pPr marL="0" indent="0">
+              <a:buNone/>
+            </a:pPr>
             <a:r>
               <a:rPr lang="pt-BR" dirty="0">
                 <a:ea typeface="+mn-lt"/>
@@ -6415,12 +6480,22 @@
           <a:p>
             <a:r>
               <a:rPr lang="pt-BR" b="1" dirty="0">
+                <a:solidFill>
+                  <a:schemeClr val="accent2">
+                    <a:lumMod val="50000"/>
+                  </a:schemeClr>
+                </a:solidFill>
                 <a:ea typeface="+mn-lt"/>
                 <a:cs typeface="+mn-lt"/>
               </a:rPr>
               <a:t>Novamente o pão é tratado como divino. Ele pode colocar o indivíduo mais próximo de Jesus e Deus.</a:t>
             </a:r>
             <a:endParaRPr lang="en-US" dirty="0">
+              <a:solidFill>
+                <a:schemeClr val="accent2">
+                  <a:lumMod val="50000"/>
+                </a:schemeClr>
+              </a:solidFill>
               <a:ea typeface="+mn-lt"/>
               <a:cs typeface="+mn-lt"/>
             </a:endParaRPr>
@@ -6441,7 +6516,7 @@
         </p:nvSpPr>
         <p:spPr>
           <a:xfrm>
-            <a:off x="920150" y="3522453"/>
+            <a:off x="320616" y="3609991"/>
             <a:ext cx="4494182" cy="2862322"/>
           </a:xfrm>
           <a:prstGeom prst="rect">
@@ -6589,8 +6664,8 @@
         </p:nvSpPr>
         <p:spPr>
           <a:xfrm>
-            <a:off x="6728604" y="2932981"/>
-            <a:ext cx="4810483" cy="1015663"/>
+            <a:off x="6471429" y="3615567"/>
+            <a:ext cx="5560737" cy="2246769"/>
           </a:xfrm>
           <a:prstGeom prst="rect">
             <a:avLst/>
@@ -6608,9 +6683,11 @@
           <a:p>
             <a:pPr rtl="0"/>
             <a:r>
-              <a:rPr lang="pt-BR" sz="1200" b="1">
+              <a:rPr lang="pt-BR" sz="2000" b="1" dirty="0">
                 <a:solidFill>
-                  <a:srgbClr val="5B9AD5"/>
+                  <a:schemeClr val="accent2">
+                    <a:lumMod val="50000"/>
+                  </a:schemeClr>
                 </a:solidFill>
                 <a:latin typeface="Arial"/>
                 <a:ea typeface="Segoe UI"/>
@@ -6619,9 +6696,11 @@
               <a:t>Ele se refere aos índios como ‘pobres pecadores’, e ele convida estes para comer o pão divino.</a:t>
             </a:r>
             <a:r>
-              <a:rPr lang="pt-BR" sz="1200">
+              <a:rPr lang="pt-BR" sz="2000" dirty="0">
                 <a:solidFill>
-                  <a:srgbClr val="5B9AD5"/>
+                  <a:schemeClr val="accent2">
+                    <a:lumMod val="50000"/>
+                  </a:schemeClr>
                 </a:solidFill>
                 <a:latin typeface="Arial"/>
                 <a:ea typeface="Arial"/>
@@ -6632,9 +6711,11 @@
           </a:p>
           <a:p>
             <a:pPr rtl="0"/>
-            <a:endParaRPr lang="pt-BR" sz="1200">
+            <a:endParaRPr lang="pt-BR" sz="2000" dirty="0">
               <a:solidFill>
-                <a:srgbClr val="5B9AD5"/>
+                <a:schemeClr val="accent2">
+                  <a:lumMod val="50000"/>
+                </a:schemeClr>
               </a:solidFill>
               <a:latin typeface="Arial"/>
               <a:ea typeface="Segoe UI"/>
@@ -6644,9 +6725,11 @@
           <a:p>
             <a:pPr rtl="0"/>
             <a:r>
-              <a:rPr lang="pt-BR" sz="1200" b="1">
+              <a:rPr lang="pt-BR" sz="2000" b="1" dirty="0">
                 <a:solidFill>
-                  <a:srgbClr val="5B9AD5"/>
+                  <a:schemeClr val="accent2">
+                    <a:lumMod val="50000"/>
+                  </a:schemeClr>
                 </a:solidFill>
                 <a:latin typeface="Arial"/>
                 <a:ea typeface="Segoe UI"/>
@@ -6655,9 +6738,11 @@
               <a:t>Se os pecados forem confessados (pecados = não serem católicos e não seguirem a religião cristã), tudo bem.</a:t>
             </a:r>
             <a:r>
-              <a:rPr lang="pt-BR" sz="1200">
+              <a:rPr lang="pt-BR" sz="2000" dirty="0">
                 <a:solidFill>
-                  <a:srgbClr val="5B9AD5"/>
+                  <a:schemeClr val="accent2">
+                    <a:lumMod val="50000"/>
+                  </a:schemeClr>
                 </a:solidFill>
                 <a:latin typeface="Arial"/>
                 <a:ea typeface="Arial"/>
@@ -6665,10 +6750,56 @@
               </a:rPr>
               <a:t> </a:t>
             </a:r>
-            <a:endParaRPr lang="en-US"/>
-          </a:p>
-        </p:txBody>
-      </p:sp>
+            <a:endParaRPr lang="en-US" sz="2000" dirty="0">
+              <a:solidFill>
+                <a:schemeClr val="accent2">
+                  <a:lumMod val="50000"/>
+                </a:schemeClr>
+              </a:solidFill>
+            </a:endParaRPr>
+          </a:p>
+        </p:txBody>
+      </p:sp>
+      <p:cxnSp>
+        <p:nvCxnSpPr>
+          <p:cNvPr id="12" name="Conector reto 11">
+            <a:extLst>
+              <a:ext uri="{FF2B5EF4-FFF2-40B4-BE49-F238E27FC236}">
+                <a16:creationId xmlns:a16="http://schemas.microsoft.com/office/drawing/2014/main" id="{84E88E25-84D8-46EE-BA21-7CAEC7E309D5}"/>
+              </a:ext>
+            </a:extLst>
+          </p:cNvPr>
+          <p:cNvCxnSpPr>
+            <a:cxnSpLocks/>
+            <a:stCxn id="3" idx="1"/>
+          </p:cNvCxnSpPr>
+          <p:nvPr/>
+        </p:nvCxnSpPr>
+        <p:spPr>
+          <a:xfrm flipV="1">
+            <a:off x="320616" y="2832411"/>
+            <a:ext cx="11871384" cy="33072"/>
+          </a:xfrm>
+          <a:prstGeom prst="line">
+            <a:avLst/>
+          </a:prstGeom>
+          <a:ln/>
+        </p:spPr>
+        <p:style>
+          <a:lnRef idx="3">
+            <a:schemeClr val="dk1"/>
+          </a:lnRef>
+          <a:fillRef idx="0">
+            <a:schemeClr val="dk1"/>
+          </a:fillRef>
+          <a:effectRef idx="2">
+            <a:schemeClr val="dk1"/>
+          </a:effectRef>
+          <a:fontRef idx="minor">
+            <a:schemeClr val="tx1"/>
+          </a:fontRef>
+        </p:style>
+      </p:cxnSp>
     </p:spTree>
     <p:extLst>
       <p:ext uri="{BB962C8B-B14F-4D97-AF65-F5344CB8AC3E}">
@@ -8510,7 +8641,7 @@
 <file path=ppt/theme/theme1.xml><?xml version="1.0" encoding="utf-8"?>
 <a:theme xmlns:a="http://schemas.openxmlformats.org/drawingml/2006/main" name="Office Theme">
   <a:themeElements>
-    <a:clrScheme name="Office Theme">
+    <a:clrScheme name="Tema do Office">
       <a:dk1>
         <a:sysClr val="windowText" lastClr="000000"/>
       </a:dk1>
@@ -8548,7 +8679,7 @@
         <a:srgbClr val="954F72"/>
       </a:folHlink>
     </a:clrScheme>
-    <a:fontScheme name="Office Theme">
+    <a:fontScheme name="Tema do Office">
       <a:majorFont>
         <a:latin typeface="Calibri Light" panose="020F0302020204030204"/>
         <a:ea typeface=""/>
@@ -8620,7 +8751,7 @@
         <a:font script="Geor" typeface="Sylfaen"/>
       </a:minorFont>
     </a:fontScheme>
-    <a:fmtScheme name="Office Theme">
+    <a:fmtScheme name="Tema do Office">
       <a:fillStyleLst>
         <a:solidFill>
           <a:schemeClr val="phClr"/>

--- a/1 etim ds 2022/LPL/Padre José de Anchieta - Poema/Ao Santíssimo Sacramento.pptx
+++ b/1 etim ds 2022/LPL/Padre José de Anchieta - Poema/Ao Santíssimo Sacramento.pptx
@@ -20,6 +20,8 @@
     <p:sldId id="268" r:id="rId14"/>
     <p:sldId id="269" r:id="rId15"/>
     <p:sldId id="270" r:id="rId16"/>
+    <p:sldId id="272" r:id="rId17"/>
+    <p:sldId id="271" r:id="rId18"/>
   </p:sldIdLst>
   <p:sldSz cx="12192000" cy="6858000"/>
   <p:notesSz cx="6858000" cy="9144000"/>
@@ -130,6 +132,7 @@
 <p1510:revInfo xmlns:a="http://schemas.openxmlformats.org/drawingml/2006/main" xmlns:r="http://schemas.openxmlformats.org/officeDocument/2006/relationships" xmlns:p1510="http://schemas.microsoft.com/office/powerpoint/2015/10/main">
   <p1510:revLst>
     <p1510:client id="{843C4D87-80AB-48E5-A061-B32DA202E212}" v="406" dt="2022-08-24T01:21:56.414"/>
+    <p1510:client id="{F6A3B8A5-3D94-9190-07F9-B5D962D2FEA1}" v="579" dt="2022-08-24T23:39:35.029"/>
   </p1510:revLst>
 </p1510:revInfo>
 </file>
@@ -307,7 +310,7 @@
           <a:p>
             <a:fld id="{48F63A3B-78C7-47BE-AE5E-E10140E04643}" type="slidenum">
               <a:rPr lang="en-US" smtClean="0"/>
-              <a:t>‹nº›</a:t>
+              <a:t>‹#›</a:t>
             </a:fld>
             <a:endParaRPr lang="en-US" dirty="0"/>
           </a:p>
@@ -323,6 +326,18 @@
   <p:clrMapOvr>
     <a:masterClrMapping/>
   </p:clrMapOvr>
+  <mc:AlternateContent xmlns:mc="http://schemas.openxmlformats.org/markup-compatibility/2006">
+    <mc:Choice xmlns:p15="http://schemas.microsoft.com/office/powerpoint/2012/main" Requires="p15">
+      <p:transition xmlns:p14="http://schemas.microsoft.com/office/powerpoint/2010/main" spd="slow" p14:dur="1750">
+        <p15:prstTrans prst="pageCurlDouble"/>
+      </p:transition>
+    </mc:Choice>
+    <mc:Fallback>
+      <p:transition spd="slow">
+        <p:fade/>
+      </p:transition>
+    </mc:Fallback>
+  </mc:AlternateContent>
 </p:sldLayout>
 </file>
 
@@ -477,7 +492,7 @@
           <a:p>
             <a:fld id="{48F63A3B-78C7-47BE-AE5E-E10140E04643}" type="slidenum">
               <a:rPr lang="en-US" smtClean="0"/>
-              <a:t>‹nº›</a:t>
+              <a:t>‹#›</a:t>
             </a:fld>
             <a:endParaRPr lang="en-US" dirty="0"/>
           </a:p>
@@ -493,6 +508,18 @@
   <p:clrMapOvr>
     <a:masterClrMapping/>
   </p:clrMapOvr>
+  <mc:AlternateContent xmlns:mc="http://schemas.openxmlformats.org/markup-compatibility/2006">
+    <mc:Choice xmlns:p15="http://schemas.microsoft.com/office/powerpoint/2012/main" Requires="p15">
+      <p:transition xmlns:p14="http://schemas.microsoft.com/office/powerpoint/2010/main" spd="slow" p14:dur="1750">
+        <p15:prstTrans prst="pageCurlDouble"/>
+      </p:transition>
+    </mc:Choice>
+    <mc:Fallback>
+      <p:transition spd="slow">
+        <p:fade/>
+      </p:transition>
+    </mc:Fallback>
+  </mc:AlternateContent>
 </p:sldLayout>
 </file>
 
@@ -657,7 +684,7 @@
           <a:p>
             <a:fld id="{48F63A3B-78C7-47BE-AE5E-E10140E04643}" type="slidenum">
               <a:rPr lang="en-US" smtClean="0"/>
-              <a:t>‹nº›</a:t>
+              <a:t>‹#›</a:t>
             </a:fld>
             <a:endParaRPr lang="en-US" dirty="0"/>
           </a:p>
@@ -673,6 +700,18 @@
   <p:clrMapOvr>
     <a:masterClrMapping/>
   </p:clrMapOvr>
+  <mc:AlternateContent xmlns:mc="http://schemas.openxmlformats.org/markup-compatibility/2006">
+    <mc:Choice xmlns:p15="http://schemas.microsoft.com/office/powerpoint/2012/main" Requires="p15">
+      <p:transition xmlns:p14="http://schemas.microsoft.com/office/powerpoint/2010/main" spd="slow" p14:dur="1750">
+        <p15:prstTrans prst="pageCurlDouble"/>
+      </p:transition>
+    </mc:Choice>
+    <mc:Fallback>
+      <p:transition spd="slow">
+        <p:fade/>
+      </p:transition>
+    </mc:Fallback>
+  </mc:AlternateContent>
 </p:sldLayout>
 </file>
 
@@ -827,7 +866,7 @@
           <a:p>
             <a:fld id="{48F63A3B-78C7-47BE-AE5E-E10140E04643}" type="slidenum">
               <a:rPr lang="en-US" smtClean="0"/>
-              <a:t>‹nº›</a:t>
+              <a:t>‹#›</a:t>
             </a:fld>
             <a:endParaRPr lang="en-US" dirty="0"/>
           </a:p>
@@ -843,6 +882,18 @@
   <p:clrMapOvr>
     <a:masterClrMapping/>
   </p:clrMapOvr>
+  <mc:AlternateContent xmlns:mc="http://schemas.openxmlformats.org/markup-compatibility/2006">
+    <mc:Choice xmlns:p15="http://schemas.microsoft.com/office/powerpoint/2012/main" Requires="p15">
+      <p:transition xmlns:p14="http://schemas.microsoft.com/office/powerpoint/2010/main" spd="slow" p14:dur="1750">
+        <p15:prstTrans prst="pageCurlDouble"/>
+      </p:transition>
+    </mc:Choice>
+    <mc:Fallback>
+      <p:transition spd="slow">
+        <p:fade/>
+      </p:transition>
+    </mc:Fallback>
+  </mc:AlternateContent>
 </p:sldLayout>
 </file>
 
@@ -1073,7 +1124,7 @@
           <a:p>
             <a:fld id="{48F63A3B-78C7-47BE-AE5E-E10140E04643}" type="slidenum">
               <a:rPr lang="en-US" smtClean="0"/>
-              <a:t>‹nº›</a:t>
+              <a:t>‹#›</a:t>
             </a:fld>
             <a:endParaRPr lang="en-US" dirty="0"/>
           </a:p>
@@ -1089,6 +1140,18 @@
   <p:clrMapOvr>
     <a:masterClrMapping/>
   </p:clrMapOvr>
+  <mc:AlternateContent xmlns:mc="http://schemas.openxmlformats.org/markup-compatibility/2006">
+    <mc:Choice xmlns:p15="http://schemas.microsoft.com/office/powerpoint/2012/main" Requires="p15">
+      <p:transition xmlns:p14="http://schemas.microsoft.com/office/powerpoint/2010/main" spd="slow" p14:dur="1750">
+        <p15:prstTrans prst="pageCurlDouble"/>
+      </p:transition>
+    </mc:Choice>
+    <mc:Fallback>
+      <p:transition spd="slow">
+        <p:fade/>
+      </p:transition>
+    </mc:Fallback>
+  </mc:AlternateContent>
 </p:sldLayout>
 </file>
 
@@ -1305,7 +1368,7 @@
           <a:p>
             <a:fld id="{48F63A3B-78C7-47BE-AE5E-E10140E04643}" type="slidenum">
               <a:rPr lang="en-US" smtClean="0"/>
-              <a:t>‹nº›</a:t>
+              <a:t>‹#›</a:t>
             </a:fld>
             <a:endParaRPr lang="en-US" dirty="0"/>
           </a:p>
@@ -1321,6 +1384,18 @@
   <p:clrMapOvr>
     <a:masterClrMapping/>
   </p:clrMapOvr>
+  <mc:AlternateContent xmlns:mc="http://schemas.openxmlformats.org/markup-compatibility/2006">
+    <mc:Choice xmlns:p15="http://schemas.microsoft.com/office/powerpoint/2012/main" Requires="p15">
+      <p:transition xmlns:p14="http://schemas.microsoft.com/office/powerpoint/2010/main" spd="slow" p14:dur="1750">
+        <p15:prstTrans prst="pageCurlDouble"/>
+      </p:transition>
+    </mc:Choice>
+    <mc:Fallback>
+      <p:transition spd="slow">
+        <p:fade/>
+      </p:transition>
+    </mc:Fallback>
+  </mc:AlternateContent>
 </p:sldLayout>
 </file>
 
@@ -1672,7 +1747,7 @@
           <a:p>
             <a:fld id="{48F63A3B-78C7-47BE-AE5E-E10140E04643}" type="slidenum">
               <a:rPr lang="en-US" smtClean="0"/>
-              <a:t>‹nº›</a:t>
+              <a:t>‹#›</a:t>
             </a:fld>
             <a:endParaRPr lang="en-US" dirty="0"/>
           </a:p>
@@ -1688,6 +1763,18 @@
   <p:clrMapOvr>
     <a:masterClrMapping/>
   </p:clrMapOvr>
+  <mc:AlternateContent xmlns:mc="http://schemas.openxmlformats.org/markup-compatibility/2006">
+    <mc:Choice xmlns:p15="http://schemas.microsoft.com/office/powerpoint/2012/main" Requires="p15">
+      <p:transition xmlns:p14="http://schemas.microsoft.com/office/powerpoint/2010/main" spd="slow" p14:dur="1750">
+        <p15:prstTrans prst="pageCurlDouble"/>
+      </p:transition>
+    </mc:Choice>
+    <mc:Fallback>
+      <p:transition spd="slow">
+        <p:fade/>
+      </p:transition>
+    </mc:Fallback>
+  </mc:AlternateContent>
 </p:sldLayout>
 </file>
 
@@ -1790,7 +1877,7 @@
           <a:p>
             <a:fld id="{48F63A3B-78C7-47BE-AE5E-E10140E04643}" type="slidenum">
               <a:rPr lang="en-US" smtClean="0"/>
-              <a:t>‹nº›</a:t>
+              <a:t>‹#›</a:t>
             </a:fld>
             <a:endParaRPr lang="en-US" dirty="0"/>
           </a:p>
@@ -1806,6 +1893,18 @@
   <p:clrMapOvr>
     <a:masterClrMapping/>
   </p:clrMapOvr>
+  <mc:AlternateContent xmlns:mc="http://schemas.openxmlformats.org/markup-compatibility/2006">
+    <mc:Choice xmlns:p15="http://schemas.microsoft.com/office/powerpoint/2012/main" Requires="p15">
+      <p:transition xmlns:p14="http://schemas.microsoft.com/office/powerpoint/2010/main" spd="slow" p14:dur="1750">
+        <p15:prstTrans prst="pageCurlDouble"/>
+      </p:transition>
+    </mc:Choice>
+    <mc:Fallback>
+      <p:transition spd="slow">
+        <p:fade/>
+      </p:transition>
+    </mc:Fallback>
+  </mc:AlternateContent>
 </p:sldLayout>
 </file>
 
@@ -1885,7 +1984,7 @@
           <a:p>
             <a:fld id="{48F63A3B-78C7-47BE-AE5E-E10140E04643}" type="slidenum">
               <a:rPr lang="en-US" smtClean="0"/>
-              <a:t>‹nº›</a:t>
+              <a:t>‹#›</a:t>
             </a:fld>
             <a:endParaRPr lang="en-US" dirty="0"/>
           </a:p>
@@ -1901,6 +2000,18 @@
   <p:clrMapOvr>
     <a:masterClrMapping/>
   </p:clrMapOvr>
+  <mc:AlternateContent xmlns:mc="http://schemas.openxmlformats.org/markup-compatibility/2006">
+    <mc:Choice xmlns:p15="http://schemas.microsoft.com/office/powerpoint/2012/main" Requires="p15">
+      <p:transition xmlns:p14="http://schemas.microsoft.com/office/powerpoint/2010/main" spd="slow" p14:dur="1750">
+        <p15:prstTrans prst="pageCurlDouble"/>
+      </p:transition>
+    </mc:Choice>
+    <mc:Fallback>
+      <p:transition spd="slow">
+        <p:fade/>
+      </p:transition>
+    </mc:Fallback>
+  </mc:AlternateContent>
 </p:sldLayout>
 </file>
 
@@ -2162,7 +2273,7 @@
           <a:p>
             <a:fld id="{48F63A3B-78C7-47BE-AE5E-E10140E04643}" type="slidenum">
               <a:rPr lang="en-US" smtClean="0"/>
-              <a:t>‹nº›</a:t>
+              <a:t>‹#›</a:t>
             </a:fld>
             <a:endParaRPr lang="en-US" dirty="0"/>
           </a:p>
@@ -2178,6 +2289,18 @@
   <p:clrMapOvr>
     <a:masterClrMapping/>
   </p:clrMapOvr>
+  <mc:AlternateContent xmlns:mc="http://schemas.openxmlformats.org/markup-compatibility/2006">
+    <mc:Choice xmlns:p15="http://schemas.microsoft.com/office/powerpoint/2012/main" Requires="p15">
+      <p:transition xmlns:p14="http://schemas.microsoft.com/office/powerpoint/2010/main" spd="slow" p14:dur="1750">
+        <p15:prstTrans prst="pageCurlDouble"/>
+      </p:transition>
+    </mc:Choice>
+    <mc:Fallback>
+      <p:transition spd="slow">
+        <p:fade/>
+      </p:transition>
+    </mc:Fallback>
+  </mc:AlternateContent>
 </p:sldLayout>
 </file>
 
@@ -2419,7 +2542,7 @@
           <a:p>
             <a:fld id="{48F63A3B-78C7-47BE-AE5E-E10140E04643}" type="slidenum">
               <a:rPr lang="en-US" smtClean="0"/>
-              <a:t>‹nº›</a:t>
+              <a:t>‹#›</a:t>
             </a:fld>
             <a:endParaRPr lang="en-US" dirty="0"/>
           </a:p>
@@ -2435,6 +2558,18 @@
   <p:clrMapOvr>
     <a:masterClrMapping/>
   </p:clrMapOvr>
+  <mc:AlternateContent xmlns:mc="http://schemas.openxmlformats.org/markup-compatibility/2006">
+    <mc:Choice xmlns:p15="http://schemas.microsoft.com/office/powerpoint/2012/main" Requires="p15">
+      <p:transition xmlns:p14="http://schemas.microsoft.com/office/powerpoint/2010/main" spd="slow" p14:dur="1750">
+        <p15:prstTrans prst="pageCurlDouble"/>
+      </p:transition>
+    </mc:Choice>
+    <mc:Fallback>
+      <p:transition spd="slow">
+        <p:fade/>
+      </p:transition>
+    </mc:Fallback>
+  </mc:AlternateContent>
 </p:sldLayout>
 </file>
 
@@ -2698,7 +2833,7 @@
           <a:p>
             <a:fld id="{48F63A3B-78C7-47BE-AE5E-E10140E04643}" type="slidenum">
               <a:rPr lang="en-US" smtClean="0"/>
-              <a:t>‹nº›</a:t>
+              <a:t>‹#›</a:t>
             </a:fld>
             <a:endParaRPr lang="en-US" dirty="0"/>
           </a:p>
@@ -2725,6 +2860,18 @@
     <p:sldLayoutId id="2147483718" r:id="rId10"/>
     <p:sldLayoutId id="2147483719" r:id="rId11"/>
   </p:sldLayoutIdLst>
+  <mc:AlternateContent xmlns:mc="http://schemas.openxmlformats.org/markup-compatibility/2006">
+    <mc:Choice xmlns:p15="http://schemas.microsoft.com/office/powerpoint/2012/main" Requires="p15">
+      <p:transition xmlns:p14="http://schemas.microsoft.com/office/powerpoint/2010/main" spd="slow" p14:dur="1750">
+        <p15:prstTrans prst="pageCurlDouble"/>
+      </p:transition>
+    </mc:Choice>
+    <mc:Fallback>
+      <p:transition spd="slow">
+        <p:fade/>
+      </p:transition>
+    </mc:Fallback>
+  </mc:AlternateContent>
   <p:txStyles>
     <p:titleStyle>
       <a:lvl1pPr algn="l" defTabSz="914400" rtl="0" eaLnBrk="1" latinLnBrk="0" hangingPunct="1">
@@ -3066,7 +3213,7 @@
         </p:nvSpPr>
         <p:spPr>
           <a:xfrm>
-            <a:off x="1097280" y="426191"/>
+            <a:off x="1068525" y="440568"/>
             <a:ext cx="10044023" cy="2266439"/>
           </a:xfrm>
           <a:effectLst>
@@ -3086,7 +3233,7 @@
             <a:r>
               <a:rPr lang="en-US" sz="5200" b="1" dirty="0">
                 <a:solidFill>
-                  <a:schemeClr val="accent6">
+                  <a:schemeClr val="tx2">
                     <a:lumMod val="40000"/>
                     <a:lumOff val="60000"/>
                   </a:schemeClr>
@@ -3096,16 +3243,6 @@
               </a:rPr>
               <a:t>AO SANTÍSSIMO SACRAMENTO</a:t>
             </a:r>
-            <a:endParaRPr lang="en-US" sz="5200" b="1">
-              <a:solidFill>
-                <a:schemeClr val="accent6">
-                  <a:lumMod val="40000"/>
-                  <a:lumOff val="60000"/>
-                </a:schemeClr>
-              </a:solidFill>
-              <a:latin typeface="Arial Nova"/>
-              <a:cs typeface="Calibri Light"/>
-            </a:endParaRPr>
           </a:p>
         </p:txBody>
       </p:sp>
@@ -3198,6 +3335,14 @@
   <p:clrMapOvr>
     <a:masterClrMapping/>
   </p:clrMapOvr>
+  <mc:AlternateContent xmlns:mc="http://schemas.openxmlformats.org/markup-compatibility/2006">
+    <mc:Choice xmlns:p14="http://schemas.microsoft.com/office/powerpoint/2010/main" Requires="p14">
+      <p:transition p14:dur="0"/>
+    </mc:Choice>
+    <mc:Fallback>
+      <p:transition/>
+    </mc:Fallback>
+  </mc:AlternateContent>
 </p:sld>
 </file>
 
@@ -3220,31 +3365,6 @@
       </p:grpSpPr>
       <p:sp>
         <p:nvSpPr>
-          <p:cNvPr id="2" name="Title 1">
-            <a:extLst>
-              <a:ext uri="{FF2B5EF4-FFF2-40B4-BE49-F238E27FC236}">
-                <a16:creationId xmlns:a16="http://schemas.microsoft.com/office/drawing/2014/main" id="{7787C5F4-7DD2-A305-BA37-71923038D2A7}"/>
-              </a:ext>
-            </a:extLst>
-          </p:cNvPr>
-          <p:cNvSpPr>
-            <a:spLocks noGrp="1"/>
-          </p:cNvSpPr>
-          <p:nvPr>
-            <p:ph type="title"/>
-          </p:nvPr>
-        </p:nvSpPr>
-        <p:spPr/>
-        <p:txBody>
-          <a:bodyPr/>
-          <a:lstStyle/>
-          <a:p>
-            <a:endParaRPr lang="en-US"/>
-          </a:p>
-        </p:txBody>
-      </p:sp>
-      <p:sp>
-        <p:nvSpPr>
           <p:cNvPr id="3" name="Content Placeholder 2">
             <a:extLst>
               <a:ext uri="{FF2B5EF4-FFF2-40B4-BE49-F238E27FC236}">
@@ -3261,127 +3381,175 @@
         </p:nvSpPr>
         <p:spPr>
           <a:xfrm>
-            <a:off x="723181" y="157851"/>
-            <a:ext cx="4994695" cy="3273036"/>
+            <a:off x="651294" y="71587"/>
+            <a:ext cx="5181600" cy="3603715"/>
           </a:xfrm>
         </p:spPr>
         <p:txBody>
           <a:bodyPr vert="horz" lIns="91440" tIns="45720" rIns="91440" bIns="45720" rtlCol="0" anchor="t">
-            <a:normAutofit fontScale="77500" lnSpcReduction="20000"/>
+            <a:noAutofit/>
           </a:bodyPr>
           <a:lstStyle/>
           <a:p>
-            <a:r>
-              <a:rPr lang="pt-BR" dirty="0">
+            <a:pPr marL="0" indent="0">
+              <a:buNone/>
+            </a:pPr>
+            <a:r>
+              <a:rPr lang="pt-BR" sz="2000" dirty="0">
+                <a:latin typeface="Arial Nova"/>
                 <a:ea typeface="+mn-lt"/>
                 <a:cs typeface="+mn-lt"/>
               </a:rPr>
               <a:t>Aqui se refina a fé,</a:t>
             </a:r>
-            <a:endParaRPr lang="en-US" dirty="0">
-              <a:ea typeface="+mn-lt"/>
-              <a:cs typeface="+mn-lt"/>
-            </a:endParaRPr>
-          </a:p>
-          <a:p>
-            <a:r>
-              <a:rPr lang="pt-BR" dirty="0">
+            <a:endParaRPr lang="en-US" sz="2000" dirty="0">
+              <a:latin typeface="Arial Nova"/>
+              <a:ea typeface="+mn-lt"/>
+              <a:cs typeface="+mn-lt"/>
+            </a:endParaRPr>
+          </a:p>
+          <a:p>
+            <a:pPr marL="0" indent="0">
+              <a:buNone/>
+            </a:pPr>
+            <a:r>
+              <a:rPr lang="pt-BR" sz="2000" dirty="0">
+                <a:latin typeface="Arial Nova"/>
                 <a:ea typeface="+mn-lt"/>
                 <a:cs typeface="+mn-lt"/>
               </a:rPr>
               <a:t>Pois debaixo do que vemos,</a:t>
             </a:r>
-            <a:endParaRPr lang="en-US" dirty="0">
-              <a:ea typeface="+mn-lt"/>
-              <a:cs typeface="+mn-lt"/>
-            </a:endParaRPr>
-          </a:p>
-          <a:p>
-            <a:r>
-              <a:rPr lang="pt-BR" dirty="0">
+            <a:endParaRPr lang="en-US" sz="2000" dirty="0">
+              <a:latin typeface="Arial Nova"/>
+              <a:ea typeface="+mn-lt"/>
+              <a:cs typeface="+mn-lt"/>
+            </a:endParaRPr>
+          </a:p>
+          <a:p>
+            <a:pPr marL="0" indent="0">
+              <a:buNone/>
+            </a:pPr>
+            <a:r>
+              <a:rPr lang="pt-BR" sz="2000" dirty="0">
+                <a:latin typeface="Arial Nova"/>
                 <a:ea typeface="+mn-lt"/>
                 <a:cs typeface="+mn-lt"/>
               </a:rPr>
               <a:t>Estar Deus e homem cremos</a:t>
             </a:r>
-            <a:endParaRPr lang="en-US" dirty="0">
-              <a:ea typeface="+mn-lt"/>
-              <a:cs typeface="+mn-lt"/>
-            </a:endParaRPr>
-          </a:p>
-          <a:p>
-            <a:r>
-              <a:rPr lang="pt-BR" dirty="0">
+            <a:endParaRPr lang="en-US" sz="2000" dirty="0">
+              <a:latin typeface="Arial Nova"/>
+              <a:ea typeface="+mn-lt"/>
+              <a:cs typeface="+mn-lt"/>
+            </a:endParaRPr>
+          </a:p>
+          <a:p>
+            <a:pPr marL="0" indent="0">
+              <a:buNone/>
+            </a:pPr>
+            <a:r>
+              <a:rPr lang="pt-BR" sz="2000" dirty="0">
+                <a:latin typeface="Arial Nova"/>
                 <a:ea typeface="+mn-lt"/>
                 <a:cs typeface="+mn-lt"/>
               </a:rPr>
               <a:t>Sem mudança.</a:t>
             </a:r>
-            <a:endParaRPr lang="en-US" dirty="0">
-              <a:ea typeface="+mn-lt"/>
-              <a:cs typeface="+mn-lt"/>
-            </a:endParaRPr>
-          </a:p>
-          <a:p>
-            <a:endParaRPr lang="en-US" dirty="0">
-              <a:ea typeface="+mn-lt"/>
-              <a:cs typeface="+mn-lt"/>
-            </a:endParaRPr>
-          </a:p>
-          <a:p>
-            <a:r>
-              <a:rPr lang="pt-BR" dirty="0">
+            <a:endParaRPr lang="en-US" sz="2000" dirty="0">
+              <a:latin typeface="Arial Nova"/>
+              <a:ea typeface="+mn-lt"/>
+              <a:cs typeface="+mn-lt"/>
+            </a:endParaRPr>
+          </a:p>
+          <a:p>
+            <a:pPr marL="0" indent="0">
+              <a:buNone/>
+            </a:pPr>
+            <a:endParaRPr lang="en-US" sz="2000" dirty="0">
+              <a:latin typeface="Arial Nova"/>
+              <a:ea typeface="+mn-lt"/>
+              <a:cs typeface="+mn-lt"/>
+            </a:endParaRPr>
+          </a:p>
+          <a:p>
+            <a:pPr marL="0" indent="0">
+              <a:buNone/>
+            </a:pPr>
+            <a:r>
+              <a:rPr lang="pt-BR" sz="2000" dirty="0">
+                <a:latin typeface="Arial Nova"/>
                 <a:ea typeface="+mn-lt"/>
                 <a:cs typeface="+mn-lt"/>
               </a:rPr>
               <a:t>Acrescenta-se a esperança,</a:t>
             </a:r>
-            <a:endParaRPr lang="en-US" dirty="0">
-              <a:ea typeface="+mn-lt"/>
-              <a:cs typeface="+mn-lt"/>
-            </a:endParaRPr>
-          </a:p>
-          <a:p>
-            <a:r>
-              <a:rPr lang="pt-BR" dirty="0">
+            <a:endParaRPr lang="en-US" sz="2000" dirty="0">
+              <a:latin typeface="Arial Nova"/>
+              <a:ea typeface="+mn-lt"/>
+              <a:cs typeface="+mn-lt"/>
+            </a:endParaRPr>
+          </a:p>
+          <a:p>
+            <a:pPr marL="0" indent="0">
+              <a:buNone/>
+            </a:pPr>
+            <a:r>
+              <a:rPr lang="pt-BR" sz="2000" dirty="0">
+                <a:latin typeface="Arial Nova"/>
                 <a:ea typeface="+mn-lt"/>
                 <a:cs typeface="+mn-lt"/>
               </a:rPr>
               <a:t>Pois na terra nos é dado</a:t>
             </a:r>
-            <a:endParaRPr lang="en-US" dirty="0">
-              <a:ea typeface="+mn-lt"/>
-              <a:cs typeface="+mn-lt"/>
-            </a:endParaRPr>
-          </a:p>
-          <a:p>
-            <a:r>
-              <a:rPr lang="pt-BR" dirty="0">
+            <a:endParaRPr lang="en-US" sz="2000" dirty="0">
+              <a:latin typeface="Arial Nova"/>
+              <a:ea typeface="+mn-lt"/>
+              <a:cs typeface="+mn-lt"/>
+            </a:endParaRPr>
+          </a:p>
+          <a:p>
+            <a:pPr marL="0" indent="0">
+              <a:buNone/>
+            </a:pPr>
+            <a:r>
+              <a:rPr lang="pt-BR" sz="2000" dirty="0">
+                <a:latin typeface="Arial Nova"/>
                 <a:ea typeface="+mn-lt"/>
                 <a:cs typeface="+mn-lt"/>
               </a:rPr>
               <a:t>Quanto lá nos céus guardado</a:t>
             </a:r>
-            <a:endParaRPr lang="en-US" dirty="0">
-              <a:ea typeface="+mn-lt"/>
-              <a:cs typeface="+mn-lt"/>
-            </a:endParaRPr>
-          </a:p>
-          <a:p>
-            <a:r>
-              <a:rPr lang="pt-BR" dirty="0">
+            <a:endParaRPr lang="en-US" sz="2000" dirty="0">
+              <a:latin typeface="Arial Nova"/>
+              <a:ea typeface="+mn-lt"/>
+              <a:cs typeface="+mn-lt"/>
+            </a:endParaRPr>
+          </a:p>
+          <a:p>
+            <a:pPr marL="0" indent="0">
+              <a:buNone/>
+            </a:pPr>
+            <a:r>
+              <a:rPr lang="pt-BR" sz="2000" dirty="0">
+                <a:latin typeface="Arial Nova"/>
                 <a:ea typeface="+mn-lt"/>
                 <a:cs typeface="+mn-lt"/>
               </a:rPr>
               <a:t>Nos está.</a:t>
             </a:r>
-            <a:endParaRPr lang="en-US" dirty="0">
-              <a:ea typeface="+mn-lt"/>
-              <a:cs typeface="+mn-lt"/>
-            </a:endParaRPr>
-          </a:p>
-          <a:p>
-            <a:endParaRPr lang="en-US" dirty="0">
+            <a:endParaRPr lang="en-US" sz="2000" dirty="0">
+              <a:latin typeface="Arial Nova"/>
+              <a:ea typeface="+mn-lt"/>
+              <a:cs typeface="+mn-lt"/>
+            </a:endParaRPr>
+          </a:p>
+          <a:p>
+            <a:pPr marL="0" indent="0">
+              <a:buNone/>
+            </a:pPr>
+            <a:endParaRPr lang="en-US" sz="2000" dirty="0">
+              <a:latin typeface="Arial Nova"/>
               <a:cs typeface="Calibri"/>
             </a:endParaRPr>
           </a:p>
@@ -3405,24 +3573,39 @@
         </p:nvSpPr>
         <p:spPr>
           <a:xfrm>
-            <a:off x="6301596" y="157851"/>
+            <a:off x="6100313" y="948605"/>
             <a:ext cx="5181600" cy="4351338"/>
           </a:xfrm>
         </p:spPr>
         <p:txBody>
           <a:bodyPr vert="horz" lIns="91440" tIns="45720" rIns="91440" bIns="45720" rtlCol="0" anchor="t">
-            <a:normAutofit fontScale="77500" lnSpcReduction="20000"/>
+            <a:normAutofit/>
           </a:bodyPr>
           <a:lstStyle/>
           <a:p>
-            <a:r>
-              <a:rPr lang="pt-BR" b="1" dirty="0">
+            <a:pPr marL="0" indent="0">
+              <a:buNone/>
+            </a:pPr>
+            <a:r>
+              <a:rPr lang="pt-BR" sz="2000" b="1" dirty="0">
+                <a:solidFill>
+                  <a:schemeClr val="accent2">
+                    <a:lumMod val="50000"/>
+                  </a:schemeClr>
+                </a:solidFill>
+                <a:latin typeface="Arial Nova"/>
                 <a:ea typeface="+mn-lt"/>
                 <a:cs typeface="+mn-lt"/>
               </a:rPr>
               <a:t>É necessário fazer algo com algo que nos é dado, pois assim seremos salvos e entraremos em contato com o reino de Deus.</a:t>
             </a:r>
-            <a:endParaRPr lang="en-US" dirty="0">
+            <a:endParaRPr lang="en-US" sz="2000">
+              <a:solidFill>
+                <a:schemeClr val="accent2">
+                  <a:lumMod val="50000"/>
+                </a:schemeClr>
+              </a:solidFill>
+              <a:latin typeface="Arial Nova"/>
               <a:ea typeface="+mn-lt"/>
               <a:cs typeface="+mn-lt"/>
             </a:endParaRPr>
@@ -3443,8 +3626,8 @@
         </p:nvSpPr>
         <p:spPr>
           <a:xfrm>
-            <a:off x="718867" y="4270076"/>
-            <a:ext cx="5716257" cy="2862322"/>
+            <a:off x="646980" y="3925019"/>
+            <a:ext cx="5716257" cy="3170099"/>
           </a:xfrm>
           <a:prstGeom prst="rect">
             <a:avLst/>
@@ -3461,117 +3644,135 @@
           <a:lstStyle/>
           <a:p>
             <a:r>
-              <a:rPr lang="pt-BR" dirty="0">
+              <a:rPr lang="pt-BR" sz="2000" dirty="0">
+                <a:latin typeface="Arial Nova"/>
                 <a:ea typeface="+mn-lt"/>
                 <a:cs typeface="+mn-lt"/>
               </a:rPr>
               <a:t>A caridade que lá</a:t>
             </a:r>
-            <a:endParaRPr lang="en-US" dirty="0">
-              <a:ea typeface="+mn-lt"/>
-              <a:cs typeface="+mn-lt"/>
-            </a:endParaRPr>
-          </a:p>
-          <a:p>
-            <a:r>
-              <a:rPr lang="pt-BR" dirty="0">
+            <a:endParaRPr lang="en-US" sz="2000" dirty="0">
+              <a:latin typeface="Arial Nova"/>
+              <a:ea typeface="+mn-lt"/>
+              <a:cs typeface="+mn-lt"/>
+            </a:endParaRPr>
+          </a:p>
+          <a:p>
+            <a:r>
+              <a:rPr lang="pt-BR" sz="2000" dirty="0">
+                <a:latin typeface="Arial Nova"/>
                 <a:ea typeface="+mn-lt"/>
                 <a:cs typeface="+mn-lt"/>
               </a:rPr>
               <a:t>Há de ser aperfeiçoada,</a:t>
             </a:r>
-            <a:endParaRPr lang="en-US" dirty="0">
-              <a:ea typeface="+mn-lt"/>
-              <a:cs typeface="+mn-lt"/>
-            </a:endParaRPr>
-          </a:p>
-          <a:p>
-            <a:r>
-              <a:rPr lang="pt-BR" dirty="0">
+            <a:endParaRPr lang="en-US" sz="2000" dirty="0">
+              <a:latin typeface="Arial Nova"/>
+              <a:ea typeface="+mn-lt"/>
+              <a:cs typeface="+mn-lt"/>
+            </a:endParaRPr>
+          </a:p>
+          <a:p>
+            <a:r>
+              <a:rPr lang="pt-BR" sz="2000" dirty="0">
+                <a:latin typeface="Arial Nova"/>
                 <a:ea typeface="+mn-lt"/>
                 <a:cs typeface="+mn-lt"/>
               </a:rPr>
               <a:t>Deste pão é confirmada</a:t>
             </a:r>
-            <a:endParaRPr lang="en-US" dirty="0">
-              <a:ea typeface="+mn-lt"/>
-              <a:cs typeface="+mn-lt"/>
-            </a:endParaRPr>
-          </a:p>
-          <a:p>
-            <a:r>
-              <a:rPr lang="pt-BR" dirty="0">
+            <a:endParaRPr lang="en-US" sz="2000" dirty="0">
+              <a:latin typeface="Arial Nova"/>
+              <a:ea typeface="+mn-lt"/>
+              <a:cs typeface="+mn-lt"/>
+            </a:endParaRPr>
+          </a:p>
+          <a:p>
+            <a:r>
+              <a:rPr lang="pt-BR" sz="2000" dirty="0">
+                <a:latin typeface="Arial Nova"/>
                 <a:ea typeface="+mn-lt"/>
                 <a:cs typeface="+mn-lt"/>
               </a:rPr>
               <a:t>Em pureza.</a:t>
             </a:r>
-            <a:endParaRPr lang="en-US" dirty="0">
-              <a:ea typeface="+mn-lt"/>
-              <a:cs typeface="+mn-lt"/>
-            </a:endParaRPr>
-          </a:p>
-          <a:p>
-            <a:endParaRPr lang="en-US" dirty="0">
-              <a:ea typeface="+mn-lt"/>
-              <a:cs typeface="+mn-lt"/>
-            </a:endParaRPr>
-          </a:p>
-          <a:p>
-            <a:r>
-              <a:rPr lang="pt-BR" dirty="0">
+            <a:endParaRPr lang="en-US" sz="2000" dirty="0">
+              <a:latin typeface="Arial Nova"/>
+              <a:ea typeface="+mn-lt"/>
+              <a:cs typeface="+mn-lt"/>
+            </a:endParaRPr>
+          </a:p>
+          <a:p>
+            <a:endParaRPr lang="en-US" sz="2000" dirty="0">
+              <a:latin typeface="Arial Nova"/>
+              <a:ea typeface="+mn-lt"/>
+              <a:cs typeface="+mn-lt"/>
+            </a:endParaRPr>
+          </a:p>
+          <a:p>
+            <a:r>
+              <a:rPr lang="pt-BR" sz="2000" dirty="0">
+                <a:latin typeface="Arial Nova"/>
                 <a:ea typeface="+mn-lt"/>
                 <a:cs typeface="+mn-lt"/>
               </a:rPr>
               <a:t>Dele nasce a fortaleza,</a:t>
             </a:r>
-            <a:endParaRPr lang="en-US" dirty="0">
-              <a:ea typeface="+mn-lt"/>
-              <a:cs typeface="+mn-lt"/>
-            </a:endParaRPr>
-          </a:p>
-          <a:p>
-            <a:r>
-              <a:rPr lang="pt-BR" dirty="0">
+            <a:endParaRPr lang="en-US" sz="2000" dirty="0">
+              <a:latin typeface="Arial Nova"/>
+              <a:ea typeface="+mn-lt"/>
+              <a:cs typeface="+mn-lt"/>
+            </a:endParaRPr>
+          </a:p>
+          <a:p>
+            <a:r>
+              <a:rPr lang="pt-BR" sz="2000" dirty="0">
+                <a:latin typeface="Arial Nova"/>
                 <a:ea typeface="+mn-lt"/>
                 <a:cs typeface="+mn-lt"/>
               </a:rPr>
               <a:t>Ele dá perseverança,</a:t>
             </a:r>
-            <a:endParaRPr lang="en-US" dirty="0">
-              <a:ea typeface="+mn-lt"/>
-              <a:cs typeface="+mn-lt"/>
-            </a:endParaRPr>
-          </a:p>
-          <a:p>
-            <a:r>
-              <a:rPr lang="pt-BR" dirty="0">
+            <a:endParaRPr lang="en-US" sz="2000" dirty="0">
+              <a:latin typeface="Arial Nova"/>
+              <a:ea typeface="+mn-lt"/>
+              <a:cs typeface="+mn-lt"/>
+            </a:endParaRPr>
+          </a:p>
+          <a:p>
+            <a:r>
+              <a:rPr lang="pt-BR" sz="2000" dirty="0">
+                <a:latin typeface="Arial Nova"/>
                 <a:ea typeface="+mn-lt"/>
                 <a:cs typeface="+mn-lt"/>
               </a:rPr>
               <a:t>Pão da bem-aventurança,</a:t>
             </a:r>
-            <a:endParaRPr lang="en-US" dirty="0">
-              <a:ea typeface="+mn-lt"/>
-              <a:cs typeface="+mn-lt"/>
-            </a:endParaRPr>
-          </a:p>
-          <a:p>
-            <a:r>
-              <a:rPr lang="pt-BR" dirty="0">
+            <a:endParaRPr lang="en-US" sz="2000" dirty="0">
+              <a:latin typeface="Arial Nova"/>
+              <a:ea typeface="+mn-lt"/>
+              <a:cs typeface="+mn-lt"/>
+            </a:endParaRPr>
+          </a:p>
+          <a:p>
+            <a:r>
+              <a:rPr lang="pt-BR" sz="2000" dirty="0">
+                <a:latin typeface="Arial Nova"/>
                 <a:ea typeface="+mn-lt"/>
                 <a:cs typeface="+mn-lt"/>
               </a:rPr>
               <a:t>Pão de glória.</a:t>
             </a:r>
-            <a:endParaRPr lang="en-US" dirty="0">
+            <a:endParaRPr lang="en-US" sz="2000" dirty="0">
+              <a:latin typeface="Arial Nova"/>
               <a:ea typeface="+mn-lt"/>
               <a:cs typeface="+mn-lt"/>
             </a:endParaRPr>
           </a:p>
           <a:p>
             <a:pPr algn="l"/>
-            <a:endParaRPr lang="en-US" dirty="0">
+            <a:endParaRPr lang="en-US" sz="2000" dirty="0">
+              <a:latin typeface="Arial Nova"/>
               <a:cs typeface="Calibri"/>
             </a:endParaRPr>
           </a:p>
@@ -3591,8 +3792,8 @@
         </p:nvSpPr>
         <p:spPr>
           <a:xfrm>
-            <a:off x="6771736" y="4270075"/>
-            <a:ext cx="5112407" cy="461665"/>
+            <a:off x="6096000" y="4600754"/>
+            <a:ext cx="5112407" cy="1323439"/>
           </a:xfrm>
           <a:prstGeom prst="rect">
             <a:avLst/>
@@ -3610,29 +3811,79 @@
           <a:p>
             <a:pPr algn="l"/>
             <a:r>
-              <a:rPr lang="pt-BR" sz="1200" b="1">
+              <a:rPr lang="pt-BR" sz="2000" b="1" dirty="0">
                 <a:solidFill>
-                  <a:srgbClr val="5B9AD5"/>
+                  <a:schemeClr val="accent2">
+                    <a:lumMod val="50000"/>
+                  </a:schemeClr>
                 </a:solidFill>
-                <a:latin typeface="Arial"/>
+                <a:latin typeface="Arial Nova"/>
               </a:rPr>
               <a:t>Assim como nas primeiras estrofes, aqui há uma colocação sobre como o pão é divino e salva os indivíduos. Ele dá perseverança.</a:t>
             </a:r>
             <a:r>
-              <a:rPr lang="pt-BR" sz="1200">
+              <a:rPr lang="pt-BR" sz="2000" b="1" dirty="0">
                 <a:solidFill>
-                  <a:srgbClr val="5B9AD5"/>
+                  <a:schemeClr val="accent2">
+                    <a:lumMod val="50000"/>
+                  </a:schemeClr>
                 </a:solidFill>
-                <a:latin typeface="Arial"/>
+                <a:latin typeface="Arial Nova"/>
                 <a:ea typeface="Arial"/>
                 <a:cs typeface="Arial"/>
               </a:rPr>
               <a:t> </a:t>
             </a:r>
-            <a:endParaRPr lang="en-US"/>
-          </a:p>
-        </p:txBody>
-      </p:sp>
+            <a:endParaRPr lang="en-US" sz="2000" b="1">
+              <a:solidFill>
+                <a:schemeClr val="accent2">
+                  <a:lumMod val="50000"/>
+                </a:schemeClr>
+              </a:solidFill>
+              <a:latin typeface="Arial Nova"/>
+            </a:endParaRPr>
+          </a:p>
+        </p:txBody>
+      </p:sp>
+      <p:cxnSp>
+        <p:nvCxnSpPr>
+          <p:cNvPr id="8" name="Conector reto 11">
+            <a:extLst>
+              <a:ext uri="{FF2B5EF4-FFF2-40B4-BE49-F238E27FC236}">
+                <a16:creationId xmlns:a16="http://schemas.microsoft.com/office/drawing/2014/main" id="{7F672CA6-4F42-33DF-928A-B3C9741DCFCF}"/>
+              </a:ext>
+            </a:extLst>
+          </p:cNvPr>
+          <p:cNvCxnSpPr>
+            <a:cxnSpLocks/>
+          </p:cNvCxnSpPr>
+          <p:nvPr/>
+        </p:nvCxnSpPr>
+        <p:spPr>
+          <a:xfrm flipV="1">
+            <a:off x="320615" y="3666298"/>
+            <a:ext cx="11871384" cy="33072"/>
+          </a:xfrm>
+          <a:prstGeom prst="line">
+            <a:avLst/>
+          </a:prstGeom>
+          <a:ln/>
+        </p:spPr>
+        <p:style>
+          <a:lnRef idx="3">
+            <a:schemeClr val="dk1"/>
+          </a:lnRef>
+          <a:fillRef idx="0">
+            <a:schemeClr val="dk1"/>
+          </a:fillRef>
+          <a:effectRef idx="2">
+            <a:schemeClr val="dk1"/>
+          </a:effectRef>
+          <a:fontRef idx="minor">
+            <a:schemeClr val="tx1"/>
+          </a:fontRef>
+        </p:style>
+      </p:cxnSp>
     </p:spTree>
     <p:extLst>
       <p:ext uri="{BB962C8B-B14F-4D97-AF65-F5344CB8AC3E}">
@@ -3643,6 +3894,18 @@
   <p:clrMapOvr>
     <a:masterClrMapping/>
   </p:clrMapOvr>
+  <mc:AlternateContent xmlns:mc="http://schemas.openxmlformats.org/markup-compatibility/2006">
+    <mc:Choice xmlns:p15="http://schemas.microsoft.com/office/powerpoint/2012/main" Requires="p15">
+      <p:transition xmlns:p14="http://schemas.microsoft.com/office/powerpoint/2010/main" spd="slow" p14:dur="1750">
+        <p15:prstTrans prst="pageCurlDouble"/>
+      </p:transition>
+    </mc:Choice>
+    <mc:Fallback>
+      <p:transition spd="slow">
+        <p:fade/>
+      </p:transition>
+    </mc:Fallback>
+  </mc:AlternateContent>
 </p:sld>
 </file>
 
@@ -3665,31 +3928,6 @@
       </p:grpSpPr>
       <p:sp>
         <p:nvSpPr>
-          <p:cNvPr id="2" name="Title 1">
-            <a:extLst>
-              <a:ext uri="{FF2B5EF4-FFF2-40B4-BE49-F238E27FC236}">
-                <a16:creationId xmlns:a16="http://schemas.microsoft.com/office/drawing/2014/main" id="{DADE5B94-72C1-A722-620C-7EE1ACE9D6D0}"/>
-              </a:ext>
-            </a:extLst>
-          </p:cNvPr>
-          <p:cNvSpPr>
-            <a:spLocks noGrp="1"/>
-          </p:cNvSpPr>
-          <p:nvPr>
-            <p:ph type="title"/>
-          </p:nvPr>
-        </p:nvSpPr>
-        <p:spPr/>
-        <p:txBody>
-          <a:bodyPr/>
-          <a:lstStyle/>
-          <a:p>
-            <a:endParaRPr lang="en-US"/>
-          </a:p>
-        </p:txBody>
-      </p:sp>
-      <p:sp>
-        <p:nvSpPr>
           <p:cNvPr id="3" name="Content Placeholder 2">
             <a:extLst>
               <a:ext uri="{FF2B5EF4-FFF2-40B4-BE49-F238E27FC236}">
@@ -3704,188 +3942,259 @@
             <p:ph sz="half" idx="1"/>
           </p:nvPr>
         </p:nvSpPr>
-        <p:spPr/>
+        <p:spPr>
+          <a:xfrm>
+            <a:off x="981974" y="143474"/>
+            <a:ext cx="4635260" cy="6507941"/>
+          </a:xfrm>
+        </p:spPr>
         <p:txBody>
           <a:bodyPr vert="horz" lIns="91440" tIns="45720" rIns="91440" bIns="45720" rtlCol="0" anchor="t">
-            <a:normAutofit fontScale="55000" lnSpcReduction="20000"/>
+            <a:noAutofit/>
           </a:bodyPr>
           <a:lstStyle/>
           <a:p>
-            <a:r>
-              <a:rPr lang="pt-BR" dirty="0">
+            <a:pPr marL="0" indent="0">
+              <a:buNone/>
+            </a:pPr>
+            <a:r>
+              <a:rPr lang="pt-BR" sz="2400" dirty="0">
+                <a:latin typeface="Arial Nova"/>
                 <a:ea typeface="+mn-lt"/>
                 <a:cs typeface="+mn-lt"/>
               </a:rPr>
               <a:t>Deixado para memória</a:t>
             </a:r>
-            <a:endParaRPr lang="en-US" dirty="0">
-              <a:ea typeface="+mn-lt"/>
-              <a:cs typeface="+mn-lt"/>
-            </a:endParaRPr>
-          </a:p>
-          <a:p>
-            <a:r>
-              <a:rPr lang="pt-BR" dirty="0">
+            <a:endParaRPr lang="en-US" sz="2400" dirty="0">
+              <a:latin typeface="Arial Nova"/>
+              <a:ea typeface="+mn-lt"/>
+              <a:cs typeface="+mn-lt"/>
+            </a:endParaRPr>
+          </a:p>
+          <a:p>
+            <a:pPr marL="0" indent="0">
+              <a:buNone/>
+            </a:pPr>
+            <a:r>
+              <a:rPr lang="pt-BR" sz="2400" dirty="0">
+                <a:latin typeface="Arial Nova"/>
                 <a:ea typeface="+mn-lt"/>
                 <a:cs typeface="+mn-lt"/>
               </a:rPr>
               <a:t>Da morte do Redentor,</a:t>
             </a:r>
-            <a:endParaRPr lang="en-US" dirty="0">
-              <a:ea typeface="+mn-lt"/>
-              <a:cs typeface="+mn-lt"/>
-            </a:endParaRPr>
-          </a:p>
-          <a:p>
-            <a:r>
-              <a:rPr lang="pt-BR" dirty="0">
+            <a:endParaRPr lang="en-US" sz="2400" dirty="0">
+              <a:latin typeface="Arial Nova"/>
+              <a:ea typeface="+mn-lt"/>
+              <a:cs typeface="+mn-lt"/>
+            </a:endParaRPr>
+          </a:p>
+          <a:p>
+            <a:pPr marL="0" indent="0">
+              <a:buNone/>
+            </a:pPr>
+            <a:r>
+              <a:rPr lang="pt-BR" sz="2400" dirty="0">
+                <a:latin typeface="Arial Nova"/>
                 <a:ea typeface="+mn-lt"/>
                 <a:cs typeface="+mn-lt"/>
               </a:rPr>
               <a:t>Testemunho de Seu amor</a:t>
             </a:r>
-            <a:endParaRPr lang="en-US" dirty="0">
-              <a:ea typeface="+mn-lt"/>
-              <a:cs typeface="+mn-lt"/>
-            </a:endParaRPr>
-          </a:p>
-          <a:p>
-            <a:r>
-              <a:rPr lang="pt-BR" dirty="0">
+            <a:endParaRPr lang="en-US" sz="2400" dirty="0">
+              <a:latin typeface="Arial Nova"/>
+              <a:ea typeface="+mn-lt"/>
+              <a:cs typeface="+mn-lt"/>
+            </a:endParaRPr>
+          </a:p>
+          <a:p>
+            <a:pPr marL="0" indent="0">
+              <a:buNone/>
+            </a:pPr>
+            <a:r>
+              <a:rPr lang="pt-BR" sz="2400" dirty="0">
+                <a:latin typeface="Arial Nova"/>
                 <a:ea typeface="+mn-lt"/>
                 <a:cs typeface="+mn-lt"/>
               </a:rPr>
               <a:t>Verdadeiro.</a:t>
             </a:r>
-            <a:endParaRPr lang="en-US" dirty="0">
-              <a:ea typeface="+mn-lt"/>
-              <a:cs typeface="+mn-lt"/>
-            </a:endParaRPr>
-          </a:p>
-          <a:p>
-            <a:endParaRPr lang="en-US" dirty="0">
-              <a:ea typeface="+mn-lt"/>
-              <a:cs typeface="+mn-lt"/>
-            </a:endParaRPr>
-          </a:p>
-          <a:p>
-            <a:r>
-              <a:rPr lang="pt-BR" dirty="0">
+            <a:endParaRPr lang="en-US" sz="2400" dirty="0">
+              <a:latin typeface="Arial Nova"/>
+              <a:ea typeface="+mn-lt"/>
+              <a:cs typeface="+mn-lt"/>
+            </a:endParaRPr>
+          </a:p>
+          <a:p>
+            <a:pPr marL="0" indent="0">
+              <a:buNone/>
+            </a:pPr>
+            <a:endParaRPr lang="en-US" sz="2400" dirty="0">
+              <a:latin typeface="Arial Nova"/>
+              <a:ea typeface="+mn-lt"/>
+              <a:cs typeface="+mn-lt"/>
+            </a:endParaRPr>
+          </a:p>
+          <a:p>
+            <a:pPr marL="0" indent="0">
+              <a:buNone/>
+            </a:pPr>
+            <a:r>
+              <a:rPr lang="pt-BR" sz="2400" dirty="0">
+                <a:latin typeface="Arial Nova"/>
                 <a:ea typeface="+mn-lt"/>
                 <a:cs typeface="+mn-lt"/>
               </a:rPr>
               <a:t>Oh mansíssimo Cordeiro,</a:t>
             </a:r>
-            <a:endParaRPr lang="en-US" dirty="0">
-              <a:ea typeface="+mn-lt"/>
-              <a:cs typeface="+mn-lt"/>
-            </a:endParaRPr>
-          </a:p>
-          <a:p>
-            <a:r>
-              <a:rPr lang="pt-BR" dirty="0">
+            <a:endParaRPr lang="en-US" sz="2400" dirty="0">
+              <a:latin typeface="Arial Nova"/>
+              <a:ea typeface="+mn-lt"/>
+              <a:cs typeface="+mn-lt"/>
+            </a:endParaRPr>
+          </a:p>
+          <a:p>
+            <a:pPr marL="0" indent="0">
+              <a:buNone/>
+            </a:pPr>
+            <a:r>
+              <a:rPr lang="pt-BR" sz="2400" dirty="0">
+                <a:latin typeface="Arial Nova"/>
                 <a:ea typeface="+mn-lt"/>
                 <a:cs typeface="+mn-lt"/>
               </a:rPr>
               <a:t>Oh menino de Belém,</a:t>
             </a:r>
-            <a:endParaRPr lang="en-US" dirty="0">
-              <a:ea typeface="+mn-lt"/>
-              <a:cs typeface="+mn-lt"/>
-            </a:endParaRPr>
-          </a:p>
-          <a:p>
-            <a:r>
-              <a:rPr lang="pt-BR" dirty="0">
+            <a:endParaRPr lang="en-US" sz="2400" dirty="0">
+              <a:latin typeface="Arial Nova"/>
+              <a:ea typeface="+mn-lt"/>
+              <a:cs typeface="+mn-lt"/>
+            </a:endParaRPr>
+          </a:p>
+          <a:p>
+            <a:pPr marL="0" indent="0">
+              <a:buNone/>
+            </a:pPr>
+            <a:r>
+              <a:rPr lang="pt-BR" sz="2400" dirty="0">
+                <a:latin typeface="Arial Nova"/>
                 <a:ea typeface="+mn-lt"/>
                 <a:cs typeface="+mn-lt"/>
               </a:rPr>
               <a:t>Oh Jesus todo meu Bem,</a:t>
             </a:r>
-            <a:endParaRPr lang="en-US" dirty="0">
-              <a:ea typeface="+mn-lt"/>
-              <a:cs typeface="+mn-lt"/>
-            </a:endParaRPr>
-          </a:p>
-          <a:p>
-            <a:r>
-              <a:rPr lang="pt-BR" dirty="0">
+            <a:endParaRPr lang="en-US" sz="2400" dirty="0">
+              <a:latin typeface="Arial Nova"/>
+              <a:ea typeface="+mn-lt"/>
+              <a:cs typeface="+mn-lt"/>
+            </a:endParaRPr>
+          </a:p>
+          <a:p>
+            <a:pPr marL="0" indent="0">
+              <a:buNone/>
+            </a:pPr>
+            <a:r>
+              <a:rPr lang="pt-BR" sz="2400" dirty="0">
+                <a:latin typeface="Arial Nova"/>
                 <a:ea typeface="+mn-lt"/>
                 <a:cs typeface="+mn-lt"/>
               </a:rPr>
               <a:t>Meu Amor.</a:t>
             </a:r>
-            <a:endParaRPr lang="en-US" dirty="0">
-              <a:ea typeface="+mn-lt"/>
-              <a:cs typeface="+mn-lt"/>
-            </a:endParaRPr>
-          </a:p>
-          <a:p>
-            <a:endParaRPr lang="en-US" dirty="0">
-              <a:ea typeface="+mn-lt"/>
-              <a:cs typeface="+mn-lt"/>
-            </a:endParaRPr>
-          </a:p>
-          <a:p>
-            <a:endParaRPr lang="en-US" dirty="0">
-              <a:ea typeface="+mn-lt"/>
-              <a:cs typeface="+mn-lt"/>
-            </a:endParaRPr>
-          </a:p>
-          <a:p>
-            <a:r>
-              <a:rPr lang="pt-BR" dirty="0">
+            <a:endParaRPr lang="en-US" sz="2400" dirty="0">
+              <a:latin typeface="Arial Nova"/>
+              <a:ea typeface="+mn-lt"/>
+              <a:cs typeface="+mn-lt"/>
+            </a:endParaRPr>
+          </a:p>
+          <a:p>
+            <a:pPr marL="0" indent="0">
+              <a:buNone/>
+            </a:pPr>
+            <a:endParaRPr lang="en-US" sz="2400" dirty="0">
+              <a:latin typeface="Arial Nova"/>
+              <a:ea typeface="+mn-lt"/>
+              <a:cs typeface="+mn-lt"/>
+            </a:endParaRPr>
+          </a:p>
+          <a:p>
+            <a:pPr marL="0" indent="0">
+              <a:buNone/>
+            </a:pPr>
+            <a:r>
+              <a:rPr lang="pt-BR" sz="2400" dirty="0">
+                <a:latin typeface="Arial Nova"/>
                 <a:ea typeface="+mn-lt"/>
                 <a:cs typeface="+mn-lt"/>
               </a:rPr>
               <a:t>Meu Esposo, meu Senhor,</a:t>
             </a:r>
-            <a:endParaRPr lang="en-US" dirty="0">
-              <a:ea typeface="+mn-lt"/>
-              <a:cs typeface="+mn-lt"/>
-            </a:endParaRPr>
-          </a:p>
-          <a:p>
-            <a:r>
-              <a:rPr lang="pt-BR" dirty="0">
+            <a:endParaRPr lang="en-US" sz="2400" dirty="0">
+              <a:latin typeface="Arial Nova"/>
+              <a:ea typeface="+mn-lt"/>
+              <a:cs typeface="+mn-lt"/>
+            </a:endParaRPr>
+          </a:p>
+          <a:p>
+            <a:pPr marL="0" indent="0">
+              <a:buNone/>
+            </a:pPr>
+            <a:r>
+              <a:rPr lang="pt-BR" sz="2400" dirty="0">
+                <a:latin typeface="Arial Nova"/>
                 <a:ea typeface="+mn-lt"/>
                 <a:cs typeface="+mn-lt"/>
               </a:rPr>
               <a:t>Meu amigo, meu irmão,</a:t>
             </a:r>
-            <a:endParaRPr lang="en-US" dirty="0">
-              <a:ea typeface="+mn-lt"/>
-              <a:cs typeface="+mn-lt"/>
-            </a:endParaRPr>
-          </a:p>
-          <a:p>
-            <a:r>
-              <a:rPr lang="pt-BR" dirty="0">
+            <a:endParaRPr lang="en-US" sz="2400" dirty="0">
+              <a:latin typeface="Arial Nova"/>
+              <a:ea typeface="+mn-lt"/>
+              <a:cs typeface="+mn-lt"/>
+            </a:endParaRPr>
+          </a:p>
+          <a:p>
+            <a:pPr marL="0" indent="0">
+              <a:buNone/>
+            </a:pPr>
+            <a:r>
+              <a:rPr lang="pt-BR" sz="2400" dirty="0">
+                <a:latin typeface="Arial Nova"/>
                 <a:ea typeface="+mn-lt"/>
                 <a:cs typeface="+mn-lt"/>
               </a:rPr>
               <a:t>Centro do meu coração,</a:t>
             </a:r>
-            <a:endParaRPr lang="en-US" dirty="0">
-              <a:ea typeface="+mn-lt"/>
-              <a:cs typeface="+mn-lt"/>
-            </a:endParaRPr>
-          </a:p>
-          <a:p>
-            <a:r>
-              <a:rPr lang="pt-BR" dirty="0">
+            <a:endParaRPr lang="en-US" sz="2400" dirty="0">
+              <a:latin typeface="Arial Nova"/>
+              <a:ea typeface="+mn-lt"/>
+              <a:cs typeface="+mn-lt"/>
+            </a:endParaRPr>
+          </a:p>
+          <a:p>
+            <a:pPr marL="0" indent="0">
+              <a:buNone/>
+            </a:pPr>
+            <a:r>
+              <a:rPr lang="pt-BR" sz="2400" dirty="0">
+                <a:latin typeface="Arial Nova"/>
                 <a:ea typeface="+mn-lt"/>
                 <a:cs typeface="+mn-lt"/>
               </a:rPr>
               <a:t>Deus e Pai.</a:t>
             </a:r>
-            <a:endParaRPr lang="en-US" dirty="0">
-              <a:ea typeface="+mn-lt"/>
-              <a:cs typeface="+mn-lt"/>
-            </a:endParaRPr>
-          </a:p>
-          <a:p>
-            <a:endParaRPr lang="en-US" dirty="0">
+            <a:endParaRPr lang="en-US" sz="2400" dirty="0">
+              <a:latin typeface="Arial Nova"/>
+              <a:ea typeface="+mn-lt"/>
+              <a:cs typeface="+mn-lt"/>
+            </a:endParaRPr>
+          </a:p>
+          <a:p>
+            <a:pPr marL="0" indent="0">
+              <a:buNone/>
+            </a:pPr>
+            <a:endParaRPr lang="en-US" sz="2400" dirty="0">
+              <a:latin typeface="Arial Nova"/>
               <a:cs typeface="Calibri"/>
             </a:endParaRPr>
           </a:p>
@@ -3907,21 +4216,41 @@
             <p:ph sz="half" idx="2"/>
           </p:nvPr>
         </p:nvSpPr>
-        <p:spPr/>
+        <p:spPr>
+          <a:xfrm>
+            <a:off x="6315974" y="2501361"/>
+            <a:ext cx="5181600" cy="4351338"/>
+          </a:xfrm>
+        </p:spPr>
         <p:txBody>
           <a:bodyPr vert="horz" lIns="91440" tIns="45720" rIns="91440" bIns="45720" rtlCol="0" anchor="t">
-            <a:normAutofit fontScale="55000" lnSpcReduction="20000"/>
+            <a:normAutofit/>
           </a:bodyPr>
           <a:lstStyle/>
           <a:p>
-            <a:r>
-              <a:rPr lang="pt-BR" b="1" dirty="0">
-                <a:ea typeface="+mn-lt"/>
-                <a:cs typeface="+mn-lt"/>
-              </a:rPr>
-              <a:t>Adoração muito forte à Jesus Cristo, ele descreve muito sobre Jesus aqui.</a:t>
-            </a:r>
-            <a:endParaRPr lang="en-US" dirty="0">
+            <a:pPr marL="0" indent="0">
+              <a:buNone/>
+            </a:pPr>
+            <a:r>
+              <a:rPr lang="pt-BR" sz="2400" b="1" dirty="0">
+                <a:solidFill>
+                  <a:schemeClr val="accent2">
+                    <a:lumMod val="50000"/>
+                  </a:schemeClr>
+                </a:solidFill>
+                <a:latin typeface="Arial Nova"/>
+                <a:ea typeface="+mn-lt"/>
+                <a:cs typeface="+mn-lt"/>
+              </a:rPr>
+              <a:t>Adoração muito forte à Jesus Cristo e Deus, ele descreve muito sobre Jesus aqui.</a:t>
+            </a:r>
+            <a:endParaRPr lang="en-US" sz="2400" dirty="0">
+              <a:solidFill>
+                <a:schemeClr val="accent2">
+                  <a:lumMod val="50000"/>
+                </a:schemeClr>
+              </a:solidFill>
+              <a:latin typeface="Arial Nova"/>
               <a:ea typeface="+mn-lt"/>
               <a:cs typeface="+mn-lt"/>
             </a:endParaRPr>
@@ -3938,6 +4267,18 @@
   <p:clrMapOvr>
     <a:masterClrMapping/>
   </p:clrMapOvr>
+  <mc:AlternateContent xmlns:mc="http://schemas.openxmlformats.org/markup-compatibility/2006">
+    <mc:Choice xmlns:p15="http://schemas.microsoft.com/office/powerpoint/2012/main" Requires="p15">
+      <p:transition xmlns:p14="http://schemas.microsoft.com/office/powerpoint/2010/main" spd="slow" p14:dur="1750">
+        <p15:prstTrans prst="pageCurlDouble"/>
+      </p:transition>
+    </mc:Choice>
+    <mc:Fallback>
+      <p:transition spd="slow">
+        <p:fade/>
+      </p:transition>
+    </mc:Fallback>
+  </mc:AlternateContent>
 </p:sld>
 </file>
 
@@ -3960,31 +4301,6 @@
       </p:grpSpPr>
       <p:sp>
         <p:nvSpPr>
-          <p:cNvPr id="2" name="Title 1">
-            <a:extLst>
-              <a:ext uri="{FF2B5EF4-FFF2-40B4-BE49-F238E27FC236}">
-                <a16:creationId xmlns:a16="http://schemas.microsoft.com/office/drawing/2014/main" id="{95BF8B28-9A93-F2E7-4451-D6F77DBCB1BB}"/>
-              </a:ext>
-            </a:extLst>
-          </p:cNvPr>
-          <p:cNvSpPr>
-            <a:spLocks noGrp="1"/>
-          </p:cNvSpPr>
-          <p:nvPr>
-            <p:ph type="title"/>
-          </p:nvPr>
-        </p:nvSpPr>
-        <p:spPr/>
-        <p:txBody>
-          <a:bodyPr/>
-          <a:lstStyle/>
-          <a:p>
-            <a:endParaRPr lang="en-US"/>
-          </a:p>
-        </p:txBody>
-      </p:sp>
-      <p:sp>
-        <p:nvSpPr>
           <p:cNvPr id="3" name="Content Placeholder 2">
             <a:extLst>
               <a:ext uri="{FF2B5EF4-FFF2-40B4-BE49-F238E27FC236}">
@@ -3999,189 +4315,267 @@
             <p:ph sz="half" idx="1"/>
           </p:nvPr>
         </p:nvSpPr>
-        <p:spPr/>
+        <p:spPr>
+          <a:xfrm>
+            <a:off x="823823" y="646682"/>
+            <a:ext cx="5109714" cy="5717187"/>
+          </a:xfrm>
+        </p:spPr>
         <p:txBody>
           <a:bodyPr vert="horz" lIns="91440" tIns="45720" rIns="91440" bIns="45720" rtlCol="0" anchor="t">
-            <a:normAutofit fontScale="55000" lnSpcReduction="20000"/>
+            <a:noAutofit/>
           </a:bodyPr>
           <a:lstStyle/>
           <a:p>
-            <a:r>
-              <a:rPr lang="pt-BR" dirty="0">
+            <a:pPr marL="0" indent="0">
+              <a:buNone/>
+            </a:pPr>
+            <a:r>
+              <a:rPr lang="pt-BR" sz="2000" dirty="0">
+                <a:latin typeface="Arial Nova"/>
                 <a:ea typeface="+mn-lt"/>
                 <a:cs typeface="+mn-lt"/>
               </a:rPr>
               <a:t>Pois com entranhas de Mãe</a:t>
             </a:r>
-            <a:endParaRPr lang="en-US" dirty="0">
-              <a:ea typeface="+mn-lt"/>
-              <a:cs typeface="+mn-lt"/>
-            </a:endParaRPr>
-          </a:p>
-          <a:p>
-            <a:r>
-              <a:rPr lang="pt-BR" dirty="0">
+            <a:endParaRPr lang="en-US" sz="2000" dirty="0">
+              <a:latin typeface="Arial Nova"/>
+              <a:ea typeface="+mn-lt"/>
+              <a:cs typeface="+mn-lt"/>
+            </a:endParaRPr>
+          </a:p>
+          <a:p>
+            <a:pPr marL="0" indent="0">
+              <a:buNone/>
+            </a:pPr>
+            <a:r>
+              <a:rPr lang="pt-BR" sz="2000" dirty="0">
+                <a:latin typeface="Arial Nova"/>
                 <a:ea typeface="+mn-lt"/>
                 <a:cs typeface="+mn-lt"/>
               </a:rPr>
               <a:t>Quereis de mim ser comido,</a:t>
             </a:r>
-            <a:endParaRPr lang="en-US" dirty="0">
-              <a:ea typeface="+mn-lt"/>
-              <a:cs typeface="+mn-lt"/>
-            </a:endParaRPr>
-          </a:p>
-          <a:p>
-            <a:r>
-              <a:rPr lang="pt-BR" dirty="0">
+            <a:endParaRPr lang="en-US" sz="2000" dirty="0">
+              <a:latin typeface="Arial Nova"/>
+              <a:ea typeface="+mn-lt"/>
+              <a:cs typeface="+mn-lt"/>
+            </a:endParaRPr>
+          </a:p>
+          <a:p>
+            <a:pPr marL="0" indent="0">
+              <a:buNone/>
+            </a:pPr>
+            <a:r>
+              <a:rPr lang="pt-BR" sz="2000" dirty="0">
+                <a:latin typeface="Arial Nova"/>
                 <a:ea typeface="+mn-lt"/>
                 <a:cs typeface="+mn-lt"/>
               </a:rPr>
               <a:t>Roubai todo meu sentido</a:t>
             </a:r>
-            <a:endParaRPr lang="en-US" dirty="0">
-              <a:ea typeface="+mn-lt"/>
-              <a:cs typeface="+mn-lt"/>
-            </a:endParaRPr>
-          </a:p>
-          <a:p>
-            <a:r>
-              <a:rPr lang="pt-BR" dirty="0">
+            <a:endParaRPr lang="en-US" sz="2000" dirty="0">
+              <a:latin typeface="Arial Nova"/>
+              <a:ea typeface="+mn-lt"/>
+              <a:cs typeface="+mn-lt"/>
+            </a:endParaRPr>
+          </a:p>
+          <a:p>
+            <a:pPr marL="0" indent="0">
+              <a:buNone/>
+            </a:pPr>
+            <a:r>
+              <a:rPr lang="pt-BR" sz="2000" dirty="0">
+                <a:latin typeface="Arial Nova"/>
                 <a:ea typeface="+mn-lt"/>
                 <a:cs typeface="+mn-lt"/>
               </a:rPr>
               <a:t>Para vós</a:t>
             </a:r>
-            <a:endParaRPr lang="en-US" dirty="0">
-              <a:ea typeface="+mn-lt"/>
-              <a:cs typeface="+mn-lt"/>
-            </a:endParaRPr>
-          </a:p>
-          <a:p>
-            <a:endParaRPr lang="en-US" dirty="0">
-              <a:ea typeface="+mn-lt"/>
-              <a:cs typeface="+mn-lt"/>
-            </a:endParaRPr>
-          </a:p>
-          <a:p>
-            <a:r>
-              <a:rPr lang="pt-BR" dirty="0">
+            <a:endParaRPr lang="en-US" sz="2000" dirty="0">
+              <a:latin typeface="Arial Nova"/>
+              <a:ea typeface="+mn-lt"/>
+              <a:cs typeface="+mn-lt"/>
+            </a:endParaRPr>
+          </a:p>
+          <a:p>
+            <a:pPr marL="0" indent="0">
+              <a:buNone/>
+            </a:pPr>
+            <a:endParaRPr lang="en-US" sz="2000" dirty="0">
+              <a:latin typeface="Arial Nova"/>
+              <a:ea typeface="+mn-lt"/>
+              <a:cs typeface="+mn-lt"/>
+            </a:endParaRPr>
+          </a:p>
+          <a:p>
+            <a:pPr marL="0" indent="0">
+              <a:buNone/>
+            </a:pPr>
+            <a:r>
+              <a:rPr lang="pt-BR" sz="2000" dirty="0">
+                <a:latin typeface="Arial Nova"/>
                 <a:ea typeface="+mn-lt"/>
                 <a:cs typeface="+mn-lt"/>
               </a:rPr>
               <a:t>Prendei-me com fortes nós,</a:t>
             </a:r>
-            <a:endParaRPr lang="en-US" dirty="0">
-              <a:ea typeface="+mn-lt"/>
-              <a:cs typeface="+mn-lt"/>
-            </a:endParaRPr>
-          </a:p>
-          <a:p>
-            <a:r>
-              <a:rPr lang="pt-BR" dirty="0" err="1">
+            <a:endParaRPr lang="en-US" sz="2000" dirty="0">
+              <a:latin typeface="Arial Nova"/>
+              <a:ea typeface="+mn-lt"/>
+              <a:cs typeface="+mn-lt"/>
+            </a:endParaRPr>
+          </a:p>
+          <a:p>
+            <a:pPr marL="0" indent="0">
+              <a:buNone/>
+            </a:pPr>
+            <a:r>
+              <a:rPr lang="pt-BR" sz="2000" dirty="0" err="1">
+                <a:latin typeface="Arial Nova"/>
                 <a:ea typeface="+mn-lt"/>
                 <a:cs typeface="+mn-lt"/>
               </a:rPr>
               <a:t>Iesu</a:t>
             </a:r>
             <a:r>
-              <a:rPr lang="pt-BR" dirty="0">
+              <a:rPr lang="pt-BR" sz="2000" dirty="0">
+                <a:latin typeface="Arial Nova"/>
                 <a:ea typeface="+mn-lt"/>
                 <a:cs typeface="+mn-lt"/>
               </a:rPr>
               <a:t>, filho de Deus vivo,</a:t>
             </a:r>
-            <a:endParaRPr lang="en-US" dirty="0">
-              <a:ea typeface="+mn-lt"/>
-              <a:cs typeface="+mn-lt"/>
-            </a:endParaRPr>
-          </a:p>
-          <a:p>
-            <a:r>
-              <a:rPr lang="pt-BR" dirty="0">
+            <a:endParaRPr lang="en-US" sz="2000" dirty="0">
+              <a:latin typeface="Arial Nova"/>
+              <a:ea typeface="+mn-lt"/>
+              <a:cs typeface="+mn-lt"/>
+            </a:endParaRPr>
+          </a:p>
+          <a:p>
+            <a:pPr marL="0" indent="0">
+              <a:buNone/>
+            </a:pPr>
+            <a:r>
+              <a:rPr lang="pt-BR" sz="2000" dirty="0">
+                <a:latin typeface="Arial Nova"/>
                 <a:ea typeface="+mn-lt"/>
                 <a:cs typeface="+mn-lt"/>
               </a:rPr>
               <a:t>pois que sou vosso cativo,</a:t>
             </a:r>
-            <a:endParaRPr lang="en-US" dirty="0">
-              <a:ea typeface="+mn-lt"/>
-              <a:cs typeface="+mn-lt"/>
-            </a:endParaRPr>
-          </a:p>
-          <a:p>
-            <a:r>
-              <a:rPr lang="pt-BR" dirty="0">
+            <a:endParaRPr lang="en-US" sz="2000" dirty="0">
+              <a:latin typeface="Arial Nova"/>
+              <a:ea typeface="+mn-lt"/>
+              <a:cs typeface="+mn-lt"/>
+            </a:endParaRPr>
+          </a:p>
+          <a:p>
+            <a:pPr marL="0" indent="0">
+              <a:buNone/>
+            </a:pPr>
+            <a:r>
+              <a:rPr lang="pt-BR" sz="2000" dirty="0">
+                <a:latin typeface="Arial Nova"/>
                 <a:ea typeface="+mn-lt"/>
                 <a:cs typeface="+mn-lt"/>
               </a:rPr>
               <a:t>que comprastes</a:t>
             </a:r>
-            <a:endParaRPr lang="en-US" dirty="0">
-              <a:ea typeface="+mn-lt"/>
-              <a:cs typeface="+mn-lt"/>
-            </a:endParaRPr>
-          </a:p>
-          <a:p>
-            <a:endParaRPr lang="en-US" dirty="0">
-              <a:ea typeface="+mn-lt"/>
-              <a:cs typeface="+mn-lt"/>
-            </a:endParaRPr>
-          </a:p>
-          <a:p>
-            <a:r>
-              <a:rPr lang="pt-BR" dirty="0">
+            <a:endParaRPr lang="en-US" sz="2000" dirty="0">
+              <a:latin typeface="Arial Nova"/>
+              <a:ea typeface="+mn-lt"/>
+              <a:cs typeface="+mn-lt"/>
+            </a:endParaRPr>
+          </a:p>
+          <a:p>
+            <a:pPr marL="0" indent="0">
+              <a:buNone/>
+            </a:pPr>
+            <a:endParaRPr lang="en-US" sz="2000" dirty="0">
+              <a:latin typeface="Arial Nova"/>
+              <a:ea typeface="+mn-lt"/>
+              <a:cs typeface="+mn-lt"/>
+            </a:endParaRPr>
+          </a:p>
+          <a:p>
+            <a:pPr marL="0" indent="0">
+              <a:buNone/>
+            </a:pPr>
+            <a:r>
+              <a:rPr lang="pt-BR" sz="2000" dirty="0">
+                <a:latin typeface="Arial Nova"/>
                 <a:ea typeface="+mn-lt"/>
                 <a:cs typeface="+mn-lt"/>
               </a:rPr>
               <a:t>Com o sangue que derramastes,</a:t>
             </a:r>
-            <a:endParaRPr lang="en-US" dirty="0">
-              <a:ea typeface="+mn-lt"/>
-              <a:cs typeface="+mn-lt"/>
-            </a:endParaRPr>
-          </a:p>
-          <a:p>
-            <a:r>
-              <a:rPr lang="pt-BR" dirty="0">
+            <a:endParaRPr lang="en-US" sz="2000" dirty="0">
+              <a:latin typeface="Arial Nova"/>
+              <a:ea typeface="+mn-lt"/>
+              <a:cs typeface="+mn-lt"/>
+            </a:endParaRPr>
+          </a:p>
+          <a:p>
+            <a:pPr marL="0" indent="0">
+              <a:buNone/>
+            </a:pPr>
+            <a:r>
+              <a:rPr lang="pt-BR" sz="2000" dirty="0">
+                <a:latin typeface="Arial Nova"/>
                 <a:ea typeface="+mn-lt"/>
                 <a:cs typeface="+mn-lt"/>
               </a:rPr>
               <a:t>Com a vida que perdestes,</a:t>
             </a:r>
-            <a:endParaRPr lang="en-US" dirty="0">
-              <a:ea typeface="+mn-lt"/>
-              <a:cs typeface="+mn-lt"/>
-            </a:endParaRPr>
-          </a:p>
-          <a:p>
-            <a:r>
-              <a:rPr lang="pt-BR" dirty="0">
+            <a:endParaRPr lang="en-US" sz="2000" dirty="0">
+              <a:latin typeface="Arial Nova"/>
+              <a:ea typeface="+mn-lt"/>
+              <a:cs typeface="+mn-lt"/>
+            </a:endParaRPr>
+          </a:p>
+          <a:p>
+            <a:pPr marL="0" indent="0">
+              <a:buNone/>
+            </a:pPr>
+            <a:r>
+              <a:rPr lang="pt-BR" sz="2000" dirty="0">
+                <a:latin typeface="Arial Nova"/>
                 <a:ea typeface="+mn-lt"/>
                 <a:cs typeface="+mn-lt"/>
               </a:rPr>
               <a:t>Com a morte que quisestes</a:t>
             </a:r>
-            <a:endParaRPr lang="en-US" dirty="0">
-              <a:ea typeface="+mn-lt"/>
-              <a:cs typeface="+mn-lt"/>
-            </a:endParaRPr>
-          </a:p>
-          <a:p>
-            <a:r>
-              <a:rPr lang="pt-BR" dirty="0">
+            <a:endParaRPr lang="en-US" sz="2000" dirty="0">
+              <a:latin typeface="Arial Nova"/>
+              <a:ea typeface="+mn-lt"/>
+              <a:cs typeface="+mn-lt"/>
+            </a:endParaRPr>
+          </a:p>
+          <a:p>
+            <a:pPr marL="0" indent="0">
+              <a:buNone/>
+            </a:pPr>
+            <a:r>
+              <a:rPr lang="pt-BR" sz="2000" dirty="0">
+                <a:latin typeface="Arial Nova"/>
                 <a:ea typeface="+mn-lt"/>
                 <a:cs typeface="+mn-lt"/>
               </a:rPr>
               <a:t>Padecer.</a:t>
             </a:r>
-            <a:endParaRPr lang="en-US" dirty="0">
-              <a:ea typeface="+mn-lt"/>
-              <a:cs typeface="+mn-lt"/>
-            </a:endParaRPr>
-          </a:p>
-          <a:p>
-            <a:endParaRPr lang="en-US" dirty="0">
+            <a:endParaRPr lang="en-US" sz="2000" dirty="0">
+              <a:latin typeface="Arial Nova"/>
+              <a:ea typeface="+mn-lt"/>
+              <a:cs typeface="+mn-lt"/>
+            </a:endParaRPr>
+          </a:p>
+          <a:p>
+            <a:pPr marL="0" indent="0">
+              <a:buNone/>
+            </a:pPr>
+            <a:endParaRPr lang="en-US" sz="2000" dirty="0">
+              <a:latin typeface="Arial Nova"/>
               <a:cs typeface="Calibri"/>
             </a:endParaRPr>
           </a:p>
@@ -4203,21 +4597,41 @@
             <p:ph sz="half" idx="2"/>
           </p:nvPr>
         </p:nvSpPr>
-        <p:spPr/>
+        <p:spPr>
+          <a:xfrm>
+            <a:off x="6272842" y="2645134"/>
+            <a:ext cx="5181600" cy="4351338"/>
+          </a:xfrm>
+        </p:spPr>
         <p:txBody>
           <a:bodyPr vert="horz" lIns="91440" tIns="45720" rIns="91440" bIns="45720" rtlCol="0" anchor="t">
-            <a:normAutofit fontScale="55000" lnSpcReduction="20000"/>
+            <a:normAutofit/>
           </a:bodyPr>
           <a:lstStyle/>
           <a:p>
-            <a:r>
-              <a:rPr lang="pt-BR" b="1" dirty="0">
+            <a:pPr marL="0" indent="0">
+              <a:buNone/>
+            </a:pPr>
+            <a:r>
+              <a:rPr lang="pt-BR" sz="2000" b="1" dirty="0">
+                <a:solidFill>
+                  <a:schemeClr val="accent2">
+                    <a:lumMod val="50000"/>
+                  </a:schemeClr>
+                </a:solidFill>
+                <a:latin typeface="Arial Nova"/>
                 <a:ea typeface="+mn-lt"/>
                 <a:cs typeface="+mn-lt"/>
               </a:rPr>
               <a:t>Novamente adoração à Jesus Cristo, aqui contando um pouco de sua história, do seu sacrifício pela sua humanidade e como o Padre se tornou devoto a ele.</a:t>
             </a:r>
-            <a:endParaRPr lang="en-US" dirty="0">
+            <a:endParaRPr lang="en-US" sz="2000">
+              <a:solidFill>
+                <a:schemeClr val="accent2">
+                  <a:lumMod val="50000"/>
+                </a:schemeClr>
+              </a:solidFill>
+              <a:latin typeface="Arial Nova"/>
               <a:ea typeface="+mn-lt"/>
               <a:cs typeface="+mn-lt"/>
             </a:endParaRPr>
@@ -4234,6 +4648,18 @@
   <p:clrMapOvr>
     <a:masterClrMapping/>
   </p:clrMapOvr>
+  <mc:AlternateContent xmlns:mc="http://schemas.openxmlformats.org/markup-compatibility/2006">
+    <mc:Choice xmlns:p15="http://schemas.microsoft.com/office/powerpoint/2012/main" Requires="p15">
+      <p:transition xmlns:p14="http://schemas.microsoft.com/office/powerpoint/2010/main" spd="slow" p14:dur="1750">
+        <p15:prstTrans prst="pageCurlDouble"/>
+      </p:transition>
+    </mc:Choice>
+    <mc:Fallback>
+      <p:transition spd="slow">
+        <p:fade/>
+      </p:transition>
+    </mc:Fallback>
+  </mc:AlternateContent>
 </p:sld>
 </file>
 
@@ -4256,31 +4682,6 @@
       </p:grpSpPr>
       <p:sp>
         <p:nvSpPr>
-          <p:cNvPr id="2" name="Title 1">
-            <a:extLst>
-              <a:ext uri="{FF2B5EF4-FFF2-40B4-BE49-F238E27FC236}">
-                <a16:creationId xmlns:a16="http://schemas.microsoft.com/office/drawing/2014/main" id="{9DF76A29-C748-3198-CA50-C49D3ADC7322}"/>
-              </a:ext>
-            </a:extLst>
-          </p:cNvPr>
-          <p:cNvSpPr>
-            <a:spLocks noGrp="1"/>
-          </p:cNvSpPr>
-          <p:nvPr>
-            <p:ph type="title"/>
-          </p:nvPr>
-        </p:nvSpPr>
-        <p:spPr/>
-        <p:txBody>
-          <a:bodyPr/>
-          <a:lstStyle/>
-          <a:p>
-            <a:endParaRPr lang="en-US"/>
-          </a:p>
-        </p:txBody>
-      </p:sp>
-      <p:sp>
-        <p:nvSpPr>
           <p:cNvPr id="3" name="Content Placeholder 2">
             <a:extLst>
               <a:ext uri="{FF2B5EF4-FFF2-40B4-BE49-F238E27FC236}">
@@ -4295,124 +4696,177 @@
             <p:ph sz="half" idx="1"/>
           </p:nvPr>
         </p:nvSpPr>
-        <p:spPr/>
+        <p:spPr>
+          <a:xfrm>
+            <a:off x="823823" y="1121135"/>
+            <a:ext cx="5181600" cy="4351338"/>
+          </a:xfrm>
+        </p:spPr>
         <p:txBody>
           <a:bodyPr vert="horz" lIns="91440" tIns="45720" rIns="91440" bIns="45720" rtlCol="0" anchor="t">
             <a:normAutofit lnSpcReduction="10000"/>
           </a:bodyPr>
           <a:lstStyle/>
           <a:p>
+            <a:pPr marL="0" indent="0">
+              <a:buNone/>
+            </a:pPr>
             <a:r>
               <a:rPr lang="pt-BR" dirty="0">
+                <a:latin typeface="Arial Nova"/>
                 <a:ea typeface="+mn-lt"/>
                 <a:cs typeface="+mn-lt"/>
               </a:rPr>
               <a:t>Morra eu, por que viver</a:t>
             </a:r>
+            <a:endParaRPr lang="en-US">
+              <a:latin typeface="Arial Nova"/>
+              <a:ea typeface="+mn-lt"/>
+              <a:cs typeface="+mn-lt"/>
+            </a:endParaRPr>
+          </a:p>
+          <a:p>
+            <a:pPr marL="0" indent="0">
+              <a:buNone/>
+            </a:pPr>
+            <a:r>
+              <a:rPr lang="pt-BR" dirty="0">
+                <a:latin typeface="Arial Nova"/>
+                <a:ea typeface="+mn-lt"/>
+                <a:cs typeface="+mn-lt"/>
+              </a:rPr>
+              <a:t>Vós possais dentro de mim;</a:t>
+            </a:r>
+            <a:endParaRPr lang="en-US">
+              <a:latin typeface="Arial Nova"/>
+              <a:ea typeface="+mn-lt"/>
+              <a:cs typeface="+mn-lt"/>
+            </a:endParaRPr>
+          </a:p>
+          <a:p>
+            <a:pPr marL="0" indent="0">
+              <a:buNone/>
+            </a:pPr>
+            <a:r>
+              <a:rPr lang="pt-BR" dirty="0">
+                <a:latin typeface="Arial Nova"/>
+                <a:ea typeface="+mn-lt"/>
+                <a:cs typeface="+mn-lt"/>
+              </a:rPr>
+              <a:t>Ganha-me, pois me perdi</a:t>
+            </a:r>
+            <a:endParaRPr lang="en-US">
+              <a:latin typeface="Arial Nova"/>
+              <a:ea typeface="+mn-lt"/>
+              <a:cs typeface="+mn-lt"/>
+            </a:endParaRPr>
+          </a:p>
+          <a:p>
+            <a:pPr marL="0" indent="0">
+              <a:buNone/>
+            </a:pPr>
+            <a:r>
+              <a:rPr lang="pt-BR" dirty="0">
+                <a:latin typeface="Arial Nova"/>
+                <a:ea typeface="+mn-lt"/>
+                <a:cs typeface="+mn-lt"/>
+              </a:rPr>
+              <a:t>Em amar-me.</a:t>
+            </a:r>
+            <a:endParaRPr lang="en-US">
+              <a:latin typeface="Arial Nova"/>
+              <a:ea typeface="+mn-lt"/>
+              <a:cs typeface="+mn-lt"/>
+            </a:endParaRPr>
+          </a:p>
+          <a:p>
+            <a:pPr marL="0" indent="0">
+              <a:buNone/>
+            </a:pPr>
             <a:endParaRPr lang="en-US" dirty="0">
-              <a:ea typeface="+mn-lt"/>
-              <a:cs typeface="+mn-lt"/>
-            </a:endParaRPr>
-          </a:p>
-          <a:p>
+              <a:latin typeface="Arial Nova"/>
+              <a:ea typeface="+mn-lt"/>
+              <a:cs typeface="+mn-lt"/>
+            </a:endParaRPr>
+          </a:p>
+          <a:p>
+            <a:pPr marL="0" indent="0">
+              <a:buNone/>
+            </a:pPr>
             <a:r>
               <a:rPr lang="pt-BR" dirty="0">
-                <a:ea typeface="+mn-lt"/>
-                <a:cs typeface="+mn-lt"/>
-              </a:rPr>
-              <a:t>Vós possais dentro de mim;</a:t>
-            </a:r>
+                <a:latin typeface="Arial Nova"/>
+                <a:ea typeface="+mn-lt"/>
+                <a:cs typeface="+mn-lt"/>
+              </a:rPr>
+              <a:t>Pois que para incorporar-me</a:t>
+            </a:r>
+            <a:endParaRPr lang="en-US">
+              <a:latin typeface="Arial Nova"/>
+              <a:ea typeface="+mn-lt"/>
+              <a:cs typeface="+mn-lt"/>
+            </a:endParaRPr>
+          </a:p>
+          <a:p>
+            <a:pPr marL="0" indent="0">
+              <a:buNone/>
+            </a:pPr>
+            <a:r>
+              <a:rPr lang="pt-BR" dirty="0">
+                <a:latin typeface="Arial Nova"/>
+                <a:ea typeface="+mn-lt"/>
+                <a:cs typeface="+mn-lt"/>
+              </a:rPr>
+              <a:t>E mudar-me em vós de todo,</a:t>
+            </a:r>
+            <a:endParaRPr lang="en-US">
+              <a:latin typeface="Arial Nova"/>
+              <a:ea typeface="+mn-lt"/>
+              <a:cs typeface="+mn-lt"/>
+            </a:endParaRPr>
+          </a:p>
+          <a:p>
+            <a:pPr marL="0" indent="0">
+              <a:buNone/>
+            </a:pPr>
+            <a:r>
+              <a:rPr lang="pt-BR" dirty="0">
+                <a:latin typeface="Arial Nova"/>
+                <a:ea typeface="+mn-lt"/>
+                <a:cs typeface="+mn-lt"/>
+              </a:rPr>
+              <a:t>Com um tão divino modo</a:t>
+            </a:r>
+            <a:endParaRPr lang="en-US">
+              <a:latin typeface="Arial Nova"/>
+              <a:ea typeface="+mn-lt"/>
+              <a:cs typeface="+mn-lt"/>
+            </a:endParaRPr>
+          </a:p>
+          <a:p>
+            <a:pPr marL="0" indent="0">
+              <a:buNone/>
+            </a:pPr>
+            <a:r>
+              <a:rPr lang="pt-BR" dirty="0">
+                <a:latin typeface="Arial Nova"/>
+                <a:ea typeface="+mn-lt"/>
+                <a:cs typeface="+mn-lt"/>
+              </a:rPr>
+              <a:t>Me mudais.</a:t>
+            </a:r>
+            <a:endParaRPr lang="en-US">
+              <a:latin typeface="Arial Nova"/>
+              <a:ea typeface="+mn-lt"/>
+              <a:cs typeface="+mn-lt"/>
+            </a:endParaRPr>
+          </a:p>
+          <a:p>
+            <a:pPr marL="0" indent="0">
+              <a:buNone/>
+            </a:pPr>
             <a:endParaRPr lang="en-US" dirty="0">
-              <a:ea typeface="+mn-lt"/>
-              <a:cs typeface="+mn-lt"/>
-            </a:endParaRPr>
-          </a:p>
-          <a:p>
-            <a:r>
-              <a:rPr lang="pt-BR" dirty="0">
-                <a:ea typeface="+mn-lt"/>
-                <a:cs typeface="+mn-lt"/>
-              </a:rPr>
-              <a:t>Ganha-me, pois me perdi</a:t>
-            </a:r>
-            <a:endParaRPr lang="en-US" dirty="0">
-              <a:ea typeface="+mn-lt"/>
-              <a:cs typeface="+mn-lt"/>
-            </a:endParaRPr>
-          </a:p>
-          <a:p>
-            <a:r>
-              <a:rPr lang="pt-BR" dirty="0">
-                <a:ea typeface="+mn-lt"/>
-                <a:cs typeface="+mn-lt"/>
-              </a:rPr>
-              <a:t>Em amar-me.</a:t>
-            </a:r>
-            <a:endParaRPr lang="en-US" dirty="0">
-              <a:ea typeface="+mn-lt"/>
-              <a:cs typeface="+mn-lt"/>
-            </a:endParaRPr>
-          </a:p>
-          <a:p>
-            <a:endParaRPr lang="en-US" dirty="0">
-              <a:ea typeface="+mn-lt"/>
-              <a:cs typeface="+mn-lt"/>
-            </a:endParaRPr>
-          </a:p>
-          <a:p>
-            <a:r>
-              <a:rPr lang="pt-BR" dirty="0">
-                <a:ea typeface="+mn-lt"/>
-                <a:cs typeface="+mn-lt"/>
-              </a:rPr>
-              <a:t>Pois que para incorporar-me</a:t>
-            </a:r>
-            <a:endParaRPr lang="en-US" dirty="0">
-              <a:ea typeface="+mn-lt"/>
-              <a:cs typeface="+mn-lt"/>
-            </a:endParaRPr>
-          </a:p>
-          <a:p>
-            <a:r>
-              <a:rPr lang="pt-BR" dirty="0">
-                <a:ea typeface="+mn-lt"/>
-                <a:cs typeface="+mn-lt"/>
-              </a:rPr>
-              <a:t>E mudar-me em vós de todo,</a:t>
-            </a:r>
-            <a:endParaRPr lang="en-US" dirty="0">
-              <a:ea typeface="+mn-lt"/>
-              <a:cs typeface="+mn-lt"/>
-            </a:endParaRPr>
-          </a:p>
-          <a:p>
-            <a:r>
-              <a:rPr lang="pt-BR" dirty="0">
-                <a:ea typeface="+mn-lt"/>
-                <a:cs typeface="+mn-lt"/>
-              </a:rPr>
-              <a:t>Com um tão divino modo</a:t>
-            </a:r>
-            <a:endParaRPr lang="en-US" dirty="0">
-              <a:ea typeface="+mn-lt"/>
-              <a:cs typeface="+mn-lt"/>
-            </a:endParaRPr>
-          </a:p>
-          <a:p>
-            <a:r>
-              <a:rPr lang="pt-BR" dirty="0">
-                <a:ea typeface="+mn-lt"/>
-                <a:cs typeface="+mn-lt"/>
-              </a:rPr>
-              <a:t>Me mudais.</a:t>
-            </a:r>
-            <a:endParaRPr lang="en-US" dirty="0">
-              <a:ea typeface="+mn-lt"/>
-              <a:cs typeface="+mn-lt"/>
-            </a:endParaRPr>
-          </a:p>
-          <a:p>
-            <a:endParaRPr lang="en-US" dirty="0">
+              <a:latin typeface="Arial Nova"/>
               <a:cs typeface="Calibri"/>
             </a:endParaRPr>
           </a:p>
@@ -4434,21 +4888,41 @@
             <p:ph sz="half" idx="2"/>
           </p:nvPr>
         </p:nvSpPr>
-        <p:spPr/>
+        <p:spPr>
+          <a:xfrm>
+            <a:off x="6517257" y="2343210"/>
+            <a:ext cx="5181600" cy="4351338"/>
+          </a:xfrm>
+        </p:spPr>
         <p:txBody>
           <a:bodyPr vert="horz" lIns="91440" tIns="45720" rIns="91440" bIns="45720" rtlCol="0" anchor="t">
             <a:normAutofit lnSpcReduction="10000"/>
           </a:bodyPr>
           <a:lstStyle/>
           <a:p>
+            <a:pPr marL="0" indent="0">
+              <a:buNone/>
+            </a:pPr>
             <a:r>
               <a:rPr lang="pt-BR" b="1" dirty="0">
+                <a:solidFill>
+                  <a:schemeClr val="accent2">
+                    <a:lumMod val="50000"/>
+                  </a:schemeClr>
+                </a:solidFill>
+                <a:latin typeface="Arial Nova"/>
                 <a:ea typeface="+mn-lt"/>
                 <a:cs typeface="+mn-lt"/>
               </a:rPr>
               <a:t>É praticamente um pedido para que Jesus Cristo salve-o e mude-o.</a:t>
             </a:r>
-            <a:endParaRPr lang="en-US" dirty="0">
+            <a:endParaRPr lang="en-US">
+              <a:solidFill>
+                <a:schemeClr val="accent2">
+                  <a:lumMod val="50000"/>
+                </a:schemeClr>
+              </a:solidFill>
+              <a:latin typeface="Arial Nova"/>
               <a:ea typeface="+mn-lt"/>
               <a:cs typeface="+mn-lt"/>
             </a:endParaRPr>
@@ -4465,6 +4939,18 @@
   <p:clrMapOvr>
     <a:masterClrMapping/>
   </p:clrMapOvr>
+  <mc:AlternateContent xmlns:mc="http://schemas.openxmlformats.org/markup-compatibility/2006">
+    <mc:Choice xmlns:p15="http://schemas.microsoft.com/office/powerpoint/2012/main" Requires="p15">
+      <p:transition xmlns:p14="http://schemas.microsoft.com/office/powerpoint/2010/main" spd="slow" p14:dur="1750">
+        <p15:prstTrans prst="pageCurlDouble"/>
+      </p:transition>
+    </mc:Choice>
+    <mc:Fallback>
+      <p:transition spd="slow">
+        <p:fade/>
+      </p:transition>
+    </mc:Fallback>
+  </mc:AlternateContent>
 </p:sld>
 </file>
 
@@ -4487,31 +4973,6 @@
       </p:grpSpPr>
       <p:sp>
         <p:nvSpPr>
-          <p:cNvPr id="2" name="Title 1">
-            <a:extLst>
-              <a:ext uri="{FF2B5EF4-FFF2-40B4-BE49-F238E27FC236}">
-                <a16:creationId xmlns:a16="http://schemas.microsoft.com/office/drawing/2014/main" id="{6648D7C4-B5F4-7AB9-0095-7FE38F4B746F}"/>
-              </a:ext>
-            </a:extLst>
-          </p:cNvPr>
-          <p:cNvSpPr>
-            <a:spLocks noGrp="1"/>
-          </p:cNvSpPr>
-          <p:nvPr>
-            <p:ph type="title"/>
-          </p:nvPr>
-        </p:nvSpPr>
-        <p:spPr/>
-        <p:txBody>
-          <a:bodyPr/>
-          <a:lstStyle/>
-          <a:p>
-            <a:endParaRPr lang="en-US"/>
-          </a:p>
-        </p:txBody>
-      </p:sp>
-      <p:sp>
-        <p:nvSpPr>
           <p:cNvPr id="3" name="Content Placeholder 2">
             <a:extLst>
               <a:ext uri="{FF2B5EF4-FFF2-40B4-BE49-F238E27FC236}">
@@ -4526,182 +4987,259 @@
             <p:ph sz="half" idx="1"/>
           </p:nvPr>
         </p:nvSpPr>
-        <p:spPr/>
+        <p:spPr>
+          <a:xfrm>
+            <a:off x="910087" y="172229"/>
+            <a:ext cx="5282241" cy="6522317"/>
+          </a:xfrm>
+        </p:spPr>
         <p:txBody>
           <a:bodyPr vert="horz" lIns="91440" tIns="45720" rIns="91440" bIns="45720" rtlCol="0" anchor="t">
-            <a:normAutofit fontScale="55000" lnSpcReduction="20000"/>
+            <a:noAutofit/>
           </a:bodyPr>
           <a:lstStyle/>
           <a:p>
-            <a:r>
-              <a:rPr lang="pt-BR" dirty="0">
+            <a:pPr marL="0" indent="0">
+              <a:buNone/>
+            </a:pPr>
+            <a:r>
+              <a:rPr lang="pt-BR" sz="2400" dirty="0">
+                <a:latin typeface="Arial Nova"/>
                 <a:ea typeface="+mn-lt"/>
                 <a:cs typeface="+mn-lt"/>
               </a:rPr>
               <a:t>Quando na minha alma entrais</a:t>
             </a:r>
-            <a:endParaRPr lang="en-US" dirty="0">
-              <a:ea typeface="+mn-lt"/>
-              <a:cs typeface="+mn-lt"/>
-            </a:endParaRPr>
-          </a:p>
-          <a:p>
-            <a:r>
-              <a:rPr lang="pt-BR" dirty="0">
+            <a:endParaRPr lang="en-US" sz="2400" dirty="0">
+              <a:latin typeface="Arial Nova"/>
+              <a:ea typeface="+mn-lt"/>
+              <a:cs typeface="+mn-lt"/>
+            </a:endParaRPr>
+          </a:p>
+          <a:p>
+            <a:pPr marL="0" indent="0">
+              <a:buNone/>
+            </a:pPr>
+            <a:r>
+              <a:rPr lang="pt-BR" sz="2400" dirty="0">
+                <a:latin typeface="Arial Nova"/>
                 <a:ea typeface="+mn-lt"/>
                 <a:cs typeface="+mn-lt"/>
               </a:rPr>
               <a:t>É dela fazeis sacrário,</a:t>
             </a:r>
-            <a:endParaRPr lang="en-US" dirty="0">
-              <a:ea typeface="+mn-lt"/>
-              <a:cs typeface="+mn-lt"/>
-            </a:endParaRPr>
-          </a:p>
-          <a:p>
-            <a:r>
-              <a:rPr lang="pt-BR" dirty="0">
+            <a:endParaRPr lang="en-US" sz="2400" dirty="0">
+              <a:latin typeface="Arial Nova"/>
+              <a:ea typeface="+mn-lt"/>
+              <a:cs typeface="+mn-lt"/>
+            </a:endParaRPr>
+          </a:p>
+          <a:p>
+            <a:pPr marL="0" indent="0">
+              <a:buNone/>
+            </a:pPr>
+            <a:r>
+              <a:rPr lang="pt-BR" sz="2400" dirty="0">
+                <a:latin typeface="Arial Nova"/>
                 <a:ea typeface="+mn-lt"/>
                 <a:cs typeface="+mn-lt"/>
               </a:rPr>
               <a:t>De vós mesmo é relicário</a:t>
             </a:r>
-            <a:endParaRPr lang="en-US" dirty="0">
-              <a:ea typeface="+mn-lt"/>
-              <a:cs typeface="+mn-lt"/>
-            </a:endParaRPr>
-          </a:p>
-          <a:p>
-            <a:r>
-              <a:rPr lang="pt-BR" dirty="0">
+            <a:endParaRPr lang="en-US" sz="2400" dirty="0">
+              <a:latin typeface="Arial Nova"/>
+              <a:ea typeface="+mn-lt"/>
+              <a:cs typeface="+mn-lt"/>
+            </a:endParaRPr>
+          </a:p>
+          <a:p>
+            <a:pPr marL="0" indent="0">
+              <a:buNone/>
+            </a:pPr>
+            <a:r>
+              <a:rPr lang="pt-BR" sz="2400" dirty="0">
+                <a:latin typeface="Arial Nova"/>
                 <a:ea typeface="+mn-lt"/>
                 <a:cs typeface="+mn-lt"/>
               </a:rPr>
               <a:t>Que vos guarda.</a:t>
             </a:r>
-            <a:endParaRPr lang="en-US" dirty="0">
-              <a:ea typeface="+mn-lt"/>
-              <a:cs typeface="+mn-lt"/>
-            </a:endParaRPr>
-          </a:p>
-          <a:p>
-            <a:endParaRPr lang="en-US" dirty="0">
-              <a:ea typeface="+mn-lt"/>
-              <a:cs typeface="+mn-lt"/>
-            </a:endParaRPr>
-          </a:p>
-          <a:p>
-            <a:r>
-              <a:rPr lang="pt-BR" dirty="0">
+            <a:endParaRPr lang="en-US" sz="2400" dirty="0">
+              <a:latin typeface="Arial Nova"/>
+              <a:ea typeface="+mn-lt"/>
+              <a:cs typeface="+mn-lt"/>
+            </a:endParaRPr>
+          </a:p>
+          <a:p>
+            <a:pPr marL="0" indent="0">
+              <a:buNone/>
+            </a:pPr>
+            <a:endParaRPr lang="en-US" sz="2400" dirty="0">
+              <a:latin typeface="Arial Nova"/>
+              <a:ea typeface="+mn-lt"/>
+              <a:cs typeface="+mn-lt"/>
+            </a:endParaRPr>
+          </a:p>
+          <a:p>
+            <a:pPr marL="0" indent="0">
+              <a:buNone/>
+            </a:pPr>
+            <a:r>
+              <a:rPr lang="pt-BR" sz="2400" dirty="0">
+                <a:latin typeface="Arial Nova"/>
                 <a:ea typeface="+mn-lt"/>
                 <a:cs typeface="+mn-lt"/>
               </a:rPr>
               <a:t>Enquanto a presença tarda</a:t>
             </a:r>
-            <a:endParaRPr lang="en-US" dirty="0">
-              <a:ea typeface="+mn-lt"/>
-              <a:cs typeface="+mn-lt"/>
-            </a:endParaRPr>
-          </a:p>
-          <a:p>
-            <a:r>
-              <a:rPr lang="pt-BR" dirty="0">
+            <a:endParaRPr lang="en-US" sz="2400" dirty="0">
+              <a:latin typeface="Arial Nova"/>
+              <a:ea typeface="+mn-lt"/>
+              <a:cs typeface="+mn-lt"/>
+            </a:endParaRPr>
+          </a:p>
+          <a:p>
+            <a:pPr marL="0" indent="0">
+              <a:buNone/>
+            </a:pPr>
+            <a:r>
+              <a:rPr lang="pt-BR" sz="2400" dirty="0">
+                <a:latin typeface="Arial Nova"/>
                 <a:ea typeface="+mn-lt"/>
                 <a:cs typeface="+mn-lt"/>
               </a:rPr>
               <a:t>De vosso divino rosto,</a:t>
             </a:r>
-            <a:endParaRPr lang="en-US" dirty="0">
-              <a:ea typeface="+mn-lt"/>
-              <a:cs typeface="+mn-lt"/>
-            </a:endParaRPr>
-          </a:p>
-          <a:p>
-            <a:r>
-              <a:rPr lang="pt-BR" dirty="0">
+            <a:endParaRPr lang="en-US" sz="2400" dirty="0">
+              <a:latin typeface="Arial Nova"/>
+              <a:ea typeface="+mn-lt"/>
+              <a:cs typeface="+mn-lt"/>
+            </a:endParaRPr>
+          </a:p>
+          <a:p>
+            <a:pPr marL="0" indent="0">
+              <a:buNone/>
+            </a:pPr>
+            <a:r>
+              <a:rPr lang="pt-BR" sz="2400" dirty="0">
+                <a:latin typeface="Arial Nova"/>
                 <a:ea typeface="+mn-lt"/>
                 <a:cs typeface="+mn-lt"/>
               </a:rPr>
               <a:t>O saboroso e doce gosto</a:t>
             </a:r>
-            <a:endParaRPr lang="en-US" dirty="0">
-              <a:ea typeface="+mn-lt"/>
-              <a:cs typeface="+mn-lt"/>
-            </a:endParaRPr>
-          </a:p>
-          <a:p>
-            <a:r>
-              <a:rPr lang="pt-BR" dirty="0">
+            <a:endParaRPr lang="en-US" sz="2400" dirty="0">
+              <a:latin typeface="Arial Nova"/>
+              <a:ea typeface="+mn-lt"/>
+              <a:cs typeface="+mn-lt"/>
+            </a:endParaRPr>
+          </a:p>
+          <a:p>
+            <a:pPr marL="0" indent="0">
+              <a:buNone/>
+            </a:pPr>
+            <a:r>
+              <a:rPr lang="pt-BR" sz="2400" dirty="0">
+                <a:latin typeface="Arial Nova"/>
                 <a:ea typeface="+mn-lt"/>
                 <a:cs typeface="+mn-lt"/>
               </a:rPr>
               <a:t>Deste pão</a:t>
             </a:r>
-            <a:endParaRPr lang="en-US" dirty="0">
-              <a:ea typeface="+mn-lt"/>
-              <a:cs typeface="+mn-lt"/>
-            </a:endParaRPr>
-          </a:p>
-          <a:p>
-            <a:endParaRPr lang="en-US" dirty="0">
-              <a:ea typeface="+mn-lt"/>
-              <a:cs typeface="+mn-lt"/>
-            </a:endParaRPr>
-          </a:p>
-          <a:p>
-            <a:r>
-              <a:rPr lang="pt-BR" dirty="0">
+            <a:endParaRPr lang="en-US" sz="2400" dirty="0">
+              <a:latin typeface="Arial Nova"/>
+              <a:ea typeface="+mn-lt"/>
+              <a:cs typeface="+mn-lt"/>
+            </a:endParaRPr>
+          </a:p>
+          <a:p>
+            <a:pPr marL="0" indent="0">
+              <a:buNone/>
+            </a:pPr>
+            <a:endParaRPr lang="en-US" sz="2400" dirty="0">
+              <a:latin typeface="Arial Nova"/>
+              <a:ea typeface="+mn-lt"/>
+              <a:cs typeface="+mn-lt"/>
+            </a:endParaRPr>
+          </a:p>
+          <a:p>
+            <a:pPr marL="0" indent="0">
+              <a:buNone/>
+            </a:pPr>
+            <a:r>
+              <a:rPr lang="pt-BR" sz="2400" dirty="0">
+                <a:latin typeface="Arial Nova"/>
                 <a:ea typeface="+mn-lt"/>
                 <a:cs typeface="+mn-lt"/>
               </a:rPr>
               <a:t>Seja minha refeição</a:t>
             </a:r>
-            <a:endParaRPr lang="en-US" dirty="0">
-              <a:ea typeface="+mn-lt"/>
-              <a:cs typeface="+mn-lt"/>
-            </a:endParaRPr>
-          </a:p>
-          <a:p>
-            <a:r>
-              <a:rPr lang="pt-BR" dirty="0">
+            <a:endParaRPr lang="en-US" sz="2400" dirty="0">
+              <a:latin typeface="Arial Nova"/>
+              <a:ea typeface="+mn-lt"/>
+              <a:cs typeface="+mn-lt"/>
+            </a:endParaRPr>
+          </a:p>
+          <a:p>
+            <a:pPr marL="0" indent="0">
+              <a:buNone/>
+            </a:pPr>
+            <a:r>
+              <a:rPr lang="pt-BR" sz="2400" dirty="0">
+                <a:latin typeface="Arial Nova"/>
                 <a:ea typeface="+mn-lt"/>
                 <a:cs typeface="+mn-lt"/>
               </a:rPr>
               <a:t>E todo o meu apetite,</a:t>
             </a:r>
-            <a:endParaRPr lang="en-US" dirty="0">
-              <a:ea typeface="+mn-lt"/>
-              <a:cs typeface="+mn-lt"/>
-            </a:endParaRPr>
-          </a:p>
-          <a:p>
-            <a:r>
-              <a:rPr lang="pt-BR" dirty="0">
+            <a:endParaRPr lang="en-US" sz="2400" dirty="0">
+              <a:latin typeface="Arial Nova"/>
+              <a:ea typeface="+mn-lt"/>
+              <a:cs typeface="+mn-lt"/>
+            </a:endParaRPr>
+          </a:p>
+          <a:p>
+            <a:pPr marL="0" indent="0">
+              <a:buNone/>
+            </a:pPr>
+            <a:r>
+              <a:rPr lang="pt-BR" sz="2400" dirty="0">
+                <a:latin typeface="Arial Nova"/>
                 <a:ea typeface="+mn-lt"/>
                 <a:cs typeface="+mn-lt"/>
               </a:rPr>
               <a:t>Seja gracioso convite</a:t>
             </a:r>
-            <a:endParaRPr lang="en-US" dirty="0">
-              <a:ea typeface="+mn-lt"/>
-              <a:cs typeface="+mn-lt"/>
-            </a:endParaRPr>
-          </a:p>
-          <a:p>
-            <a:r>
-              <a:rPr lang="pt-BR" dirty="0">
+            <a:endParaRPr lang="en-US" sz="2400" dirty="0">
+              <a:latin typeface="Arial Nova"/>
+              <a:ea typeface="+mn-lt"/>
+              <a:cs typeface="+mn-lt"/>
+            </a:endParaRPr>
+          </a:p>
+          <a:p>
+            <a:pPr marL="0" indent="0">
+              <a:buNone/>
+            </a:pPr>
+            <a:r>
+              <a:rPr lang="pt-BR" sz="2400" dirty="0">
+                <a:latin typeface="Arial Nova"/>
                 <a:ea typeface="+mn-lt"/>
                 <a:cs typeface="+mn-lt"/>
               </a:rPr>
               <a:t>De minha alma.</a:t>
             </a:r>
-            <a:endParaRPr lang="en-US" dirty="0">
-              <a:ea typeface="+mn-lt"/>
-              <a:cs typeface="+mn-lt"/>
-            </a:endParaRPr>
-          </a:p>
-          <a:p>
-            <a:endParaRPr lang="en-US" dirty="0">
+            <a:endParaRPr lang="en-US" sz="2400" dirty="0">
+              <a:latin typeface="Arial Nova"/>
+              <a:ea typeface="+mn-lt"/>
+              <a:cs typeface="+mn-lt"/>
+            </a:endParaRPr>
+          </a:p>
+          <a:p>
+            <a:pPr marL="0" indent="0">
+              <a:buNone/>
+            </a:pPr>
+            <a:endParaRPr lang="en-US" sz="2400" dirty="0">
+              <a:latin typeface="Arial Nova"/>
               <a:cs typeface="Calibri"/>
             </a:endParaRPr>
           </a:p>
@@ -4723,21 +5261,41 @@
             <p:ph sz="half" idx="2"/>
           </p:nvPr>
         </p:nvSpPr>
-        <p:spPr/>
+        <p:spPr>
+          <a:xfrm>
+            <a:off x="6445370" y="2141928"/>
+            <a:ext cx="5181600" cy="4710771"/>
+          </a:xfrm>
+        </p:spPr>
         <p:txBody>
           <a:bodyPr vert="horz" lIns="91440" tIns="45720" rIns="91440" bIns="45720" rtlCol="0" anchor="t">
-            <a:normAutofit fontScale="55000" lnSpcReduction="20000"/>
+            <a:normAutofit/>
           </a:bodyPr>
           <a:lstStyle/>
           <a:p>
-            <a:r>
-              <a:rPr lang="pt-BR" b="1" dirty="0">
+            <a:pPr marL="0" indent="0">
+              <a:buNone/>
+            </a:pPr>
+            <a:r>
+              <a:rPr lang="pt-BR" sz="2400" b="1" dirty="0">
+                <a:solidFill>
+                  <a:schemeClr val="accent2">
+                    <a:lumMod val="50000"/>
+                  </a:schemeClr>
+                </a:solidFill>
+                <a:latin typeface="Arial Nova"/>
                 <a:ea typeface="+mn-lt"/>
                 <a:cs typeface="+mn-lt"/>
               </a:rPr>
               <a:t>Comer o pão é se aproximar de Jesus Cristo, é como se suprisse a ausência física de Jesus Cristo. Ele pede para que o pão seja como Jesus entrando em sua alma.</a:t>
             </a:r>
-            <a:endParaRPr lang="en-US" dirty="0">
+            <a:endParaRPr lang="en-US" sz="2400">
+              <a:solidFill>
+                <a:schemeClr val="accent2">
+                  <a:lumMod val="50000"/>
+                </a:schemeClr>
+              </a:solidFill>
+              <a:latin typeface="Arial Nova"/>
               <a:ea typeface="+mn-lt"/>
               <a:cs typeface="+mn-lt"/>
             </a:endParaRPr>
@@ -4754,6 +5312,18 @@
   <p:clrMapOvr>
     <a:masterClrMapping/>
   </p:clrMapOvr>
+  <mc:AlternateContent xmlns:mc="http://schemas.openxmlformats.org/markup-compatibility/2006">
+    <mc:Choice xmlns:p15="http://schemas.microsoft.com/office/powerpoint/2012/main" Requires="p15">
+      <p:transition xmlns:p14="http://schemas.microsoft.com/office/powerpoint/2010/main" spd="slow" p14:dur="1750">
+        <p15:prstTrans prst="pageCurlDouble"/>
+      </p:transition>
+    </mc:Choice>
+    <mc:Fallback>
+      <p:transition spd="slow">
+        <p:fade/>
+      </p:transition>
+    </mc:Fallback>
+  </mc:AlternateContent>
 </p:sld>
 </file>
 
@@ -4776,31 +5346,6 @@
       </p:grpSpPr>
       <p:sp>
         <p:nvSpPr>
-          <p:cNvPr id="2" name="Title 1">
-            <a:extLst>
-              <a:ext uri="{FF2B5EF4-FFF2-40B4-BE49-F238E27FC236}">
-                <a16:creationId xmlns:a16="http://schemas.microsoft.com/office/drawing/2014/main" id="{D534A09F-25D9-ECAA-C2E4-CB41C648DD01}"/>
-              </a:ext>
-            </a:extLst>
-          </p:cNvPr>
-          <p:cNvSpPr>
-            <a:spLocks noGrp="1"/>
-          </p:cNvSpPr>
-          <p:nvPr>
-            <p:ph type="title"/>
-          </p:nvPr>
-        </p:nvSpPr>
-        <p:spPr/>
-        <p:txBody>
-          <a:bodyPr/>
-          <a:lstStyle/>
-          <a:p>
-            <a:endParaRPr lang="en-US"/>
-          </a:p>
-        </p:txBody>
-      </p:sp>
-      <p:sp>
-        <p:nvSpPr>
           <p:cNvPr id="3" name="Content Placeholder 2">
             <a:extLst>
               <a:ext uri="{FF2B5EF4-FFF2-40B4-BE49-F238E27FC236}">
@@ -4815,250 +5360,189 @@
             <p:ph sz="half" idx="1"/>
           </p:nvPr>
         </p:nvSpPr>
-        <p:spPr/>
+        <p:spPr>
+          <a:xfrm>
+            <a:off x="866955" y="-299"/>
+            <a:ext cx="4390846" cy="3344923"/>
+          </a:xfrm>
+        </p:spPr>
         <p:txBody>
           <a:bodyPr vert="horz" lIns="91440" tIns="45720" rIns="91440" bIns="45720" rtlCol="0" anchor="t">
-            <a:normAutofit fontScale="25000" lnSpcReduction="20000"/>
+            <a:noAutofit/>
           </a:bodyPr>
           <a:lstStyle/>
           <a:p>
-            <a:r>
-              <a:rPr lang="pt-BR" dirty="0">
+            <a:pPr marL="0" indent="0">
+              <a:buNone/>
+            </a:pPr>
+            <a:r>
+              <a:rPr lang="pt-BR" sz="2000" dirty="0">
+                <a:latin typeface="Arial Nova"/>
                 <a:ea typeface="+mn-lt"/>
                 <a:cs typeface="+mn-lt"/>
               </a:rPr>
               <a:t>Ar fresco de minha calma,</a:t>
             </a:r>
-            <a:endParaRPr lang="en-US" dirty="0">
-              <a:ea typeface="+mn-lt"/>
-              <a:cs typeface="+mn-lt"/>
-            </a:endParaRPr>
-          </a:p>
-          <a:p>
-            <a:r>
-              <a:rPr lang="pt-BR" dirty="0">
+            <a:endParaRPr lang="en-US" sz="2000" dirty="0">
+              <a:latin typeface="Arial Nova"/>
+              <a:ea typeface="+mn-lt"/>
+              <a:cs typeface="+mn-lt"/>
+            </a:endParaRPr>
+          </a:p>
+          <a:p>
+            <a:pPr marL="0" indent="0">
+              <a:buNone/>
+            </a:pPr>
+            <a:r>
+              <a:rPr lang="pt-BR" sz="2000" dirty="0">
+                <a:latin typeface="Arial Nova"/>
                 <a:ea typeface="+mn-lt"/>
                 <a:cs typeface="+mn-lt"/>
               </a:rPr>
               <a:t>Fogo de minha frieza,</a:t>
             </a:r>
-            <a:endParaRPr lang="en-US" dirty="0">
-              <a:ea typeface="+mn-lt"/>
-              <a:cs typeface="+mn-lt"/>
-            </a:endParaRPr>
-          </a:p>
-          <a:p>
-            <a:r>
-              <a:rPr lang="pt-BR" dirty="0">
+            <a:endParaRPr lang="en-US" sz="2000" dirty="0">
+              <a:latin typeface="Arial Nova"/>
+              <a:ea typeface="+mn-lt"/>
+              <a:cs typeface="+mn-lt"/>
+            </a:endParaRPr>
+          </a:p>
+          <a:p>
+            <a:pPr marL="0" indent="0">
+              <a:buNone/>
+            </a:pPr>
+            <a:r>
+              <a:rPr lang="pt-BR" sz="2000" dirty="0">
+                <a:latin typeface="Arial Nova"/>
                 <a:ea typeface="+mn-lt"/>
                 <a:cs typeface="+mn-lt"/>
               </a:rPr>
               <a:t>Fonte viva de limpeza,</a:t>
             </a:r>
-            <a:endParaRPr lang="en-US" dirty="0">
-              <a:ea typeface="+mn-lt"/>
-              <a:cs typeface="+mn-lt"/>
-            </a:endParaRPr>
-          </a:p>
-          <a:p>
-            <a:r>
-              <a:rPr lang="pt-BR" dirty="0">
+            <a:endParaRPr lang="en-US" sz="2000" dirty="0">
+              <a:latin typeface="Arial Nova"/>
+              <a:ea typeface="+mn-lt"/>
+              <a:cs typeface="+mn-lt"/>
+            </a:endParaRPr>
+          </a:p>
+          <a:p>
+            <a:pPr marL="0" indent="0">
+              <a:buNone/>
+            </a:pPr>
+            <a:r>
+              <a:rPr lang="pt-BR" sz="2000" dirty="0">
+                <a:latin typeface="Arial Nova"/>
                 <a:ea typeface="+mn-lt"/>
                 <a:cs typeface="+mn-lt"/>
               </a:rPr>
               <a:t>Doce beijo.</a:t>
             </a:r>
-            <a:endParaRPr lang="en-US" dirty="0">
-              <a:ea typeface="+mn-lt"/>
-              <a:cs typeface="+mn-lt"/>
-            </a:endParaRPr>
-          </a:p>
-          <a:p>
-            <a:endParaRPr lang="en-US" dirty="0">
-              <a:ea typeface="+mn-lt"/>
-              <a:cs typeface="+mn-lt"/>
-            </a:endParaRPr>
-          </a:p>
-          <a:p>
-            <a:r>
-              <a:rPr lang="pt-BR" dirty="0">
+            <a:endParaRPr lang="en-US" sz="2000" dirty="0">
+              <a:latin typeface="Arial Nova"/>
+              <a:ea typeface="+mn-lt"/>
+              <a:cs typeface="+mn-lt"/>
+            </a:endParaRPr>
+          </a:p>
+          <a:p>
+            <a:pPr marL="0" indent="0">
+              <a:buNone/>
+            </a:pPr>
+            <a:endParaRPr lang="en-US" sz="2000" dirty="0">
+              <a:latin typeface="Arial Nova"/>
+              <a:ea typeface="+mn-lt"/>
+              <a:cs typeface="+mn-lt"/>
+            </a:endParaRPr>
+          </a:p>
+          <a:p>
+            <a:pPr marL="0" indent="0">
+              <a:buNone/>
+            </a:pPr>
+            <a:r>
+              <a:rPr lang="pt-BR" sz="2000" dirty="0">
+                <a:latin typeface="Arial Nova"/>
                 <a:ea typeface="+mn-lt"/>
                 <a:cs typeface="+mn-lt"/>
               </a:rPr>
               <a:t>Mitigador do desejo</a:t>
             </a:r>
-            <a:endParaRPr lang="en-US" dirty="0">
-              <a:ea typeface="+mn-lt"/>
-              <a:cs typeface="+mn-lt"/>
-            </a:endParaRPr>
-          </a:p>
-          <a:p>
-            <a:r>
-              <a:rPr lang="pt-BR" dirty="0">
+            <a:endParaRPr lang="en-US" sz="2000" dirty="0">
+              <a:latin typeface="Arial Nova"/>
+              <a:ea typeface="+mn-lt"/>
+              <a:cs typeface="+mn-lt"/>
+            </a:endParaRPr>
+          </a:p>
+          <a:p>
+            <a:pPr marL="0" indent="0">
+              <a:buNone/>
+            </a:pPr>
+            <a:r>
+              <a:rPr lang="pt-BR" sz="2000" dirty="0">
+                <a:latin typeface="Arial Nova"/>
                 <a:ea typeface="+mn-lt"/>
                 <a:cs typeface="+mn-lt"/>
               </a:rPr>
               <a:t>Com que a vós suspiro, e gemo,</a:t>
             </a:r>
-            <a:endParaRPr lang="en-US" dirty="0">
-              <a:ea typeface="+mn-lt"/>
-              <a:cs typeface="+mn-lt"/>
-            </a:endParaRPr>
-          </a:p>
-          <a:p>
-            <a:r>
-              <a:rPr lang="pt-BR" dirty="0">
+            <a:endParaRPr lang="en-US" sz="2000" dirty="0">
+              <a:latin typeface="Arial Nova"/>
+              <a:ea typeface="+mn-lt"/>
+              <a:cs typeface="+mn-lt"/>
+            </a:endParaRPr>
+          </a:p>
+          <a:p>
+            <a:pPr marL="0" indent="0">
+              <a:buNone/>
+            </a:pPr>
+            <a:r>
+              <a:rPr lang="pt-BR" sz="2000" dirty="0">
+                <a:latin typeface="Arial Nova"/>
                 <a:ea typeface="+mn-lt"/>
                 <a:cs typeface="+mn-lt"/>
               </a:rPr>
               <a:t>Esperança do que temo</a:t>
             </a:r>
-            <a:endParaRPr lang="en-US" dirty="0">
-              <a:ea typeface="+mn-lt"/>
-              <a:cs typeface="+mn-lt"/>
-            </a:endParaRPr>
-          </a:p>
-          <a:p>
-            <a:r>
-              <a:rPr lang="pt-BR" dirty="0">
+            <a:endParaRPr lang="en-US" sz="2000" dirty="0">
+              <a:latin typeface="Arial Nova"/>
+              <a:ea typeface="+mn-lt"/>
+              <a:cs typeface="+mn-lt"/>
+            </a:endParaRPr>
+          </a:p>
+          <a:p>
+            <a:pPr marL="0" indent="0">
+              <a:buNone/>
+            </a:pPr>
+            <a:r>
+              <a:rPr lang="pt-BR" sz="2000" dirty="0">
+                <a:latin typeface="Arial Nova"/>
                 <a:ea typeface="+mn-lt"/>
                 <a:cs typeface="+mn-lt"/>
               </a:rPr>
               <a:t>De perder.</a:t>
             </a:r>
-            <a:endParaRPr lang="en-US" dirty="0">
-              <a:ea typeface="+mn-lt"/>
-              <a:cs typeface="+mn-lt"/>
-            </a:endParaRPr>
-          </a:p>
-          <a:p>
-            <a:endParaRPr lang="en-US" dirty="0">
-              <a:ea typeface="+mn-lt"/>
-              <a:cs typeface="+mn-lt"/>
-            </a:endParaRPr>
-          </a:p>
-          <a:p>
-            <a:r>
-              <a:rPr lang="pt-BR" dirty="0">
-                <a:ea typeface="+mn-lt"/>
-                <a:cs typeface="+mn-lt"/>
-              </a:rPr>
-              <a:t>Pois não vivo sem comer,</a:t>
-            </a:r>
-            <a:endParaRPr lang="en-US" dirty="0">
-              <a:ea typeface="+mn-lt"/>
-              <a:cs typeface="+mn-lt"/>
-            </a:endParaRPr>
-          </a:p>
-          <a:p>
-            <a:r>
-              <a:rPr lang="pt-BR" dirty="0">
-                <a:ea typeface="+mn-lt"/>
-                <a:cs typeface="+mn-lt"/>
-              </a:rPr>
-              <a:t>Como a vós, em vós vivendo,</a:t>
-            </a:r>
-            <a:endParaRPr lang="en-US" dirty="0">
-              <a:ea typeface="+mn-lt"/>
-              <a:cs typeface="+mn-lt"/>
-            </a:endParaRPr>
-          </a:p>
-          <a:p>
-            <a:r>
-              <a:rPr lang="pt-BR" dirty="0">
-                <a:ea typeface="+mn-lt"/>
-                <a:cs typeface="+mn-lt"/>
-              </a:rPr>
-              <a:t>Vivo em vós, a vós comendo,</a:t>
-            </a:r>
-            <a:endParaRPr lang="en-US" dirty="0">
-              <a:ea typeface="+mn-lt"/>
-              <a:cs typeface="+mn-lt"/>
-            </a:endParaRPr>
-          </a:p>
-          <a:p>
-            <a:r>
-              <a:rPr lang="pt-BR" dirty="0">
-                <a:ea typeface="+mn-lt"/>
-                <a:cs typeface="+mn-lt"/>
-              </a:rPr>
-              <a:t>Doce amor.</a:t>
-            </a:r>
-            <a:endParaRPr lang="en-US" dirty="0">
-              <a:ea typeface="+mn-lt"/>
-              <a:cs typeface="+mn-lt"/>
-            </a:endParaRPr>
-          </a:p>
-          <a:p>
-            <a:endParaRPr lang="en-US" dirty="0">
-              <a:ea typeface="+mn-lt"/>
-              <a:cs typeface="+mn-lt"/>
-            </a:endParaRPr>
-          </a:p>
-          <a:p>
-            <a:r>
-              <a:rPr lang="pt-BR" dirty="0">
-                <a:ea typeface="+mn-lt"/>
-                <a:cs typeface="+mn-lt"/>
-              </a:rPr>
-              <a:t>Comendo de tal penhor,</a:t>
-            </a:r>
-            <a:endParaRPr lang="en-US" dirty="0">
-              <a:ea typeface="+mn-lt"/>
-              <a:cs typeface="+mn-lt"/>
-            </a:endParaRPr>
-          </a:p>
-          <a:p>
-            <a:r>
-              <a:rPr lang="pt-BR" dirty="0">
-                <a:ea typeface="+mn-lt"/>
-                <a:cs typeface="+mn-lt"/>
-              </a:rPr>
-              <a:t>Nela tenha minha parte,</a:t>
-            </a:r>
-            <a:endParaRPr lang="en-US" dirty="0">
-              <a:ea typeface="+mn-lt"/>
-              <a:cs typeface="+mn-lt"/>
-            </a:endParaRPr>
-          </a:p>
-          <a:p>
-            <a:r>
-              <a:rPr lang="pt-BR" dirty="0">
-                <a:ea typeface="+mn-lt"/>
-                <a:cs typeface="+mn-lt"/>
-              </a:rPr>
-              <a:t>E depois de vós me farte</a:t>
-            </a:r>
-            <a:endParaRPr lang="en-US" dirty="0">
-              <a:ea typeface="+mn-lt"/>
-              <a:cs typeface="+mn-lt"/>
-            </a:endParaRPr>
-          </a:p>
-          <a:p>
-            <a:r>
-              <a:rPr lang="pt-BR" dirty="0">
-                <a:ea typeface="+mn-lt"/>
-                <a:cs typeface="+mn-lt"/>
-              </a:rPr>
-              <a:t>Com vos ver.</a:t>
-            </a:r>
-          </a:p>
-          <a:p>
-            <a:r>
-              <a:rPr lang="pt-BR" b="1" dirty="0">
-                <a:ea typeface="+mn-lt"/>
-                <a:cs typeface="+mn-lt"/>
-              </a:rPr>
-              <a:t>Amém.</a:t>
-            </a:r>
-            <a:endParaRPr lang="pt-BR" dirty="0">
-              <a:ea typeface="+mn-lt"/>
-              <a:cs typeface="+mn-lt"/>
-            </a:endParaRPr>
-          </a:p>
-          <a:p>
-            <a:endParaRPr lang="en-US" dirty="0">
-              <a:cs typeface="Calibri"/>
+            <a:endParaRPr lang="en-US" sz="2000" dirty="0">
+              <a:latin typeface="Arial Nova"/>
+              <a:ea typeface="+mn-lt"/>
+              <a:cs typeface="+mn-lt"/>
+            </a:endParaRPr>
+          </a:p>
+          <a:p>
+            <a:pPr marL="0" indent="0">
+              <a:buNone/>
+            </a:pPr>
+            <a:endParaRPr lang="pt-BR" sz="2000" b="1" dirty="0">
+              <a:latin typeface="Arial Nova"/>
+              <a:ea typeface="+mn-lt"/>
+              <a:cs typeface="+mn-lt"/>
+            </a:endParaRPr>
+          </a:p>
+          <a:p>
+            <a:pPr marL="0" indent="0">
+              <a:buNone/>
+            </a:pPr>
+            <a:endParaRPr lang="en-US" sz="2000" dirty="0">
+              <a:latin typeface="Arial Nova"/>
+              <a:ea typeface="+mn-lt"/>
+              <a:cs typeface="+mn-lt"/>
             </a:endParaRPr>
           </a:p>
         </p:txBody>
@@ -5079,27 +5563,339 @@
             <p:ph sz="half" idx="2"/>
           </p:nvPr>
         </p:nvSpPr>
-        <p:spPr/>
+        <p:spPr>
+          <a:xfrm>
+            <a:off x="3498011" y="4528568"/>
+            <a:ext cx="5181600" cy="4351338"/>
+          </a:xfrm>
+        </p:spPr>
         <p:txBody>
           <a:bodyPr vert="horz" lIns="91440" tIns="45720" rIns="91440" bIns="45720" rtlCol="0" anchor="t">
-            <a:normAutofit fontScale="25000" lnSpcReduction="20000"/>
+            <a:normAutofit/>
           </a:bodyPr>
           <a:lstStyle/>
           <a:p>
-            <a:r>
-              <a:rPr lang="pt-BR" b="1">
+            <a:pPr marL="0" indent="0">
+              <a:buNone/>
+            </a:pPr>
+            <a:r>
+              <a:rPr lang="pt-BR" sz="2000" b="1" dirty="0">
+                <a:solidFill>
+                  <a:schemeClr val="accent2">
+                    <a:lumMod val="50000"/>
+                  </a:schemeClr>
+                </a:solidFill>
+                <a:latin typeface="Arial Nova"/>
                 <a:ea typeface="+mn-lt"/>
                 <a:cs typeface="+mn-lt"/>
               </a:rPr>
               <a:t>Ele dedica as últimas estrofes para explicar a necessidade de comer o pão para se aproximar de Jesus Cristo. O pão seria como um fragmento físico que Jesus deixou para que se aproximássemos do reino de Deus.</a:t>
             </a:r>
-            <a:endParaRPr lang="en-US">
-              <a:ea typeface="+mn-lt"/>
-              <a:cs typeface="+mn-lt"/>
-            </a:endParaRPr>
-          </a:p>
-        </p:txBody>
-      </p:sp>
+            <a:endParaRPr lang="en-US" sz="2000">
+              <a:solidFill>
+                <a:schemeClr val="accent2">
+                  <a:lumMod val="50000"/>
+                </a:schemeClr>
+              </a:solidFill>
+              <a:latin typeface="Arial Nova"/>
+              <a:ea typeface="+mn-lt"/>
+              <a:cs typeface="+mn-lt"/>
+            </a:endParaRPr>
+          </a:p>
+        </p:txBody>
+      </p:sp>
+      <p:sp>
+        <p:nvSpPr>
+          <p:cNvPr id="2" name="TextBox 1">
+            <a:extLst>
+              <a:ext uri="{FF2B5EF4-FFF2-40B4-BE49-F238E27FC236}">
+                <a16:creationId xmlns:a16="http://schemas.microsoft.com/office/drawing/2014/main" id="{A9EF7EA1-9917-6DBF-ABF0-580CEE04908C}"/>
+              </a:ext>
+            </a:extLst>
+          </p:cNvPr>
+          <p:cNvSpPr txBox="1"/>
+          <p:nvPr/>
+        </p:nvSpPr>
+        <p:spPr>
+          <a:xfrm>
+            <a:off x="7260565" y="-1"/>
+            <a:ext cx="6305729" cy="4016484"/>
+          </a:xfrm>
+          <a:prstGeom prst="rect">
+            <a:avLst/>
+          </a:prstGeom>
+          <a:noFill/>
+        </p:spPr>
+        <p:txBody>
+          <a:bodyPr rot="0" spcFirstLastPara="0" vertOverflow="overflow" horzOverflow="overflow" vert="horz" wrap="square" lIns="91440" tIns="45720" rIns="91440" bIns="45720" numCol="1" spcCol="0" rtlCol="0" fromWordArt="0" anchor="t" anchorCtr="0" forceAA="0" compatLnSpc="1">
+            <a:prstTxWarp prst="textNoShape">
+              <a:avLst/>
+            </a:prstTxWarp>
+            <a:spAutoFit/>
+          </a:bodyPr>
+          <a:lstStyle/>
+          <a:p>
+            <a:pPr>
+              <a:lnSpc>
+                <a:spcPct val="90000"/>
+              </a:lnSpc>
+              <a:spcBef>
+                <a:spcPts val="1000"/>
+              </a:spcBef>
+            </a:pPr>
+            <a:r>
+              <a:rPr lang="pt-BR" sz="2000" dirty="0">
+                <a:latin typeface="Arial Nova"/>
+                <a:ea typeface="+mn-lt"/>
+                <a:cs typeface="+mn-lt"/>
+              </a:rPr>
+              <a:t>Pois não vivo sem comer,</a:t>
+            </a:r>
+            <a:endParaRPr lang="en-US" sz="2000">
+              <a:latin typeface="Arial Nova"/>
+              <a:ea typeface="+mn-lt"/>
+              <a:cs typeface="+mn-lt"/>
+            </a:endParaRPr>
+          </a:p>
+          <a:p>
+            <a:pPr>
+              <a:lnSpc>
+                <a:spcPct val="90000"/>
+              </a:lnSpc>
+              <a:spcBef>
+                <a:spcPts val="1000"/>
+              </a:spcBef>
+            </a:pPr>
+            <a:r>
+              <a:rPr lang="pt-BR" sz="2000" dirty="0">
+                <a:latin typeface="Arial Nova"/>
+                <a:ea typeface="+mn-lt"/>
+                <a:cs typeface="+mn-lt"/>
+              </a:rPr>
+              <a:t>Como a vós, em vós vivendo,</a:t>
+            </a:r>
+            <a:endParaRPr lang="en-US" sz="2000">
+              <a:latin typeface="Arial Nova"/>
+              <a:ea typeface="+mn-lt"/>
+              <a:cs typeface="+mn-lt"/>
+            </a:endParaRPr>
+          </a:p>
+          <a:p>
+            <a:pPr>
+              <a:lnSpc>
+                <a:spcPct val="90000"/>
+              </a:lnSpc>
+              <a:spcBef>
+                <a:spcPts val="1000"/>
+              </a:spcBef>
+            </a:pPr>
+            <a:r>
+              <a:rPr lang="pt-BR" sz="2000" dirty="0">
+                <a:latin typeface="Arial Nova"/>
+                <a:ea typeface="+mn-lt"/>
+                <a:cs typeface="+mn-lt"/>
+              </a:rPr>
+              <a:t>Vivo em vós, a vós comendo,</a:t>
+            </a:r>
+            <a:endParaRPr lang="en-US" sz="2000">
+              <a:latin typeface="Arial Nova"/>
+              <a:ea typeface="+mn-lt"/>
+              <a:cs typeface="+mn-lt"/>
+            </a:endParaRPr>
+          </a:p>
+          <a:p>
+            <a:pPr>
+              <a:lnSpc>
+                <a:spcPct val="90000"/>
+              </a:lnSpc>
+              <a:spcBef>
+                <a:spcPts val="1000"/>
+              </a:spcBef>
+            </a:pPr>
+            <a:r>
+              <a:rPr lang="pt-BR" sz="2000" dirty="0">
+                <a:latin typeface="Arial Nova"/>
+                <a:ea typeface="+mn-lt"/>
+                <a:cs typeface="+mn-lt"/>
+              </a:rPr>
+              <a:t>Doce amor.</a:t>
+            </a:r>
+            <a:endParaRPr lang="en-US" sz="2000">
+              <a:latin typeface="Arial Nova"/>
+              <a:ea typeface="+mn-lt"/>
+              <a:cs typeface="+mn-lt"/>
+            </a:endParaRPr>
+          </a:p>
+          <a:p>
+            <a:pPr>
+              <a:lnSpc>
+                <a:spcPct val="90000"/>
+              </a:lnSpc>
+              <a:spcBef>
+                <a:spcPts val="1000"/>
+              </a:spcBef>
+            </a:pPr>
+            <a:endParaRPr lang="en-US" sz="2000" dirty="0">
+              <a:latin typeface="Arial Nova"/>
+              <a:ea typeface="+mn-lt"/>
+              <a:cs typeface="+mn-lt"/>
+            </a:endParaRPr>
+          </a:p>
+          <a:p>
+            <a:pPr>
+              <a:lnSpc>
+                <a:spcPct val="90000"/>
+              </a:lnSpc>
+              <a:spcBef>
+                <a:spcPts val="1000"/>
+              </a:spcBef>
+            </a:pPr>
+            <a:r>
+              <a:rPr lang="pt-BR" sz="2000" dirty="0">
+                <a:latin typeface="Arial Nova"/>
+                <a:ea typeface="+mn-lt"/>
+                <a:cs typeface="+mn-lt"/>
+              </a:rPr>
+              <a:t>Comendo de tal penhor,</a:t>
+            </a:r>
+            <a:endParaRPr lang="en-US" sz="2000">
+              <a:latin typeface="Arial Nova"/>
+              <a:ea typeface="+mn-lt"/>
+              <a:cs typeface="+mn-lt"/>
+            </a:endParaRPr>
+          </a:p>
+          <a:p>
+            <a:pPr>
+              <a:lnSpc>
+                <a:spcPct val="90000"/>
+              </a:lnSpc>
+              <a:spcBef>
+                <a:spcPts val="1000"/>
+              </a:spcBef>
+            </a:pPr>
+            <a:r>
+              <a:rPr lang="pt-BR" sz="2000" dirty="0">
+                <a:latin typeface="Arial Nova"/>
+                <a:ea typeface="+mn-lt"/>
+                <a:cs typeface="+mn-lt"/>
+              </a:rPr>
+              <a:t>Nela tenha minha parte,</a:t>
+            </a:r>
+            <a:endParaRPr lang="en-US" sz="2000">
+              <a:latin typeface="Arial Nova"/>
+              <a:ea typeface="+mn-lt"/>
+              <a:cs typeface="+mn-lt"/>
+            </a:endParaRPr>
+          </a:p>
+          <a:p>
+            <a:pPr>
+              <a:lnSpc>
+                <a:spcPct val="90000"/>
+              </a:lnSpc>
+              <a:spcBef>
+                <a:spcPts val="1000"/>
+              </a:spcBef>
+            </a:pPr>
+            <a:r>
+              <a:rPr lang="pt-BR" sz="2000" dirty="0">
+                <a:latin typeface="Arial Nova"/>
+                <a:ea typeface="+mn-lt"/>
+                <a:cs typeface="+mn-lt"/>
+              </a:rPr>
+              <a:t>E depois de vós me farte</a:t>
+            </a:r>
+            <a:endParaRPr lang="en-US" sz="2000">
+              <a:latin typeface="Arial Nova"/>
+              <a:ea typeface="+mn-lt"/>
+              <a:cs typeface="+mn-lt"/>
+            </a:endParaRPr>
+          </a:p>
+          <a:p>
+            <a:pPr>
+              <a:lnSpc>
+                <a:spcPct val="90000"/>
+              </a:lnSpc>
+              <a:spcBef>
+                <a:spcPts val="1000"/>
+              </a:spcBef>
+            </a:pPr>
+            <a:r>
+              <a:rPr lang="pt-BR" sz="2000" dirty="0">
+                <a:latin typeface="Arial Nova"/>
+                <a:ea typeface="+mn-lt"/>
+                <a:cs typeface="+mn-lt"/>
+              </a:rPr>
+              <a:t>Com vos ver.</a:t>
+            </a:r>
+            <a:endParaRPr lang="en-US" sz="2000">
+              <a:latin typeface="Arial Nova"/>
+              <a:ea typeface="+mn-lt"/>
+              <a:cs typeface="+mn-lt"/>
+            </a:endParaRPr>
+          </a:p>
+          <a:p>
+            <a:pPr algn="l">
+              <a:lnSpc>
+                <a:spcPct val="90000"/>
+              </a:lnSpc>
+              <a:spcBef>
+                <a:spcPts val="1000"/>
+              </a:spcBef>
+            </a:pPr>
+            <a:r>
+              <a:rPr lang="pt-BR" sz="2000" b="1" dirty="0">
+                <a:latin typeface="Arial Nova"/>
+                <a:ea typeface="+mn-lt"/>
+                <a:cs typeface="+mn-lt"/>
+              </a:rPr>
+              <a:t>Amém.</a:t>
+            </a:r>
+            <a:endParaRPr lang="en-US" sz="2000">
+              <a:latin typeface="Arial Nova"/>
+              <a:cs typeface="Calibri"/>
+            </a:endParaRPr>
+          </a:p>
+        </p:txBody>
+      </p:sp>
+      <p:cxnSp>
+        <p:nvCxnSpPr>
+          <p:cNvPr id="7" name="Conector reto 11">
+            <a:extLst>
+              <a:ext uri="{FF2B5EF4-FFF2-40B4-BE49-F238E27FC236}">
+                <a16:creationId xmlns:a16="http://schemas.microsoft.com/office/drawing/2014/main" id="{5B05D833-8EAF-1872-8AC0-EDC95F3F90FE}"/>
+              </a:ext>
+            </a:extLst>
+          </p:cNvPr>
+          <p:cNvCxnSpPr>
+            <a:cxnSpLocks/>
+          </p:cNvCxnSpPr>
+          <p:nvPr/>
+        </p:nvCxnSpPr>
+        <p:spPr>
+          <a:xfrm flipV="1">
+            <a:off x="162464" y="4040109"/>
+            <a:ext cx="11871384" cy="33072"/>
+          </a:xfrm>
+          <a:prstGeom prst="line">
+            <a:avLst/>
+          </a:prstGeom>
+          <a:ln/>
+        </p:spPr>
+        <p:style>
+          <a:lnRef idx="3">
+            <a:schemeClr val="dk1"/>
+          </a:lnRef>
+          <a:fillRef idx="0">
+            <a:schemeClr val="dk1"/>
+          </a:fillRef>
+          <a:effectRef idx="2">
+            <a:schemeClr val="dk1"/>
+          </a:effectRef>
+          <a:fontRef idx="minor">
+            <a:schemeClr val="tx1"/>
+          </a:fontRef>
+        </p:style>
+      </p:cxnSp>
     </p:spTree>
     <p:extLst>
       <p:ext uri="{BB962C8B-B14F-4D97-AF65-F5344CB8AC3E}">
@@ -5110,6 +5906,877 @@
   <p:clrMapOvr>
     <a:masterClrMapping/>
   </p:clrMapOvr>
+  <mc:AlternateContent xmlns:mc="http://schemas.openxmlformats.org/markup-compatibility/2006">
+    <mc:Choice xmlns:p15="http://schemas.microsoft.com/office/powerpoint/2012/main" Requires="p15">
+      <p:transition xmlns:p14="http://schemas.microsoft.com/office/powerpoint/2010/main" spd="slow" p14:dur="1750">
+        <p15:prstTrans prst="pageCurlDouble"/>
+      </p:transition>
+    </mc:Choice>
+    <mc:Fallback>
+      <p:transition spd="slow">
+        <p:fade/>
+      </p:transition>
+    </mc:Fallback>
+  </mc:AlternateContent>
+</p:sld>
+</file>
+
+<file path=ppt/slides/slide16.xml><?xml version="1.0" encoding="utf-8"?>
+<p:sld xmlns:a="http://schemas.openxmlformats.org/drawingml/2006/main" xmlns:r="http://schemas.openxmlformats.org/officeDocument/2006/relationships" xmlns:p="http://schemas.openxmlformats.org/presentationml/2006/main">
+  <p:cSld>
+    <p:bg>
+      <p:bgPr>
+        <a:solidFill>
+          <a:schemeClr val="bg1"/>
+        </a:solidFill>
+        <a:effectLst/>
+      </p:bgPr>
+    </p:bg>
+    <p:spTree>
+      <p:nvGrpSpPr>
+        <p:cNvPr id="1" name=""/>
+        <p:cNvGrpSpPr/>
+        <p:nvPr/>
+      </p:nvGrpSpPr>
+      <p:grpSpPr>
+        <a:xfrm>
+          <a:off x="0" y="0"/>
+          <a:ext cx="0" cy="0"/>
+          <a:chOff x="0" y="0"/>
+          <a:chExt cx="0" cy="0"/>
+        </a:xfrm>
+      </p:grpSpPr>
+      <p:sp>
+        <p:nvSpPr>
+          <p:cNvPr id="9" name="Rectangle 8">
+            <a:extLst>
+              <a:ext uri="{FF2B5EF4-FFF2-40B4-BE49-F238E27FC236}">
+                <a16:creationId xmlns:a16="http://schemas.microsoft.com/office/drawing/2014/main" id="{21739CA5-F0F5-48E1-8E8C-F24B71827E46}"/>
+              </a:ext>
+              <a:ext uri="{C183D7F6-B498-43B3-948B-1728B52AA6E4}">
+                <adec:decorative xmlns:adec="http://schemas.microsoft.com/office/drawing/2017/decorative" val="1"/>
+              </a:ext>
+            </a:extLst>
+          </p:cNvPr>
+          <p:cNvSpPr>
+            <a:spLocks noGrp="1" noRot="1" noChangeAspect="1" noMove="1" noResize="1" noEditPoints="1" noAdjustHandles="1" noChangeArrowheads="1" noChangeShapeType="1" noTextEdit="1"/>
+          </p:cNvSpPr>
+          <p:nvPr>
+            <p:extLst>
+              <p:ext uri="{386F3935-93C4-4BCD-93E2-E3B085C9AB24}">
+                <p16:designElem xmlns:p16="http://schemas.microsoft.com/office/powerpoint/2015/main" val="1"/>
+              </p:ext>
+            </p:extLst>
+          </p:nvPr>
+        </p:nvSpPr>
+        <p:spPr>
+          <a:xfrm>
+            <a:off x="0" y="-3324"/>
+            <a:ext cx="12192000" cy="6861324"/>
+          </a:xfrm>
+          <a:prstGeom prst="rect">
+            <a:avLst/>
+          </a:prstGeom>
+          <a:solidFill>
+            <a:srgbClr val="C8CACA"/>
+          </a:solidFill>
+          <a:ln>
+            <a:noFill/>
+          </a:ln>
+        </p:spPr>
+        <p:style>
+          <a:lnRef idx="2">
+            <a:schemeClr val="accent1">
+              <a:shade val="50000"/>
+            </a:schemeClr>
+          </a:lnRef>
+          <a:fillRef idx="1">
+            <a:schemeClr val="accent1"/>
+          </a:fillRef>
+          <a:effectRef idx="0">
+            <a:schemeClr val="accent1"/>
+          </a:effectRef>
+          <a:fontRef idx="minor">
+            <a:schemeClr val="lt1"/>
+          </a:fontRef>
+        </p:style>
+        <p:txBody>
+          <a:bodyPr rtlCol="0" anchor="ctr"/>
+          <a:lstStyle/>
+          <a:p>
+            <a:pPr algn="ctr"/>
+            <a:endParaRPr lang="en-US"/>
+          </a:p>
+        </p:txBody>
+      </p:sp>
+      <p:sp>
+        <p:nvSpPr>
+          <p:cNvPr id="11" name="Rounded Rectangle 3">
+            <a:extLst>
+              <a:ext uri="{FF2B5EF4-FFF2-40B4-BE49-F238E27FC236}">
+                <a16:creationId xmlns:a16="http://schemas.microsoft.com/office/drawing/2014/main" id="{3EAD2937-F230-41D4-B9C5-975B129BFC20}"/>
+              </a:ext>
+              <a:ext uri="{C183D7F6-B498-43B3-948B-1728B52AA6E4}">
+                <adec:decorative xmlns:adec="http://schemas.microsoft.com/office/drawing/2017/decorative" val="1"/>
+              </a:ext>
+            </a:extLst>
+          </p:cNvPr>
+          <p:cNvSpPr>
+            <a:spLocks noGrp="1" noRot="1" noChangeAspect="1" noMove="1" noResize="1" noEditPoints="1" noAdjustHandles="1" noChangeArrowheads="1" noChangeShapeType="1" noTextEdit="1"/>
+          </p:cNvSpPr>
+          <p:nvPr>
+            <p:extLst>
+              <p:ext uri="{386F3935-93C4-4BCD-93E2-E3B085C9AB24}">
+                <p16:designElem xmlns:p16="http://schemas.microsoft.com/office/powerpoint/2015/main" val="1"/>
+              </p:ext>
+            </p:extLst>
+          </p:nvPr>
+        </p:nvSpPr>
+        <p:spPr>
+          <a:xfrm>
+            <a:off x="646745" y="640080"/>
+            <a:ext cx="10920415" cy="5577818"/>
+          </a:xfrm>
+          <a:prstGeom prst="roundRect">
+            <a:avLst>
+              <a:gd name="adj" fmla="val 0"/>
+            </a:avLst>
+          </a:prstGeom>
+          <a:solidFill>
+            <a:srgbClr val="FFFFFF"/>
+          </a:solidFill>
+          <a:ln w="9525">
+            <a:solidFill>
+              <a:srgbClr val="C8CACA"/>
+            </a:solidFill>
+          </a:ln>
+          <a:effectLst>
+            <a:outerShdw blurRad="57150" dist="19050" dir="5400000" algn="t" rotWithShape="0">
+              <a:prstClr val="black">
+                <a:alpha val="63000"/>
+              </a:prstClr>
+            </a:outerShdw>
+          </a:effectLst>
+        </p:spPr>
+        <p:style>
+          <a:lnRef idx="2">
+            <a:schemeClr val="accent1">
+              <a:shade val="50000"/>
+            </a:schemeClr>
+          </a:lnRef>
+          <a:fillRef idx="1">
+            <a:schemeClr val="accent1"/>
+          </a:fillRef>
+          <a:effectRef idx="0">
+            <a:schemeClr val="accent1"/>
+          </a:effectRef>
+          <a:fontRef idx="minor">
+            <a:schemeClr val="lt1"/>
+          </a:fontRef>
+        </p:style>
+        <p:txBody>
+          <a:bodyPr rtlCol="0" anchor="ctr"/>
+          <a:lstStyle/>
+          <a:p>
+            <a:pPr algn="ctr"/>
+            <a:endParaRPr lang="en-US"/>
+          </a:p>
+        </p:txBody>
+      </p:sp>
+      <p:sp>
+        <p:nvSpPr>
+          <p:cNvPr id="13" name="Rectangle 12">
+            <a:extLst>
+              <a:ext uri="{FF2B5EF4-FFF2-40B4-BE49-F238E27FC236}">
+                <a16:creationId xmlns:a16="http://schemas.microsoft.com/office/drawing/2014/main" id="{CCD444A3-C338-4886-B7F1-4BA2AF46EB64}"/>
+              </a:ext>
+              <a:ext uri="{C183D7F6-B498-43B3-948B-1728B52AA6E4}">
+                <adec:decorative xmlns:adec="http://schemas.microsoft.com/office/drawing/2017/decorative" val="1"/>
+              </a:ext>
+            </a:extLst>
+          </p:cNvPr>
+          <p:cNvSpPr>
+            <a:spLocks noGrp="1" noRot="1" noChangeAspect="1" noMove="1" noResize="1" noEditPoints="1" noAdjustHandles="1" noChangeArrowheads="1" noChangeShapeType="1" noTextEdit="1"/>
+          </p:cNvSpPr>
+          <p:nvPr>
+            <p:extLst>
+              <p:ext uri="{386F3935-93C4-4BCD-93E2-E3B085C9AB24}">
+                <p16:designElem xmlns:p16="http://schemas.microsoft.com/office/powerpoint/2015/main" val="1"/>
+              </p:ext>
+            </p:extLst>
+          </p:nvPr>
+        </p:nvSpPr>
+        <p:spPr>
+          <a:xfrm>
+            <a:off x="968024" y="960109"/>
+            <a:ext cx="10277856" cy="4937760"/>
+          </a:xfrm>
+          <a:prstGeom prst="rect">
+            <a:avLst/>
+          </a:prstGeom>
+          <a:solidFill>
+            <a:schemeClr val="bg2"/>
+          </a:solidFill>
+          <a:ln>
+            <a:noFill/>
+          </a:ln>
+        </p:spPr>
+        <p:style>
+          <a:lnRef idx="2">
+            <a:schemeClr val="accent1">
+              <a:shade val="50000"/>
+            </a:schemeClr>
+          </a:lnRef>
+          <a:fillRef idx="1">
+            <a:schemeClr val="accent1"/>
+          </a:fillRef>
+          <a:effectRef idx="0">
+            <a:schemeClr val="accent1"/>
+          </a:effectRef>
+          <a:fontRef idx="minor">
+            <a:schemeClr val="lt1"/>
+          </a:fontRef>
+        </p:style>
+        <p:txBody>
+          <a:bodyPr rtlCol="0" anchor="ctr"/>
+          <a:lstStyle/>
+          <a:p>
+            <a:pPr algn="ctr"/>
+            <a:endParaRPr lang="en-US"/>
+          </a:p>
+        </p:txBody>
+      </p:sp>
+      <p:sp>
+        <p:nvSpPr>
+          <p:cNvPr id="2" name="Title 1">
+            <a:extLst>
+              <a:ext uri="{FF2B5EF4-FFF2-40B4-BE49-F238E27FC236}">
+                <a16:creationId xmlns:a16="http://schemas.microsoft.com/office/drawing/2014/main" id="{036D3952-DE94-A8B5-C454-0F506BE2EB02}"/>
+              </a:ext>
+            </a:extLst>
+          </p:cNvPr>
+          <p:cNvSpPr>
+            <a:spLocks noGrp="1"/>
+          </p:cNvSpPr>
+          <p:nvPr>
+            <p:ph type="title"/>
+          </p:nvPr>
+        </p:nvSpPr>
+        <p:spPr>
+          <a:xfrm>
+            <a:off x="1452656" y="1401609"/>
+            <a:ext cx="9932958" cy="1041901"/>
+          </a:xfrm>
+        </p:spPr>
+        <p:txBody>
+          <a:bodyPr>
+            <a:noAutofit/>
+          </a:bodyPr>
+          <a:lstStyle/>
+          <a:p>
+            <a:r>
+              <a:rPr lang="en-US" sz="4800" b="1" dirty="0">
+                <a:solidFill>
+                  <a:schemeClr val="accent5"/>
+                </a:solidFill>
+                <a:latin typeface="Arial Nova"/>
+                <a:ea typeface="+mj-lt"/>
+                <a:cs typeface="+mj-lt"/>
+              </a:rPr>
+              <a:t>REFERÊNCIAS BIBLIOGRÁFICAS</a:t>
+            </a:r>
+            <a:endParaRPr lang="en-US" sz="4800" b="1" dirty="0">
+              <a:solidFill>
+                <a:schemeClr val="accent5"/>
+              </a:solidFill>
+              <a:latin typeface="Arial Nova"/>
+              <a:cs typeface="Calibri Light"/>
+            </a:endParaRPr>
+          </a:p>
+        </p:txBody>
+      </p:sp>
+      <p:sp>
+        <p:nvSpPr>
+          <p:cNvPr id="3" name="Content Placeholder 2">
+            <a:extLst>
+              <a:ext uri="{FF2B5EF4-FFF2-40B4-BE49-F238E27FC236}">
+                <a16:creationId xmlns:a16="http://schemas.microsoft.com/office/drawing/2014/main" id="{B2CBA132-906F-226A-9972-3CB920140409}"/>
+              </a:ext>
+            </a:extLst>
+          </p:cNvPr>
+          <p:cNvSpPr>
+            <a:spLocks noGrp="1"/>
+          </p:cNvSpPr>
+          <p:nvPr>
+            <p:ph sz="half" idx="1"/>
+          </p:nvPr>
+        </p:nvSpPr>
+        <p:spPr>
+          <a:xfrm>
+            <a:off x="1452656" y="2701427"/>
+            <a:ext cx="4483324" cy="2699968"/>
+          </a:xfrm>
+        </p:spPr>
+        <p:txBody>
+          <a:bodyPr vert="horz" lIns="91440" tIns="45720" rIns="91440" bIns="45720" rtlCol="0" anchor="t">
+            <a:normAutofit/>
+          </a:bodyPr>
+          <a:lstStyle/>
+          <a:p>
+            <a:pPr marL="0" indent="0">
+              <a:buNone/>
+            </a:pPr>
+            <a:r>
+              <a:rPr lang="en-US" sz="3200" b="1" dirty="0">
+                <a:latin typeface="Arial Nova"/>
+                <a:cs typeface="Calibri" panose="020F0502020204030204"/>
+              </a:rPr>
+              <a:t>POEMA:</a:t>
+            </a:r>
+          </a:p>
+          <a:p>
+            <a:pPr marL="0" indent="0">
+              <a:buNone/>
+            </a:pPr>
+            <a:endParaRPr lang="en-US" sz="3200" b="1" dirty="0">
+              <a:latin typeface="Arial Nova"/>
+              <a:cs typeface="Calibri" panose="020F0502020204030204"/>
+            </a:endParaRPr>
+          </a:p>
+          <a:p>
+            <a:pPr marL="0" indent="0">
+              <a:buNone/>
+            </a:pPr>
+            <a:r>
+              <a:rPr lang="en-US" sz="3200" dirty="0">
+                <a:latin typeface="Arial Nova"/>
+                <a:ea typeface="+mn-lt"/>
+                <a:cs typeface="+mn-lt"/>
+              </a:rPr>
+              <a:t>https://www.soliteratura.com.br/biblioteca_virtual/biblioteca04.php</a:t>
+            </a:r>
+            <a:endParaRPr lang="en-US" dirty="0">
+              <a:latin typeface="Arial Nova"/>
+            </a:endParaRPr>
+          </a:p>
+        </p:txBody>
+      </p:sp>
+      <p:sp>
+        <p:nvSpPr>
+          <p:cNvPr id="4" name="Content Placeholder 3">
+            <a:extLst>
+              <a:ext uri="{FF2B5EF4-FFF2-40B4-BE49-F238E27FC236}">
+                <a16:creationId xmlns:a16="http://schemas.microsoft.com/office/drawing/2014/main" id="{D608EFB2-4DF4-FE6C-D998-54DE892FCD30}"/>
+              </a:ext>
+            </a:extLst>
+          </p:cNvPr>
+          <p:cNvSpPr>
+            <a:spLocks noGrp="1"/>
+          </p:cNvSpPr>
+          <p:nvPr>
+            <p:ph sz="half" idx="2"/>
+          </p:nvPr>
+        </p:nvSpPr>
+        <p:spPr>
+          <a:xfrm>
+            <a:off x="6256020" y="2701427"/>
+            <a:ext cx="4554501" cy="2699968"/>
+          </a:xfrm>
+        </p:spPr>
+        <p:txBody>
+          <a:bodyPr vert="horz" lIns="91440" tIns="45720" rIns="91440" bIns="45720" rtlCol="0" anchor="t">
+            <a:normAutofit/>
+          </a:bodyPr>
+          <a:lstStyle/>
+          <a:p>
+            <a:pPr marL="0" indent="0">
+              <a:buNone/>
+            </a:pPr>
+            <a:r>
+              <a:rPr lang="en-US" sz="3200" b="1" dirty="0">
+                <a:latin typeface="Arial Nova"/>
+                <a:cs typeface="Calibri" panose="020F0502020204030204"/>
+              </a:rPr>
+              <a:t>ANÁLISE USADA COMO BASE:</a:t>
+            </a:r>
+          </a:p>
+          <a:p>
+            <a:pPr marL="0" indent="0">
+              <a:buNone/>
+            </a:pPr>
+            <a:endParaRPr lang="en-US" sz="3200" b="1" dirty="0">
+              <a:latin typeface="Arial Nova"/>
+              <a:cs typeface="Calibri" panose="020F0502020204030204"/>
+            </a:endParaRPr>
+          </a:p>
+          <a:p>
+            <a:pPr marL="0" indent="0">
+              <a:buNone/>
+            </a:pPr>
+            <a:r>
+              <a:rPr lang="en-US" sz="3200" dirty="0">
+                <a:ea typeface="+mn-lt"/>
+                <a:cs typeface="+mn-lt"/>
+              </a:rPr>
+              <a:t>https://www.youtube.com/watch?v=bGxxXwrX1a4</a:t>
+            </a:r>
+            <a:endParaRPr lang="en-US" dirty="0"/>
+          </a:p>
+        </p:txBody>
+      </p:sp>
+    </p:spTree>
+    <p:extLst>
+      <p:ext uri="{BB962C8B-B14F-4D97-AF65-F5344CB8AC3E}">
+        <p14:creationId xmlns:p14="http://schemas.microsoft.com/office/powerpoint/2010/main" val="1473153562"/>
+      </p:ext>
+    </p:extLst>
+  </p:cSld>
+  <p:clrMapOvr>
+    <a:masterClrMapping/>
+  </p:clrMapOvr>
+  <mc:AlternateContent xmlns:mc="http://schemas.openxmlformats.org/markup-compatibility/2006">
+    <mc:Choice xmlns:p15="http://schemas.microsoft.com/office/powerpoint/2012/main" Requires="p15">
+      <p:transition xmlns:p14="http://schemas.microsoft.com/office/powerpoint/2010/main" spd="slow" p14:dur="1750">
+        <p15:prstTrans prst="pageCurlDouble"/>
+      </p:transition>
+    </mc:Choice>
+    <mc:Fallback>
+      <p:transition spd="slow">
+        <p:fade/>
+      </p:transition>
+    </mc:Fallback>
+  </mc:AlternateContent>
+</p:sld>
+</file>
+
+<file path=ppt/slides/slide17.xml><?xml version="1.0" encoding="utf-8"?>
+<p:sld xmlns:a="http://schemas.openxmlformats.org/drawingml/2006/main" xmlns:r="http://schemas.openxmlformats.org/officeDocument/2006/relationships" xmlns:p="http://schemas.openxmlformats.org/presentationml/2006/main">
+  <p:cSld>
+    <p:bg>
+      <p:bgPr>
+        <a:solidFill>
+          <a:schemeClr val="bg1"/>
+        </a:solidFill>
+        <a:effectLst/>
+      </p:bgPr>
+    </p:bg>
+    <p:spTree>
+      <p:nvGrpSpPr>
+        <p:cNvPr id="1" name=""/>
+        <p:cNvGrpSpPr/>
+        <p:nvPr/>
+      </p:nvGrpSpPr>
+      <p:grpSpPr>
+        <a:xfrm>
+          <a:off x="0" y="0"/>
+          <a:ext cx="0" cy="0"/>
+          <a:chOff x="0" y="0"/>
+          <a:chExt cx="0" cy="0"/>
+        </a:xfrm>
+      </p:grpSpPr>
+      <p:sp>
+        <p:nvSpPr>
+          <p:cNvPr id="14" name="Rectangle 8">
+            <a:extLst>
+              <a:ext uri="{FF2B5EF4-FFF2-40B4-BE49-F238E27FC236}">
+                <a16:creationId xmlns:a16="http://schemas.microsoft.com/office/drawing/2014/main" id="{21739CA5-F0F5-48E1-8E8C-F24B71827E46}"/>
+              </a:ext>
+              <a:ext uri="{C183D7F6-B498-43B3-948B-1728B52AA6E4}">
+                <adec:decorative xmlns:adec="http://schemas.microsoft.com/office/drawing/2017/decorative" val="1"/>
+              </a:ext>
+            </a:extLst>
+          </p:cNvPr>
+          <p:cNvSpPr>
+            <a:spLocks noGrp="1" noRot="1" noChangeAspect="1" noMove="1" noResize="1" noEditPoints="1" noAdjustHandles="1" noChangeArrowheads="1" noChangeShapeType="1" noTextEdit="1"/>
+          </p:cNvSpPr>
+          <p:nvPr>
+            <p:extLst>
+              <p:ext uri="{386F3935-93C4-4BCD-93E2-E3B085C9AB24}">
+                <p16:designElem xmlns:p16="http://schemas.microsoft.com/office/powerpoint/2015/main" val="1"/>
+              </p:ext>
+            </p:extLst>
+          </p:nvPr>
+        </p:nvSpPr>
+        <p:spPr>
+          <a:xfrm>
+            <a:off x="0" y="-3324"/>
+            <a:ext cx="12192000" cy="6861324"/>
+          </a:xfrm>
+          <a:prstGeom prst="rect">
+            <a:avLst/>
+          </a:prstGeom>
+          <a:solidFill>
+            <a:srgbClr val="C8CACA"/>
+          </a:solidFill>
+          <a:ln>
+            <a:noFill/>
+          </a:ln>
+        </p:spPr>
+        <p:style>
+          <a:lnRef idx="2">
+            <a:schemeClr val="accent1">
+              <a:shade val="50000"/>
+            </a:schemeClr>
+          </a:lnRef>
+          <a:fillRef idx="1">
+            <a:schemeClr val="accent1"/>
+          </a:fillRef>
+          <a:effectRef idx="0">
+            <a:schemeClr val="accent1"/>
+          </a:effectRef>
+          <a:fontRef idx="minor">
+            <a:schemeClr val="lt1"/>
+          </a:fontRef>
+        </p:style>
+        <p:txBody>
+          <a:bodyPr rtlCol="0" anchor="ctr"/>
+          <a:lstStyle/>
+          <a:p>
+            <a:pPr algn="ctr"/>
+            <a:endParaRPr lang="en-US"/>
+          </a:p>
+        </p:txBody>
+      </p:sp>
+      <p:sp>
+        <p:nvSpPr>
+          <p:cNvPr id="15" name="Rounded Rectangle 3">
+            <a:extLst>
+              <a:ext uri="{FF2B5EF4-FFF2-40B4-BE49-F238E27FC236}">
+                <a16:creationId xmlns:a16="http://schemas.microsoft.com/office/drawing/2014/main" id="{3EAD2937-F230-41D4-B9C5-975B129BFC20}"/>
+              </a:ext>
+              <a:ext uri="{C183D7F6-B498-43B3-948B-1728B52AA6E4}">
+                <adec:decorative xmlns:adec="http://schemas.microsoft.com/office/drawing/2017/decorative" val="1"/>
+              </a:ext>
+            </a:extLst>
+          </p:cNvPr>
+          <p:cNvSpPr>
+            <a:spLocks noGrp="1" noRot="1" noChangeAspect="1" noMove="1" noResize="1" noEditPoints="1" noAdjustHandles="1" noChangeArrowheads="1" noChangeShapeType="1" noTextEdit="1"/>
+          </p:cNvSpPr>
+          <p:nvPr>
+            <p:extLst>
+              <p:ext uri="{386F3935-93C4-4BCD-93E2-E3B085C9AB24}">
+                <p16:designElem xmlns:p16="http://schemas.microsoft.com/office/powerpoint/2015/main" val="1"/>
+              </p:ext>
+            </p:extLst>
+          </p:nvPr>
+        </p:nvSpPr>
+        <p:spPr>
+          <a:xfrm>
+            <a:off x="646745" y="640080"/>
+            <a:ext cx="10920415" cy="5577818"/>
+          </a:xfrm>
+          <a:prstGeom prst="roundRect">
+            <a:avLst>
+              <a:gd name="adj" fmla="val 0"/>
+            </a:avLst>
+          </a:prstGeom>
+          <a:solidFill>
+            <a:srgbClr val="FFFFFF"/>
+          </a:solidFill>
+          <a:ln w="9525">
+            <a:solidFill>
+              <a:srgbClr val="C8CACA"/>
+            </a:solidFill>
+          </a:ln>
+          <a:effectLst>
+            <a:outerShdw blurRad="57150" dist="19050" dir="5400000" algn="t" rotWithShape="0">
+              <a:prstClr val="black">
+                <a:alpha val="63000"/>
+              </a:prstClr>
+            </a:outerShdw>
+          </a:effectLst>
+        </p:spPr>
+        <p:style>
+          <a:lnRef idx="2">
+            <a:schemeClr val="accent1">
+              <a:shade val="50000"/>
+            </a:schemeClr>
+          </a:lnRef>
+          <a:fillRef idx="1">
+            <a:schemeClr val="accent1"/>
+          </a:fillRef>
+          <a:effectRef idx="0">
+            <a:schemeClr val="accent1"/>
+          </a:effectRef>
+          <a:fontRef idx="minor">
+            <a:schemeClr val="lt1"/>
+          </a:fontRef>
+        </p:style>
+        <p:txBody>
+          <a:bodyPr rtlCol="0" anchor="ctr"/>
+          <a:lstStyle/>
+          <a:p>
+            <a:pPr algn="ctr"/>
+            <a:endParaRPr lang="en-US"/>
+          </a:p>
+        </p:txBody>
+      </p:sp>
+      <p:sp>
+        <p:nvSpPr>
+          <p:cNvPr id="13" name="Rectangle 12">
+            <a:extLst>
+              <a:ext uri="{FF2B5EF4-FFF2-40B4-BE49-F238E27FC236}">
+                <a16:creationId xmlns:a16="http://schemas.microsoft.com/office/drawing/2014/main" id="{CCD444A3-C338-4886-B7F1-4BA2AF46EB64}"/>
+              </a:ext>
+              <a:ext uri="{C183D7F6-B498-43B3-948B-1728B52AA6E4}">
+                <adec:decorative xmlns:adec="http://schemas.microsoft.com/office/drawing/2017/decorative" val="1"/>
+              </a:ext>
+            </a:extLst>
+          </p:cNvPr>
+          <p:cNvSpPr>
+            <a:spLocks noGrp="1" noRot="1" noChangeAspect="1" noMove="1" noResize="1" noEditPoints="1" noAdjustHandles="1" noChangeArrowheads="1" noChangeShapeType="1" noTextEdit="1"/>
+          </p:cNvSpPr>
+          <p:nvPr>
+            <p:extLst>
+              <p:ext uri="{386F3935-93C4-4BCD-93E2-E3B085C9AB24}">
+                <p16:designElem xmlns:p16="http://schemas.microsoft.com/office/powerpoint/2015/main" val="1"/>
+              </p:ext>
+            </p:extLst>
+          </p:nvPr>
+        </p:nvSpPr>
+        <p:spPr>
+          <a:xfrm>
+            <a:off x="968024" y="960109"/>
+            <a:ext cx="10277856" cy="4937760"/>
+          </a:xfrm>
+          <a:prstGeom prst="rect">
+            <a:avLst/>
+          </a:prstGeom>
+          <a:solidFill>
+            <a:schemeClr val="bg2"/>
+          </a:solidFill>
+          <a:ln>
+            <a:noFill/>
+          </a:ln>
+        </p:spPr>
+        <p:style>
+          <a:lnRef idx="2">
+            <a:schemeClr val="accent1">
+              <a:shade val="50000"/>
+            </a:schemeClr>
+          </a:lnRef>
+          <a:fillRef idx="1">
+            <a:schemeClr val="accent1"/>
+          </a:fillRef>
+          <a:effectRef idx="0">
+            <a:schemeClr val="accent1"/>
+          </a:effectRef>
+          <a:fontRef idx="minor">
+            <a:schemeClr val="lt1"/>
+          </a:fontRef>
+        </p:style>
+        <p:txBody>
+          <a:bodyPr rtlCol="0" anchor="ctr"/>
+          <a:lstStyle/>
+          <a:p>
+            <a:pPr algn="ctr"/>
+            <a:endParaRPr lang="en-US"/>
+          </a:p>
+        </p:txBody>
+      </p:sp>
+      <p:sp>
+        <p:nvSpPr>
+          <p:cNvPr id="2" name="Title 1">
+            <a:extLst>
+              <a:ext uri="{FF2B5EF4-FFF2-40B4-BE49-F238E27FC236}">
+                <a16:creationId xmlns:a16="http://schemas.microsoft.com/office/drawing/2014/main" id="{F4A9F3C2-D772-7733-D420-28D4A88626D1}"/>
+              </a:ext>
+            </a:extLst>
+          </p:cNvPr>
+          <p:cNvSpPr>
+            <a:spLocks noGrp="1"/>
+          </p:cNvSpPr>
+          <p:nvPr>
+            <p:ph type="title"/>
+          </p:nvPr>
+        </p:nvSpPr>
+        <p:spPr>
+          <a:xfrm>
+            <a:off x="2976656" y="1185948"/>
+            <a:ext cx="6252356" cy="1041901"/>
+          </a:xfrm>
+        </p:spPr>
+        <p:txBody>
+          <a:bodyPr>
+            <a:normAutofit/>
+          </a:bodyPr>
+          <a:lstStyle/>
+          <a:p>
+            <a:r>
+              <a:rPr lang="en-US" sz="5400" b="1" dirty="0">
+                <a:solidFill>
+                  <a:schemeClr val="accent5"/>
+                </a:solidFill>
+                <a:latin typeface="Arial Nova"/>
+              </a:rPr>
+              <a:t>CRÉDITOS FINAIS</a:t>
+            </a:r>
+            <a:endParaRPr lang="en-US" sz="4000" dirty="0"/>
+          </a:p>
+        </p:txBody>
+      </p:sp>
+      <p:sp>
+        <p:nvSpPr>
+          <p:cNvPr id="3" name="Content Placeholder 2">
+            <a:extLst>
+              <a:ext uri="{FF2B5EF4-FFF2-40B4-BE49-F238E27FC236}">
+                <a16:creationId xmlns:a16="http://schemas.microsoft.com/office/drawing/2014/main" id="{6A8B24B9-ED1F-3685-F54C-B1CA639A882D}"/>
+              </a:ext>
+            </a:extLst>
+          </p:cNvPr>
+          <p:cNvSpPr>
+            <a:spLocks noGrp="1"/>
+          </p:cNvSpPr>
+          <p:nvPr>
+            <p:ph sz="half" idx="1"/>
+          </p:nvPr>
+        </p:nvSpPr>
+        <p:spPr>
+          <a:xfrm>
+            <a:off x="2732241" y="2658295"/>
+            <a:ext cx="7344415" cy="2699968"/>
+          </a:xfrm>
+        </p:spPr>
+        <p:txBody>
+          <a:bodyPr vert="horz" lIns="91440" tIns="45720" rIns="91440" bIns="45720" rtlCol="0" anchor="t">
+            <a:normAutofit fontScale="92500" lnSpcReduction="10000"/>
+          </a:bodyPr>
+          <a:lstStyle/>
+          <a:p>
+            <a:pPr marL="0" indent="0">
+              <a:buNone/>
+            </a:pPr>
+            <a:r>
+              <a:rPr lang="en-US" b="1" dirty="0">
+                <a:latin typeface="Arial Nova"/>
+                <a:cs typeface="Calibri" panose="020F0502020204030204"/>
+              </a:rPr>
+              <a:t>RESPONSÁVEIS PELO TRABALHO:</a:t>
+            </a:r>
+          </a:p>
+          <a:p>
+            <a:pPr marL="0" indent="0">
+              <a:buNone/>
+            </a:pPr>
+            <a:endParaRPr lang="en-US" dirty="0">
+              <a:latin typeface="Arial Nova"/>
+              <a:cs typeface="Calibri" panose="020F0502020204030204"/>
+            </a:endParaRPr>
+          </a:p>
+          <a:p>
+            <a:pPr marL="457200" indent="-457200"/>
+            <a:r>
+              <a:rPr lang="en-US" dirty="0">
+                <a:latin typeface="Arial Nova"/>
+                <a:cs typeface="Calibri" panose="020F0502020204030204"/>
+              </a:rPr>
+              <a:t>GABRIEL DE SOUZA SANTOS</a:t>
+            </a:r>
+          </a:p>
+          <a:p>
+            <a:pPr marL="457200" indent="-457200"/>
+            <a:r>
+              <a:rPr lang="en-US" dirty="0">
+                <a:latin typeface="Arial Nova"/>
+                <a:cs typeface="Calibri" panose="020F0502020204030204"/>
+              </a:rPr>
+              <a:t>GUILHERME HENRIQUE DAROZ</a:t>
+            </a:r>
+          </a:p>
+          <a:p>
+            <a:pPr marL="457200" indent="-457200"/>
+            <a:r>
+              <a:rPr lang="en-US" dirty="0">
+                <a:latin typeface="Arial Nova"/>
+                <a:cs typeface="Calibri" panose="020F0502020204030204"/>
+              </a:rPr>
+              <a:t>LUÍS ARTUR FAUSTINONI RIBEIRO</a:t>
+            </a:r>
+          </a:p>
+          <a:p>
+            <a:pPr marL="457200" indent="-457200"/>
+            <a:r>
+              <a:rPr lang="en-US" dirty="0">
+                <a:latin typeface="Arial Nova"/>
+                <a:cs typeface="Calibri" panose="020F0502020204030204"/>
+              </a:rPr>
+              <a:t>PEDRO LUCAS APARECIDO SILVA</a:t>
+            </a:r>
+          </a:p>
+          <a:p>
+            <a:pPr marL="0" indent="0">
+              <a:buNone/>
+            </a:pPr>
+            <a:endParaRPr lang="en-US" dirty="0">
+              <a:latin typeface="Arial Nova"/>
+              <a:cs typeface="Calibri" panose="020F0502020204030204"/>
+            </a:endParaRPr>
+          </a:p>
+        </p:txBody>
+      </p:sp>
+      <p:sp>
+        <p:nvSpPr>
+          <p:cNvPr id="5" name="TextBox 4">
+            <a:extLst>
+              <a:ext uri="{FF2B5EF4-FFF2-40B4-BE49-F238E27FC236}">
+                <a16:creationId xmlns:a16="http://schemas.microsoft.com/office/drawing/2014/main" id="{C90F5B2A-92F9-0F7B-DA76-3B42F3FDB42B}"/>
+              </a:ext>
+            </a:extLst>
+          </p:cNvPr>
+          <p:cNvSpPr txBox="1"/>
+          <p:nvPr/>
+        </p:nvSpPr>
+        <p:spPr>
+          <a:xfrm>
+            <a:off x="6829245" y="5578414"/>
+            <a:ext cx="4249767" cy="369332"/>
+          </a:xfrm>
+          <a:prstGeom prst="rect">
+            <a:avLst/>
+          </a:prstGeom>
+          <a:noFill/>
+        </p:spPr>
+        <p:txBody>
+          <a:bodyPr rot="0" spcFirstLastPara="0" vertOverflow="overflow" horzOverflow="overflow" vert="horz" wrap="square" lIns="91440" tIns="45720" rIns="91440" bIns="45720" numCol="1" spcCol="0" rtlCol="0" fromWordArt="0" anchor="t" anchorCtr="0" forceAA="0" compatLnSpc="1">
+            <a:prstTxWarp prst="textNoShape">
+              <a:avLst/>
+            </a:prstTxWarp>
+            <a:spAutoFit/>
+          </a:bodyPr>
+          <a:lstStyle/>
+          <a:p>
+            <a:r>
+              <a:rPr lang="en-US" dirty="0">
+                <a:latin typeface="Arial Nova"/>
+              </a:rPr>
+              <a:t>1° DESENVOLVIMENTO DE SISTEMAS</a:t>
+            </a:r>
+            <a:endParaRPr lang="en-US" dirty="0"/>
+          </a:p>
+        </p:txBody>
+      </p:sp>
+    </p:spTree>
+    <p:extLst>
+      <p:ext uri="{BB962C8B-B14F-4D97-AF65-F5344CB8AC3E}">
+        <p14:creationId xmlns:p14="http://schemas.microsoft.com/office/powerpoint/2010/main" val="1283912664"/>
+      </p:ext>
+    </p:extLst>
+  </p:cSld>
+  <p:clrMapOvr>
+    <a:masterClrMapping/>
+  </p:clrMapOvr>
+  <mc:AlternateContent xmlns:mc="http://schemas.openxmlformats.org/markup-compatibility/2006">
+    <mc:Choice xmlns:p15="http://schemas.microsoft.com/office/powerpoint/2012/main" Requires="p15">
+      <p:transition xmlns:p14="http://schemas.microsoft.com/office/powerpoint/2010/main" spd="slow" p14:dur="1750">
+        <p15:prstTrans prst="pageCurlDouble"/>
+      </p:transition>
+    </mc:Choice>
+    <mc:Fallback>
+      <p:transition spd="slow">
+        <p:fade/>
+      </p:transition>
+    </mc:Fallback>
+  </mc:AlternateContent>
 </p:sld>
 </file>
 
@@ -5292,6 +6959,9 @@
           </a:bodyPr>
           <a:lstStyle/>
           <a:p>
+            <a:pPr marL="0" indent="0">
+              <a:buNone/>
+            </a:pPr>
             <a:r>
               <a:rPr lang="pt-BR" sz="2000" b="1" dirty="0">
                 <a:solidFill>
@@ -5332,8 +7002,8 @@
         </p:nvSpPr>
         <p:spPr>
           <a:xfrm>
-            <a:off x="1538376" y="2616680"/>
-            <a:ext cx="3013314" cy="4401205"/>
+            <a:off x="1610263" y="2932982"/>
+            <a:ext cx="3732181" cy="3170099"/>
           </a:xfrm>
           <a:prstGeom prst="rect">
             <a:avLst/>
@@ -5550,7 +7220,7 @@
         <p:spPr>
           <a:xfrm>
             <a:off x="6613583" y="3019245"/>
-            <a:ext cx="3904710" cy="2862322"/>
+            <a:ext cx="3904710" cy="2554545"/>
           </a:xfrm>
           <a:prstGeom prst="rect">
             <a:avLst/>
@@ -5566,10 +7236,6 @@
           </a:bodyPr>
           <a:lstStyle/>
           <a:p>
-            <a:pPr marL="285750" indent="-285750">
-              <a:buFont typeface="Arial"/>
-              <a:buChar char="•"/>
-            </a:pPr>
             <a:r>
               <a:rPr lang="pt-BR" sz="2000" b="1" dirty="0">
                 <a:solidFill>
@@ -5595,10 +7261,6 @@
             </a:endParaRPr>
           </a:p>
           <a:p>
-            <a:pPr marL="285750" indent="-285750">
-              <a:buFont typeface="Arial"/>
-              <a:buChar char="•"/>
-            </a:pPr>
             <a:r>
               <a:rPr lang="pt-BR" sz="2000" b="1" dirty="0">
                 <a:solidFill>
@@ -5624,10 +7286,6 @@
             </a:endParaRPr>
           </a:p>
           <a:p>
-            <a:pPr marL="285750" indent="-285750">
-              <a:buFont typeface="Arial"/>
-              <a:buChar char="•"/>
-            </a:pPr>
             <a:r>
               <a:rPr lang="pt-BR" sz="2000" b="1" dirty="0">
                 <a:solidFill>
@@ -5653,10 +7311,7 @@
             </a:endParaRPr>
           </a:p>
           <a:p>
-            <a:pPr marL="285750" indent="-285750" algn="l">
-              <a:buFont typeface="Arial"/>
-              <a:buChar char="•"/>
-            </a:pPr>
+            <a:pPr algn="l"/>
             <a:endParaRPr lang="en-US" sz="2000" dirty="0">
               <a:solidFill>
                 <a:schemeClr val="accent1">
@@ -5685,7 +7340,7 @@
         <p:spPr>
           <a:xfrm>
             <a:off x="1613140" y="2497346"/>
-            <a:ext cx="8971469" cy="43132"/>
+            <a:ext cx="10452336" cy="43132"/>
           </a:xfrm>
           <a:prstGeom prst="straightConnector1">
             <a:avLst/>
@@ -5716,6 +7371,45 @@
   <p:clrMapOvr>
     <a:overrideClrMapping bg1="dk1" tx1="lt1" bg2="dk2" tx2="lt2" accent1="accent1" accent2="accent2" accent3="accent3" accent4="accent4" accent5="accent5" accent6="accent6" hlink="hlink" folHlink="folHlink"/>
   </p:clrMapOvr>
+  <mc:AlternateContent xmlns:mc="http://schemas.openxmlformats.org/markup-compatibility/2006">
+    <mc:Choice xmlns:p15="http://schemas.microsoft.com/office/powerpoint/2012/main" Requires="p15">
+      <p:transition xmlns:p14="http://schemas.microsoft.com/office/powerpoint/2010/main" spd="slow" p14:dur="1750">
+        <p15:prstTrans prst="pageCurlDouble"/>
+      </p:transition>
+    </mc:Choice>
+    <mc:Fallback>
+      <p:transition spd="slow">
+        <p:fade/>
+      </p:transition>
+    </mc:Fallback>
+  </mc:AlternateContent>
+  <p:timing>
+    <p:tnLst>
+      <p:par>
+        <p:cTn id="1" dur="indefinite" restart="never" nodeType="tmRoot">
+          <p:childTnLst>
+            <p:seq concurrent="1" nextAc="seek">
+              <p:cTn id="2" dur="indefinite" nodeType="mainSeq"/>
+              <p:prevCondLst>
+                <p:cond evt="onPrev" delay="0">
+                  <p:tgtEl>
+                    <p:sldTgt/>
+                  </p:tgtEl>
+                </p:cond>
+              </p:prevCondLst>
+              <p:nextCondLst>
+                <p:cond evt="onNext" delay="0">
+                  <p:tgtEl>
+                    <p:sldTgt/>
+                  </p:tgtEl>
+                </p:cond>
+              </p:nextCondLst>
+            </p:seq>
+          </p:childTnLst>
+        </p:cTn>
+      </p:par>
+    </p:tnLst>
+  </p:timing>
 </p:sld>
 </file>
 
@@ -5755,7 +7449,7 @@
         <p:spPr>
           <a:xfrm>
             <a:off x="1611890" y="-1661"/>
-            <a:ext cx="4730624" cy="5387869"/>
+            <a:ext cx="4385568" cy="6667453"/>
           </a:xfrm>
         </p:spPr>
         <p:txBody>
@@ -6209,6 +7903,9 @@
           </a:bodyPr>
           <a:lstStyle/>
           <a:p>
+            <a:pPr marL="0" indent="0">
+              <a:buNone/>
+            </a:pPr>
             <a:r>
               <a:rPr lang="pt-BR" sz="2000" b="1" dirty="0">
                 <a:solidFill>
@@ -6234,6 +7931,9 @@
             </a:endParaRPr>
           </a:p>
           <a:p>
+            <a:pPr marL="0" indent="0">
+              <a:buNone/>
+            </a:pPr>
             <a:r>
               <a:rPr lang="pt-BR" sz="2000" b="1" dirty="0">
                 <a:solidFill>
@@ -6259,6 +7959,9 @@
             </a:endParaRPr>
           </a:p>
           <a:p>
+            <a:pPr marL="0" indent="0">
+              <a:buNone/>
+            </a:pPr>
             <a:r>
               <a:rPr lang="pt-BR" sz="2000" b="1" dirty="0">
                 <a:solidFill>
@@ -6284,6 +7987,9 @@
             </a:endParaRPr>
           </a:p>
           <a:p>
+            <a:pPr marL="0" indent="0">
+              <a:buNone/>
+            </a:pPr>
             <a:r>
               <a:rPr lang="pt-BR" sz="2000" b="1" dirty="0">
                 <a:solidFill>
@@ -6309,6 +8015,9 @@
             </a:endParaRPr>
           </a:p>
           <a:p>
+            <a:pPr marL="0" indent="0">
+              <a:buNone/>
+            </a:pPr>
             <a:endParaRPr lang="en-US" sz="2000" dirty="0">
               <a:solidFill>
                 <a:schemeClr val="accent1">
@@ -6332,6 +8041,18 @@
   <p:clrMapOvr>
     <a:overrideClrMapping bg1="dk1" tx1="lt1" bg2="dk2" tx2="lt2" accent1="accent1" accent2="accent2" accent3="accent3" accent4="accent4" accent5="accent5" accent6="accent6" hlink="hlink" folHlink="folHlink"/>
   </p:clrMapOvr>
+  <mc:AlternateContent xmlns:mc="http://schemas.openxmlformats.org/markup-compatibility/2006">
+    <mc:Choice xmlns:p15="http://schemas.microsoft.com/office/powerpoint/2012/main" Requires="p15">
+      <p:transition xmlns:p14="http://schemas.microsoft.com/office/powerpoint/2010/main" spd="slow" p14:dur="1750">
+        <p15:prstTrans prst="pageCurlDouble"/>
+      </p:transition>
+    </mc:Choice>
+    <mc:Fallback>
+      <p:transition spd="slow">
+        <p:fade/>
+      </p:transition>
+    </mc:Fallback>
+  </mc:AlternateContent>
 </p:sld>
 </file>
 
@@ -6384,67 +8105,76 @@
               <a:buNone/>
             </a:pPr>
             <a:r>
-              <a:rPr lang="pt-BR" dirty="0">
+              <a:rPr lang="pt-BR" sz="2400" dirty="0">
+                <a:latin typeface="Arial Nova"/>
                 <a:ea typeface="+mn-lt"/>
                 <a:cs typeface="+mn-lt"/>
               </a:rPr>
               <a:t>É fonte de todo bem</a:t>
             </a:r>
-            <a:endParaRPr lang="en-US" dirty="0">
-              <a:ea typeface="+mn-lt"/>
-              <a:cs typeface="+mn-lt"/>
-            </a:endParaRPr>
-          </a:p>
-          <a:p>
-            <a:pPr marL="0" indent="0">
-              <a:buNone/>
-            </a:pPr>
-            <a:r>
-              <a:rPr lang="pt-BR" dirty="0">
+            <a:endParaRPr lang="en-US" sz="2400">
+              <a:latin typeface="Arial Nova"/>
+              <a:ea typeface="+mn-lt"/>
+              <a:cs typeface="+mn-lt"/>
+            </a:endParaRPr>
+          </a:p>
+          <a:p>
+            <a:pPr marL="0" indent="0">
+              <a:buNone/>
+            </a:pPr>
+            <a:r>
+              <a:rPr lang="pt-BR" sz="2400" dirty="0">
+                <a:latin typeface="Arial Nova"/>
                 <a:ea typeface="+mn-lt"/>
                 <a:cs typeface="+mn-lt"/>
               </a:rPr>
               <a:t>Da qual quem bem se embebeda</a:t>
             </a:r>
-            <a:endParaRPr lang="en-US" dirty="0">
-              <a:ea typeface="+mn-lt"/>
-              <a:cs typeface="+mn-lt"/>
-            </a:endParaRPr>
-          </a:p>
-          <a:p>
-            <a:pPr marL="0" indent="0">
-              <a:buNone/>
-            </a:pPr>
-            <a:r>
-              <a:rPr lang="pt-BR" dirty="0">
+            <a:endParaRPr lang="en-US" sz="2400">
+              <a:latin typeface="Arial Nova"/>
+              <a:ea typeface="+mn-lt"/>
+              <a:cs typeface="+mn-lt"/>
+            </a:endParaRPr>
+          </a:p>
+          <a:p>
+            <a:pPr marL="0" indent="0">
+              <a:buNone/>
+            </a:pPr>
+            <a:r>
+              <a:rPr lang="pt-BR" sz="2400" dirty="0">
+                <a:latin typeface="Arial Nova"/>
                 <a:ea typeface="+mn-lt"/>
                 <a:cs typeface="+mn-lt"/>
               </a:rPr>
               <a:t>Não tenha medo de queda</a:t>
             </a:r>
-            <a:endParaRPr lang="en-US" dirty="0">
-              <a:ea typeface="+mn-lt"/>
-              <a:cs typeface="+mn-lt"/>
-            </a:endParaRPr>
-          </a:p>
-          <a:p>
-            <a:pPr marL="0" indent="0">
-              <a:buNone/>
-            </a:pPr>
-            <a:r>
-              <a:rPr lang="pt-BR" dirty="0">
+            <a:endParaRPr lang="en-US" sz="2400">
+              <a:latin typeface="Arial Nova"/>
+              <a:ea typeface="+mn-lt"/>
+              <a:cs typeface="+mn-lt"/>
+            </a:endParaRPr>
+          </a:p>
+          <a:p>
+            <a:pPr marL="0" indent="0">
+              <a:buNone/>
+            </a:pPr>
+            <a:r>
+              <a:rPr lang="pt-BR" sz="2400" dirty="0">
+                <a:latin typeface="Arial Nova"/>
                 <a:ea typeface="+mn-lt"/>
                 <a:cs typeface="+mn-lt"/>
               </a:rPr>
               <a:t>Do pecado.</a:t>
             </a:r>
-            <a:endParaRPr lang="en-US" dirty="0">
-              <a:ea typeface="+mn-lt"/>
-              <a:cs typeface="+mn-lt"/>
-            </a:endParaRPr>
-          </a:p>
-          <a:p>
-            <a:endParaRPr lang="en-US" dirty="0">
+            <a:endParaRPr lang="en-US" sz="2400">
+              <a:latin typeface="Arial Nova"/>
+              <a:ea typeface="+mn-lt"/>
+              <a:cs typeface="+mn-lt"/>
+            </a:endParaRPr>
+          </a:p>
+          <a:p>
+            <a:endParaRPr lang="en-US" sz="2400" dirty="0">
+              <a:latin typeface="Arial Nova"/>
               <a:cs typeface="Calibri"/>
             </a:endParaRPr>
           </a:p>
@@ -6468,7 +8198,7 @@
         </p:nvSpPr>
         <p:spPr>
           <a:xfrm>
-            <a:off x="6100313" y="359134"/>
+            <a:off x="6100313" y="675436"/>
             <a:ext cx="5181600" cy="4351338"/>
           </a:xfrm>
         </p:spPr>
@@ -6478,24 +8208,29 @@
           </a:bodyPr>
           <a:lstStyle/>
           <a:p>
-            <a:r>
-              <a:rPr lang="pt-BR" b="1" dirty="0">
+            <a:pPr marL="0" indent="0">
+              <a:buNone/>
+            </a:pPr>
+            <a:r>
+              <a:rPr lang="pt-BR" sz="2400" b="1" dirty="0">
                 <a:solidFill>
                   <a:schemeClr val="accent2">
                     <a:lumMod val="50000"/>
                   </a:schemeClr>
                 </a:solidFill>
+                <a:latin typeface="Arial Nova"/>
                 <a:ea typeface="+mn-lt"/>
                 <a:cs typeface="+mn-lt"/>
               </a:rPr>
               <a:t>Novamente o pão é tratado como divino. Ele pode colocar o indivíduo mais próximo de Jesus e Deus.</a:t>
             </a:r>
-            <a:endParaRPr lang="en-US" dirty="0">
+            <a:endParaRPr lang="en-US" sz="2400">
               <a:solidFill>
                 <a:schemeClr val="accent2">
                   <a:lumMod val="50000"/>
                 </a:schemeClr>
               </a:solidFill>
+              <a:latin typeface="Arial Nova"/>
               <a:ea typeface="+mn-lt"/>
               <a:cs typeface="+mn-lt"/>
             </a:endParaRPr>
@@ -6516,8 +8251,8 @@
         </p:nvSpPr>
         <p:spPr>
           <a:xfrm>
-            <a:off x="320616" y="3609991"/>
-            <a:ext cx="4494182" cy="2862322"/>
+            <a:off x="320616" y="3308066"/>
+            <a:ext cx="4494182" cy="3785652"/>
           </a:xfrm>
           <a:prstGeom prst="rect">
             <a:avLst/>
@@ -6534,117 +8269,135 @@
           <a:lstStyle/>
           <a:p>
             <a:r>
-              <a:rPr lang="pt-BR" dirty="0">
+              <a:rPr lang="pt-BR" sz="2400" dirty="0">
+                <a:latin typeface="Arial Nova"/>
                 <a:ea typeface="+mn-lt"/>
                 <a:cs typeface="+mn-lt"/>
               </a:rPr>
               <a:t>Oh! que divino bocado</a:t>
             </a:r>
-            <a:endParaRPr lang="en-US" dirty="0">
-              <a:ea typeface="+mn-lt"/>
-              <a:cs typeface="+mn-lt"/>
-            </a:endParaRPr>
-          </a:p>
-          <a:p>
-            <a:r>
-              <a:rPr lang="pt-BR" dirty="0">
+            <a:endParaRPr lang="en-US" sz="2400" dirty="0">
+              <a:latin typeface="Arial Nova"/>
+              <a:ea typeface="+mn-lt"/>
+              <a:cs typeface="+mn-lt"/>
+            </a:endParaRPr>
+          </a:p>
+          <a:p>
+            <a:r>
+              <a:rPr lang="pt-BR" sz="2400" dirty="0">
+                <a:latin typeface="Arial Nova"/>
                 <a:ea typeface="+mn-lt"/>
                 <a:cs typeface="+mn-lt"/>
               </a:rPr>
               <a:t>Que tem todos os sabores,</a:t>
             </a:r>
-            <a:endParaRPr lang="en-US" dirty="0">
-              <a:ea typeface="+mn-lt"/>
-              <a:cs typeface="+mn-lt"/>
-            </a:endParaRPr>
-          </a:p>
-          <a:p>
-            <a:r>
-              <a:rPr lang="pt-BR" dirty="0">
+            <a:endParaRPr lang="en-US" sz="2400" dirty="0">
+              <a:latin typeface="Arial Nova"/>
+              <a:ea typeface="+mn-lt"/>
+              <a:cs typeface="+mn-lt"/>
+            </a:endParaRPr>
+          </a:p>
+          <a:p>
+            <a:r>
+              <a:rPr lang="pt-BR" sz="2400" dirty="0">
+                <a:latin typeface="Arial Nova"/>
                 <a:ea typeface="+mn-lt"/>
                 <a:cs typeface="+mn-lt"/>
               </a:rPr>
               <a:t>Vindes, pobres pecadores,</a:t>
             </a:r>
-            <a:endParaRPr lang="en-US" dirty="0">
-              <a:ea typeface="+mn-lt"/>
-              <a:cs typeface="+mn-lt"/>
-            </a:endParaRPr>
-          </a:p>
-          <a:p>
-            <a:r>
-              <a:rPr lang="pt-BR" dirty="0">
+            <a:endParaRPr lang="en-US" sz="2400" dirty="0">
+              <a:latin typeface="Arial Nova"/>
+              <a:ea typeface="+mn-lt"/>
+              <a:cs typeface="+mn-lt"/>
+            </a:endParaRPr>
+          </a:p>
+          <a:p>
+            <a:r>
+              <a:rPr lang="pt-BR" sz="2400" dirty="0">
+                <a:latin typeface="Arial Nova"/>
                 <a:ea typeface="+mn-lt"/>
                 <a:cs typeface="+mn-lt"/>
               </a:rPr>
               <a:t>A comer.</a:t>
             </a:r>
-            <a:endParaRPr lang="en-US" dirty="0">
-              <a:ea typeface="+mn-lt"/>
-              <a:cs typeface="+mn-lt"/>
-            </a:endParaRPr>
-          </a:p>
-          <a:p>
-            <a:endParaRPr lang="en-US" dirty="0">
-              <a:ea typeface="+mn-lt"/>
-              <a:cs typeface="+mn-lt"/>
-            </a:endParaRPr>
-          </a:p>
-          <a:p>
-            <a:r>
-              <a:rPr lang="pt-BR" dirty="0">
+            <a:endParaRPr lang="en-US" sz="2400" dirty="0">
+              <a:latin typeface="Arial Nova"/>
+              <a:ea typeface="+mn-lt"/>
+              <a:cs typeface="+mn-lt"/>
+            </a:endParaRPr>
+          </a:p>
+          <a:p>
+            <a:endParaRPr lang="en-US" sz="2400" dirty="0">
+              <a:latin typeface="Arial Nova"/>
+              <a:ea typeface="+mn-lt"/>
+              <a:cs typeface="+mn-lt"/>
+            </a:endParaRPr>
+          </a:p>
+          <a:p>
+            <a:r>
+              <a:rPr lang="pt-BR" sz="2400" dirty="0">
+                <a:latin typeface="Arial Nova"/>
                 <a:ea typeface="+mn-lt"/>
                 <a:cs typeface="+mn-lt"/>
               </a:rPr>
               <a:t>Não tendes de que temer</a:t>
             </a:r>
-            <a:endParaRPr lang="en-US" dirty="0">
-              <a:ea typeface="+mn-lt"/>
-              <a:cs typeface="+mn-lt"/>
-            </a:endParaRPr>
-          </a:p>
-          <a:p>
-            <a:r>
-              <a:rPr lang="pt-BR" dirty="0">
+            <a:endParaRPr lang="en-US" sz="2400" dirty="0">
+              <a:latin typeface="Arial Nova"/>
+              <a:ea typeface="+mn-lt"/>
+              <a:cs typeface="+mn-lt"/>
+            </a:endParaRPr>
+          </a:p>
+          <a:p>
+            <a:r>
+              <a:rPr lang="pt-BR" sz="2400" dirty="0">
+                <a:latin typeface="Arial Nova"/>
                 <a:ea typeface="+mn-lt"/>
                 <a:cs typeface="+mn-lt"/>
               </a:rPr>
               <a:t>Senão de vossos pecados;</a:t>
             </a:r>
-            <a:endParaRPr lang="en-US" dirty="0">
-              <a:ea typeface="+mn-lt"/>
-              <a:cs typeface="+mn-lt"/>
-            </a:endParaRPr>
-          </a:p>
-          <a:p>
-            <a:r>
-              <a:rPr lang="pt-BR" dirty="0">
+            <a:endParaRPr lang="en-US" sz="2400" dirty="0">
+              <a:latin typeface="Arial Nova"/>
+              <a:ea typeface="+mn-lt"/>
+              <a:cs typeface="+mn-lt"/>
+            </a:endParaRPr>
+          </a:p>
+          <a:p>
+            <a:r>
+              <a:rPr lang="pt-BR" sz="2400" dirty="0">
+                <a:latin typeface="Arial Nova"/>
                 <a:ea typeface="+mn-lt"/>
                 <a:cs typeface="+mn-lt"/>
               </a:rPr>
               <a:t>Se forem bem confessados,</a:t>
             </a:r>
-            <a:endParaRPr lang="en-US" dirty="0">
-              <a:ea typeface="+mn-lt"/>
-              <a:cs typeface="+mn-lt"/>
-            </a:endParaRPr>
-          </a:p>
-          <a:p>
-            <a:r>
-              <a:rPr lang="pt-BR" dirty="0">
+            <a:endParaRPr lang="en-US" sz="2400" dirty="0">
+              <a:latin typeface="Arial Nova"/>
+              <a:ea typeface="+mn-lt"/>
+              <a:cs typeface="+mn-lt"/>
+            </a:endParaRPr>
+          </a:p>
+          <a:p>
+            <a:r>
+              <a:rPr lang="pt-BR" sz="2400" dirty="0">
+                <a:latin typeface="Arial Nova"/>
                 <a:ea typeface="+mn-lt"/>
                 <a:cs typeface="+mn-lt"/>
               </a:rPr>
               <a:t>Isso basta.</a:t>
             </a:r>
-            <a:endParaRPr lang="en-US" dirty="0">
+            <a:endParaRPr lang="en-US" sz="2400" dirty="0">
+              <a:latin typeface="Arial Nova"/>
               <a:ea typeface="+mn-lt"/>
               <a:cs typeface="+mn-lt"/>
             </a:endParaRPr>
           </a:p>
           <a:p>
             <a:pPr algn="l"/>
-            <a:endParaRPr lang="en-US" dirty="0">
+            <a:endParaRPr lang="en-US" sz="2400" dirty="0">
+              <a:latin typeface="Arial Nova"/>
               <a:cs typeface="Calibri"/>
             </a:endParaRPr>
           </a:p>
@@ -6664,8 +8417,8 @@
         </p:nvSpPr>
         <p:spPr>
           <a:xfrm>
-            <a:off x="6471429" y="3615567"/>
-            <a:ext cx="5560737" cy="2246769"/>
+            <a:off x="6097617" y="3471793"/>
+            <a:ext cx="5603869" cy="3046988"/>
           </a:xfrm>
           <a:prstGeom prst="rect">
             <a:avLst/>
@@ -6683,7 +8436,7 @@
           <a:p>
             <a:pPr rtl="0"/>
             <a:r>
-              <a:rPr lang="pt-BR" sz="2000" b="1" dirty="0">
+              <a:rPr lang="pt-BR" sz="2400" b="1" dirty="0">
                 <a:solidFill>
                   <a:schemeClr val="accent2">
                     <a:lumMod val="50000"/>
@@ -6696,7 +8449,7 @@
               <a:t>Ele se refere aos índios como ‘pobres pecadores’, e ele convida estes para comer o pão divino.</a:t>
             </a:r>
             <a:r>
-              <a:rPr lang="pt-BR" sz="2000" dirty="0">
+              <a:rPr lang="pt-BR" sz="2400" dirty="0">
                 <a:solidFill>
                   <a:schemeClr val="accent2">
                     <a:lumMod val="50000"/>
@@ -6711,7 +8464,7 @@
           </a:p>
           <a:p>
             <a:pPr rtl="0"/>
-            <a:endParaRPr lang="pt-BR" sz="2000" dirty="0">
+            <a:endParaRPr lang="pt-BR" sz="2400" dirty="0">
               <a:solidFill>
                 <a:schemeClr val="accent2">
                   <a:lumMod val="50000"/>
@@ -6725,7 +8478,7 @@
           <a:p>
             <a:pPr rtl="0"/>
             <a:r>
-              <a:rPr lang="pt-BR" sz="2000" b="1" dirty="0">
+              <a:rPr lang="pt-BR" sz="2400" b="1" dirty="0">
                 <a:solidFill>
                   <a:schemeClr val="accent2">
                     <a:lumMod val="50000"/>
@@ -6738,7 +8491,7 @@
               <a:t>Se os pecados forem confessados (pecados = não serem católicos e não seguirem a religião cristã), tudo bem.</a:t>
             </a:r>
             <a:r>
-              <a:rPr lang="pt-BR" sz="2000" dirty="0">
+              <a:rPr lang="pt-BR" sz="2400" dirty="0">
                 <a:solidFill>
                   <a:schemeClr val="accent2">
                     <a:lumMod val="50000"/>
@@ -6750,12 +8503,13 @@
               </a:rPr>
               <a:t> </a:t>
             </a:r>
-            <a:endParaRPr lang="en-US" sz="2000" dirty="0">
+            <a:endParaRPr lang="en-US" sz="2400">
               <a:solidFill>
                 <a:schemeClr val="accent2">
                   <a:lumMod val="50000"/>
                 </a:schemeClr>
               </a:solidFill>
+              <a:cs typeface="Calibri"/>
             </a:endParaRPr>
           </a:p>
         </p:txBody>
@@ -6810,6 +8564,18 @@
   <p:clrMapOvr>
     <a:masterClrMapping/>
   </p:clrMapOvr>
+  <mc:AlternateContent xmlns:mc="http://schemas.openxmlformats.org/markup-compatibility/2006">
+    <mc:Choice xmlns:p15="http://schemas.microsoft.com/office/powerpoint/2012/main" Requires="p15">
+      <p:transition xmlns:p14="http://schemas.microsoft.com/office/powerpoint/2010/main" spd="slow" p14:dur="1750">
+        <p15:prstTrans prst="pageCurlDouble"/>
+      </p:transition>
+    </mc:Choice>
+    <mc:Fallback>
+      <p:transition spd="slow">
+        <p:fade/>
+      </p:transition>
+    </mc:Fallback>
+  </mc:AlternateContent>
 </p:sld>
 </file>
 
@@ -6848,7 +8614,7 @@
         </p:nvSpPr>
         <p:spPr>
           <a:xfrm>
-            <a:off x="47445" y="603550"/>
+            <a:off x="320615" y="172229"/>
             <a:ext cx="5181600" cy="4351338"/>
           </a:xfrm>
         </p:spPr>
@@ -6858,59 +8624,80 @@
           </a:bodyPr>
           <a:lstStyle/>
           <a:p>
-            <a:r>
-              <a:rPr lang="pt-BR" dirty="0">
+            <a:pPr marL="0" indent="0">
+              <a:buNone/>
+            </a:pPr>
+            <a:r>
+              <a:rPr lang="pt-BR" sz="2000" dirty="0">
+                <a:latin typeface="Arial Nova"/>
                 <a:ea typeface="+mn-lt"/>
                 <a:cs typeface="+mn-lt"/>
               </a:rPr>
               <a:t>Que este manjar tudo gasta,</a:t>
             </a:r>
-            <a:endParaRPr lang="en-US" dirty="0">
-              <a:ea typeface="+mn-lt"/>
-              <a:cs typeface="+mn-lt"/>
-            </a:endParaRPr>
-          </a:p>
-          <a:p>
-            <a:r>
-              <a:rPr lang="pt-BR" dirty="0">
+            <a:endParaRPr lang="en-US" sz="2000">
+              <a:latin typeface="Arial Nova"/>
+              <a:ea typeface="+mn-lt"/>
+              <a:cs typeface="+mn-lt"/>
+            </a:endParaRPr>
+          </a:p>
+          <a:p>
+            <a:pPr marL="0" indent="0">
+              <a:buNone/>
+            </a:pPr>
+            <a:r>
+              <a:rPr lang="pt-BR" sz="2000" dirty="0">
+                <a:latin typeface="Arial Nova"/>
                 <a:ea typeface="+mn-lt"/>
                 <a:cs typeface="+mn-lt"/>
               </a:rPr>
               <a:t>Porque é fogo gastador,</a:t>
             </a:r>
-            <a:endParaRPr lang="en-US" dirty="0">
-              <a:ea typeface="+mn-lt"/>
-              <a:cs typeface="+mn-lt"/>
-            </a:endParaRPr>
-          </a:p>
-          <a:p>
-            <a:r>
-              <a:rPr lang="pt-BR" dirty="0">
+            <a:endParaRPr lang="en-US" sz="2000">
+              <a:latin typeface="Arial Nova"/>
+              <a:ea typeface="+mn-lt"/>
+              <a:cs typeface="+mn-lt"/>
+            </a:endParaRPr>
+          </a:p>
+          <a:p>
+            <a:pPr marL="0" indent="0">
+              <a:buNone/>
+            </a:pPr>
+            <a:r>
+              <a:rPr lang="pt-BR" sz="2000" dirty="0">
+                <a:latin typeface="Arial Nova"/>
                 <a:ea typeface="+mn-lt"/>
                 <a:cs typeface="+mn-lt"/>
               </a:rPr>
               <a:t>Que com seu divino ardor</a:t>
             </a:r>
-            <a:endParaRPr lang="en-US" dirty="0">
-              <a:ea typeface="+mn-lt"/>
-              <a:cs typeface="+mn-lt"/>
-            </a:endParaRPr>
-          </a:p>
-          <a:p>
-            <a:r>
-              <a:rPr lang="pt-BR" dirty="0">
+            <a:endParaRPr lang="en-US" sz="2000">
+              <a:latin typeface="Arial Nova"/>
+              <a:ea typeface="+mn-lt"/>
+              <a:cs typeface="+mn-lt"/>
+            </a:endParaRPr>
+          </a:p>
+          <a:p>
+            <a:pPr marL="0" indent="0">
+              <a:buNone/>
+            </a:pPr>
+            <a:r>
+              <a:rPr lang="pt-BR" sz="2000" dirty="0">
+                <a:latin typeface="Arial Nova"/>
                 <a:ea typeface="+mn-lt"/>
                 <a:cs typeface="+mn-lt"/>
               </a:rPr>
               <a:t>Tudo abrasa.</a:t>
             </a:r>
-            <a:endParaRPr lang="en-US" dirty="0">
-              <a:ea typeface="+mn-lt"/>
-              <a:cs typeface="+mn-lt"/>
-            </a:endParaRPr>
-          </a:p>
-          <a:p>
-            <a:endParaRPr lang="en-US" dirty="0">
+            <a:endParaRPr lang="en-US" sz="2000">
+              <a:latin typeface="Arial Nova"/>
+              <a:ea typeface="+mn-lt"/>
+              <a:cs typeface="+mn-lt"/>
+            </a:endParaRPr>
+          </a:p>
+          <a:p>
+            <a:endParaRPr lang="en-US" sz="2000" dirty="0">
+              <a:latin typeface="Arial Nova"/>
               <a:cs typeface="Calibri"/>
             </a:endParaRPr>
           </a:p>
@@ -6934,7 +8721,7 @@
         </p:nvSpPr>
         <p:spPr>
           <a:xfrm>
-            <a:off x="6100313" y="316002"/>
+            <a:off x="6100313" y="603549"/>
             <a:ext cx="5181600" cy="4351338"/>
           </a:xfrm>
         </p:spPr>
@@ -6944,14 +8731,29 @@
           </a:bodyPr>
           <a:lstStyle/>
           <a:p>
-            <a:r>
-              <a:rPr lang="pt-BR" b="1" dirty="0">
+            <a:pPr marL="0" indent="0">
+              <a:buNone/>
+            </a:pPr>
+            <a:r>
+              <a:rPr lang="pt-BR" sz="2000" b="1" dirty="0">
+                <a:solidFill>
+                  <a:schemeClr val="accent2">
+                    <a:lumMod val="50000"/>
+                  </a:schemeClr>
+                </a:solidFill>
+                <a:latin typeface="Arial Nova"/>
                 <a:ea typeface="+mn-lt"/>
                 <a:cs typeface="+mn-lt"/>
               </a:rPr>
               <a:t>Manjar o pão vai abrasar os pecados, seria como uma espécie de perdão.</a:t>
             </a:r>
-            <a:endParaRPr lang="en-US" dirty="0">
+            <a:endParaRPr lang="en-US" sz="2000" b="1">
+              <a:solidFill>
+                <a:schemeClr val="accent2">
+                  <a:lumMod val="50000"/>
+                </a:schemeClr>
+              </a:solidFill>
+              <a:latin typeface="Arial Nova"/>
               <a:ea typeface="+mn-lt"/>
               <a:cs typeface="+mn-lt"/>
             </a:endParaRPr>
@@ -6973,7 +8775,7 @@
         <p:spPr>
           <a:xfrm>
             <a:off x="316301" y="2487283"/>
-            <a:ext cx="3847200" cy="4247317"/>
+            <a:ext cx="4407916" cy="4708981"/>
           </a:xfrm>
           <a:prstGeom prst="rect">
             <a:avLst/>
@@ -6990,189 +8792,218 @@
           <a:lstStyle/>
           <a:p>
             <a:r>
-              <a:rPr lang="pt-BR" dirty="0">
+              <a:rPr lang="pt-BR" sz="2000" dirty="0">
+                <a:latin typeface="Arial Nova"/>
                 <a:ea typeface="+mn-lt"/>
                 <a:cs typeface="+mn-lt"/>
               </a:rPr>
               <a:t>É pão dos filhos de casa</a:t>
             </a:r>
-            <a:endParaRPr lang="en-US" dirty="0">
-              <a:ea typeface="+mn-lt"/>
-              <a:cs typeface="+mn-lt"/>
-            </a:endParaRPr>
-          </a:p>
-          <a:p>
-            <a:r>
-              <a:rPr lang="pt-BR" dirty="0">
+            <a:endParaRPr lang="en-US" sz="2000" dirty="0">
+              <a:latin typeface="Arial Nova"/>
+              <a:ea typeface="+mn-lt"/>
+              <a:cs typeface="+mn-lt"/>
+            </a:endParaRPr>
+          </a:p>
+          <a:p>
+            <a:r>
+              <a:rPr lang="pt-BR" sz="2000" dirty="0">
+                <a:latin typeface="Arial Nova"/>
                 <a:ea typeface="+mn-lt"/>
                 <a:cs typeface="+mn-lt"/>
               </a:rPr>
               <a:t>Com que sempre se sustentam</a:t>
             </a:r>
-            <a:endParaRPr lang="en-US" dirty="0">
-              <a:ea typeface="+mn-lt"/>
-              <a:cs typeface="+mn-lt"/>
-            </a:endParaRPr>
-          </a:p>
-          <a:p>
-            <a:r>
-              <a:rPr lang="pt-BR" dirty="0">
+            <a:endParaRPr lang="en-US" sz="2000" dirty="0">
+              <a:latin typeface="Arial Nova"/>
+              <a:ea typeface="+mn-lt"/>
+              <a:cs typeface="+mn-lt"/>
+            </a:endParaRPr>
+          </a:p>
+          <a:p>
+            <a:r>
+              <a:rPr lang="pt-BR" sz="2000" dirty="0">
+                <a:latin typeface="Arial Nova"/>
                 <a:ea typeface="+mn-lt"/>
                 <a:cs typeface="+mn-lt"/>
               </a:rPr>
               <a:t>E virtudes acrescentam</a:t>
             </a:r>
-            <a:endParaRPr lang="en-US" dirty="0">
-              <a:ea typeface="+mn-lt"/>
-              <a:cs typeface="+mn-lt"/>
-            </a:endParaRPr>
-          </a:p>
-          <a:p>
-            <a:r>
-              <a:rPr lang="pt-BR" dirty="0">
+            <a:endParaRPr lang="en-US" sz="2000" dirty="0">
+              <a:latin typeface="Arial Nova"/>
+              <a:ea typeface="+mn-lt"/>
+              <a:cs typeface="+mn-lt"/>
+            </a:endParaRPr>
+          </a:p>
+          <a:p>
+            <a:r>
+              <a:rPr lang="pt-BR" sz="2000" dirty="0">
+                <a:latin typeface="Arial Nova"/>
                 <a:ea typeface="+mn-lt"/>
                 <a:cs typeface="+mn-lt"/>
               </a:rPr>
               <a:t>De </a:t>
             </a:r>
             <a:r>
-              <a:rPr lang="pt-BR" dirty="0" err="1">
+              <a:rPr lang="pt-BR" sz="2000" dirty="0" err="1">
+                <a:latin typeface="Arial Nova"/>
                 <a:ea typeface="+mn-lt"/>
                 <a:cs typeface="+mn-lt"/>
               </a:rPr>
               <a:t>contino</a:t>
             </a:r>
             <a:r>
-              <a:rPr lang="pt-BR" dirty="0">
+              <a:rPr lang="pt-BR" sz="2000" dirty="0">
+                <a:latin typeface="Arial Nova"/>
                 <a:ea typeface="+mn-lt"/>
                 <a:cs typeface="+mn-lt"/>
               </a:rPr>
               <a:t>.</a:t>
             </a:r>
-            <a:endParaRPr lang="en-US" dirty="0">
-              <a:ea typeface="+mn-lt"/>
-              <a:cs typeface="+mn-lt"/>
-            </a:endParaRPr>
-          </a:p>
-          <a:p>
-            <a:endParaRPr lang="en-US" dirty="0">
-              <a:ea typeface="+mn-lt"/>
-              <a:cs typeface="+mn-lt"/>
-            </a:endParaRPr>
-          </a:p>
-          <a:p>
-            <a:r>
-              <a:rPr lang="pt-BR" dirty="0">
+            <a:endParaRPr lang="en-US" sz="2000" dirty="0">
+              <a:latin typeface="Arial Nova"/>
+              <a:ea typeface="+mn-lt"/>
+              <a:cs typeface="+mn-lt"/>
+            </a:endParaRPr>
+          </a:p>
+          <a:p>
+            <a:endParaRPr lang="en-US" sz="2000" dirty="0">
+              <a:latin typeface="Arial Nova"/>
+              <a:ea typeface="+mn-lt"/>
+              <a:cs typeface="+mn-lt"/>
+            </a:endParaRPr>
+          </a:p>
+          <a:p>
+            <a:r>
+              <a:rPr lang="pt-BR" sz="2000" dirty="0">
+                <a:latin typeface="Arial Nova"/>
                 <a:ea typeface="+mn-lt"/>
                 <a:cs typeface="+mn-lt"/>
               </a:rPr>
               <a:t>Todo al é desatino</a:t>
             </a:r>
-            <a:endParaRPr lang="en-US" dirty="0">
-              <a:ea typeface="+mn-lt"/>
-              <a:cs typeface="+mn-lt"/>
-            </a:endParaRPr>
-          </a:p>
-          <a:p>
-            <a:r>
-              <a:rPr lang="pt-BR" dirty="0">
+            <a:endParaRPr lang="en-US" sz="2000" dirty="0">
+              <a:latin typeface="Arial Nova"/>
+              <a:ea typeface="+mn-lt"/>
+              <a:cs typeface="+mn-lt"/>
+            </a:endParaRPr>
+          </a:p>
+          <a:p>
+            <a:r>
+              <a:rPr lang="pt-BR" sz="2000" dirty="0">
+                <a:latin typeface="Arial Nova"/>
                 <a:ea typeface="+mn-lt"/>
                 <a:cs typeface="+mn-lt"/>
               </a:rPr>
               <a:t>Se não comer tal vianda,</a:t>
             </a:r>
-            <a:endParaRPr lang="en-US" dirty="0">
-              <a:ea typeface="+mn-lt"/>
-              <a:cs typeface="+mn-lt"/>
-            </a:endParaRPr>
-          </a:p>
-          <a:p>
-            <a:r>
-              <a:rPr lang="pt-BR" dirty="0">
+            <a:endParaRPr lang="en-US" sz="2000" dirty="0">
+              <a:latin typeface="Arial Nova"/>
+              <a:ea typeface="+mn-lt"/>
+              <a:cs typeface="+mn-lt"/>
+            </a:endParaRPr>
+          </a:p>
+          <a:p>
+            <a:r>
+              <a:rPr lang="pt-BR" sz="2000" dirty="0">
+                <a:latin typeface="Arial Nova"/>
                 <a:ea typeface="+mn-lt"/>
                 <a:cs typeface="+mn-lt"/>
               </a:rPr>
               <a:t>Com que a alma sempre anda</a:t>
             </a:r>
-            <a:endParaRPr lang="en-US" dirty="0">
-              <a:ea typeface="+mn-lt"/>
-              <a:cs typeface="+mn-lt"/>
-            </a:endParaRPr>
-          </a:p>
-          <a:p>
-            <a:r>
-              <a:rPr lang="pt-BR" dirty="0">
+            <a:endParaRPr lang="en-US" sz="2000" dirty="0">
+              <a:latin typeface="Arial Nova"/>
+              <a:ea typeface="+mn-lt"/>
+              <a:cs typeface="+mn-lt"/>
+            </a:endParaRPr>
+          </a:p>
+          <a:p>
+            <a:r>
+              <a:rPr lang="pt-BR" sz="2000" dirty="0">
+                <a:latin typeface="Arial Nova"/>
                 <a:ea typeface="+mn-lt"/>
                 <a:cs typeface="+mn-lt"/>
               </a:rPr>
               <a:t>Satisfeita.</a:t>
             </a:r>
-            <a:endParaRPr lang="en-US" dirty="0">
-              <a:ea typeface="+mn-lt"/>
-              <a:cs typeface="+mn-lt"/>
-            </a:endParaRPr>
-          </a:p>
-          <a:p>
-            <a:endParaRPr lang="en-US" dirty="0">
-              <a:ea typeface="+mn-lt"/>
-              <a:cs typeface="+mn-lt"/>
-            </a:endParaRPr>
-          </a:p>
-          <a:p>
-            <a:r>
-              <a:rPr lang="pt-BR" dirty="0">
+            <a:endParaRPr lang="en-US" sz="2000" dirty="0">
+              <a:latin typeface="Arial Nova"/>
+              <a:ea typeface="+mn-lt"/>
+              <a:cs typeface="+mn-lt"/>
+            </a:endParaRPr>
+          </a:p>
+          <a:p>
+            <a:endParaRPr lang="en-US" sz="2000" dirty="0">
+              <a:latin typeface="Arial Nova"/>
+              <a:ea typeface="+mn-lt"/>
+              <a:cs typeface="+mn-lt"/>
+            </a:endParaRPr>
+          </a:p>
+          <a:p>
+            <a:r>
+              <a:rPr lang="pt-BR" sz="2000" dirty="0">
+                <a:latin typeface="Arial Nova"/>
                 <a:ea typeface="+mn-lt"/>
                 <a:cs typeface="+mn-lt"/>
               </a:rPr>
               <a:t>Este manjar aproveita</a:t>
             </a:r>
-            <a:endParaRPr lang="en-US" dirty="0">
-              <a:ea typeface="+mn-lt"/>
-              <a:cs typeface="+mn-lt"/>
-            </a:endParaRPr>
-          </a:p>
-          <a:p>
-            <a:r>
-              <a:rPr lang="pt-BR" dirty="0">
+            <a:endParaRPr lang="en-US" sz="2000" dirty="0">
+              <a:latin typeface="Arial Nova"/>
+              <a:ea typeface="+mn-lt"/>
+              <a:cs typeface="+mn-lt"/>
+            </a:endParaRPr>
+          </a:p>
+          <a:p>
+            <a:r>
+              <a:rPr lang="pt-BR" sz="2000" dirty="0">
+                <a:latin typeface="Arial Nova"/>
                 <a:ea typeface="+mn-lt"/>
                 <a:cs typeface="+mn-lt"/>
               </a:rPr>
               <a:t>Para vícios arrancar</a:t>
             </a:r>
-            <a:endParaRPr lang="en-US" dirty="0">
-              <a:ea typeface="+mn-lt"/>
-              <a:cs typeface="+mn-lt"/>
-            </a:endParaRPr>
-          </a:p>
-          <a:p>
-            <a:r>
-              <a:rPr lang="pt-BR" dirty="0">
+            <a:endParaRPr lang="en-US" sz="2000" dirty="0">
+              <a:latin typeface="Arial Nova"/>
+              <a:ea typeface="+mn-lt"/>
+              <a:cs typeface="+mn-lt"/>
+            </a:endParaRPr>
+          </a:p>
+          <a:p>
+            <a:r>
+              <a:rPr lang="pt-BR" sz="2000" dirty="0">
+                <a:latin typeface="Arial Nova"/>
                 <a:ea typeface="+mn-lt"/>
                 <a:cs typeface="+mn-lt"/>
               </a:rPr>
               <a:t>E virtudes arraigar</a:t>
             </a:r>
-            <a:endParaRPr lang="en-US" dirty="0">
-              <a:ea typeface="+mn-lt"/>
-              <a:cs typeface="+mn-lt"/>
-            </a:endParaRPr>
-          </a:p>
-          <a:p>
-            <a:r>
-              <a:rPr lang="pt-BR" dirty="0">
+            <a:endParaRPr lang="en-US" sz="2000" dirty="0">
+              <a:latin typeface="Arial Nova"/>
+              <a:ea typeface="+mn-lt"/>
+              <a:cs typeface="+mn-lt"/>
+            </a:endParaRPr>
+          </a:p>
+          <a:p>
+            <a:r>
+              <a:rPr lang="pt-BR" sz="2000" dirty="0">
+                <a:latin typeface="Arial Nova"/>
                 <a:ea typeface="+mn-lt"/>
                 <a:cs typeface="+mn-lt"/>
               </a:rPr>
               <a:t>Nas entranhas.</a:t>
             </a:r>
-            <a:endParaRPr lang="en-US" dirty="0">
+            <a:endParaRPr lang="en-US" sz="2000" dirty="0">
+              <a:latin typeface="Arial Nova"/>
               <a:ea typeface="+mn-lt"/>
               <a:cs typeface="+mn-lt"/>
             </a:endParaRPr>
           </a:p>
           <a:p>
             <a:pPr algn="l"/>
-            <a:endParaRPr lang="en-US" dirty="0">
+            <a:endParaRPr lang="en-US" sz="2000" dirty="0">
+              <a:latin typeface="Arial Nova"/>
               <a:cs typeface="Calibri"/>
             </a:endParaRPr>
           </a:p>
@@ -7192,8 +9023,8 @@
         </p:nvSpPr>
         <p:spPr>
           <a:xfrm>
-            <a:off x="6656716" y="3234905"/>
-            <a:ext cx="3372748" cy="1477328"/>
+            <a:off x="6095999" y="3608716"/>
+            <a:ext cx="4407917" cy="1631216"/>
           </a:xfrm>
           <a:prstGeom prst="rect">
             <a:avLst/>
@@ -7210,19 +9041,70 @@
           <a:lstStyle/>
           <a:p>
             <a:r>
-              <a:rPr lang="pt-BR" b="1" dirty="0">
+              <a:rPr lang="pt-BR" sz="2000" b="1" dirty="0">
+                <a:solidFill>
+                  <a:schemeClr val="accent2">
+                    <a:lumMod val="50000"/>
+                  </a:schemeClr>
+                </a:solidFill>
+                <a:latin typeface="Arial Nova"/>
                 <a:ea typeface="+mn-lt"/>
                 <a:cs typeface="+mn-lt"/>
               </a:rPr>
               <a:t>Três estrofes onde ele tenta caracterizar e divinizar o pão, mais uma vez. O pão arranca vícios, adiciona virtudes, é a salvação do homem.</a:t>
             </a:r>
-            <a:endParaRPr lang="en-US" dirty="0">
-              <a:ea typeface="+mn-lt"/>
-              <a:cs typeface="+mn-lt"/>
-            </a:endParaRPr>
-          </a:p>
-        </p:txBody>
-      </p:sp>
+            <a:endParaRPr lang="en-US" sz="2000" b="1">
+              <a:solidFill>
+                <a:schemeClr val="accent2">
+                  <a:lumMod val="50000"/>
+                </a:schemeClr>
+              </a:solidFill>
+              <a:latin typeface="Arial Nova"/>
+              <a:ea typeface="+mn-lt"/>
+              <a:cs typeface="+mn-lt"/>
+            </a:endParaRPr>
+          </a:p>
+        </p:txBody>
+      </p:sp>
+      <p:cxnSp>
+        <p:nvCxnSpPr>
+          <p:cNvPr id="7" name="Conector reto 11">
+            <a:extLst>
+              <a:ext uri="{FF2B5EF4-FFF2-40B4-BE49-F238E27FC236}">
+                <a16:creationId xmlns:a16="http://schemas.microsoft.com/office/drawing/2014/main" id="{17FB30C8-D957-3058-6D02-97B8C63FDF05}"/>
+              </a:ext>
+            </a:extLst>
+          </p:cNvPr>
+          <p:cNvCxnSpPr>
+            <a:cxnSpLocks/>
+          </p:cNvCxnSpPr>
+          <p:nvPr/>
+        </p:nvCxnSpPr>
+        <p:spPr>
+          <a:xfrm flipV="1">
+            <a:off x="320616" y="2329203"/>
+            <a:ext cx="11871384" cy="33072"/>
+          </a:xfrm>
+          <a:prstGeom prst="line">
+            <a:avLst/>
+          </a:prstGeom>
+          <a:ln/>
+        </p:spPr>
+        <p:style>
+          <a:lnRef idx="3">
+            <a:schemeClr val="dk1"/>
+          </a:lnRef>
+          <a:fillRef idx="0">
+            <a:schemeClr val="dk1"/>
+          </a:fillRef>
+          <a:effectRef idx="2">
+            <a:schemeClr val="dk1"/>
+          </a:effectRef>
+          <a:fontRef idx="minor">
+            <a:schemeClr val="tx1"/>
+          </a:fontRef>
+        </p:style>
+      </p:cxnSp>
     </p:spTree>
     <p:extLst>
       <p:ext uri="{BB962C8B-B14F-4D97-AF65-F5344CB8AC3E}">
@@ -7233,6 +9115,18 @@
   <p:clrMapOvr>
     <a:masterClrMapping/>
   </p:clrMapOvr>
+  <mc:AlternateContent xmlns:mc="http://schemas.openxmlformats.org/markup-compatibility/2006">
+    <mc:Choice xmlns:p15="http://schemas.microsoft.com/office/powerpoint/2012/main" Requires="p15">
+      <p:transition xmlns:p14="http://schemas.microsoft.com/office/powerpoint/2010/main" spd="slow" p14:dur="1750">
+        <p15:prstTrans prst="pageCurlDouble"/>
+      </p:transition>
+    </mc:Choice>
+    <mc:Fallback>
+      <p:transition spd="slow">
+        <p:fade/>
+      </p:transition>
+    </mc:Fallback>
+  </mc:AlternateContent>
 </p:sld>
 </file>
 
@@ -7255,31 +9149,6 @@
       </p:grpSpPr>
       <p:sp>
         <p:nvSpPr>
-          <p:cNvPr id="2" name="Title 1">
-            <a:extLst>
-              <a:ext uri="{FF2B5EF4-FFF2-40B4-BE49-F238E27FC236}">
-                <a16:creationId xmlns:a16="http://schemas.microsoft.com/office/drawing/2014/main" id="{702C0594-32F8-CD9D-B28B-1438C24B1DCE}"/>
-              </a:ext>
-            </a:extLst>
-          </p:cNvPr>
-          <p:cNvSpPr>
-            <a:spLocks noGrp="1"/>
-          </p:cNvSpPr>
-          <p:nvPr>
-            <p:ph type="title"/>
-          </p:nvPr>
-        </p:nvSpPr>
-        <p:spPr/>
-        <p:txBody>
-          <a:bodyPr/>
-          <a:lstStyle/>
-          <a:p>
-            <a:endParaRPr lang="en-US"/>
-          </a:p>
-        </p:txBody>
-      </p:sp>
-      <p:sp>
-        <p:nvSpPr>
           <p:cNvPr id="3" name="Content Placeholder 2">
             <a:extLst>
               <a:ext uri="{FF2B5EF4-FFF2-40B4-BE49-F238E27FC236}">
@@ -7294,182 +9163,259 @@
             <p:ph sz="half" idx="1"/>
           </p:nvPr>
         </p:nvSpPr>
-        <p:spPr/>
+        <p:spPr>
+          <a:xfrm>
+            <a:off x="622540" y="143474"/>
+            <a:ext cx="4908431" cy="6709224"/>
+          </a:xfrm>
+        </p:spPr>
         <p:txBody>
           <a:bodyPr vert="horz" lIns="91440" tIns="45720" rIns="91440" bIns="45720" rtlCol="0" anchor="t">
-            <a:normAutofit fontScale="55000" lnSpcReduction="20000"/>
+            <a:noAutofit/>
           </a:bodyPr>
           <a:lstStyle/>
           <a:p>
-            <a:r>
-              <a:rPr lang="pt-BR" dirty="0">
+            <a:pPr marL="0" indent="0">
+              <a:buNone/>
+            </a:pPr>
+            <a:r>
+              <a:rPr lang="pt-BR" sz="2400" dirty="0">
+                <a:latin typeface="Arial Nova"/>
                 <a:ea typeface="+mn-lt"/>
                 <a:cs typeface="+mn-lt"/>
               </a:rPr>
               <a:t>Suas graças são tamanhas,</a:t>
             </a:r>
-            <a:endParaRPr lang="en-US" dirty="0">
-              <a:ea typeface="+mn-lt"/>
-              <a:cs typeface="+mn-lt"/>
-            </a:endParaRPr>
-          </a:p>
-          <a:p>
-            <a:r>
-              <a:rPr lang="pt-BR" dirty="0">
+            <a:endParaRPr lang="en-US" sz="2400" dirty="0">
+              <a:latin typeface="Arial Nova"/>
+              <a:ea typeface="+mn-lt"/>
+              <a:cs typeface="+mn-lt"/>
+            </a:endParaRPr>
+          </a:p>
+          <a:p>
+            <a:pPr marL="0" indent="0">
+              <a:buNone/>
+            </a:pPr>
+            <a:r>
+              <a:rPr lang="pt-BR" sz="2400" dirty="0">
+                <a:latin typeface="Arial Nova"/>
                 <a:ea typeface="+mn-lt"/>
                 <a:cs typeface="+mn-lt"/>
               </a:rPr>
               <a:t>Que se não podem contar,</a:t>
             </a:r>
-            <a:endParaRPr lang="en-US" dirty="0">
-              <a:ea typeface="+mn-lt"/>
-              <a:cs typeface="+mn-lt"/>
-            </a:endParaRPr>
-          </a:p>
-          <a:p>
-            <a:r>
-              <a:rPr lang="pt-BR" dirty="0">
+            <a:endParaRPr lang="en-US" sz="2400" dirty="0">
+              <a:latin typeface="Arial Nova"/>
+              <a:ea typeface="+mn-lt"/>
+              <a:cs typeface="+mn-lt"/>
+            </a:endParaRPr>
+          </a:p>
+          <a:p>
+            <a:pPr marL="0" indent="0">
+              <a:buNone/>
+            </a:pPr>
+            <a:r>
+              <a:rPr lang="pt-BR" sz="2400" dirty="0">
+                <a:latin typeface="Arial Nova"/>
                 <a:ea typeface="+mn-lt"/>
                 <a:cs typeface="+mn-lt"/>
               </a:rPr>
               <a:t>Mas bem se podem gostar</a:t>
             </a:r>
-            <a:endParaRPr lang="en-US" dirty="0">
-              <a:ea typeface="+mn-lt"/>
-              <a:cs typeface="+mn-lt"/>
-            </a:endParaRPr>
-          </a:p>
-          <a:p>
-            <a:r>
-              <a:rPr lang="pt-BR" dirty="0">
+            <a:endParaRPr lang="en-US" sz="2400" dirty="0">
+              <a:latin typeface="Arial Nova"/>
+              <a:ea typeface="+mn-lt"/>
+              <a:cs typeface="+mn-lt"/>
+            </a:endParaRPr>
+          </a:p>
+          <a:p>
+            <a:pPr marL="0" indent="0">
+              <a:buNone/>
+            </a:pPr>
+            <a:r>
+              <a:rPr lang="pt-BR" sz="2400" dirty="0">
+                <a:latin typeface="Arial Nova"/>
                 <a:ea typeface="+mn-lt"/>
                 <a:cs typeface="+mn-lt"/>
               </a:rPr>
               <a:t>De quem ama.</a:t>
             </a:r>
-            <a:endParaRPr lang="en-US" dirty="0">
-              <a:ea typeface="+mn-lt"/>
-              <a:cs typeface="+mn-lt"/>
-            </a:endParaRPr>
-          </a:p>
-          <a:p>
-            <a:endParaRPr lang="en-US" dirty="0">
-              <a:ea typeface="+mn-lt"/>
-              <a:cs typeface="+mn-lt"/>
-            </a:endParaRPr>
-          </a:p>
-          <a:p>
-            <a:r>
-              <a:rPr lang="pt-BR" dirty="0">
+            <a:endParaRPr lang="en-US" sz="2400" dirty="0">
+              <a:latin typeface="Arial Nova"/>
+              <a:ea typeface="+mn-lt"/>
+              <a:cs typeface="+mn-lt"/>
+            </a:endParaRPr>
+          </a:p>
+          <a:p>
+            <a:pPr marL="0" indent="0">
+              <a:buNone/>
+            </a:pPr>
+            <a:endParaRPr lang="en-US" sz="2400" dirty="0">
+              <a:latin typeface="Arial Nova"/>
+              <a:ea typeface="+mn-lt"/>
+              <a:cs typeface="+mn-lt"/>
+            </a:endParaRPr>
+          </a:p>
+          <a:p>
+            <a:pPr marL="0" indent="0">
+              <a:buNone/>
+            </a:pPr>
+            <a:r>
+              <a:rPr lang="pt-BR" sz="2400" dirty="0">
+                <a:latin typeface="Arial Nova"/>
                 <a:ea typeface="+mn-lt"/>
                 <a:cs typeface="+mn-lt"/>
               </a:rPr>
               <a:t>Sua graça se derrama</a:t>
             </a:r>
-            <a:endParaRPr lang="en-US" dirty="0">
-              <a:ea typeface="+mn-lt"/>
-              <a:cs typeface="+mn-lt"/>
-            </a:endParaRPr>
-          </a:p>
-          <a:p>
-            <a:r>
-              <a:rPr lang="pt-BR" dirty="0">
+            <a:endParaRPr lang="en-US" sz="2400" dirty="0">
+              <a:latin typeface="Arial Nova"/>
+              <a:ea typeface="+mn-lt"/>
+              <a:cs typeface="+mn-lt"/>
+            </a:endParaRPr>
+          </a:p>
+          <a:p>
+            <a:pPr marL="0" indent="0">
+              <a:buNone/>
+            </a:pPr>
+            <a:r>
+              <a:rPr lang="pt-BR" sz="2400" dirty="0">
+                <a:latin typeface="Arial Nova"/>
                 <a:ea typeface="+mn-lt"/>
                 <a:cs typeface="+mn-lt"/>
               </a:rPr>
               <a:t>Nos devotos corações</a:t>
             </a:r>
-            <a:endParaRPr lang="en-US" dirty="0">
-              <a:ea typeface="+mn-lt"/>
-              <a:cs typeface="+mn-lt"/>
-            </a:endParaRPr>
-          </a:p>
-          <a:p>
-            <a:r>
-              <a:rPr lang="pt-BR" dirty="0">
+            <a:endParaRPr lang="en-US" sz="2400" dirty="0">
+              <a:latin typeface="Arial Nova"/>
+              <a:ea typeface="+mn-lt"/>
+              <a:cs typeface="+mn-lt"/>
+            </a:endParaRPr>
+          </a:p>
+          <a:p>
+            <a:pPr marL="0" indent="0">
+              <a:buNone/>
+            </a:pPr>
+            <a:r>
+              <a:rPr lang="pt-BR" sz="2400" dirty="0">
+                <a:latin typeface="Arial Nova"/>
                 <a:ea typeface="+mn-lt"/>
                 <a:cs typeface="+mn-lt"/>
               </a:rPr>
               <a:t>E os enche de benções</a:t>
             </a:r>
-            <a:endParaRPr lang="en-US" dirty="0">
-              <a:ea typeface="+mn-lt"/>
-              <a:cs typeface="+mn-lt"/>
-            </a:endParaRPr>
-          </a:p>
-          <a:p>
-            <a:r>
-              <a:rPr lang="pt-BR" dirty="0">
+            <a:endParaRPr lang="en-US" sz="2400" dirty="0">
+              <a:latin typeface="Arial Nova"/>
+              <a:ea typeface="+mn-lt"/>
+              <a:cs typeface="+mn-lt"/>
+            </a:endParaRPr>
+          </a:p>
+          <a:p>
+            <a:pPr marL="0" indent="0">
+              <a:buNone/>
+            </a:pPr>
+            <a:r>
+              <a:rPr lang="pt-BR" sz="2400" dirty="0">
+                <a:latin typeface="Arial Nova"/>
                 <a:ea typeface="+mn-lt"/>
                 <a:cs typeface="+mn-lt"/>
               </a:rPr>
               <a:t>Copiosas.</a:t>
             </a:r>
-            <a:endParaRPr lang="en-US" dirty="0">
-              <a:ea typeface="+mn-lt"/>
-              <a:cs typeface="+mn-lt"/>
-            </a:endParaRPr>
-          </a:p>
-          <a:p>
-            <a:endParaRPr lang="en-US" dirty="0">
-              <a:ea typeface="+mn-lt"/>
-              <a:cs typeface="+mn-lt"/>
-            </a:endParaRPr>
-          </a:p>
-          <a:p>
-            <a:r>
-              <a:rPr lang="pt-BR" dirty="0">
+            <a:endParaRPr lang="en-US" sz="2400" dirty="0">
+              <a:latin typeface="Arial Nova"/>
+              <a:ea typeface="+mn-lt"/>
+              <a:cs typeface="+mn-lt"/>
+            </a:endParaRPr>
+          </a:p>
+          <a:p>
+            <a:pPr marL="0" indent="0">
+              <a:buNone/>
+            </a:pPr>
+            <a:endParaRPr lang="en-US" sz="2400" dirty="0">
+              <a:latin typeface="Arial Nova"/>
+              <a:ea typeface="+mn-lt"/>
+              <a:cs typeface="+mn-lt"/>
+            </a:endParaRPr>
+          </a:p>
+          <a:p>
+            <a:pPr marL="0" indent="0">
+              <a:buNone/>
+            </a:pPr>
+            <a:r>
+              <a:rPr lang="pt-BR" sz="2400" dirty="0">
+                <a:latin typeface="Arial Nova"/>
                 <a:ea typeface="+mn-lt"/>
                 <a:cs typeface="+mn-lt"/>
               </a:rPr>
               <a:t>Oh que entranhas piedosas</a:t>
             </a:r>
-            <a:endParaRPr lang="en-US" dirty="0">
-              <a:ea typeface="+mn-lt"/>
-              <a:cs typeface="+mn-lt"/>
-            </a:endParaRPr>
-          </a:p>
-          <a:p>
-            <a:r>
-              <a:rPr lang="pt-BR" dirty="0">
+            <a:endParaRPr lang="en-US" sz="2400" dirty="0">
+              <a:latin typeface="Arial Nova"/>
+              <a:ea typeface="+mn-lt"/>
+              <a:cs typeface="+mn-lt"/>
+            </a:endParaRPr>
+          </a:p>
+          <a:p>
+            <a:pPr marL="0" indent="0">
+              <a:buNone/>
+            </a:pPr>
+            <a:r>
+              <a:rPr lang="pt-BR" sz="2400" dirty="0">
+                <a:latin typeface="Arial Nova"/>
                 <a:ea typeface="+mn-lt"/>
                 <a:cs typeface="+mn-lt"/>
               </a:rPr>
               <a:t>De vosso divino amor!</a:t>
             </a:r>
-            <a:endParaRPr lang="en-US" dirty="0">
-              <a:ea typeface="+mn-lt"/>
-              <a:cs typeface="+mn-lt"/>
-            </a:endParaRPr>
-          </a:p>
-          <a:p>
-            <a:r>
-              <a:rPr lang="pt-BR" dirty="0">
+            <a:endParaRPr lang="en-US" sz="2400" dirty="0">
+              <a:latin typeface="Arial Nova"/>
+              <a:ea typeface="+mn-lt"/>
+              <a:cs typeface="+mn-lt"/>
+            </a:endParaRPr>
+          </a:p>
+          <a:p>
+            <a:pPr marL="0" indent="0">
+              <a:buNone/>
+            </a:pPr>
+            <a:r>
+              <a:rPr lang="pt-BR" sz="2400" dirty="0">
+                <a:latin typeface="Arial Nova"/>
                 <a:ea typeface="+mn-lt"/>
                 <a:cs typeface="+mn-lt"/>
               </a:rPr>
               <a:t>Ó meu Deus e meu Senhor</a:t>
             </a:r>
-            <a:endParaRPr lang="en-US" dirty="0">
-              <a:ea typeface="+mn-lt"/>
-              <a:cs typeface="+mn-lt"/>
-            </a:endParaRPr>
-          </a:p>
-          <a:p>
-            <a:r>
-              <a:rPr lang="pt-BR" dirty="0">
+            <a:endParaRPr lang="en-US" sz="2400" dirty="0">
+              <a:latin typeface="Arial Nova"/>
+              <a:ea typeface="+mn-lt"/>
+              <a:cs typeface="+mn-lt"/>
+            </a:endParaRPr>
+          </a:p>
+          <a:p>
+            <a:pPr marL="0" indent="0">
+              <a:buNone/>
+            </a:pPr>
+            <a:r>
+              <a:rPr lang="pt-BR" sz="2400" dirty="0">
+                <a:latin typeface="Arial Nova"/>
                 <a:ea typeface="+mn-lt"/>
                 <a:cs typeface="+mn-lt"/>
               </a:rPr>
               <a:t>Humanado!</a:t>
             </a:r>
-            <a:endParaRPr lang="en-US" dirty="0">
-              <a:ea typeface="+mn-lt"/>
-              <a:cs typeface="+mn-lt"/>
-            </a:endParaRPr>
-          </a:p>
-          <a:p>
-            <a:endParaRPr lang="en-US" dirty="0">
+            <a:endParaRPr lang="en-US" sz="2400" dirty="0">
+              <a:latin typeface="Arial Nova"/>
+              <a:ea typeface="+mn-lt"/>
+              <a:cs typeface="+mn-lt"/>
+            </a:endParaRPr>
+          </a:p>
+          <a:p>
+            <a:pPr marL="0" indent="0">
+              <a:buNone/>
+            </a:pPr>
+            <a:endParaRPr lang="en-US" sz="2400" dirty="0">
+              <a:latin typeface="Arial Nova"/>
               <a:cs typeface="Calibri"/>
             </a:endParaRPr>
           </a:p>
@@ -7491,21 +9437,41 @@
             <p:ph sz="half" idx="2"/>
           </p:nvPr>
         </p:nvSpPr>
-        <p:spPr/>
+        <p:spPr>
+          <a:xfrm>
+            <a:off x="6100313" y="2443851"/>
+            <a:ext cx="5181600" cy="4351338"/>
+          </a:xfrm>
+        </p:spPr>
         <p:txBody>
           <a:bodyPr vert="horz" lIns="91440" tIns="45720" rIns="91440" bIns="45720" rtlCol="0" anchor="t">
-            <a:normAutofit fontScale="55000" lnSpcReduction="20000"/>
+            <a:normAutofit/>
           </a:bodyPr>
           <a:lstStyle/>
           <a:p>
-            <a:r>
-              <a:rPr lang="pt-BR" b="1" dirty="0">
+            <a:pPr marL="0" indent="0">
+              <a:buNone/>
+            </a:pPr>
+            <a:r>
+              <a:rPr lang="pt-BR" sz="2400" b="1" dirty="0">
+                <a:solidFill>
+                  <a:schemeClr val="accent2">
+                    <a:lumMod val="50000"/>
+                  </a:schemeClr>
+                </a:solidFill>
+                <a:latin typeface="Arial Nova"/>
                 <a:ea typeface="+mn-lt"/>
                 <a:cs typeface="+mn-lt"/>
               </a:rPr>
               <a:t>Três estrofes em relação às graças de Deus e Jesus Cristo, indicando que segui-los é o caminho para a salvação, para o amor e para a benção divina.</a:t>
             </a:r>
-            <a:endParaRPr lang="en-US" dirty="0">
+            <a:endParaRPr lang="en-US" sz="2400">
+              <a:solidFill>
+                <a:schemeClr val="accent2">
+                  <a:lumMod val="50000"/>
+                </a:schemeClr>
+              </a:solidFill>
+              <a:latin typeface="Arial Nova"/>
               <a:ea typeface="+mn-lt"/>
               <a:cs typeface="+mn-lt"/>
             </a:endParaRPr>
@@ -7522,6 +9488,18 @@
   <p:clrMapOvr>
     <a:masterClrMapping/>
   </p:clrMapOvr>
+  <mc:AlternateContent xmlns:mc="http://schemas.openxmlformats.org/markup-compatibility/2006">
+    <mc:Choice xmlns:p15="http://schemas.microsoft.com/office/powerpoint/2012/main" Requires="p15">
+      <p:transition xmlns:p14="http://schemas.microsoft.com/office/powerpoint/2010/main" spd="slow" p14:dur="1750">
+        <p15:prstTrans prst="pageCurlDouble"/>
+      </p:transition>
+    </mc:Choice>
+    <mc:Fallback>
+      <p:transition spd="slow">
+        <p:fade/>
+      </p:transition>
+    </mc:Fallback>
+  </mc:AlternateContent>
 </p:sld>
 </file>
 
@@ -7561,7 +9539,7 @@
         <p:spPr>
           <a:xfrm>
             <a:off x="219974" y="129097"/>
-            <a:ext cx="5181600" cy="4351338"/>
+            <a:ext cx="5411637" cy="4351338"/>
           </a:xfrm>
         </p:spPr>
         <p:txBody>
@@ -7570,59 +9548,83 @@
           </a:bodyPr>
           <a:lstStyle/>
           <a:p>
-            <a:r>
-              <a:rPr lang="pt-BR" dirty="0">
+            <a:pPr marL="0" indent="0">
+              <a:buNone/>
+            </a:pPr>
+            <a:r>
+              <a:rPr lang="pt-BR" sz="2400" dirty="0">
+                <a:latin typeface="Arial Nova"/>
                 <a:ea typeface="+mn-lt"/>
                 <a:cs typeface="+mn-lt"/>
               </a:rPr>
               <a:t>Quem vos fez tão namorado</a:t>
             </a:r>
-            <a:endParaRPr lang="en-US" dirty="0">
-              <a:ea typeface="+mn-lt"/>
-              <a:cs typeface="+mn-lt"/>
-            </a:endParaRPr>
-          </a:p>
-          <a:p>
-            <a:r>
-              <a:rPr lang="pt-BR" dirty="0">
+            <a:endParaRPr lang="en-US" sz="2400">
+              <a:latin typeface="Arial Nova"/>
+              <a:ea typeface="+mn-lt"/>
+              <a:cs typeface="+mn-lt"/>
+            </a:endParaRPr>
+          </a:p>
+          <a:p>
+            <a:pPr marL="0" indent="0">
+              <a:buNone/>
+            </a:pPr>
+            <a:r>
+              <a:rPr lang="pt-BR" sz="2400" dirty="0">
+                <a:latin typeface="Arial Nova"/>
                 <a:ea typeface="+mn-lt"/>
                 <a:cs typeface="+mn-lt"/>
               </a:rPr>
               <a:t>De quem tanto vos ofende?!</a:t>
             </a:r>
-            <a:endParaRPr lang="en-US" dirty="0">
-              <a:ea typeface="+mn-lt"/>
-              <a:cs typeface="+mn-lt"/>
-            </a:endParaRPr>
-          </a:p>
-          <a:p>
-            <a:r>
-              <a:rPr lang="pt-BR" dirty="0">
+            <a:endParaRPr lang="en-US" sz="2400">
+              <a:latin typeface="Arial Nova"/>
+              <a:ea typeface="+mn-lt"/>
+              <a:cs typeface="+mn-lt"/>
+            </a:endParaRPr>
+          </a:p>
+          <a:p>
+            <a:pPr marL="0" indent="0">
+              <a:buNone/>
+            </a:pPr>
+            <a:r>
+              <a:rPr lang="pt-BR" sz="2400" dirty="0">
+                <a:latin typeface="Arial Nova"/>
                 <a:ea typeface="+mn-lt"/>
                 <a:cs typeface="+mn-lt"/>
               </a:rPr>
               <a:t>Quem vos ata, quem vos prende</a:t>
             </a:r>
-            <a:endParaRPr lang="en-US" dirty="0">
-              <a:ea typeface="+mn-lt"/>
-              <a:cs typeface="+mn-lt"/>
-            </a:endParaRPr>
-          </a:p>
-          <a:p>
-            <a:r>
-              <a:rPr lang="pt-BR" dirty="0">
+            <a:endParaRPr lang="en-US" sz="2400">
+              <a:latin typeface="Arial Nova"/>
+              <a:ea typeface="+mn-lt"/>
+              <a:cs typeface="+mn-lt"/>
+            </a:endParaRPr>
+          </a:p>
+          <a:p>
+            <a:pPr marL="0" indent="0">
+              <a:buNone/>
+            </a:pPr>
+            <a:r>
+              <a:rPr lang="pt-BR" sz="2400" dirty="0">
+                <a:latin typeface="Arial Nova"/>
                 <a:ea typeface="+mn-lt"/>
                 <a:cs typeface="+mn-lt"/>
               </a:rPr>
               <a:t>Com tais nós?!</a:t>
             </a:r>
-            <a:endParaRPr lang="en-US" dirty="0">
-              <a:ea typeface="+mn-lt"/>
-              <a:cs typeface="+mn-lt"/>
-            </a:endParaRPr>
-          </a:p>
-          <a:p>
-            <a:endParaRPr lang="en-US" dirty="0">
+            <a:endParaRPr lang="en-US" sz="2400">
+              <a:latin typeface="Arial Nova"/>
+              <a:ea typeface="+mn-lt"/>
+              <a:cs typeface="+mn-lt"/>
+            </a:endParaRPr>
+          </a:p>
+          <a:p>
+            <a:pPr marL="0" indent="0">
+              <a:buNone/>
+            </a:pPr>
+            <a:endParaRPr lang="en-US" sz="2400" dirty="0">
+              <a:latin typeface="Arial Nova"/>
               <a:cs typeface="Calibri"/>
             </a:endParaRPr>
           </a:p>
@@ -7646,7 +9648,7 @@
         </p:nvSpPr>
         <p:spPr>
           <a:xfrm>
-            <a:off x="6704162" y="129097"/>
+            <a:off x="6287219" y="129097"/>
             <a:ext cx="5181600" cy="4351338"/>
           </a:xfrm>
         </p:spPr>
@@ -7656,14 +9658,29 @@
           </a:bodyPr>
           <a:lstStyle/>
           <a:p>
-            <a:r>
-              <a:rPr lang="pt-BR" b="1" dirty="0">
+            <a:pPr marL="0" indent="0">
+              <a:buNone/>
+            </a:pPr>
+            <a:r>
+              <a:rPr lang="pt-BR" sz="2400" b="1" dirty="0">
+                <a:solidFill>
+                  <a:schemeClr val="accent2">
+                    <a:lumMod val="50000"/>
+                  </a:schemeClr>
+                </a:solidFill>
+                <a:latin typeface="Arial Nova"/>
                 <a:ea typeface="+mn-lt"/>
                 <a:cs typeface="+mn-lt"/>
               </a:rPr>
               <a:t>O questionamento do padre em relação ao motivo dos índios seguirem um caminho contrário ao cristianismo.</a:t>
             </a:r>
-            <a:endParaRPr lang="en-US" dirty="0">
+            <a:endParaRPr lang="en-US" sz="2400">
+              <a:solidFill>
+                <a:schemeClr val="accent2">
+                  <a:lumMod val="50000"/>
+                </a:schemeClr>
+              </a:solidFill>
+              <a:latin typeface="Arial Nova"/>
               <a:ea typeface="+mn-lt"/>
               <a:cs typeface="+mn-lt"/>
             </a:endParaRPr>
@@ -7685,7 +9702,7 @@
         <p:spPr>
           <a:xfrm>
             <a:off x="301924" y="2904226"/>
-            <a:ext cx="5558106" cy="1754326"/>
+            <a:ext cx="5558106" cy="3416320"/>
           </a:xfrm>
           <a:prstGeom prst="rect">
             <a:avLst/>
@@ -7703,16 +9720,16 @@
           <a:p>
             <a:pPr rtl="0"/>
             <a:r>
-              <a:rPr lang="pt-BR" sz="1200">
-                <a:latin typeface="Arial"/>
+              <a:rPr lang="pt-BR" sz="2400" dirty="0">
+                <a:latin typeface="Arial Nova"/>
                 <a:ea typeface="Segoe UI"/>
                 <a:cs typeface="Segoe UI"/>
               </a:rPr>
               <a:t>Por caber dentro de nós</a:t>
             </a:r>
             <a:r>
-              <a:rPr lang="pt-BR" sz="1200">
-                <a:latin typeface="Arial"/>
+              <a:rPr lang="pt-BR" sz="2400" dirty="0">
+                <a:latin typeface="Arial Nova"/>
                 <a:ea typeface="Arial"/>
                 <a:cs typeface="Arial"/>
               </a:rPr>
@@ -7722,16 +9739,16 @@
           <a:p>
             <a:pPr rtl="0"/>
             <a:r>
-              <a:rPr lang="pt-BR" sz="1200">
-                <a:latin typeface="Arial"/>
+              <a:rPr lang="pt-BR" sz="2400" dirty="0">
+                <a:latin typeface="Arial Nova"/>
                 <a:ea typeface="Segoe UI"/>
                 <a:cs typeface="Segoe UI"/>
               </a:rPr>
               <a:t>Vos fazeis tão pequenino</a:t>
             </a:r>
             <a:r>
-              <a:rPr lang="pt-BR" sz="1200">
-                <a:latin typeface="Arial"/>
+              <a:rPr lang="pt-BR" sz="2400" dirty="0">
+                <a:latin typeface="Arial Nova"/>
                 <a:ea typeface="Arial"/>
                 <a:cs typeface="Arial"/>
               </a:rPr>
@@ -7741,16 +9758,16 @@
           <a:p>
             <a:pPr rtl="0"/>
             <a:r>
-              <a:rPr lang="pt-BR" sz="1200">
-                <a:latin typeface="Arial"/>
+              <a:rPr lang="pt-BR" sz="2400" dirty="0">
+                <a:latin typeface="Arial Nova"/>
                 <a:ea typeface="Segoe UI"/>
                 <a:cs typeface="Segoe UI"/>
               </a:rPr>
               <a:t>Sem o vosso ser divino,</a:t>
             </a:r>
             <a:r>
-              <a:rPr lang="pt-BR" sz="1200">
-                <a:latin typeface="Arial"/>
+              <a:rPr lang="pt-BR" sz="2400" dirty="0">
+                <a:latin typeface="Arial Nova"/>
                 <a:ea typeface="Arial"/>
                 <a:cs typeface="Arial"/>
               </a:rPr>
@@ -7760,16 +9777,16 @@
           <a:p>
             <a:pPr rtl="0"/>
             <a:r>
-              <a:rPr lang="pt-BR" sz="1200">
-                <a:latin typeface="Arial"/>
+              <a:rPr lang="pt-BR" sz="2400" dirty="0">
+                <a:latin typeface="Arial Nova"/>
                 <a:ea typeface="Segoe UI"/>
                 <a:cs typeface="Segoe UI"/>
               </a:rPr>
               <a:t>Se mudar.</a:t>
             </a:r>
             <a:r>
-              <a:rPr lang="pt-BR" sz="1200">
-                <a:latin typeface="Arial"/>
+              <a:rPr lang="pt-BR" sz="2400" dirty="0">
+                <a:latin typeface="Arial Nova"/>
                 <a:ea typeface="Arial"/>
                 <a:cs typeface="Arial"/>
               </a:rPr>
@@ -7778,8 +9795,8 @@
           </a:p>
           <a:p>
             <a:pPr rtl="0"/>
-            <a:endParaRPr lang="pt-BR" sz="1200">
-              <a:latin typeface="Arial"/>
+            <a:endParaRPr lang="pt-BR" sz="2400" dirty="0">
+              <a:latin typeface="Arial Nova"/>
               <a:ea typeface="Arial"/>
               <a:cs typeface="Arial"/>
             </a:endParaRPr>
@@ -7787,16 +9804,16 @@
           <a:p>
             <a:pPr rtl="0"/>
             <a:r>
-              <a:rPr lang="pt-BR" sz="1200">
-                <a:latin typeface="Arial"/>
+              <a:rPr lang="pt-BR" sz="2400" dirty="0">
+                <a:latin typeface="Arial Nova"/>
                 <a:ea typeface="Segoe UI"/>
                 <a:cs typeface="Segoe UI"/>
               </a:rPr>
               <a:t>Para vosso amor plantar</a:t>
             </a:r>
             <a:r>
-              <a:rPr lang="pt-BR" sz="1200">
-                <a:latin typeface="Arial"/>
+              <a:rPr lang="pt-BR" sz="2400" dirty="0">
+                <a:latin typeface="Arial Nova"/>
                 <a:ea typeface="Arial"/>
                 <a:cs typeface="Arial"/>
               </a:rPr>
@@ -7806,16 +9823,16 @@
           <a:p>
             <a:pPr rtl="0"/>
             <a:r>
-              <a:rPr lang="pt-BR" sz="1200">
-                <a:latin typeface="Arial"/>
+              <a:rPr lang="pt-BR" sz="2400" dirty="0">
+                <a:latin typeface="Arial Nova"/>
                 <a:ea typeface="Segoe UI"/>
                 <a:cs typeface="Segoe UI"/>
               </a:rPr>
               <a:t>Dentro em nosso coração</a:t>
             </a:r>
             <a:r>
-              <a:rPr lang="pt-BR" sz="1200">
-                <a:latin typeface="Arial"/>
+              <a:rPr lang="pt-BR" sz="2400" dirty="0">
+                <a:latin typeface="Arial Nova"/>
                 <a:ea typeface="Arial"/>
                 <a:cs typeface="Arial"/>
               </a:rPr>
@@ -7825,16 +9842,16 @@
           <a:p>
             <a:pPr rtl="0"/>
             <a:r>
-              <a:rPr lang="pt-BR" sz="1200">
-                <a:latin typeface="Arial"/>
+              <a:rPr lang="pt-BR" sz="2400" dirty="0">
+                <a:latin typeface="Arial Nova"/>
                 <a:ea typeface="Segoe UI"/>
                 <a:cs typeface="Segoe UI"/>
               </a:rPr>
               <a:t>Achastes tal invenção</a:t>
             </a:r>
             <a:r>
-              <a:rPr lang="pt-BR" sz="1200">
-                <a:latin typeface="Arial"/>
+              <a:rPr lang="pt-BR" sz="2400" dirty="0">
+                <a:latin typeface="Arial Nova"/>
                 <a:ea typeface="Arial"/>
                 <a:cs typeface="Arial"/>
               </a:rPr>
@@ -7844,22 +9861,24 @@
           <a:p>
             <a:pPr rtl="0"/>
             <a:r>
-              <a:rPr lang="pt-BR" sz="1200">
-                <a:latin typeface="Arial"/>
+              <a:rPr lang="pt-BR" sz="2400" dirty="0">
+                <a:latin typeface="Arial Nova"/>
                 <a:ea typeface="Segoe UI"/>
                 <a:cs typeface="Segoe UI"/>
               </a:rPr>
               <a:t>De manjar,</a:t>
             </a:r>
             <a:r>
-              <a:rPr lang="pt-BR" sz="1200">
-                <a:latin typeface="Arial"/>
+              <a:rPr lang="pt-BR" sz="2400" dirty="0">
+                <a:latin typeface="Arial Nova"/>
                 <a:ea typeface="Arial"/>
                 <a:cs typeface="Arial"/>
               </a:rPr>
               <a:t> </a:t>
             </a:r>
-            <a:endParaRPr lang="en-US"/>
+            <a:endParaRPr lang="en-US" sz="2400">
+              <a:latin typeface="Arial Nova"/>
+            </a:endParaRPr>
           </a:p>
         </p:txBody>
       </p:sp>
@@ -7877,8 +9896,8 @@
         </p:nvSpPr>
         <p:spPr>
           <a:xfrm>
-            <a:off x="7159924" y="2904226"/>
-            <a:ext cx="5026144" cy="461665"/>
+            <a:off x="6282905" y="3694980"/>
+            <a:ext cx="5371200" cy="1200329"/>
           </a:xfrm>
           <a:prstGeom prst="rect">
             <a:avLst/>
@@ -7896,29 +9915,79 @@
           <a:p>
             <a:pPr algn="l"/>
             <a:r>
-              <a:rPr lang="pt-BR" sz="1200" b="1">
+              <a:rPr lang="pt-BR" sz="2400" b="1" dirty="0">
                 <a:solidFill>
-                  <a:srgbClr val="5B9AD5"/>
+                  <a:schemeClr val="accent2">
+                    <a:lumMod val="50000"/>
+                  </a:schemeClr>
                 </a:solidFill>
-                <a:latin typeface="Arial"/>
+                <a:latin typeface="Arial Nova"/>
               </a:rPr>
               <a:t>Para colocar dentro do humano o amor, Deus “inventou” algo para que o humano manjasse.</a:t>
             </a:r>
             <a:r>
-              <a:rPr lang="pt-BR" sz="1200">
+              <a:rPr lang="pt-BR" sz="2400" b="1" dirty="0">
                 <a:solidFill>
-                  <a:srgbClr val="5B9AD5"/>
+                  <a:schemeClr val="accent2">
+                    <a:lumMod val="50000"/>
+                  </a:schemeClr>
                 </a:solidFill>
-                <a:latin typeface="Arial"/>
+                <a:latin typeface="Arial Nova"/>
                 <a:ea typeface="Arial"/>
                 <a:cs typeface="Arial"/>
               </a:rPr>
               <a:t> </a:t>
             </a:r>
-            <a:endParaRPr lang="en-US"/>
-          </a:p>
-        </p:txBody>
-      </p:sp>
+            <a:endParaRPr lang="en-US" sz="2400" b="1">
+              <a:solidFill>
+                <a:schemeClr val="accent2">
+                  <a:lumMod val="50000"/>
+                </a:schemeClr>
+              </a:solidFill>
+              <a:latin typeface="Arial Nova"/>
+            </a:endParaRPr>
+          </a:p>
+        </p:txBody>
+      </p:sp>
+      <p:cxnSp>
+        <p:nvCxnSpPr>
+          <p:cNvPr id="7" name="Conector reto 11">
+            <a:extLst>
+              <a:ext uri="{FF2B5EF4-FFF2-40B4-BE49-F238E27FC236}">
+                <a16:creationId xmlns:a16="http://schemas.microsoft.com/office/drawing/2014/main" id="{CC52333C-19D6-D80F-25E0-88196F5136EB}"/>
+              </a:ext>
+            </a:extLst>
+          </p:cNvPr>
+          <p:cNvCxnSpPr>
+            <a:cxnSpLocks/>
+          </p:cNvCxnSpPr>
+          <p:nvPr/>
+        </p:nvCxnSpPr>
+        <p:spPr>
+          <a:xfrm flipV="1">
+            <a:off x="219974" y="2444222"/>
+            <a:ext cx="11871384" cy="33072"/>
+          </a:xfrm>
+          <a:prstGeom prst="line">
+            <a:avLst/>
+          </a:prstGeom>
+          <a:ln/>
+        </p:spPr>
+        <p:style>
+          <a:lnRef idx="3">
+            <a:schemeClr val="dk1"/>
+          </a:lnRef>
+          <a:fillRef idx="0">
+            <a:schemeClr val="dk1"/>
+          </a:fillRef>
+          <a:effectRef idx="2">
+            <a:schemeClr val="dk1"/>
+          </a:effectRef>
+          <a:fontRef idx="minor">
+            <a:schemeClr val="tx1"/>
+          </a:fontRef>
+        </p:style>
+      </p:cxnSp>
     </p:spTree>
     <p:extLst>
       <p:ext uri="{BB962C8B-B14F-4D97-AF65-F5344CB8AC3E}">
@@ -7929,6 +9998,18 @@
   <p:clrMapOvr>
     <a:masterClrMapping/>
   </p:clrMapOvr>
+  <mc:AlternateContent xmlns:mc="http://schemas.openxmlformats.org/markup-compatibility/2006">
+    <mc:Choice xmlns:p15="http://schemas.microsoft.com/office/powerpoint/2012/main" Requires="p15">
+      <p:transition xmlns:p14="http://schemas.microsoft.com/office/powerpoint/2010/main" spd="slow" p14:dur="1750">
+        <p15:prstTrans prst="pageCurlDouble"/>
+      </p:transition>
+    </mc:Choice>
+    <mc:Fallback>
+      <p:transition spd="slow">
+        <p:fade/>
+      </p:transition>
+    </mc:Fallback>
+  </mc:AlternateContent>
 </p:sld>
 </file>
 
@@ -7951,31 +10032,6 @@
       </p:grpSpPr>
       <p:sp>
         <p:nvSpPr>
-          <p:cNvPr id="2" name="Title 1">
-            <a:extLst>
-              <a:ext uri="{FF2B5EF4-FFF2-40B4-BE49-F238E27FC236}">
-                <a16:creationId xmlns:a16="http://schemas.microsoft.com/office/drawing/2014/main" id="{D902387A-BD71-F808-4C36-58B7D94691BE}"/>
-              </a:ext>
-            </a:extLst>
-          </p:cNvPr>
-          <p:cNvSpPr>
-            <a:spLocks noGrp="1"/>
-          </p:cNvSpPr>
-          <p:nvPr>
-            <p:ph type="title"/>
-          </p:nvPr>
-        </p:nvSpPr>
-        <p:spPr/>
-        <p:txBody>
-          <a:bodyPr/>
-          <a:lstStyle/>
-          <a:p>
-            <a:endParaRPr lang="en-US"/>
-          </a:p>
-        </p:txBody>
-      </p:sp>
-      <p:sp>
-        <p:nvSpPr>
           <p:cNvPr id="3" name="Content Placeholder 2">
             <a:extLst>
               <a:ext uri="{FF2B5EF4-FFF2-40B4-BE49-F238E27FC236}">
@@ -7992,250 +10048,347 @@
         </p:nvSpPr>
         <p:spPr>
           <a:xfrm>
-            <a:off x="838200" y="1394305"/>
-            <a:ext cx="5181600" cy="4782658"/>
+            <a:off x="751936" y="-298"/>
+            <a:ext cx="5037827" cy="6852997"/>
           </a:xfrm>
         </p:spPr>
         <p:txBody>
           <a:bodyPr vert="horz" lIns="91440" tIns="45720" rIns="91440" bIns="45720" rtlCol="0" anchor="t">
-            <a:normAutofit fontScale="40000" lnSpcReduction="20000"/>
+            <a:noAutofit/>
           </a:bodyPr>
           <a:lstStyle/>
           <a:p>
-            <a:r>
-              <a:rPr lang="pt-BR" dirty="0">
+            <a:pPr marL="0" indent="0">
+              <a:buNone/>
+            </a:pPr>
+            <a:r>
+              <a:rPr lang="pt-BR" sz="1700" dirty="0">
+                <a:latin typeface="Arial Nova"/>
                 <a:ea typeface="+mn-lt"/>
                 <a:cs typeface="+mn-lt"/>
               </a:rPr>
               <a:t>Em o qual nosso </a:t>
             </a:r>
             <a:r>
-              <a:rPr lang="pt-BR" dirty="0" err="1">
+              <a:rPr lang="pt-BR" sz="1700" dirty="0" err="1">
+                <a:latin typeface="Arial Nova"/>
                 <a:ea typeface="+mn-lt"/>
                 <a:cs typeface="+mn-lt"/>
               </a:rPr>
               <a:t>padar</a:t>
             </a:r>
-            <a:endParaRPr lang="en-US" dirty="0" err="1">
-              <a:ea typeface="+mn-lt"/>
-              <a:cs typeface="+mn-lt"/>
-            </a:endParaRPr>
-          </a:p>
-          <a:p>
-            <a:r>
-              <a:rPr lang="pt-BR" dirty="0">
+            <a:endParaRPr lang="en-US" sz="1700" dirty="0">
+              <a:latin typeface="Arial Nova"/>
+              <a:ea typeface="+mn-lt"/>
+              <a:cs typeface="+mn-lt"/>
+            </a:endParaRPr>
+          </a:p>
+          <a:p>
+            <a:pPr marL="0" indent="0">
+              <a:buNone/>
+            </a:pPr>
+            <a:r>
+              <a:rPr lang="pt-BR" sz="1700" dirty="0">
+                <a:latin typeface="Arial Nova"/>
                 <a:ea typeface="+mn-lt"/>
                 <a:cs typeface="+mn-lt"/>
               </a:rPr>
               <a:t>Acha gostos diferentes</a:t>
             </a:r>
-            <a:endParaRPr lang="en-US" dirty="0">
-              <a:ea typeface="+mn-lt"/>
-              <a:cs typeface="+mn-lt"/>
-            </a:endParaRPr>
-          </a:p>
-          <a:p>
-            <a:r>
-              <a:rPr lang="pt-BR" dirty="0">
+            <a:endParaRPr lang="en-US" sz="1700" dirty="0">
+              <a:latin typeface="Arial Nova"/>
+              <a:ea typeface="+mn-lt"/>
+              <a:cs typeface="+mn-lt"/>
+            </a:endParaRPr>
+          </a:p>
+          <a:p>
+            <a:pPr marL="0" indent="0">
+              <a:buNone/>
+            </a:pPr>
+            <a:r>
+              <a:rPr lang="pt-BR" sz="1700" dirty="0">
+                <a:latin typeface="Arial Nova"/>
                 <a:ea typeface="+mn-lt"/>
                 <a:cs typeface="+mn-lt"/>
               </a:rPr>
               <a:t>Debaixo dos acidentes</a:t>
             </a:r>
-            <a:endParaRPr lang="en-US" dirty="0">
-              <a:ea typeface="+mn-lt"/>
-              <a:cs typeface="+mn-lt"/>
-            </a:endParaRPr>
-          </a:p>
-          <a:p>
-            <a:r>
-              <a:rPr lang="pt-BR" dirty="0">
+            <a:endParaRPr lang="en-US" sz="1700" dirty="0">
+              <a:latin typeface="Arial Nova"/>
+              <a:ea typeface="+mn-lt"/>
+              <a:cs typeface="+mn-lt"/>
+            </a:endParaRPr>
+          </a:p>
+          <a:p>
+            <a:pPr marL="0" indent="0">
+              <a:buNone/>
+            </a:pPr>
+            <a:r>
+              <a:rPr lang="pt-BR" sz="1700" dirty="0">
+                <a:latin typeface="Arial Nova"/>
                 <a:ea typeface="+mn-lt"/>
                 <a:cs typeface="+mn-lt"/>
               </a:rPr>
               <a:t>Escondidos.</a:t>
             </a:r>
-            <a:endParaRPr lang="en-US" dirty="0">
-              <a:ea typeface="+mn-lt"/>
-              <a:cs typeface="+mn-lt"/>
-            </a:endParaRPr>
-          </a:p>
-          <a:p>
-            <a:endParaRPr lang="en-US" dirty="0">
-              <a:ea typeface="+mn-lt"/>
-              <a:cs typeface="+mn-lt"/>
-            </a:endParaRPr>
-          </a:p>
-          <a:p>
-            <a:r>
-              <a:rPr lang="pt-BR" dirty="0">
+            <a:endParaRPr lang="en-US" sz="1700" dirty="0">
+              <a:latin typeface="Arial Nova"/>
+              <a:ea typeface="+mn-lt"/>
+              <a:cs typeface="+mn-lt"/>
+            </a:endParaRPr>
+          </a:p>
+          <a:p>
+            <a:pPr marL="0" indent="0">
+              <a:buNone/>
+            </a:pPr>
+            <a:endParaRPr lang="en-US" sz="1700" dirty="0">
+              <a:latin typeface="Arial Nova"/>
+              <a:ea typeface="+mn-lt"/>
+              <a:cs typeface="+mn-lt"/>
+            </a:endParaRPr>
+          </a:p>
+          <a:p>
+            <a:pPr marL="0" indent="0">
+              <a:buNone/>
+            </a:pPr>
+            <a:r>
+              <a:rPr lang="pt-BR" sz="1700" dirty="0">
+                <a:latin typeface="Arial Nova"/>
                 <a:ea typeface="+mn-lt"/>
                 <a:cs typeface="+mn-lt"/>
               </a:rPr>
               <a:t>Uns são todos incendidos</a:t>
             </a:r>
-            <a:endParaRPr lang="en-US" dirty="0">
-              <a:ea typeface="+mn-lt"/>
-              <a:cs typeface="+mn-lt"/>
-            </a:endParaRPr>
-          </a:p>
-          <a:p>
-            <a:r>
-              <a:rPr lang="pt-BR" dirty="0">
+            <a:endParaRPr lang="en-US" sz="1700" dirty="0">
+              <a:latin typeface="Arial Nova"/>
+              <a:ea typeface="+mn-lt"/>
+              <a:cs typeface="+mn-lt"/>
+            </a:endParaRPr>
+          </a:p>
+          <a:p>
+            <a:pPr marL="0" indent="0">
+              <a:buNone/>
+            </a:pPr>
+            <a:r>
+              <a:rPr lang="pt-BR" sz="1700" dirty="0">
+                <a:latin typeface="Arial Nova"/>
                 <a:ea typeface="+mn-lt"/>
                 <a:cs typeface="+mn-lt"/>
               </a:rPr>
               <a:t>Do fogo de vosso amor,</a:t>
             </a:r>
-            <a:endParaRPr lang="en-US" dirty="0">
-              <a:ea typeface="+mn-lt"/>
-              <a:cs typeface="+mn-lt"/>
-            </a:endParaRPr>
-          </a:p>
-          <a:p>
-            <a:r>
-              <a:rPr lang="pt-BR" dirty="0">
+            <a:endParaRPr lang="en-US" sz="1700" dirty="0">
+              <a:latin typeface="Arial Nova"/>
+              <a:ea typeface="+mn-lt"/>
+              <a:cs typeface="+mn-lt"/>
+            </a:endParaRPr>
+          </a:p>
+          <a:p>
+            <a:pPr marL="0" indent="0">
+              <a:buNone/>
+            </a:pPr>
+            <a:r>
+              <a:rPr lang="pt-BR" sz="1700" dirty="0">
+                <a:latin typeface="Arial Nova"/>
                 <a:ea typeface="+mn-lt"/>
                 <a:cs typeface="+mn-lt"/>
               </a:rPr>
               <a:t>Outros cheios de temor</a:t>
             </a:r>
-            <a:endParaRPr lang="en-US" dirty="0">
-              <a:ea typeface="+mn-lt"/>
-              <a:cs typeface="+mn-lt"/>
-            </a:endParaRPr>
-          </a:p>
-          <a:p>
-            <a:r>
-              <a:rPr lang="pt-BR" dirty="0">
+            <a:endParaRPr lang="en-US" sz="1700" dirty="0">
+              <a:latin typeface="Arial Nova"/>
+              <a:ea typeface="+mn-lt"/>
+              <a:cs typeface="+mn-lt"/>
+            </a:endParaRPr>
+          </a:p>
+          <a:p>
+            <a:pPr marL="0" indent="0">
+              <a:buNone/>
+            </a:pPr>
+            <a:r>
+              <a:rPr lang="pt-BR" sz="1700" dirty="0">
+                <a:latin typeface="Arial Nova"/>
                 <a:ea typeface="+mn-lt"/>
                 <a:cs typeface="+mn-lt"/>
               </a:rPr>
               <a:t>Filial,</a:t>
             </a:r>
-            <a:endParaRPr lang="en-US" dirty="0">
-              <a:ea typeface="+mn-lt"/>
-              <a:cs typeface="+mn-lt"/>
-            </a:endParaRPr>
-          </a:p>
-          <a:p>
-            <a:endParaRPr lang="en-US" dirty="0">
-              <a:ea typeface="+mn-lt"/>
-              <a:cs typeface="+mn-lt"/>
-            </a:endParaRPr>
-          </a:p>
-          <a:p>
-            <a:r>
-              <a:rPr lang="pt-BR" dirty="0">
+            <a:endParaRPr lang="en-US" sz="1700" dirty="0">
+              <a:latin typeface="Arial Nova"/>
+              <a:ea typeface="+mn-lt"/>
+              <a:cs typeface="+mn-lt"/>
+            </a:endParaRPr>
+          </a:p>
+          <a:p>
+            <a:pPr marL="0" indent="0">
+              <a:buNone/>
+            </a:pPr>
+            <a:endParaRPr lang="en-US" sz="1700" dirty="0">
+              <a:latin typeface="Arial Nova"/>
+              <a:ea typeface="+mn-lt"/>
+              <a:cs typeface="+mn-lt"/>
+            </a:endParaRPr>
+          </a:p>
+          <a:p>
+            <a:pPr marL="0" indent="0">
+              <a:buNone/>
+            </a:pPr>
+            <a:r>
+              <a:rPr lang="pt-BR" sz="1700" dirty="0">
+                <a:latin typeface="Arial Nova"/>
                 <a:ea typeface="+mn-lt"/>
                 <a:cs typeface="+mn-lt"/>
               </a:rPr>
               <a:t>Outros com o celestial</a:t>
             </a:r>
-            <a:endParaRPr lang="en-US" dirty="0">
-              <a:ea typeface="+mn-lt"/>
-              <a:cs typeface="+mn-lt"/>
-            </a:endParaRPr>
-          </a:p>
-          <a:p>
-            <a:r>
-              <a:rPr lang="pt-BR" dirty="0">
+            <a:endParaRPr lang="en-US" sz="1700" dirty="0">
+              <a:latin typeface="Arial Nova"/>
+              <a:ea typeface="+mn-lt"/>
+              <a:cs typeface="+mn-lt"/>
+            </a:endParaRPr>
+          </a:p>
+          <a:p>
+            <a:pPr marL="0" indent="0">
+              <a:buNone/>
+            </a:pPr>
+            <a:r>
+              <a:rPr lang="pt-BR" sz="1700" dirty="0">
+                <a:latin typeface="Arial Nova"/>
                 <a:ea typeface="+mn-lt"/>
                 <a:cs typeface="+mn-lt"/>
               </a:rPr>
               <a:t>Lume deste sacramento</a:t>
             </a:r>
-            <a:endParaRPr lang="en-US" dirty="0">
-              <a:ea typeface="+mn-lt"/>
-              <a:cs typeface="+mn-lt"/>
-            </a:endParaRPr>
-          </a:p>
-          <a:p>
-            <a:r>
-              <a:rPr lang="pt-BR" dirty="0">
+            <a:endParaRPr lang="en-US" sz="1700" dirty="0">
+              <a:latin typeface="Arial Nova"/>
+              <a:ea typeface="+mn-lt"/>
+              <a:cs typeface="+mn-lt"/>
+            </a:endParaRPr>
+          </a:p>
+          <a:p>
+            <a:pPr marL="0" indent="0">
+              <a:buNone/>
+            </a:pPr>
+            <a:r>
+              <a:rPr lang="pt-BR" sz="1700" dirty="0">
+                <a:latin typeface="Arial Nova"/>
                 <a:ea typeface="+mn-lt"/>
                 <a:cs typeface="+mn-lt"/>
               </a:rPr>
               <a:t>Alcançam conhecimento</a:t>
             </a:r>
-            <a:endParaRPr lang="en-US" dirty="0">
-              <a:ea typeface="+mn-lt"/>
-              <a:cs typeface="+mn-lt"/>
-            </a:endParaRPr>
-          </a:p>
-          <a:p>
-            <a:r>
-              <a:rPr lang="pt-BR" dirty="0">
+            <a:endParaRPr lang="en-US" sz="1700" dirty="0">
+              <a:latin typeface="Arial Nova"/>
+              <a:ea typeface="+mn-lt"/>
+              <a:cs typeface="+mn-lt"/>
+            </a:endParaRPr>
+          </a:p>
+          <a:p>
+            <a:pPr marL="0" indent="0">
+              <a:buNone/>
+            </a:pPr>
+            <a:r>
+              <a:rPr lang="pt-BR" sz="1700" dirty="0">
+                <a:latin typeface="Arial Nova"/>
                 <a:ea typeface="+mn-lt"/>
                 <a:cs typeface="+mn-lt"/>
               </a:rPr>
               <a:t>De quem são,</a:t>
             </a:r>
-            <a:endParaRPr lang="en-US" dirty="0">
-              <a:ea typeface="+mn-lt"/>
-              <a:cs typeface="+mn-lt"/>
-            </a:endParaRPr>
-          </a:p>
-          <a:p>
-            <a:endParaRPr lang="en-US" dirty="0">
-              <a:ea typeface="+mn-lt"/>
-              <a:cs typeface="+mn-lt"/>
-            </a:endParaRPr>
-          </a:p>
-          <a:p>
-            <a:r>
-              <a:rPr lang="pt-BR" dirty="0">
+            <a:endParaRPr lang="en-US" sz="1700" dirty="0">
+              <a:latin typeface="Arial Nova"/>
+              <a:ea typeface="+mn-lt"/>
+              <a:cs typeface="+mn-lt"/>
+            </a:endParaRPr>
+          </a:p>
+          <a:p>
+            <a:pPr marL="0" indent="0">
+              <a:buNone/>
+            </a:pPr>
+            <a:endParaRPr lang="en-US" sz="1700" dirty="0">
+              <a:latin typeface="Arial Nova"/>
+              <a:ea typeface="+mn-lt"/>
+              <a:cs typeface="+mn-lt"/>
+            </a:endParaRPr>
+          </a:p>
+          <a:p>
+            <a:pPr marL="0" indent="0">
+              <a:buNone/>
+            </a:pPr>
+            <a:r>
+              <a:rPr lang="pt-BR" sz="1700" dirty="0">
+                <a:latin typeface="Arial Nova"/>
                 <a:ea typeface="+mn-lt"/>
                 <a:cs typeface="+mn-lt"/>
               </a:rPr>
               <a:t>Outros sentem compaixão</a:t>
             </a:r>
-            <a:endParaRPr lang="en-US" dirty="0">
-              <a:ea typeface="+mn-lt"/>
-              <a:cs typeface="+mn-lt"/>
-            </a:endParaRPr>
-          </a:p>
-          <a:p>
-            <a:r>
-              <a:rPr lang="pt-BR" dirty="0">
+            <a:endParaRPr lang="en-US" sz="1700" dirty="0">
+              <a:latin typeface="Arial Nova"/>
+              <a:ea typeface="+mn-lt"/>
+              <a:cs typeface="+mn-lt"/>
+            </a:endParaRPr>
+          </a:p>
+          <a:p>
+            <a:pPr marL="0" indent="0">
+              <a:buNone/>
+            </a:pPr>
+            <a:r>
+              <a:rPr lang="pt-BR" sz="1700" dirty="0">
+                <a:latin typeface="Arial Nova"/>
                 <a:ea typeface="+mn-lt"/>
                 <a:cs typeface="+mn-lt"/>
               </a:rPr>
               <a:t>De seu Deus que tantas dores</a:t>
             </a:r>
-            <a:endParaRPr lang="en-US" dirty="0">
-              <a:ea typeface="+mn-lt"/>
-              <a:cs typeface="+mn-lt"/>
-            </a:endParaRPr>
-          </a:p>
-          <a:p>
-            <a:r>
-              <a:rPr lang="pt-BR" dirty="0">
+            <a:endParaRPr lang="en-US" sz="1700" dirty="0">
+              <a:latin typeface="Arial Nova"/>
+              <a:ea typeface="+mn-lt"/>
+              <a:cs typeface="+mn-lt"/>
+            </a:endParaRPr>
+          </a:p>
+          <a:p>
+            <a:pPr marL="0" indent="0">
+              <a:buNone/>
+            </a:pPr>
+            <a:r>
+              <a:rPr lang="pt-BR" sz="1700" dirty="0">
+                <a:latin typeface="Arial Nova"/>
                 <a:ea typeface="+mn-lt"/>
                 <a:cs typeface="+mn-lt"/>
               </a:rPr>
               <a:t>Por nos dar estes sabores</a:t>
             </a:r>
-            <a:endParaRPr lang="en-US" dirty="0">
-              <a:ea typeface="+mn-lt"/>
-              <a:cs typeface="+mn-lt"/>
-            </a:endParaRPr>
-          </a:p>
-          <a:p>
-            <a:r>
-              <a:rPr lang="pt-BR" dirty="0">
+            <a:endParaRPr lang="en-US" sz="1700" dirty="0">
+              <a:latin typeface="Arial Nova"/>
+              <a:ea typeface="+mn-lt"/>
+              <a:cs typeface="+mn-lt"/>
+            </a:endParaRPr>
+          </a:p>
+          <a:p>
+            <a:pPr marL="0" indent="0">
+              <a:buNone/>
+            </a:pPr>
+            <a:r>
+              <a:rPr lang="pt-BR" sz="1700" dirty="0">
+                <a:latin typeface="Arial Nova"/>
                 <a:ea typeface="+mn-lt"/>
                 <a:cs typeface="+mn-lt"/>
               </a:rPr>
               <a:t>Quis sofrer.</a:t>
             </a:r>
-            <a:endParaRPr lang="en-US" dirty="0">
-              <a:ea typeface="+mn-lt"/>
-              <a:cs typeface="+mn-lt"/>
-            </a:endParaRPr>
-          </a:p>
-          <a:p>
-            <a:endParaRPr lang="en-US" dirty="0">
+            <a:endParaRPr lang="en-US" sz="1700" dirty="0">
+              <a:latin typeface="Arial Nova"/>
+              <a:ea typeface="+mn-lt"/>
+              <a:cs typeface="+mn-lt"/>
+            </a:endParaRPr>
+          </a:p>
+          <a:p>
+            <a:pPr marL="0" indent="0">
+              <a:buNone/>
+            </a:pPr>
+            <a:endParaRPr lang="en-US" sz="1700" dirty="0">
+              <a:latin typeface="Arial Nova"/>
               <a:cs typeface="Calibri"/>
             </a:endParaRPr>
           </a:p>
@@ -8260,18 +10413,33 @@
         <p:spPr/>
         <p:txBody>
           <a:bodyPr vert="horz" lIns="91440" tIns="45720" rIns="91440" bIns="45720" rtlCol="0" anchor="t">
-            <a:normAutofit fontScale="40000" lnSpcReduction="20000"/>
+            <a:normAutofit/>
           </a:bodyPr>
           <a:lstStyle/>
           <a:p>
-            <a:r>
-              <a:rPr lang="pt-BR" b="1" dirty="0">
+            <a:pPr marL="0" indent="0">
+              <a:buNone/>
+            </a:pPr>
+            <a:r>
+              <a:rPr lang="pt-BR" sz="2400" b="1" dirty="0">
+                <a:solidFill>
+                  <a:schemeClr val="accent2">
+                    <a:lumMod val="50000"/>
+                  </a:schemeClr>
+                </a:solidFill>
+                <a:latin typeface="Arial Nova"/>
                 <a:ea typeface="+mn-lt"/>
                 <a:cs typeface="+mn-lt"/>
               </a:rPr>
               <a:t>Longa sequência de estrofes para dizer aos índios que com este sacramento, será dado conhecimento, amor, a compaixão de Cristo, a salvação.</a:t>
             </a:r>
-            <a:endParaRPr lang="en-US" dirty="0">
+            <a:endParaRPr lang="en-US" sz="2400">
+              <a:solidFill>
+                <a:schemeClr val="accent2">
+                  <a:lumMod val="50000"/>
+                </a:schemeClr>
+              </a:solidFill>
+              <a:latin typeface="Arial Nova"/>
               <a:ea typeface="+mn-lt"/>
               <a:cs typeface="+mn-lt"/>
             </a:endParaRPr>
@@ -8288,6 +10456,18 @@
   <p:clrMapOvr>
     <a:masterClrMapping/>
   </p:clrMapOvr>
+  <mc:AlternateContent xmlns:mc="http://schemas.openxmlformats.org/markup-compatibility/2006">
+    <mc:Choice xmlns:p15="http://schemas.microsoft.com/office/powerpoint/2012/main" Requires="p15">
+      <p:transition xmlns:p14="http://schemas.microsoft.com/office/powerpoint/2010/main" spd="slow" p14:dur="1750">
+        <p15:prstTrans prst="pageCurlDouble"/>
+      </p:transition>
+    </mc:Choice>
+    <mc:Fallback>
+      <p:transition spd="slow">
+        <p:fade/>
+      </p:transition>
+    </mc:Fallback>
+  </mc:AlternateContent>
 </p:sld>
 </file>
 
@@ -8310,31 +10490,6 @@
       </p:grpSpPr>
       <p:sp>
         <p:nvSpPr>
-          <p:cNvPr id="2" name="Title 1">
-            <a:extLst>
-              <a:ext uri="{FF2B5EF4-FFF2-40B4-BE49-F238E27FC236}">
-                <a16:creationId xmlns:a16="http://schemas.microsoft.com/office/drawing/2014/main" id="{C093D3C5-EFA3-6636-9EAA-2CD5B49C1AB1}"/>
-              </a:ext>
-            </a:extLst>
-          </p:cNvPr>
-          <p:cNvSpPr>
-            <a:spLocks noGrp="1"/>
-          </p:cNvSpPr>
-          <p:nvPr>
-            <p:ph type="title"/>
-          </p:nvPr>
-        </p:nvSpPr>
-        <p:spPr/>
-        <p:txBody>
-          <a:bodyPr/>
-          <a:lstStyle/>
-          <a:p>
-            <a:endParaRPr lang="en-US"/>
-          </a:p>
-        </p:txBody>
-      </p:sp>
-      <p:sp>
-        <p:nvSpPr>
           <p:cNvPr id="3" name="Content Placeholder 2">
             <a:extLst>
               <a:ext uri="{FF2B5EF4-FFF2-40B4-BE49-F238E27FC236}">
@@ -8349,240 +10504,341 @@
             <p:ph sz="half" idx="1"/>
           </p:nvPr>
         </p:nvSpPr>
-        <p:spPr/>
+        <p:spPr>
+          <a:xfrm>
+            <a:off x="651294" y="-299"/>
+            <a:ext cx="5181600" cy="6852998"/>
+          </a:xfrm>
+        </p:spPr>
         <p:txBody>
           <a:bodyPr vert="horz" lIns="91440" tIns="45720" rIns="91440" bIns="45720" rtlCol="0" anchor="t">
-            <a:normAutofit fontScale="32500" lnSpcReduction="20000"/>
+            <a:noAutofit/>
           </a:bodyPr>
           <a:lstStyle/>
           <a:p>
-            <a:r>
-              <a:rPr lang="pt-BR" dirty="0">
+            <a:pPr marL="0" indent="0">
+              <a:buNone/>
+            </a:pPr>
+            <a:r>
+              <a:rPr lang="pt-BR" sz="1700" dirty="0">
+                <a:latin typeface="Arial Nova"/>
                 <a:ea typeface="+mn-lt"/>
                 <a:cs typeface="+mn-lt"/>
               </a:rPr>
               <a:t>E desejam de morrer</a:t>
             </a:r>
-            <a:endParaRPr lang="en-US" dirty="0">
-              <a:ea typeface="+mn-lt"/>
-              <a:cs typeface="+mn-lt"/>
-            </a:endParaRPr>
-          </a:p>
-          <a:p>
-            <a:r>
-              <a:rPr lang="pt-BR" dirty="0">
+            <a:endParaRPr lang="en-US" sz="1700" dirty="0">
+              <a:latin typeface="Arial Nova"/>
+              <a:ea typeface="+mn-lt"/>
+              <a:cs typeface="+mn-lt"/>
+            </a:endParaRPr>
+          </a:p>
+          <a:p>
+            <a:pPr marL="0" indent="0">
+              <a:buNone/>
+            </a:pPr>
+            <a:r>
+              <a:rPr lang="pt-BR" sz="1700" dirty="0">
+                <a:latin typeface="Arial Nova"/>
                 <a:ea typeface="+mn-lt"/>
                 <a:cs typeface="+mn-lt"/>
               </a:rPr>
               <a:t>Por amor de seu amado,</a:t>
             </a:r>
-            <a:endParaRPr lang="en-US" dirty="0">
-              <a:ea typeface="+mn-lt"/>
-              <a:cs typeface="+mn-lt"/>
-            </a:endParaRPr>
-          </a:p>
-          <a:p>
-            <a:r>
-              <a:rPr lang="pt-BR" dirty="0">
+            <a:endParaRPr lang="en-US" sz="1700" dirty="0">
+              <a:latin typeface="Arial Nova"/>
+              <a:ea typeface="+mn-lt"/>
+              <a:cs typeface="+mn-lt"/>
+            </a:endParaRPr>
+          </a:p>
+          <a:p>
+            <a:pPr marL="0" indent="0">
+              <a:buNone/>
+            </a:pPr>
+            <a:r>
+              <a:rPr lang="pt-BR" sz="1700" dirty="0">
+                <a:latin typeface="Arial Nova"/>
                 <a:ea typeface="+mn-lt"/>
                 <a:cs typeface="+mn-lt"/>
               </a:rPr>
               <a:t>Vivendo sem ter cuidado</a:t>
             </a:r>
-            <a:endParaRPr lang="en-US" dirty="0">
-              <a:ea typeface="+mn-lt"/>
-              <a:cs typeface="+mn-lt"/>
-            </a:endParaRPr>
-          </a:p>
-          <a:p>
-            <a:r>
-              <a:rPr lang="pt-BR" dirty="0">
+            <a:endParaRPr lang="en-US" sz="1700" dirty="0">
+              <a:latin typeface="Arial Nova"/>
+              <a:ea typeface="+mn-lt"/>
+              <a:cs typeface="+mn-lt"/>
+            </a:endParaRPr>
+          </a:p>
+          <a:p>
+            <a:pPr marL="0" indent="0">
+              <a:buNone/>
+            </a:pPr>
+            <a:r>
+              <a:rPr lang="pt-BR" sz="1700" dirty="0">
+                <a:latin typeface="Arial Nova"/>
                 <a:ea typeface="+mn-lt"/>
                 <a:cs typeface="+mn-lt"/>
               </a:rPr>
               <a:t>Desta vida.</a:t>
             </a:r>
-            <a:endParaRPr lang="en-US" dirty="0">
-              <a:ea typeface="+mn-lt"/>
-              <a:cs typeface="+mn-lt"/>
-            </a:endParaRPr>
-          </a:p>
-          <a:p>
-            <a:endParaRPr lang="en-US" dirty="0">
-              <a:ea typeface="+mn-lt"/>
-              <a:cs typeface="+mn-lt"/>
-            </a:endParaRPr>
-          </a:p>
-          <a:p>
-            <a:r>
-              <a:rPr lang="pt-BR" dirty="0">
+            <a:endParaRPr lang="en-US" sz="1700" dirty="0">
+              <a:latin typeface="Arial Nova"/>
+              <a:ea typeface="+mn-lt"/>
+              <a:cs typeface="+mn-lt"/>
+            </a:endParaRPr>
+          </a:p>
+          <a:p>
+            <a:pPr marL="0" indent="0">
+              <a:buNone/>
+            </a:pPr>
+            <a:endParaRPr lang="en-US" sz="1700" dirty="0">
+              <a:latin typeface="Arial Nova"/>
+              <a:ea typeface="+mn-lt"/>
+              <a:cs typeface="+mn-lt"/>
+            </a:endParaRPr>
+          </a:p>
+          <a:p>
+            <a:pPr marL="0" indent="0">
+              <a:buNone/>
+            </a:pPr>
+            <a:r>
+              <a:rPr lang="pt-BR" sz="1700" dirty="0">
+                <a:latin typeface="Arial Nova"/>
                 <a:ea typeface="+mn-lt"/>
                 <a:cs typeface="+mn-lt"/>
               </a:rPr>
               <a:t>Quem viu nunca tal comida</a:t>
             </a:r>
-            <a:endParaRPr lang="en-US" dirty="0">
-              <a:ea typeface="+mn-lt"/>
-              <a:cs typeface="+mn-lt"/>
-            </a:endParaRPr>
-          </a:p>
-          <a:p>
-            <a:r>
-              <a:rPr lang="pt-BR" dirty="0">
+            <a:endParaRPr lang="en-US" sz="1700" dirty="0">
+              <a:latin typeface="Arial Nova"/>
+              <a:ea typeface="+mn-lt"/>
+              <a:cs typeface="+mn-lt"/>
+            </a:endParaRPr>
+          </a:p>
+          <a:p>
+            <a:pPr marL="0" indent="0">
+              <a:buNone/>
+            </a:pPr>
+            <a:r>
+              <a:rPr lang="pt-BR" sz="1700" dirty="0">
+                <a:latin typeface="Arial Nova"/>
                 <a:ea typeface="+mn-lt"/>
                 <a:cs typeface="+mn-lt"/>
               </a:rPr>
               <a:t>Que é o sumo de todo bem,</a:t>
             </a:r>
-            <a:endParaRPr lang="en-US" dirty="0">
-              <a:ea typeface="+mn-lt"/>
-              <a:cs typeface="+mn-lt"/>
-            </a:endParaRPr>
-          </a:p>
-          <a:p>
-            <a:r>
-              <a:rPr lang="pt-BR" dirty="0">
+            <a:endParaRPr lang="en-US" sz="1700" dirty="0">
+              <a:latin typeface="Arial Nova"/>
+              <a:ea typeface="+mn-lt"/>
+              <a:cs typeface="+mn-lt"/>
+            </a:endParaRPr>
+          </a:p>
+          <a:p>
+            <a:pPr marL="0" indent="0">
+              <a:buNone/>
+            </a:pPr>
+            <a:r>
+              <a:rPr lang="pt-BR" sz="1700" dirty="0">
+                <a:latin typeface="Arial Nova"/>
                 <a:ea typeface="+mn-lt"/>
                 <a:cs typeface="+mn-lt"/>
               </a:rPr>
               <a:t>Ai de nós que nos detém</a:t>
             </a:r>
-            <a:endParaRPr lang="en-US" dirty="0">
-              <a:ea typeface="+mn-lt"/>
-              <a:cs typeface="+mn-lt"/>
-            </a:endParaRPr>
-          </a:p>
-          <a:p>
-            <a:r>
-              <a:rPr lang="pt-BR" dirty="0">
+            <a:endParaRPr lang="en-US" sz="1700" dirty="0">
+              <a:latin typeface="Arial Nova"/>
+              <a:ea typeface="+mn-lt"/>
+              <a:cs typeface="+mn-lt"/>
+            </a:endParaRPr>
+          </a:p>
+          <a:p>
+            <a:pPr marL="0" indent="0">
+              <a:buNone/>
+            </a:pPr>
+            <a:r>
+              <a:rPr lang="pt-BR" sz="1700" dirty="0">
+                <a:latin typeface="Arial Nova"/>
                 <a:ea typeface="+mn-lt"/>
                 <a:cs typeface="+mn-lt"/>
               </a:rPr>
               <a:t>Que buscamos!</a:t>
             </a:r>
-            <a:endParaRPr lang="en-US" dirty="0">
-              <a:ea typeface="+mn-lt"/>
-              <a:cs typeface="+mn-lt"/>
-            </a:endParaRPr>
-          </a:p>
-          <a:p>
-            <a:endParaRPr lang="en-US" dirty="0">
-              <a:ea typeface="+mn-lt"/>
-              <a:cs typeface="+mn-lt"/>
-            </a:endParaRPr>
-          </a:p>
-          <a:p>
-            <a:r>
-              <a:rPr lang="pt-BR" dirty="0">
+            <a:endParaRPr lang="en-US" sz="1700" dirty="0">
+              <a:latin typeface="Arial Nova"/>
+              <a:ea typeface="+mn-lt"/>
+              <a:cs typeface="+mn-lt"/>
+            </a:endParaRPr>
+          </a:p>
+          <a:p>
+            <a:pPr marL="0" indent="0">
+              <a:buNone/>
+            </a:pPr>
+            <a:endParaRPr lang="en-US" sz="1700" dirty="0">
+              <a:latin typeface="Arial Nova"/>
+              <a:ea typeface="+mn-lt"/>
+              <a:cs typeface="+mn-lt"/>
+            </a:endParaRPr>
+          </a:p>
+          <a:p>
+            <a:pPr marL="0" indent="0">
+              <a:buNone/>
+            </a:pPr>
+            <a:r>
+              <a:rPr lang="pt-BR" sz="1700" dirty="0">
+                <a:latin typeface="Arial Nova"/>
                 <a:ea typeface="+mn-lt"/>
                 <a:cs typeface="+mn-lt"/>
               </a:rPr>
               <a:t>Como não nos enfrascamos</a:t>
             </a:r>
-            <a:endParaRPr lang="en-US" dirty="0">
-              <a:ea typeface="+mn-lt"/>
-              <a:cs typeface="+mn-lt"/>
-            </a:endParaRPr>
-          </a:p>
-          <a:p>
-            <a:r>
-              <a:rPr lang="pt-BR" dirty="0">
+            <a:endParaRPr lang="en-US" sz="1700" dirty="0">
+              <a:latin typeface="Arial Nova"/>
+              <a:ea typeface="+mn-lt"/>
+              <a:cs typeface="+mn-lt"/>
+            </a:endParaRPr>
+          </a:p>
+          <a:p>
+            <a:pPr marL="0" indent="0">
+              <a:buNone/>
+            </a:pPr>
+            <a:r>
+              <a:rPr lang="pt-BR" sz="1700" dirty="0">
+                <a:latin typeface="Arial Nova"/>
                 <a:ea typeface="+mn-lt"/>
                 <a:cs typeface="+mn-lt"/>
               </a:rPr>
               <a:t>Nos deleites deste Pão</a:t>
             </a:r>
-            <a:endParaRPr lang="en-US" dirty="0">
-              <a:ea typeface="+mn-lt"/>
-              <a:cs typeface="+mn-lt"/>
-            </a:endParaRPr>
-          </a:p>
-          <a:p>
-            <a:r>
-              <a:rPr lang="pt-BR" dirty="0">
+            <a:endParaRPr lang="en-US" sz="1700" dirty="0">
+              <a:latin typeface="Arial Nova"/>
+              <a:ea typeface="+mn-lt"/>
+              <a:cs typeface="+mn-lt"/>
+            </a:endParaRPr>
+          </a:p>
+          <a:p>
+            <a:pPr marL="0" indent="0">
+              <a:buNone/>
+            </a:pPr>
+            <a:r>
+              <a:rPr lang="pt-BR" sz="1700" dirty="0">
+                <a:latin typeface="Arial Nova"/>
                 <a:ea typeface="+mn-lt"/>
                 <a:cs typeface="+mn-lt"/>
               </a:rPr>
               <a:t>Com que o nosso coração</a:t>
             </a:r>
-            <a:endParaRPr lang="en-US" dirty="0">
-              <a:ea typeface="+mn-lt"/>
-              <a:cs typeface="+mn-lt"/>
-            </a:endParaRPr>
-          </a:p>
-          <a:p>
-            <a:r>
-              <a:rPr lang="pt-BR" dirty="0">
+            <a:endParaRPr lang="en-US" sz="1700" dirty="0">
+              <a:latin typeface="Arial Nova"/>
+              <a:ea typeface="+mn-lt"/>
+              <a:cs typeface="+mn-lt"/>
+            </a:endParaRPr>
+          </a:p>
+          <a:p>
+            <a:pPr marL="0" indent="0">
+              <a:buNone/>
+            </a:pPr>
+            <a:r>
+              <a:rPr lang="pt-BR" sz="1700" dirty="0">
+                <a:latin typeface="Arial Nova"/>
                 <a:ea typeface="+mn-lt"/>
                 <a:cs typeface="+mn-lt"/>
               </a:rPr>
               <a:t>Tem fartura.</a:t>
             </a:r>
-            <a:endParaRPr lang="en-US" dirty="0">
-              <a:ea typeface="+mn-lt"/>
-              <a:cs typeface="+mn-lt"/>
-            </a:endParaRPr>
-          </a:p>
-          <a:p>
-            <a:endParaRPr lang="en-US" dirty="0">
-              <a:ea typeface="+mn-lt"/>
-              <a:cs typeface="+mn-lt"/>
-            </a:endParaRPr>
-          </a:p>
-          <a:p>
-            <a:r>
-              <a:rPr lang="pt-BR" dirty="0">
+            <a:endParaRPr lang="en-US" sz="1700" dirty="0">
+              <a:latin typeface="Arial Nova"/>
+              <a:ea typeface="+mn-lt"/>
+              <a:cs typeface="+mn-lt"/>
+            </a:endParaRPr>
+          </a:p>
+          <a:p>
+            <a:pPr marL="0" indent="0">
+              <a:buNone/>
+            </a:pPr>
+            <a:endParaRPr lang="en-US" sz="1700" dirty="0">
+              <a:latin typeface="Arial Nova"/>
+              <a:ea typeface="+mn-lt"/>
+              <a:cs typeface="+mn-lt"/>
+            </a:endParaRPr>
+          </a:p>
+          <a:p>
+            <a:pPr marL="0" indent="0">
+              <a:buNone/>
+            </a:pPr>
+            <a:r>
+              <a:rPr lang="pt-BR" sz="1700" dirty="0">
+                <a:latin typeface="Arial Nova"/>
                 <a:ea typeface="+mn-lt"/>
                 <a:cs typeface="+mn-lt"/>
               </a:rPr>
               <a:t>Se buscarmos formosura</a:t>
             </a:r>
-            <a:endParaRPr lang="en-US" dirty="0">
-              <a:ea typeface="+mn-lt"/>
-              <a:cs typeface="+mn-lt"/>
-            </a:endParaRPr>
-          </a:p>
-          <a:p>
-            <a:r>
-              <a:rPr lang="pt-BR" dirty="0">
+            <a:endParaRPr lang="en-US" sz="1700" dirty="0">
+              <a:latin typeface="Arial Nova"/>
+              <a:ea typeface="+mn-lt"/>
+              <a:cs typeface="+mn-lt"/>
+            </a:endParaRPr>
+          </a:p>
+          <a:p>
+            <a:pPr marL="0" indent="0">
+              <a:buNone/>
+            </a:pPr>
+            <a:r>
+              <a:rPr lang="pt-BR" sz="1700" dirty="0">
+                <a:latin typeface="Arial Nova"/>
                 <a:ea typeface="+mn-lt"/>
                 <a:cs typeface="+mn-lt"/>
               </a:rPr>
               <a:t>Nele está toda metida,</a:t>
             </a:r>
-            <a:endParaRPr lang="en-US" dirty="0">
-              <a:ea typeface="+mn-lt"/>
-              <a:cs typeface="+mn-lt"/>
-            </a:endParaRPr>
-          </a:p>
-          <a:p>
-            <a:r>
-              <a:rPr lang="pt-BR" dirty="0">
+            <a:endParaRPr lang="en-US" sz="1700" dirty="0">
+              <a:latin typeface="Arial Nova"/>
+              <a:ea typeface="+mn-lt"/>
+              <a:cs typeface="+mn-lt"/>
+            </a:endParaRPr>
+          </a:p>
+          <a:p>
+            <a:pPr marL="0" indent="0">
+              <a:buNone/>
+            </a:pPr>
+            <a:r>
+              <a:rPr lang="pt-BR" sz="1700" dirty="0">
+                <a:latin typeface="Arial Nova"/>
                 <a:ea typeface="+mn-lt"/>
                 <a:cs typeface="+mn-lt"/>
               </a:rPr>
               <a:t>Se queremos achar vida,</a:t>
             </a:r>
-            <a:endParaRPr lang="en-US" dirty="0">
-              <a:ea typeface="+mn-lt"/>
-              <a:cs typeface="+mn-lt"/>
-            </a:endParaRPr>
-          </a:p>
-          <a:p>
-            <a:r>
-              <a:rPr lang="pt-BR" dirty="0">
+            <a:endParaRPr lang="en-US" sz="1700" dirty="0">
+              <a:latin typeface="Arial Nova"/>
+              <a:ea typeface="+mn-lt"/>
+              <a:cs typeface="+mn-lt"/>
+            </a:endParaRPr>
+          </a:p>
+          <a:p>
+            <a:pPr marL="0" indent="0">
+              <a:buNone/>
+            </a:pPr>
+            <a:r>
+              <a:rPr lang="pt-BR" sz="1700" dirty="0">
+                <a:latin typeface="Arial Nova"/>
                 <a:ea typeface="+mn-lt"/>
                 <a:cs typeface="+mn-lt"/>
               </a:rPr>
               <a:t>Esta é.</a:t>
             </a:r>
-            <a:endParaRPr lang="en-US" dirty="0">
-              <a:ea typeface="+mn-lt"/>
-              <a:cs typeface="+mn-lt"/>
-            </a:endParaRPr>
-          </a:p>
-          <a:p>
-            <a:endParaRPr lang="en-US" dirty="0">
+            <a:endParaRPr lang="en-US" sz="1700" dirty="0">
+              <a:latin typeface="Arial Nova"/>
+              <a:ea typeface="+mn-lt"/>
+              <a:cs typeface="+mn-lt"/>
+            </a:endParaRPr>
+          </a:p>
+          <a:p>
+            <a:pPr marL="0" indent="0">
+              <a:buNone/>
+            </a:pPr>
+            <a:endParaRPr lang="en-US" sz="1700" dirty="0">
+              <a:latin typeface="Arial Nova"/>
               <a:cs typeface="Calibri"/>
             </a:endParaRPr>
           </a:p>
@@ -8604,21 +10860,41 @@
             <p:ph sz="half" idx="2"/>
           </p:nvPr>
         </p:nvSpPr>
-        <p:spPr/>
+        <p:spPr>
+          <a:xfrm>
+            <a:off x="6100313" y="2386342"/>
+            <a:ext cx="5181600" cy="4351338"/>
+          </a:xfrm>
+        </p:spPr>
         <p:txBody>
           <a:bodyPr vert="horz" lIns="91440" tIns="45720" rIns="91440" bIns="45720" rtlCol="0" anchor="t">
-            <a:normAutofit fontScale="32500" lnSpcReduction="20000"/>
+            <a:normAutofit/>
           </a:bodyPr>
           <a:lstStyle/>
           <a:p>
-            <a:r>
-              <a:rPr lang="pt-BR" b="1" dirty="0">
+            <a:pPr marL="0" indent="0">
+              <a:buNone/>
+            </a:pPr>
+            <a:r>
+              <a:rPr lang="pt-BR" sz="2400" b="1" dirty="0">
+                <a:solidFill>
+                  <a:schemeClr val="accent2">
+                    <a:lumMod val="50000"/>
+                  </a:schemeClr>
+                </a:solidFill>
+                <a:latin typeface="Arial Nova"/>
                 <a:ea typeface="+mn-lt"/>
                 <a:cs typeface="+mn-lt"/>
               </a:rPr>
               <a:t>O pão é a vida, é a comida sagrada dada por Cristo, onde está contida toda a graça de Deus, e se queremos achar a salvação e a vida, no pão acharemos.</a:t>
             </a:r>
-            <a:endParaRPr lang="en-US" dirty="0">
+            <a:endParaRPr lang="en-US" sz="2400">
+              <a:solidFill>
+                <a:schemeClr val="accent2">
+                  <a:lumMod val="50000"/>
+                </a:schemeClr>
+              </a:solidFill>
+              <a:latin typeface="Arial Nova"/>
               <a:ea typeface="+mn-lt"/>
               <a:cs typeface="+mn-lt"/>
             </a:endParaRPr>
@@ -8635,6 +10911,18 @@
   <p:clrMapOvr>
     <a:masterClrMapping/>
   </p:clrMapOvr>
+  <mc:AlternateContent xmlns:mc="http://schemas.openxmlformats.org/markup-compatibility/2006">
+    <mc:Choice xmlns:p15="http://schemas.microsoft.com/office/powerpoint/2012/main" Requires="p15">
+      <p:transition xmlns:p14="http://schemas.microsoft.com/office/powerpoint/2010/main" spd="slow" p14:dur="1750">
+        <p15:prstTrans prst="pageCurlDouble"/>
+      </p:transition>
+    </mc:Choice>
+    <mc:Fallback>
+      <p:transition spd="slow">
+        <p:fade/>
+      </p:transition>
+    </mc:Fallback>
+  </mc:AlternateContent>
 </p:sld>
 </file>
 
